--- a/templates/Bulk Template.pptx
+++ b/templates/Bulk Template.pptx
@@ -22,7 +22,7 @@
     <p:sldId id="270" r:id="rId17"/>
   </p:sldIdLst>
   <p:sldSz cx="8280400" cy="11268075"/>
-  <p:notesSz cx="6858000" cy="9144000"/>
+  <p:notesSz cx="7559675" cy="10691813"/>
 </p:presentation>
 </file>
 
@@ -50,7 +50,7 @@
             <a:spLocks noGrp="1"/>
           </p:cNvSpPr>
           <p:nvPr>
-            <p:ph type="ftr" idx="2"/>
+            <p:ph type="ftr" idx="1"/>
           </p:nvPr>
         </p:nvSpPr>
         <p:spPr/>
@@ -70,14 +70,14 @@
             <a:spLocks noGrp="1"/>
           </p:cNvSpPr>
           <p:nvPr>
-            <p:ph type="sldNum" idx="3"/>
+            <p:ph type="sldNum" idx="2"/>
           </p:nvPr>
         </p:nvSpPr>
         <p:spPr/>
         <p:txBody>
           <a:bodyPr/>
           <a:p>
-            <a:fld id="{45BDCCE5-D84C-4B30-96DB-E4096E4A0A10}" type="slidenum">
+            <a:fld id="{EABB5E51-AA5A-4728-B51E-A3C54235B3BB}" type="slidenum">
               <a:t>&lt;#&gt;</a:t>
             </a:fld>
           </a:p>
@@ -90,7 +90,7 @@
             <a:spLocks noGrp="1"/>
           </p:cNvSpPr>
           <p:nvPr>
-            <p:ph type="dt" idx="1"/>
+            <p:ph type="dt" idx="3"/>
           </p:nvPr>
         </p:nvSpPr>
         <p:spPr/>
@@ -139,7 +139,7 @@
         <p:spPr>
           <a:xfrm>
             <a:off x="621000" y="1844280"/>
-            <a:ext cx="7038000" cy="3922560"/>
+            <a:ext cx="7037640" cy="3922200"/>
           </a:xfrm>
           <a:prstGeom prst="rect">
             <a:avLst/>
@@ -154,10 +154,10 @@
             <a:noAutofit/>
           </a:bodyPr>
           <a:p>
-            <a:pPr indent="0">
+            <a:pPr indent="0" algn="ctr">
               <a:buNone/>
             </a:pPr>
-            <a:endParaRPr b="0" lang="en-US" sz="1400" spc="-1" strike="noStrike">
+            <a:endParaRPr b="0" lang="en-US" sz="4400" spc="-1" strike="noStrike">
               <a:solidFill>
                 <a:srgbClr val="000000"/>
               </a:solidFill>
@@ -200,7 +200,7 @@
               </a:spcBef>
               <a:buNone/>
             </a:pPr>
-            <a:endParaRPr b="0" lang="en-US" sz="1400" spc="-1" strike="noStrike">
+            <a:endParaRPr b="0" lang="en-US" sz="3200" spc="-1" strike="noStrike">
               <a:solidFill>
                 <a:srgbClr val="000000"/>
               </a:solidFill>
@@ -243,7 +243,7 @@
               </a:spcBef>
               <a:buNone/>
             </a:pPr>
-            <a:endParaRPr b="0" lang="en-US" sz="1400" spc="-1" strike="noStrike">
+            <a:endParaRPr b="0" lang="en-US" sz="3200" spc="-1" strike="noStrike">
               <a:solidFill>
                 <a:srgbClr val="000000"/>
               </a:solidFill>
@@ -259,7 +259,7 @@
             <a:spLocks noGrp="1"/>
           </p:cNvSpPr>
           <p:nvPr>
-            <p:ph type="ftr" idx="2"/>
+            <p:ph type="ftr" idx="1"/>
           </p:nvPr>
         </p:nvSpPr>
         <p:spPr/>
@@ -279,14 +279,14 @@
             <a:spLocks noGrp="1"/>
           </p:cNvSpPr>
           <p:nvPr>
-            <p:ph type="sldNum" idx="3"/>
+            <p:ph type="sldNum" idx="2"/>
           </p:nvPr>
         </p:nvSpPr>
         <p:spPr/>
         <p:txBody>
           <a:bodyPr/>
           <a:p>
-            <a:fld id="{A2CA5A63-D698-4E2E-980A-0AB1B9610A1A}" type="slidenum">
+            <a:fld id="{340E7AF4-AA03-4E69-8A06-94E149E0E446}" type="slidenum">
               <a:t>&lt;#&gt;</a:t>
             </a:fld>
           </a:p>
@@ -299,7 +299,7 @@
             <a:spLocks noGrp="1"/>
           </p:cNvSpPr>
           <p:nvPr>
-            <p:ph type="dt" idx="1"/>
+            <p:ph type="dt" idx="3"/>
           </p:nvPr>
         </p:nvSpPr>
         <p:spPr/>
@@ -348,7 +348,7 @@
         <p:spPr>
           <a:xfrm>
             <a:off x="621000" y="1844280"/>
-            <a:ext cx="7038000" cy="3922560"/>
+            <a:ext cx="7037640" cy="3922200"/>
           </a:xfrm>
           <a:prstGeom prst="rect">
             <a:avLst/>
@@ -363,10 +363,10 @@
             <a:noAutofit/>
           </a:bodyPr>
           <a:p>
-            <a:pPr indent="0">
+            <a:pPr indent="0" algn="ctr">
               <a:buNone/>
             </a:pPr>
-            <a:endParaRPr b="0" lang="en-US" sz="1400" spc="-1" strike="noStrike">
+            <a:endParaRPr b="0" lang="en-US" sz="4400" spc="-1" strike="noStrike">
               <a:solidFill>
                 <a:srgbClr val="000000"/>
               </a:solidFill>
@@ -409,7 +409,7 @@
               </a:spcBef>
               <a:buNone/>
             </a:pPr>
-            <a:endParaRPr b="0" lang="en-US" sz="1400" spc="-1" strike="noStrike">
+            <a:endParaRPr b="0" lang="en-US" sz="3200" spc="-1" strike="noStrike">
               <a:solidFill>
                 <a:srgbClr val="000000"/>
               </a:solidFill>
@@ -452,7 +452,7 @@
               </a:spcBef>
               <a:buNone/>
             </a:pPr>
-            <a:endParaRPr b="0" lang="en-US" sz="1400" spc="-1" strike="noStrike">
+            <a:endParaRPr b="0" lang="en-US" sz="3200" spc="-1" strike="noStrike">
               <a:solidFill>
                 <a:srgbClr val="000000"/>
               </a:solidFill>
@@ -495,7 +495,7 @@
               </a:spcBef>
               <a:buNone/>
             </a:pPr>
-            <a:endParaRPr b="0" lang="en-US" sz="1400" spc="-1" strike="noStrike">
+            <a:endParaRPr b="0" lang="en-US" sz="3200" spc="-1" strike="noStrike">
               <a:solidFill>
                 <a:srgbClr val="000000"/>
               </a:solidFill>
@@ -538,7 +538,7 @@
               </a:spcBef>
               <a:buNone/>
             </a:pPr>
-            <a:endParaRPr b="0" lang="en-US" sz="1400" spc="-1" strike="noStrike">
+            <a:endParaRPr b="0" lang="en-US" sz="3200" spc="-1" strike="noStrike">
               <a:solidFill>
                 <a:srgbClr val="000000"/>
               </a:solidFill>
@@ -554,7 +554,7 @@
             <a:spLocks noGrp="1"/>
           </p:cNvSpPr>
           <p:nvPr>
-            <p:ph type="ftr" idx="2"/>
+            <p:ph type="ftr" idx="1"/>
           </p:nvPr>
         </p:nvSpPr>
         <p:spPr/>
@@ -574,14 +574,14 @@
             <a:spLocks noGrp="1"/>
           </p:cNvSpPr>
           <p:nvPr>
-            <p:ph type="sldNum" idx="3"/>
+            <p:ph type="sldNum" idx="2"/>
           </p:nvPr>
         </p:nvSpPr>
         <p:spPr/>
         <p:txBody>
           <a:bodyPr/>
           <a:p>
-            <a:fld id="{D318754C-6E32-4F76-B4DE-433DA8DED744}" type="slidenum">
+            <a:fld id="{68717E3C-FA08-4CC7-90E8-029455670F1B}" type="slidenum">
               <a:t>&lt;#&gt;</a:t>
             </a:fld>
           </a:p>
@@ -594,7 +594,7 @@
             <a:spLocks noGrp="1"/>
           </p:cNvSpPr>
           <p:nvPr>
-            <p:ph type="dt" idx="1"/>
+            <p:ph type="dt" idx="3"/>
           </p:nvPr>
         </p:nvSpPr>
         <p:spPr/>
@@ -643,7 +643,7 @@
         <p:spPr>
           <a:xfrm>
             <a:off x="621000" y="1844280"/>
-            <a:ext cx="7038000" cy="3922560"/>
+            <a:ext cx="7037640" cy="3922200"/>
           </a:xfrm>
           <a:prstGeom prst="rect">
             <a:avLst/>
@@ -658,10 +658,10 @@
             <a:noAutofit/>
           </a:bodyPr>
           <a:p>
-            <a:pPr indent="0">
+            <a:pPr indent="0" algn="ctr">
               <a:buNone/>
             </a:pPr>
-            <a:endParaRPr b="0" lang="en-US" sz="1400" spc="-1" strike="noStrike">
+            <a:endParaRPr b="0" lang="en-US" sz="4400" spc="-1" strike="noStrike">
               <a:solidFill>
                 <a:srgbClr val="000000"/>
               </a:solidFill>
@@ -704,7 +704,7 @@
               </a:spcBef>
               <a:buNone/>
             </a:pPr>
-            <a:endParaRPr b="0" lang="en-US" sz="1400" spc="-1" strike="noStrike">
+            <a:endParaRPr b="0" lang="en-US" sz="3200" spc="-1" strike="noStrike">
               <a:solidFill>
                 <a:srgbClr val="000000"/>
               </a:solidFill>
@@ -747,7 +747,7 @@
               </a:spcBef>
               <a:buNone/>
             </a:pPr>
-            <a:endParaRPr b="0" lang="en-US" sz="1400" spc="-1" strike="noStrike">
+            <a:endParaRPr b="0" lang="en-US" sz="3200" spc="-1" strike="noStrike">
               <a:solidFill>
                 <a:srgbClr val="000000"/>
               </a:solidFill>
@@ -790,7 +790,7 @@
               </a:spcBef>
               <a:buNone/>
             </a:pPr>
-            <a:endParaRPr b="0" lang="en-US" sz="1400" spc="-1" strike="noStrike">
+            <a:endParaRPr b="0" lang="en-US" sz="3200" spc="-1" strike="noStrike">
               <a:solidFill>
                 <a:srgbClr val="000000"/>
               </a:solidFill>
@@ -833,7 +833,7 @@
               </a:spcBef>
               <a:buNone/>
             </a:pPr>
-            <a:endParaRPr b="0" lang="en-US" sz="1400" spc="-1" strike="noStrike">
+            <a:endParaRPr b="0" lang="en-US" sz="3200" spc="-1" strike="noStrike">
               <a:solidFill>
                 <a:srgbClr val="000000"/>
               </a:solidFill>
@@ -876,7 +876,7 @@
               </a:spcBef>
               <a:buNone/>
             </a:pPr>
-            <a:endParaRPr b="0" lang="en-US" sz="1400" spc="-1" strike="noStrike">
+            <a:endParaRPr b="0" lang="en-US" sz="3200" spc="-1" strike="noStrike">
               <a:solidFill>
                 <a:srgbClr val="000000"/>
               </a:solidFill>
@@ -919,7 +919,7 @@
               </a:spcBef>
               <a:buNone/>
             </a:pPr>
-            <a:endParaRPr b="0" lang="en-US" sz="1400" spc="-1" strike="noStrike">
+            <a:endParaRPr b="0" lang="en-US" sz="3200" spc="-1" strike="noStrike">
               <a:solidFill>
                 <a:srgbClr val="000000"/>
               </a:solidFill>
@@ -935,7 +935,7 @@
             <a:spLocks noGrp="1"/>
           </p:cNvSpPr>
           <p:nvPr>
-            <p:ph type="ftr" idx="2"/>
+            <p:ph type="ftr" idx="1"/>
           </p:nvPr>
         </p:nvSpPr>
         <p:spPr/>
@@ -955,14 +955,14 @@
             <a:spLocks noGrp="1"/>
           </p:cNvSpPr>
           <p:nvPr>
-            <p:ph type="sldNum" idx="3"/>
+            <p:ph type="sldNum" idx="2"/>
           </p:nvPr>
         </p:nvSpPr>
         <p:spPr/>
         <p:txBody>
           <a:bodyPr/>
           <a:p>
-            <a:fld id="{EEABC365-61C9-4197-9C62-A0338C3A0ADD}" type="slidenum">
+            <a:fld id="{BEE9476F-9ACC-4189-8582-454CFAC3D900}" type="slidenum">
               <a:t>&lt;#&gt;</a:t>
             </a:fld>
           </a:p>
@@ -975,7 +975,7 @@
             <a:spLocks noGrp="1"/>
           </p:cNvSpPr>
           <p:nvPr>
-            <p:ph type="dt" idx="1"/>
+            <p:ph type="dt" idx="3"/>
           </p:nvPr>
         </p:nvSpPr>
         <p:spPr/>
@@ -1024,7 +1024,7 @@
         <p:spPr>
           <a:xfrm>
             <a:off x="621000" y="1844280"/>
-            <a:ext cx="7038000" cy="3922560"/>
+            <a:ext cx="7037640" cy="3922200"/>
           </a:xfrm>
           <a:prstGeom prst="rect">
             <a:avLst/>
@@ -1039,10 +1039,10 @@
             <a:noAutofit/>
           </a:bodyPr>
           <a:p>
-            <a:pPr indent="0">
+            <a:pPr indent="0" algn="ctr">
               <a:buNone/>
             </a:pPr>
-            <a:endParaRPr b="0" lang="en-US" sz="1400" spc="-1" strike="noStrike">
+            <a:endParaRPr b="0" lang="en-US" sz="4400" spc="-1" strike="noStrike">
               <a:solidFill>
                 <a:srgbClr val="000000"/>
               </a:solidFill>
@@ -1098,7 +1098,7 @@
             <a:spLocks noGrp="1"/>
           </p:cNvSpPr>
           <p:nvPr>
-            <p:ph type="ftr" idx="2"/>
+            <p:ph type="ftr" idx="1"/>
           </p:nvPr>
         </p:nvSpPr>
         <p:spPr/>
@@ -1118,14 +1118,14 @@
             <a:spLocks noGrp="1"/>
           </p:cNvSpPr>
           <p:nvPr>
-            <p:ph type="sldNum" idx="3"/>
+            <p:ph type="sldNum" idx="2"/>
           </p:nvPr>
         </p:nvSpPr>
         <p:spPr/>
         <p:txBody>
           <a:bodyPr/>
           <a:p>
-            <a:fld id="{A2B248EE-2511-4F9F-8789-0FF5C6E65B8A}" type="slidenum">
+            <a:fld id="{D6C14B71-CE24-4D75-91A4-269910BE8360}" type="slidenum">
               <a:t>&lt;#&gt;</a:t>
             </a:fld>
           </a:p>
@@ -1138,7 +1138,7 @@
             <a:spLocks noGrp="1"/>
           </p:cNvSpPr>
           <p:nvPr>
-            <p:ph type="dt" idx="1"/>
+            <p:ph type="dt" idx="3"/>
           </p:nvPr>
         </p:nvSpPr>
         <p:spPr/>
@@ -1187,7 +1187,7 @@
         <p:spPr>
           <a:xfrm>
             <a:off x="621000" y="1844280"/>
-            <a:ext cx="7038000" cy="3922560"/>
+            <a:ext cx="7037640" cy="3922200"/>
           </a:xfrm>
           <a:prstGeom prst="rect">
             <a:avLst/>
@@ -1202,10 +1202,10 @@
             <a:noAutofit/>
           </a:bodyPr>
           <a:p>
-            <a:pPr indent="0">
+            <a:pPr indent="0" algn="ctr">
               <a:buNone/>
             </a:pPr>
-            <a:endParaRPr b="0" lang="en-US" sz="1400" spc="-1" strike="noStrike">
+            <a:endParaRPr b="0" lang="en-US" sz="4400" spc="-1" strike="noStrike">
               <a:solidFill>
                 <a:srgbClr val="000000"/>
               </a:solidFill>
@@ -1248,7 +1248,7 @@
               </a:spcBef>
               <a:buNone/>
             </a:pPr>
-            <a:endParaRPr b="0" lang="en-US" sz="1400" spc="-1" strike="noStrike">
+            <a:endParaRPr b="0" lang="en-US" sz="3200" spc="-1" strike="noStrike">
               <a:solidFill>
                 <a:srgbClr val="000000"/>
               </a:solidFill>
@@ -1264,7 +1264,7 @@
             <a:spLocks noGrp="1"/>
           </p:cNvSpPr>
           <p:nvPr>
-            <p:ph type="ftr" idx="2"/>
+            <p:ph type="ftr" idx="1"/>
           </p:nvPr>
         </p:nvSpPr>
         <p:spPr/>
@@ -1284,14 +1284,14 @@
             <a:spLocks noGrp="1"/>
           </p:cNvSpPr>
           <p:nvPr>
-            <p:ph type="sldNum" idx="3"/>
+            <p:ph type="sldNum" idx="2"/>
           </p:nvPr>
         </p:nvSpPr>
         <p:spPr/>
         <p:txBody>
           <a:bodyPr/>
           <a:p>
-            <a:fld id="{989064A3-520B-46D6-B2EC-4F3C5EF313F5}" type="slidenum">
+            <a:fld id="{F15358AB-1794-432E-BD44-815750DC6F94}" type="slidenum">
               <a:t>&lt;#&gt;</a:t>
             </a:fld>
           </a:p>
@@ -1304,7 +1304,7 @@
             <a:spLocks noGrp="1"/>
           </p:cNvSpPr>
           <p:nvPr>
-            <p:ph type="dt" idx="1"/>
+            <p:ph type="dt" idx="3"/>
           </p:nvPr>
         </p:nvSpPr>
         <p:spPr/>
@@ -1353,7 +1353,7 @@
         <p:spPr>
           <a:xfrm>
             <a:off x="621000" y="1844280"/>
-            <a:ext cx="7038000" cy="3922560"/>
+            <a:ext cx="7037640" cy="3922200"/>
           </a:xfrm>
           <a:prstGeom prst="rect">
             <a:avLst/>
@@ -1368,10 +1368,10 @@
             <a:noAutofit/>
           </a:bodyPr>
           <a:p>
-            <a:pPr indent="0">
+            <a:pPr indent="0" algn="ctr">
               <a:buNone/>
             </a:pPr>
-            <a:endParaRPr b="0" lang="en-US" sz="1400" spc="-1" strike="noStrike">
+            <a:endParaRPr b="0" lang="en-US" sz="4400" spc="-1" strike="noStrike">
               <a:solidFill>
                 <a:srgbClr val="000000"/>
               </a:solidFill>
@@ -1414,7 +1414,7 @@
               </a:spcBef>
               <a:buNone/>
             </a:pPr>
-            <a:endParaRPr b="0" lang="en-US" sz="1400" spc="-1" strike="noStrike">
+            <a:endParaRPr b="0" lang="en-US" sz="3200" spc="-1" strike="noStrike">
               <a:solidFill>
                 <a:srgbClr val="000000"/>
               </a:solidFill>
@@ -1457,7 +1457,7 @@
               </a:spcBef>
               <a:buNone/>
             </a:pPr>
-            <a:endParaRPr b="0" lang="en-US" sz="1400" spc="-1" strike="noStrike">
+            <a:endParaRPr b="0" lang="en-US" sz="3200" spc="-1" strike="noStrike">
               <a:solidFill>
                 <a:srgbClr val="000000"/>
               </a:solidFill>
@@ -1473,7 +1473,7 @@
             <a:spLocks noGrp="1"/>
           </p:cNvSpPr>
           <p:nvPr>
-            <p:ph type="ftr" idx="2"/>
+            <p:ph type="ftr" idx="1"/>
           </p:nvPr>
         </p:nvSpPr>
         <p:spPr/>
@@ -1493,14 +1493,14 @@
             <a:spLocks noGrp="1"/>
           </p:cNvSpPr>
           <p:nvPr>
-            <p:ph type="sldNum" idx="3"/>
+            <p:ph type="sldNum" idx="2"/>
           </p:nvPr>
         </p:nvSpPr>
         <p:spPr/>
         <p:txBody>
           <a:bodyPr/>
           <a:p>
-            <a:fld id="{FA4EB5F0-815A-4B14-AC79-B33F8B836751}" type="slidenum">
+            <a:fld id="{CB7ACF8F-CA5A-401D-9784-16EA1838B913}" type="slidenum">
               <a:t>&lt;#&gt;</a:t>
             </a:fld>
           </a:p>
@@ -1513,7 +1513,7 @@
             <a:spLocks noGrp="1"/>
           </p:cNvSpPr>
           <p:nvPr>
-            <p:ph type="dt" idx="1"/>
+            <p:ph type="dt" idx="3"/>
           </p:nvPr>
         </p:nvSpPr>
         <p:spPr/>
@@ -1562,7 +1562,7 @@
         <p:spPr>
           <a:xfrm>
             <a:off x="621000" y="1844280"/>
-            <a:ext cx="7038000" cy="3922560"/>
+            <a:ext cx="7037640" cy="3922200"/>
           </a:xfrm>
           <a:prstGeom prst="rect">
             <a:avLst/>
@@ -1577,10 +1577,10 @@
             <a:noAutofit/>
           </a:bodyPr>
           <a:p>
-            <a:pPr indent="0">
+            <a:pPr indent="0" algn="ctr">
               <a:buNone/>
             </a:pPr>
-            <a:endParaRPr b="0" lang="en-US" sz="1400" spc="-1" strike="noStrike">
+            <a:endParaRPr b="0" lang="en-US" sz="4400" spc="-1" strike="noStrike">
               <a:solidFill>
                 <a:srgbClr val="000000"/>
               </a:solidFill>
@@ -1596,7 +1596,7 @@
             <a:spLocks noGrp="1"/>
           </p:cNvSpPr>
           <p:nvPr>
-            <p:ph type="ftr" idx="2"/>
+            <p:ph type="ftr" idx="1"/>
           </p:nvPr>
         </p:nvSpPr>
         <p:spPr/>
@@ -1616,14 +1616,14 @@
             <a:spLocks noGrp="1"/>
           </p:cNvSpPr>
           <p:nvPr>
-            <p:ph type="sldNum" idx="3"/>
+            <p:ph type="sldNum" idx="2"/>
           </p:nvPr>
         </p:nvSpPr>
         <p:spPr/>
         <p:txBody>
           <a:bodyPr/>
           <a:p>
-            <a:fld id="{BE3C28E5-D4E1-418A-A9E5-66922986F15F}" type="slidenum">
+            <a:fld id="{F9575EF6-D7B4-4F9F-8268-6ECA8EEE82BC}" type="slidenum">
               <a:t>&lt;#&gt;</a:t>
             </a:fld>
           </a:p>
@@ -1636,7 +1636,7 @@
             <a:spLocks noGrp="1"/>
           </p:cNvSpPr>
           <p:nvPr>
-            <p:ph type="dt" idx="1"/>
+            <p:ph type="dt" idx="3"/>
           </p:nvPr>
         </p:nvSpPr>
         <p:spPr/>
@@ -1685,7 +1685,7 @@
         <p:spPr>
           <a:xfrm>
             <a:off x="621000" y="1844280"/>
-            <a:ext cx="7038000" cy="18183960"/>
+            <a:ext cx="7037640" cy="18182160"/>
           </a:xfrm>
           <a:prstGeom prst="rect">
             <a:avLst/>
@@ -1717,7 +1717,7 @@
             <a:spLocks noGrp="1"/>
           </p:cNvSpPr>
           <p:nvPr>
-            <p:ph type="ftr" idx="2"/>
+            <p:ph type="ftr" idx="1"/>
           </p:nvPr>
         </p:nvSpPr>
         <p:spPr/>
@@ -1737,14 +1737,14 @@
             <a:spLocks noGrp="1"/>
           </p:cNvSpPr>
           <p:nvPr>
-            <p:ph type="sldNum" idx="3"/>
+            <p:ph type="sldNum" idx="2"/>
           </p:nvPr>
         </p:nvSpPr>
         <p:spPr/>
         <p:txBody>
           <a:bodyPr/>
           <a:p>
-            <a:fld id="{F620EAC2-EC90-4901-B8AD-2654EA89258C}" type="slidenum">
+            <a:fld id="{EB1AF66E-17D5-4548-8B60-5A3843F0AE80}" type="slidenum">
               <a:t>&lt;#&gt;</a:t>
             </a:fld>
           </a:p>
@@ -1757,7 +1757,7 @@
             <a:spLocks noGrp="1"/>
           </p:cNvSpPr>
           <p:nvPr>
-            <p:ph type="dt" idx="1"/>
+            <p:ph type="dt" idx="3"/>
           </p:nvPr>
         </p:nvSpPr>
         <p:spPr/>
@@ -1806,7 +1806,7 @@
         <p:spPr>
           <a:xfrm>
             <a:off x="621000" y="1844280"/>
-            <a:ext cx="7038000" cy="3922560"/>
+            <a:ext cx="7037640" cy="3922200"/>
           </a:xfrm>
           <a:prstGeom prst="rect">
             <a:avLst/>
@@ -1821,10 +1821,10 @@
             <a:noAutofit/>
           </a:bodyPr>
           <a:p>
-            <a:pPr indent="0">
+            <a:pPr indent="0" algn="ctr">
               <a:buNone/>
             </a:pPr>
-            <a:endParaRPr b="0" lang="en-US" sz="1400" spc="-1" strike="noStrike">
+            <a:endParaRPr b="0" lang="en-US" sz="4400" spc="-1" strike="noStrike">
               <a:solidFill>
                 <a:srgbClr val="000000"/>
               </a:solidFill>
@@ -1867,7 +1867,7 @@
               </a:spcBef>
               <a:buNone/>
             </a:pPr>
-            <a:endParaRPr b="0" lang="en-US" sz="1400" spc="-1" strike="noStrike">
+            <a:endParaRPr b="0" lang="en-US" sz="3200" spc="-1" strike="noStrike">
               <a:solidFill>
                 <a:srgbClr val="000000"/>
               </a:solidFill>
@@ -1910,7 +1910,7 @@
               </a:spcBef>
               <a:buNone/>
             </a:pPr>
-            <a:endParaRPr b="0" lang="en-US" sz="1400" spc="-1" strike="noStrike">
+            <a:endParaRPr b="0" lang="en-US" sz="3200" spc="-1" strike="noStrike">
               <a:solidFill>
                 <a:srgbClr val="000000"/>
               </a:solidFill>
@@ -1953,7 +1953,7 @@
               </a:spcBef>
               <a:buNone/>
             </a:pPr>
-            <a:endParaRPr b="0" lang="en-US" sz="1400" spc="-1" strike="noStrike">
+            <a:endParaRPr b="0" lang="en-US" sz="3200" spc="-1" strike="noStrike">
               <a:solidFill>
                 <a:srgbClr val="000000"/>
               </a:solidFill>
@@ -1969,7 +1969,7 @@
             <a:spLocks noGrp="1"/>
           </p:cNvSpPr>
           <p:nvPr>
-            <p:ph type="ftr" idx="2"/>
+            <p:ph type="ftr" idx="1"/>
           </p:nvPr>
         </p:nvSpPr>
         <p:spPr/>
@@ -1989,14 +1989,14 @@
             <a:spLocks noGrp="1"/>
           </p:cNvSpPr>
           <p:nvPr>
-            <p:ph type="sldNum" idx="3"/>
+            <p:ph type="sldNum" idx="2"/>
           </p:nvPr>
         </p:nvSpPr>
         <p:spPr/>
         <p:txBody>
           <a:bodyPr/>
           <a:p>
-            <a:fld id="{6AC81E44-169D-4B9F-A0E4-8CA7DC2B7DF7}" type="slidenum">
+            <a:fld id="{6DF87468-84AF-4BF6-8DB1-18B8CB31E48C}" type="slidenum">
               <a:t>&lt;#&gt;</a:t>
             </a:fld>
           </a:p>
@@ -2009,7 +2009,7 @@
             <a:spLocks noGrp="1"/>
           </p:cNvSpPr>
           <p:nvPr>
-            <p:ph type="dt" idx="1"/>
+            <p:ph type="dt" idx="3"/>
           </p:nvPr>
         </p:nvSpPr>
         <p:spPr/>
@@ -2058,7 +2058,7 @@
         <p:spPr>
           <a:xfrm>
             <a:off x="621000" y="1844280"/>
-            <a:ext cx="7038000" cy="3922560"/>
+            <a:ext cx="7037640" cy="3922200"/>
           </a:xfrm>
           <a:prstGeom prst="rect">
             <a:avLst/>
@@ -2073,10 +2073,10 @@
             <a:noAutofit/>
           </a:bodyPr>
           <a:p>
-            <a:pPr indent="0">
+            <a:pPr indent="0" algn="ctr">
               <a:buNone/>
             </a:pPr>
-            <a:endParaRPr b="0" lang="en-US" sz="1400" spc="-1" strike="noStrike">
+            <a:endParaRPr b="0" lang="en-US" sz="4400" spc="-1" strike="noStrike">
               <a:solidFill>
                 <a:srgbClr val="000000"/>
               </a:solidFill>
@@ -2119,7 +2119,7 @@
               </a:spcBef>
               <a:buNone/>
             </a:pPr>
-            <a:endParaRPr b="0" lang="en-US" sz="1400" spc="-1" strike="noStrike">
+            <a:endParaRPr b="0" lang="en-US" sz="3200" spc="-1" strike="noStrike">
               <a:solidFill>
                 <a:srgbClr val="000000"/>
               </a:solidFill>
@@ -2162,7 +2162,7 @@
               </a:spcBef>
               <a:buNone/>
             </a:pPr>
-            <a:endParaRPr b="0" lang="en-US" sz="1400" spc="-1" strike="noStrike">
+            <a:endParaRPr b="0" lang="en-US" sz="3200" spc="-1" strike="noStrike">
               <a:solidFill>
                 <a:srgbClr val="000000"/>
               </a:solidFill>
@@ -2205,7 +2205,7 @@
               </a:spcBef>
               <a:buNone/>
             </a:pPr>
-            <a:endParaRPr b="0" lang="en-US" sz="1400" spc="-1" strike="noStrike">
+            <a:endParaRPr b="0" lang="en-US" sz="3200" spc="-1" strike="noStrike">
               <a:solidFill>
                 <a:srgbClr val="000000"/>
               </a:solidFill>
@@ -2221,7 +2221,7 @@
             <a:spLocks noGrp="1"/>
           </p:cNvSpPr>
           <p:nvPr>
-            <p:ph type="ftr" idx="2"/>
+            <p:ph type="ftr" idx="1"/>
           </p:nvPr>
         </p:nvSpPr>
         <p:spPr/>
@@ -2241,14 +2241,14 @@
             <a:spLocks noGrp="1"/>
           </p:cNvSpPr>
           <p:nvPr>
-            <p:ph type="sldNum" idx="3"/>
+            <p:ph type="sldNum" idx="2"/>
           </p:nvPr>
         </p:nvSpPr>
         <p:spPr/>
         <p:txBody>
           <a:bodyPr/>
           <a:p>
-            <a:fld id="{F4955C28-2754-405C-B411-DD1DD640EE46}" type="slidenum">
+            <a:fld id="{E9D1A691-1CAA-4B3D-B78D-22D3A9B7B1FB}" type="slidenum">
               <a:t>&lt;#&gt;</a:t>
             </a:fld>
           </a:p>
@@ -2261,7 +2261,7 @@
             <a:spLocks noGrp="1"/>
           </p:cNvSpPr>
           <p:nvPr>
-            <p:ph type="dt" idx="1"/>
+            <p:ph type="dt" idx="3"/>
           </p:nvPr>
         </p:nvSpPr>
         <p:spPr/>
@@ -2310,7 +2310,7 @@
         <p:spPr>
           <a:xfrm>
             <a:off x="621000" y="1844280"/>
-            <a:ext cx="7038000" cy="3922560"/>
+            <a:ext cx="7037640" cy="3922200"/>
           </a:xfrm>
           <a:prstGeom prst="rect">
             <a:avLst/>
@@ -2325,10 +2325,10 @@
             <a:noAutofit/>
           </a:bodyPr>
           <a:p>
-            <a:pPr indent="0">
+            <a:pPr indent="0" algn="ctr">
               <a:buNone/>
             </a:pPr>
-            <a:endParaRPr b="0" lang="en-US" sz="1400" spc="-1" strike="noStrike">
+            <a:endParaRPr b="0" lang="en-US" sz="4400" spc="-1" strike="noStrike">
               <a:solidFill>
                 <a:srgbClr val="000000"/>
               </a:solidFill>
@@ -2371,7 +2371,7 @@
               </a:spcBef>
               <a:buNone/>
             </a:pPr>
-            <a:endParaRPr b="0" lang="en-US" sz="1400" spc="-1" strike="noStrike">
+            <a:endParaRPr b="0" lang="en-US" sz="3200" spc="-1" strike="noStrike">
               <a:solidFill>
                 <a:srgbClr val="000000"/>
               </a:solidFill>
@@ -2414,7 +2414,7 @@
               </a:spcBef>
               <a:buNone/>
             </a:pPr>
-            <a:endParaRPr b="0" lang="en-US" sz="1400" spc="-1" strike="noStrike">
+            <a:endParaRPr b="0" lang="en-US" sz="3200" spc="-1" strike="noStrike">
               <a:solidFill>
                 <a:srgbClr val="000000"/>
               </a:solidFill>
@@ -2457,7 +2457,7 @@
               </a:spcBef>
               <a:buNone/>
             </a:pPr>
-            <a:endParaRPr b="0" lang="en-US" sz="1400" spc="-1" strike="noStrike">
+            <a:endParaRPr b="0" lang="en-US" sz="3200" spc="-1" strike="noStrike">
               <a:solidFill>
                 <a:srgbClr val="000000"/>
               </a:solidFill>
@@ -2473,7 +2473,7 @@
             <a:spLocks noGrp="1"/>
           </p:cNvSpPr>
           <p:nvPr>
-            <p:ph type="ftr" idx="2"/>
+            <p:ph type="ftr" idx="1"/>
           </p:nvPr>
         </p:nvSpPr>
         <p:spPr/>
@@ -2493,14 +2493,14 @@
             <a:spLocks noGrp="1"/>
           </p:cNvSpPr>
           <p:nvPr>
-            <p:ph type="sldNum" idx="3"/>
+            <p:ph type="sldNum" idx="2"/>
           </p:nvPr>
         </p:nvSpPr>
         <p:spPr/>
         <p:txBody>
           <a:bodyPr/>
           <a:p>
-            <a:fld id="{92579244-9EBC-4F4D-BD1A-A80E0927FAE0}" type="slidenum">
+            <a:fld id="{A67B79D1-B154-4958-8CA5-E4CA60B36B8F}" type="slidenum">
               <a:t>&lt;#&gt;</a:t>
             </a:fld>
           </a:p>
@@ -2513,7 +2513,7 @@
             <a:spLocks noGrp="1"/>
           </p:cNvSpPr>
           <p:nvPr>
-            <p:ph type="dt" idx="1"/>
+            <p:ph type="dt" idx="3"/>
           </p:nvPr>
         </p:nvSpPr>
         <p:spPr/>
@@ -2569,26 +2569,26 @@
         <p:spPr>
           <a:xfrm>
             <a:off x="621000" y="1844280"/>
-            <a:ext cx="7038000" cy="3922560"/>
-          </a:xfrm>
-          <a:prstGeom prst="rect">
-            <a:avLst/>
-          </a:prstGeom>
-          <a:noFill/>
-          <a:ln w="0">
-            <a:noFill/>
-          </a:ln>
-        </p:spPr>
-        <p:txBody>
-          <a:bodyPr anchor="b">
-            <a:normAutofit/>
+            <a:ext cx="7037640" cy="3922200"/>
+          </a:xfrm>
+          <a:prstGeom prst="rect">
+            <a:avLst/>
+          </a:prstGeom>
+          <a:noFill/>
+          <a:ln w="0">
+            <a:noFill/>
+          </a:ln>
+        </p:spPr>
+        <p:txBody>
+          <a:bodyPr lIns="0" rIns="0" tIns="0" bIns="0" anchor="ctr">
+            <a:noAutofit/>
           </a:bodyPr>
           <a:p>
             <a:pPr indent="0">
               <a:buNone/>
             </a:pPr>
             <a:r>
-              <a:rPr b="0" lang="en-US" sz="5430" spc="-1" strike="noStrike">
+              <a:rPr b="0" lang="en-US" sz="1800" spc="-1" strike="noStrike">
                 <a:solidFill>
                   <a:srgbClr val="000000"/>
                 </a:solidFill>
@@ -2596,7 +2596,7 @@
               </a:rPr>
               <a:t>Click to edit the title text format</a:t>
             </a:r>
-            <a:endParaRPr b="0" lang="en-US" sz="5430" spc="-1" strike="noStrike">
+            <a:endParaRPr b="0" lang="en-US" sz="1800" spc="-1" strike="noStrike">
               <a:solidFill>
                 <a:srgbClr val="000000"/>
               </a:solidFill>
@@ -2612,29 +2612,35 @@
             <a:spLocks noGrp="1"/>
           </p:cNvSpPr>
           <p:nvPr>
-            <p:ph type="dt" idx="1"/>
+            <p:ph type="ftr" idx="1"/>
           </p:nvPr>
         </p:nvSpPr>
         <p:spPr>
           <a:xfrm>
-            <a:off x="569160" y="10443960"/>
-            <a:ext cx="1862640" cy="599400"/>
-          </a:xfrm>
-          <a:prstGeom prst="rect">
-            <a:avLst/>
-          </a:prstGeom>
-          <a:noFill/>
-          <a:ln w="0">
-            <a:noFill/>
-          </a:ln>
-        </p:spPr>
-        <p:txBody>
-          <a:bodyPr anchor="ctr">
+            <a:off x="2742840" y="10443960"/>
+            <a:ext cx="2793960" cy="599040"/>
+          </a:xfrm>
+          <a:prstGeom prst="rect">
+            <a:avLst/>
+          </a:prstGeom>
+          <a:noFill/>
+          <a:ln w="0">
+            <a:noFill/>
+          </a:ln>
+        </p:spPr>
+        <p:txBody>
+          <a:bodyPr lIns="90000" rIns="90000" tIns="45000" bIns="45000" anchor="ctr">
             <a:noAutofit/>
           </a:bodyPr>
           <a:lstStyle>
-            <a:lvl1pPr indent="0">
+            <a:lvl1pPr indent="0" algn="ctr">
+              <a:lnSpc>
+                <a:spcPct val="100000"/>
+              </a:lnSpc>
               <a:buNone/>
+              <a:tabLst>
+                <a:tab algn="l" pos="0"/>
+              </a:tabLst>
               <a:defRPr b="0" lang="en-US" sz="1400" spc="-1" strike="noStrike">
                 <a:solidFill>
                   <a:srgbClr val="000000"/>
@@ -2644,8 +2650,14 @@
             </a:lvl1pPr>
           </a:lstStyle>
           <a:p>
-            <a:pPr indent="0">
+            <a:pPr indent="0" algn="ctr">
+              <a:lnSpc>
+                <a:spcPct val="100000"/>
+              </a:lnSpc>
               <a:buNone/>
+              <a:tabLst>
+                <a:tab algn="l" pos="0"/>
+              </a:tabLst>
             </a:pPr>
             <a:r>
               <a:rPr b="0" lang="en-US" sz="1400" spc="-1" strike="noStrike">
@@ -2654,7 +2666,7 @@
                 </a:solidFill>
                 <a:latin typeface="Times New Roman"/>
               </a:rPr>
-              <a:t>&lt;date/time&gt;</a:t>
+              <a:t>&lt;footer&gt;</a:t>
             </a:r>
             <a:endParaRPr b="0" lang="en-US" sz="1400" spc="-1" strike="noStrike">
               <a:solidFill>
@@ -2672,84 +2684,24 @@
             <a:spLocks noGrp="1"/>
           </p:cNvSpPr>
           <p:nvPr>
-            <p:ph type="ftr" idx="2"/>
+            <p:ph type="sldNum" idx="2"/>
           </p:nvPr>
         </p:nvSpPr>
         <p:spPr>
           <a:xfrm>
-            <a:off x="2742840" y="10443960"/>
-            <a:ext cx="2794320" cy="599400"/>
-          </a:xfrm>
-          <a:prstGeom prst="rect">
-            <a:avLst/>
-          </a:prstGeom>
-          <a:noFill/>
-          <a:ln w="0">
-            <a:noFill/>
-          </a:ln>
-        </p:spPr>
-        <p:txBody>
-          <a:bodyPr anchor="ctr">
-            <a:noAutofit/>
-          </a:bodyPr>
-          <a:lstStyle>
-            <a:lvl1pPr indent="0" algn="ctr">
-              <a:buNone/>
-              <a:defRPr b="0" lang="en-US" sz="1400" spc="-1" strike="noStrike">
-                <a:solidFill>
-                  <a:srgbClr val="000000"/>
-                </a:solidFill>
-                <a:latin typeface="Times New Roman"/>
-              </a:defRPr>
-            </a:lvl1pPr>
-          </a:lstStyle>
-          <a:p>
-            <a:pPr indent="0" algn="ctr">
-              <a:buNone/>
-            </a:pPr>
-            <a:r>
-              <a:rPr b="0" lang="en-US" sz="1400" spc="-1" strike="noStrike">
-                <a:solidFill>
-                  <a:srgbClr val="000000"/>
-                </a:solidFill>
-                <a:latin typeface="Times New Roman"/>
-              </a:rPr>
-              <a:t>&lt;footer&gt;</a:t>
-            </a:r>
-            <a:endParaRPr b="0" lang="en-US" sz="1400" spc="-1" strike="noStrike">
-              <a:solidFill>
-                <a:srgbClr val="000000"/>
-              </a:solidFill>
-              <a:latin typeface="Times New Roman"/>
-            </a:endParaRPr>
-          </a:p>
-        </p:txBody>
-      </p:sp>
-      <p:sp>
-        <p:nvSpPr>
-          <p:cNvPr id="3" name="PlaceHolder 4"/>
-          <p:cNvSpPr>
-            <a:spLocks noGrp="1"/>
-          </p:cNvSpPr>
-          <p:nvPr>
-            <p:ph type="sldNum" idx="3"/>
-          </p:nvPr>
-        </p:nvSpPr>
-        <p:spPr>
-          <a:xfrm>
             <a:off x="5848200" y="10443960"/>
-            <a:ext cx="1862640" cy="599400"/>
-          </a:xfrm>
-          <a:prstGeom prst="rect">
-            <a:avLst/>
-          </a:prstGeom>
-          <a:noFill/>
-          <a:ln w="0">
-            <a:noFill/>
-          </a:ln>
-        </p:spPr>
-        <p:txBody>
-          <a:bodyPr anchor="ctr">
+            <a:ext cx="1862280" cy="599040"/>
+          </a:xfrm>
+          <a:prstGeom prst="rect">
+            <a:avLst/>
+          </a:prstGeom>
+          <a:noFill/>
+          <a:ln w="0">
+            <a:noFill/>
+          </a:ln>
+        </p:spPr>
+        <p:txBody>
+          <a:bodyPr lIns="90000" rIns="90000" tIns="45000" bIns="45000" anchor="ctr">
             <a:noAutofit/>
           </a:bodyPr>
           <a:lstStyle>
@@ -2780,7 +2732,7 @@
                 <a:tab algn="l" pos="0"/>
               </a:tabLst>
             </a:pPr>
-            <a:fld id="{20253C64-868D-4868-8FF0-76EF25CD0902}" type="slidenum">
+            <a:fld id="{4138890B-B98F-492D-A930-297D737FAEE6}" type="slidenum">
               <a:rPr b="0" lang="en-AU" sz="1090" spc="-1" strike="noStrike">
                 <a:solidFill>
                   <a:srgbClr val="888888"/>
@@ -2791,6 +2743,66 @@
               <a:t>&lt;number&gt;</a:t>
             </a:fld>
             <a:endParaRPr b="0" lang="en-US" sz="1090" spc="-1" strike="noStrike">
+              <a:solidFill>
+                <a:srgbClr val="000000"/>
+              </a:solidFill>
+              <a:latin typeface="Times New Roman"/>
+            </a:endParaRPr>
+          </a:p>
+        </p:txBody>
+      </p:sp>
+      <p:sp>
+        <p:nvSpPr>
+          <p:cNvPr id="3" name="PlaceHolder 4"/>
+          <p:cNvSpPr>
+            <a:spLocks noGrp="1"/>
+          </p:cNvSpPr>
+          <p:nvPr>
+            <p:ph type="dt" idx="3"/>
+          </p:nvPr>
+        </p:nvSpPr>
+        <p:spPr>
+          <a:xfrm>
+            <a:off x="569160" y="10443960"/>
+            <a:ext cx="1862280" cy="599040"/>
+          </a:xfrm>
+          <a:prstGeom prst="rect">
+            <a:avLst/>
+          </a:prstGeom>
+          <a:noFill/>
+          <a:ln w="0">
+            <a:noFill/>
+          </a:ln>
+        </p:spPr>
+        <p:txBody>
+          <a:bodyPr lIns="90000" rIns="90000" tIns="45000" bIns="45000" anchor="ctr">
+            <a:noAutofit/>
+          </a:bodyPr>
+          <a:lstStyle>
+            <a:lvl1pPr indent="0">
+              <a:buNone/>
+              <a:defRPr b="0" lang="en-US" sz="1400" spc="-1" strike="noStrike">
+                <a:solidFill>
+                  <a:srgbClr val="000000"/>
+                </a:solidFill>
+                <a:latin typeface="Times New Roman"/>
+              </a:defRPr>
+            </a:lvl1pPr>
+          </a:lstStyle>
+          <a:p>
+            <a:pPr indent="0">
+              <a:buNone/>
+            </a:pPr>
+            <a:r>
+              <a:rPr b="0" lang="en-US" sz="1400" spc="-1" strike="noStrike">
+                <a:solidFill>
+                  <a:srgbClr val="000000"/>
+                </a:solidFill>
+                <a:latin typeface="Times New Roman"/>
+              </a:rPr>
+              <a:t>&lt;date/time&gt;</a:t>
+            </a:r>
+            <a:endParaRPr b="0" lang="en-US" sz="1400" spc="-1" strike="noStrike">
               <a:solidFill>
                 <a:srgbClr val="000000"/>
               </a:solidFill>
@@ -2839,7 +2851,7 @@
               <a:buChar char=""/>
             </a:pPr>
             <a:r>
-              <a:rPr b="0" lang="en-US" sz="1400" spc="-1" strike="noStrike">
+              <a:rPr b="0" lang="en-US" sz="3200" spc="-1" strike="noStrike">
                 <a:solidFill>
                   <a:srgbClr val="000000"/>
                 </a:solidFill>
@@ -2847,7 +2859,7 @@
               </a:rPr>
               <a:t>Click to edit the outline text format</a:t>
             </a:r>
-            <a:endParaRPr b="0" lang="en-US" sz="1400" spc="-1" strike="noStrike">
+            <a:endParaRPr b="0" lang="en-US" sz="3200" spc="-1" strike="noStrike">
               <a:solidFill>
                 <a:srgbClr val="000000"/>
               </a:solidFill>
@@ -2867,7 +2879,7 @@
               <a:buChar char=""/>
             </a:pPr>
             <a:r>
-              <a:rPr b="0" lang="en-US" sz="1400" spc="-1" strike="noStrike">
+              <a:rPr b="0" lang="en-US" sz="2800" spc="-1" strike="noStrike">
                 <a:solidFill>
                   <a:srgbClr val="000000"/>
                 </a:solidFill>
@@ -2875,7 +2887,7 @@
               </a:rPr>
               <a:t>Second Outline Level</a:t>
             </a:r>
-            <a:endParaRPr b="0" lang="en-US" sz="1400" spc="-1" strike="noStrike">
+            <a:endParaRPr b="0" lang="en-US" sz="2800" spc="-1" strike="noStrike">
               <a:solidFill>
                 <a:srgbClr val="000000"/>
               </a:solidFill>
@@ -2895,7 +2907,7 @@
               <a:buChar char=""/>
             </a:pPr>
             <a:r>
-              <a:rPr b="0" lang="en-US" sz="1400" spc="-1" strike="noStrike">
+              <a:rPr b="0" lang="en-US" sz="2400" spc="-1" strike="noStrike">
                 <a:solidFill>
                   <a:srgbClr val="000000"/>
                 </a:solidFill>
@@ -2903,7 +2915,7 @@
               </a:rPr>
               <a:t>Third Outline Level</a:t>
             </a:r>
-            <a:endParaRPr b="0" lang="en-US" sz="1400" spc="-1" strike="noStrike">
+            <a:endParaRPr b="0" lang="en-US" sz="2400" spc="-1" strike="noStrike">
               <a:solidFill>
                 <a:srgbClr val="000000"/>
               </a:solidFill>
@@ -2923,7 +2935,7 @@
               <a:buChar char=""/>
             </a:pPr>
             <a:r>
-              <a:rPr b="0" lang="en-US" sz="1400" spc="-1" strike="noStrike">
+              <a:rPr b="0" lang="en-US" sz="2000" spc="-1" strike="noStrike">
                 <a:solidFill>
                   <a:srgbClr val="000000"/>
                 </a:solidFill>
@@ -2931,7 +2943,7 @@
               </a:rPr>
               <a:t>Fourth Outline Level</a:t>
             </a:r>
-            <a:endParaRPr b="0" lang="en-US" sz="1400" spc="-1" strike="noStrike">
+            <a:endParaRPr b="0" lang="en-US" sz="2000" spc="-1" strike="noStrike">
               <a:solidFill>
                 <a:srgbClr val="000000"/>
               </a:solidFill>
@@ -3073,8 +3085,8 @@
         </p:blipFill>
         <p:spPr>
           <a:xfrm rot="5400000">
-            <a:off x="-1042920" y="2157120"/>
-            <a:ext cx="10512720" cy="7118280"/>
+            <a:off x="-1042200" y="2157120"/>
+            <a:ext cx="10512360" cy="7117920"/>
           </a:xfrm>
           <a:prstGeom prst="rect">
             <a:avLst/>
@@ -3097,7 +3109,7 @@
         <p:spPr>
           <a:xfrm>
             <a:off x="714240" y="723960"/>
-            <a:ext cx="6703560" cy="9801000"/>
+            <a:ext cx="6703200" cy="9800640"/>
           </a:xfrm>
           <a:prstGeom prst="rect">
             <a:avLst/>
@@ -3120,8 +3132,8 @@
         </p:blipFill>
         <p:spPr>
           <a:xfrm rot="5400000">
-            <a:off x="-1509480" y="1477440"/>
-            <a:ext cx="11300040" cy="8280000"/>
+            <a:off x="-1508760" y="1477080"/>
+            <a:ext cx="11299680" cy="8279640"/>
           </a:xfrm>
           <a:prstGeom prst="rect">
             <a:avLst/>
@@ -3144,7 +3156,7 @@
         <p:spPr>
           <a:xfrm>
             <a:off x="1814040" y="8340840"/>
-            <a:ext cx="1443960" cy="1260000"/>
+            <a:ext cx="1443600" cy="1259640"/>
           </a:xfrm>
           <a:prstGeom prst="rect">
             <a:avLst/>
@@ -3163,7 +3175,7 @@
         <p:spPr>
           <a:xfrm>
             <a:off x="714240" y="2835720"/>
-            <a:ext cx="6723720" cy="1431720"/>
+            <a:ext cx="6723360" cy="1430280"/>
           </a:xfrm>
           <a:prstGeom prst="rect">
             <a:avLst/>
@@ -3180,7 +3192,7 @@
           <a:fontRef idx="minor"/>
         </p:style>
         <p:txBody>
-          <a:bodyPr anchor="t">
+          <a:bodyPr lIns="90000" rIns="90000" tIns="45000" bIns="45000" anchor="t">
             <a:spAutoFit/>
           </a:bodyPr>
           <a:p>
@@ -3220,7 +3232,7 @@
         <p:spPr>
           <a:xfrm>
             <a:off x="1390680" y="4144320"/>
-            <a:ext cx="5371200" cy="639720"/>
+            <a:ext cx="5370840" cy="638280"/>
           </a:xfrm>
           <a:prstGeom prst="rect">
             <a:avLst/>
@@ -3237,7 +3249,7 @@
           <a:fontRef idx="minor"/>
         </p:style>
         <p:txBody>
-          <a:bodyPr anchor="t">
+          <a:bodyPr lIns="90000" rIns="90000" tIns="45000" bIns="45000" anchor="t">
             <a:spAutoFit/>
           </a:bodyPr>
           <a:p>
@@ -3277,7 +3289,7 @@
         <p:spPr>
           <a:xfrm>
             <a:off x="2985840" y="8685000"/>
-            <a:ext cx="4283280" cy="593280"/>
+            <a:ext cx="4282920" cy="591840"/>
           </a:xfrm>
           <a:prstGeom prst="rect">
             <a:avLst/>
@@ -3294,7 +3306,7 @@
           <a:fontRef idx="minor"/>
         </p:style>
         <p:txBody>
-          <a:bodyPr anchor="t">
+          <a:bodyPr lIns="90000" rIns="90000" tIns="45000" bIns="45000" anchor="t">
             <a:spAutoFit/>
           </a:bodyPr>
           <a:p>
@@ -3360,7 +3372,7 @@
         <p:spPr>
           <a:xfrm>
             <a:off x="3721320" y="8197200"/>
-            <a:ext cx="2813760" cy="517680"/>
+            <a:ext cx="2813400" cy="516240"/>
           </a:xfrm>
           <a:prstGeom prst="rect">
             <a:avLst/>
@@ -3377,7 +3389,7 @@
           <a:fontRef idx="minor"/>
         </p:style>
         <p:txBody>
-          <a:bodyPr anchor="t">
+          <a:bodyPr lIns="90000" rIns="90000" tIns="45000" bIns="45000" anchor="t">
             <a:spAutoFit/>
           </a:bodyPr>
           <a:p>
@@ -3397,17 +3409,7 @@
                 <a:latin typeface="Courgette"/>
                 <a:ea typeface="Courgette"/>
               </a:rPr>
-              <a:t>{</a:t>
-            </a:r>
-            <a:r>
-              <a:rPr b="0" lang="en-AU" sz="2800" spc="-1" strike="noStrike">
-                <a:solidFill>
-                  <a:schemeClr val="dk1"/>
-                </a:solidFill>
-                <a:latin typeface="Courgette"/>
-                <a:ea typeface="Courgette"/>
-              </a:rPr>
-              <a:t>signaturer}</a:t>
+              <a:t>{signaturer}</a:t>
             </a:r>
             <a:endParaRPr b="0" lang="en-US" sz="2800" spc="-1" strike="noStrike">
               <a:solidFill>
@@ -3427,7 +3429,7 @@
         <p:spPr>
           <a:xfrm flipH="1">
             <a:off x="3720960" y="8684280"/>
-            <a:ext cx="2814480" cy="360"/>
+            <a:ext cx="2814840" cy="720"/>
           </a:xfrm>
           <a:prstGeom prst="straightConnector1">
             <a:avLst/>
@@ -3449,7 +3451,7 @@
         <p:spPr>
           <a:xfrm>
             <a:off x="889200" y="5752800"/>
-            <a:ext cx="6496200" cy="700920"/>
+            <a:ext cx="6495840" cy="699480"/>
           </a:xfrm>
           <a:prstGeom prst="rect">
             <a:avLst/>
@@ -3466,7 +3468,7 @@
           <a:fontRef idx="minor"/>
         </p:style>
         <p:txBody>
-          <a:bodyPr anchor="t">
+          <a:bodyPr lIns="90000" rIns="90000" tIns="45000" bIns="45000" anchor="t">
             <a:spAutoFit/>
           </a:bodyPr>
           <a:p>
@@ -3526,7 +3528,7 @@
         <p:spPr>
           <a:xfrm>
             <a:off x="817920" y="6433920"/>
-            <a:ext cx="6496200" cy="578520"/>
+            <a:ext cx="6495840" cy="577080"/>
           </a:xfrm>
           <a:prstGeom prst="rect">
             <a:avLst/>
@@ -3543,7 +3545,7 @@
           <a:fontRef idx="minor"/>
         </p:style>
         <p:txBody>
-          <a:bodyPr anchor="t">
+          <a:bodyPr lIns="90000" rIns="90000" tIns="45000" bIns="45000" anchor="t">
             <a:spAutoFit/>
           </a:bodyPr>
           <a:p>
@@ -3583,7 +3585,7 @@
         <p:spPr>
           <a:xfrm>
             <a:off x="886320" y="7030440"/>
-            <a:ext cx="6496200" cy="396000"/>
+            <a:ext cx="6495840" cy="394560"/>
           </a:xfrm>
           <a:prstGeom prst="rect">
             <a:avLst/>
@@ -3600,7 +3602,7 @@
           <a:fontRef idx="minor"/>
         </p:style>
         <p:txBody>
-          <a:bodyPr anchor="t">
+          <a:bodyPr lIns="90000" rIns="90000" tIns="45000" bIns="45000" anchor="t">
             <a:spAutoFit/>
           </a:bodyPr>
           <a:p>
@@ -3660,7 +3662,7 @@
         <p:spPr>
           <a:xfrm>
             <a:off x="817920" y="4791600"/>
-            <a:ext cx="6496200" cy="1005840"/>
+            <a:ext cx="6495840" cy="1004400"/>
           </a:xfrm>
           <a:prstGeom prst="rect">
             <a:avLst/>
@@ -3677,7 +3679,7 @@
           <a:fontRef idx="minor"/>
         </p:style>
         <p:txBody>
-          <a:bodyPr anchor="t">
+          <a:bodyPr lIns="90000" rIns="90000" tIns="45000" bIns="45000" anchor="t">
             <a:spAutoFit/>
           </a:bodyPr>
           <a:p>
@@ -3731,7 +3733,7 @@
         <p:spPr>
           <a:xfrm>
             <a:off x="2922480" y="1274040"/>
-            <a:ext cx="2287080" cy="1604160"/>
+            <a:ext cx="2286720" cy="1603800"/>
           </a:xfrm>
           <a:prstGeom prst="rect">
             <a:avLst/>
@@ -3783,8 +3785,8 @@
         </p:blipFill>
         <p:spPr>
           <a:xfrm rot="5400000">
-            <a:off x="-1121400" y="2058480"/>
-            <a:ext cx="10512720" cy="7118280"/>
+            <a:off x="-1120680" y="2058480"/>
+            <a:ext cx="10512360" cy="7117920"/>
           </a:xfrm>
           <a:prstGeom prst="rect">
             <a:avLst/>
@@ -3807,7 +3809,7 @@
         <p:spPr>
           <a:xfrm>
             <a:off x="714240" y="723960"/>
-            <a:ext cx="6703560" cy="9801000"/>
+            <a:ext cx="6703200" cy="9800640"/>
           </a:xfrm>
           <a:prstGeom prst="rect">
             <a:avLst/>
@@ -3830,8 +3832,8 @@
         </p:blipFill>
         <p:spPr>
           <a:xfrm rot="5400000">
-            <a:off x="-1509480" y="1477440"/>
-            <a:ext cx="11300040" cy="8280000"/>
+            <a:off x="-1508760" y="1477080"/>
+            <a:ext cx="11299680" cy="8279640"/>
           </a:xfrm>
           <a:prstGeom prst="rect">
             <a:avLst/>
@@ -3854,7 +3856,7 @@
         <p:spPr>
           <a:xfrm>
             <a:off x="1814040" y="8340840"/>
-            <a:ext cx="1443960" cy="1260000"/>
+            <a:ext cx="1443600" cy="1259640"/>
           </a:xfrm>
           <a:prstGeom prst="rect">
             <a:avLst/>
@@ -3873,7 +3875,7 @@
         <p:spPr>
           <a:xfrm>
             <a:off x="704160" y="3409560"/>
-            <a:ext cx="6723720" cy="761400"/>
+            <a:ext cx="6723360" cy="759960"/>
           </a:xfrm>
           <a:prstGeom prst="rect">
             <a:avLst/>
@@ -3890,7 +3892,7 @@
           <a:fontRef idx="minor"/>
         </p:style>
         <p:txBody>
-          <a:bodyPr anchor="t">
+          <a:bodyPr lIns="90000" rIns="90000" tIns="45000" bIns="45000" anchor="t">
             <a:spAutoFit/>
           </a:bodyPr>
           <a:p>
@@ -3930,7 +3932,7 @@
         <p:spPr>
           <a:xfrm>
             <a:off x="1454400" y="4110120"/>
-            <a:ext cx="5371200" cy="639720"/>
+            <a:ext cx="5370840" cy="638280"/>
           </a:xfrm>
           <a:prstGeom prst="rect">
             <a:avLst/>
@@ -3947,7 +3949,7 @@
           <a:fontRef idx="minor"/>
         </p:style>
         <p:txBody>
-          <a:bodyPr anchor="t">
+          <a:bodyPr lIns="90000" rIns="90000" tIns="45000" bIns="45000" anchor="t">
             <a:spAutoFit/>
           </a:bodyPr>
           <a:p>
@@ -3967,7 +3969,7 @@
                 <a:latin typeface="Times New Roman"/>
                 <a:ea typeface="Times New Roman"/>
               </a:rPr>
-              <a:t>Recruit Thomas</a:t>
+              <a:t>{name}</a:t>
             </a:r>
             <a:endParaRPr b="0" lang="en-US" sz="3600" spc="-1" strike="noStrike">
               <a:solidFill>
@@ -3987,7 +3989,7 @@
         <p:spPr>
           <a:xfrm>
             <a:off x="2985840" y="8685000"/>
-            <a:ext cx="4283280" cy="593280"/>
+            <a:ext cx="4282920" cy="591840"/>
           </a:xfrm>
           <a:prstGeom prst="rect">
             <a:avLst/>
@@ -4004,7 +4006,7 @@
           <a:fontRef idx="minor"/>
         </p:style>
         <p:txBody>
-          <a:bodyPr anchor="t">
+          <a:bodyPr lIns="90000" rIns="90000" tIns="45000" bIns="45000" anchor="t">
             <a:spAutoFit/>
           </a:bodyPr>
           <a:p>
@@ -4017,14 +4019,13 @@
               </a:tabLst>
             </a:pPr>
             <a:r>
-              <a:rPr b="1" lang="en-AU" sz="1100" spc="-1" strike="noStrike">
-                <a:solidFill>
-                  <a:srgbClr val="000000"/>
-                </a:solidFill>
-                <a:latin typeface="Times New Roman"/>
-                <a:ea typeface="Times New Roman"/>
-              </a:rPr>
-              <a:t>MAJ Trew</a:t>
+              <a:rPr b="0" lang="en-AU" sz="1100" spc="-1" strike="noStrike">
+                <a:solidFill>
+                  <a:srgbClr val="000000"/>
+                </a:solidFill>
+                <a:latin typeface="Times New Roman"/>
+              </a:rPr>
+              <a:t>{signaturer}</a:t>
             </a:r>
             <a:br>
               <a:rPr sz="1100"/>
@@ -4070,7 +4071,7 @@
         <p:spPr>
           <a:xfrm>
             <a:off x="3721320" y="8197200"/>
-            <a:ext cx="2813760" cy="517680"/>
+            <a:ext cx="2813400" cy="516240"/>
           </a:xfrm>
           <a:prstGeom prst="rect">
             <a:avLst/>
@@ -4087,7 +4088,7 @@
           <a:fontRef idx="minor"/>
         </p:style>
         <p:txBody>
-          <a:bodyPr anchor="t">
+          <a:bodyPr lIns="90000" rIns="90000" tIns="45000" bIns="45000" anchor="t">
             <a:spAutoFit/>
           </a:bodyPr>
           <a:p>
@@ -4107,7 +4108,7 @@
                 <a:latin typeface="Courgette"/>
                 <a:ea typeface="Courgette"/>
               </a:rPr>
-              <a:t>MAJ Trew </a:t>
+              <a:t>{signaturer}</a:t>
             </a:r>
             <a:endParaRPr b="0" lang="en-US" sz="2800" spc="-1" strike="noStrike">
               <a:solidFill>
@@ -4127,7 +4128,7 @@
         <p:spPr>
           <a:xfrm flipH="1">
             <a:off x="3720960" y="8684280"/>
-            <a:ext cx="2814480" cy="360"/>
+            <a:ext cx="2814840" cy="720"/>
           </a:xfrm>
           <a:prstGeom prst="straightConnector1">
             <a:avLst/>
@@ -4149,7 +4150,7 @@
         <p:spPr>
           <a:xfrm>
             <a:off x="886320" y="5655600"/>
-            <a:ext cx="6496200" cy="700920"/>
+            <a:ext cx="6495840" cy="699480"/>
           </a:xfrm>
           <a:prstGeom prst="rect">
             <a:avLst/>
@@ -4166,7 +4167,7 @@
           <a:fontRef idx="minor"/>
         </p:style>
         <p:txBody>
-          <a:bodyPr anchor="t">
+          <a:bodyPr lIns="90000" rIns="90000" tIns="45000" bIns="45000" anchor="t">
             <a:spAutoFit/>
           </a:bodyPr>
           <a:p>
@@ -4186,7 +4187,7 @@
                 <a:latin typeface="Times New Roman"/>
                 <a:ea typeface="Times New Roman"/>
               </a:rPr>
-              <a:t>I, </a:t>
+              <a:t>I, {signaturer}</a:t>
             </a:r>
             <a:r>
               <a:rPr b="0" i="1" lang="en-AU" sz="2000" spc="-1" strike="noStrike">
@@ -4196,7 +4197,7 @@
                 <a:latin typeface="Times New Roman"/>
                 <a:ea typeface="Times New Roman"/>
               </a:rPr>
-              <a:t>Major Trew,</a:t>
+              <a:t>,</a:t>
             </a:r>
             <a:r>
               <a:rPr b="0" lang="en-AU" sz="2000" spc="-1" strike="noStrike">
@@ -4226,7 +4227,7 @@
         <p:spPr>
           <a:xfrm>
             <a:off x="817920" y="6433920"/>
-            <a:ext cx="6496200" cy="578520"/>
+            <a:ext cx="6495840" cy="577080"/>
           </a:xfrm>
           <a:prstGeom prst="rect">
             <a:avLst/>
@@ -4243,7 +4244,7 @@
           <a:fontRef idx="minor"/>
         </p:style>
         <p:txBody>
-          <a:bodyPr anchor="t">
+          <a:bodyPr lIns="90000" rIns="90000" tIns="45000" bIns="45000" anchor="t">
             <a:spAutoFit/>
           </a:bodyPr>
           <a:p>
@@ -4256,16 +4257,6 @@
               </a:tabLst>
             </a:pPr>
             <a:r>
-              <a:rPr b="0" i="1" lang="en-AU" sz="3200" spc="-1" strike="noStrike">
-                <a:solidFill>
-                  <a:srgbClr val="000000"/>
-                </a:solidFill>
-                <a:latin typeface="Times New Roman"/>
-                <a:ea typeface="Times New Roman"/>
-              </a:rPr>
-              <a:t>Sergeant Thomas</a:t>
-            </a:r>
-            <a:r>
               <a:rPr b="0" lang="en-AU" sz="3200" spc="-1" strike="noStrike">
                 <a:solidFill>
                   <a:srgbClr val="000000"/>
@@ -4273,7 +4264,7 @@
                 <a:latin typeface="Times New Roman"/>
                 <a:ea typeface="Times New Roman"/>
               </a:rPr>
-              <a:t> </a:t>
+              <a:t>{name}</a:t>
             </a:r>
             <a:endParaRPr b="0" lang="en-US" sz="3200" spc="-1" strike="noStrike">
               <a:solidFill>
@@ -4293,7 +4284,7 @@
         <p:spPr>
           <a:xfrm>
             <a:off x="873720" y="7107120"/>
-            <a:ext cx="6496200" cy="700920"/>
+            <a:ext cx="6495840" cy="699480"/>
           </a:xfrm>
           <a:prstGeom prst="rect">
             <a:avLst/>
@@ -4310,7 +4301,7 @@
           <a:fontRef idx="minor"/>
         </p:style>
         <p:txBody>
-          <a:bodyPr anchor="t">
+          <a:bodyPr lIns="90000" rIns="90000" tIns="45000" bIns="45000" anchor="t">
             <a:spAutoFit/>
           </a:bodyPr>
           <a:p>
@@ -4363,37 +4354,7 @@
                 <a:latin typeface="Times New Roman"/>
                 <a:ea typeface="Times New Roman"/>
               </a:rPr>
-              <a:t>15</a:t>
-            </a:r>
-            <a:r>
-              <a:rPr b="0" i="1" lang="en-AU" sz="2000" spc="-1" strike="noStrike" baseline="30000">
-                <a:solidFill>
-                  <a:srgbClr val="000000"/>
-                </a:solidFill>
-                <a:latin typeface="Times New Roman"/>
-                <a:ea typeface="Times New Roman"/>
-              </a:rPr>
-              <a:t>th</a:t>
-            </a:r>
-            <a:r>
-              <a:rPr b="0" i="1" lang="en-AU" sz="2000" spc="-1" strike="noStrike">
-                <a:solidFill>
-                  <a:srgbClr val="000000"/>
-                </a:solidFill>
-                <a:latin typeface="Times New Roman"/>
-                <a:ea typeface="Times New Roman"/>
-              </a:rPr>
-              <a:t> August 2020.</a:t>
-            </a:r>
-            <a:r>
-              <a:rPr b="0" lang="en-AU" sz="2000" spc="-1" strike="noStrike">
-                <a:solidFill>
-                  <a:srgbClr val="000000"/>
-                </a:solidFill>
-                <a:latin typeface="Times New Roman"/>
-                <a:ea typeface="Times New Roman"/>
-              </a:rPr>
-              <a:t> </a:t>
+              <a:t>{date}.</a:t>
             </a:r>
             <a:endParaRPr b="0" lang="en-US" sz="2000" spc="-1" strike="noStrike">
               <a:solidFill>
@@ -4413,7 +4374,7 @@
         <p:spPr>
           <a:xfrm>
             <a:off x="897480" y="4820400"/>
-            <a:ext cx="6496200" cy="700920"/>
+            <a:ext cx="6495840" cy="699480"/>
           </a:xfrm>
           <a:prstGeom prst="rect">
             <a:avLst/>
@@ -4430,7 +4391,7 @@
           <a:fontRef idx="minor"/>
         </p:style>
         <p:txBody>
-          <a:bodyPr anchor="t">
+          <a:bodyPr lIns="90000" rIns="90000" tIns="45000" bIns="45000" anchor="t">
             <a:spAutoFit/>
           </a:bodyPr>
           <a:p>
@@ -4450,7 +4411,7 @@
                 <a:latin typeface="Times New Roman"/>
                 <a:ea typeface="Times New Roman"/>
               </a:rPr>
-              <a:t>Sergeant Thomas </a:t>
+              <a:t>{name} </a:t>
             </a:r>
             <a:r>
               <a:rPr b="0" lang="en-AU" sz="2000" spc="-1" strike="noStrike">
@@ -4497,7 +4458,7 @@
         <p:spPr>
           <a:xfrm>
             <a:off x="3147480" y="1544760"/>
-            <a:ext cx="1827360" cy="1514880"/>
+            <a:ext cx="1827000" cy="1514520"/>
           </a:xfrm>
           <a:prstGeom prst="rect">
             <a:avLst/>
@@ -4549,8 +4510,8 @@
         </p:blipFill>
         <p:spPr>
           <a:xfrm rot="5400000">
-            <a:off x="-1121400" y="2058480"/>
-            <a:ext cx="10512720" cy="7118280"/>
+            <a:off x="-1120680" y="2058480"/>
+            <a:ext cx="10512360" cy="7117920"/>
           </a:xfrm>
           <a:prstGeom prst="rect">
             <a:avLst/>
@@ -4573,7 +4534,7 @@
         <p:spPr>
           <a:xfrm>
             <a:off x="714240" y="723960"/>
-            <a:ext cx="6703560" cy="9801000"/>
+            <a:ext cx="6703200" cy="9800640"/>
           </a:xfrm>
           <a:prstGeom prst="rect">
             <a:avLst/>
@@ -4596,8 +4557,8 @@
         </p:blipFill>
         <p:spPr>
           <a:xfrm rot="5400000">
-            <a:off x="-1509480" y="1477440"/>
-            <a:ext cx="11300040" cy="8280000"/>
+            <a:off x="-1508760" y="1477080"/>
+            <a:ext cx="11299680" cy="8279640"/>
           </a:xfrm>
           <a:prstGeom prst="rect">
             <a:avLst/>
@@ -4620,7 +4581,7 @@
         <p:spPr>
           <a:xfrm>
             <a:off x="1814040" y="8340840"/>
-            <a:ext cx="1443960" cy="1260000"/>
+            <a:ext cx="1443600" cy="1259640"/>
           </a:xfrm>
           <a:prstGeom prst="rect">
             <a:avLst/>
@@ -4639,7 +4600,7 @@
         <p:spPr>
           <a:xfrm>
             <a:off x="704160" y="3409560"/>
-            <a:ext cx="6723720" cy="761400"/>
+            <a:ext cx="6723360" cy="759960"/>
           </a:xfrm>
           <a:prstGeom prst="rect">
             <a:avLst/>
@@ -4656,7 +4617,7 @@
           <a:fontRef idx="minor"/>
         </p:style>
         <p:txBody>
-          <a:bodyPr anchor="t">
+          <a:bodyPr lIns="90000" rIns="90000" tIns="45000" bIns="45000" anchor="t">
             <a:spAutoFit/>
           </a:bodyPr>
           <a:p>
@@ -4696,7 +4657,7 @@
         <p:spPr>
           <a:xfrm>
             <a:off x="1454400" y="4110120"/>
-            <a:ext cx="5371200" cy="639720"/>
+            <a:ext cx="5370840" cy="638280"/>
           </a:xfrm>
           <a:prstGeom prst="rect">
             <a:avLst/>
@@ -4713,7 +4674,7 @@
           <a:fontRef idx="minor"/>
         </p:style>
         <p:txBody>
-          <a:bodyPr anchor="t">
+          <a:bodyPr lIns="90000" rIns="90000" tIns="45000" bIns="45000" anchor="t">
             <a:spAutoFit/>
           </a:bodyPr>
           <a:p>
@@ -4733,7 +4694,7 @@
                 <a:latin typeface="Times New Roman"/>
                 <a:ea typeface="Times New Roman"/>
               </a:rPr>
-              <a:t>Corporal Rox</a:t>
+              <a:t>{name}</a:t>
             </a:r>
             <a:endParaRPr b="0" lang="en-US" sz="3600" spc="-1" strike="noStrike">
               <a:solidFill>
@@ -4753,7 +4714,7 @@
         <p:spPr>
           <a:xfrm>
             <a:off x="2985840" y="8685000"/>
-            <a:ext cx="4283280" cy="593280"/>
+            <a:ext cx="4282920" cy="591840"/>
           </a:xfrm>
           <a:prstGeom prst="rect">
             <a:avLst/>
@@ -4770,7 +4731,7 @@
           <a:fontRef idx="minor"/>
         </p:style>
         <p:txBody>
-          <a:bodyPr anchor="t">
+          <a:bodyPr lIns="90000" rIns="90000" tIns="45000" bIns="45000" anchor="t">
             <a:spAutoFit/>
           </a:bodyPr>
           <a:p>
@@ -4783,14 +4744,13 @@
               </a:tabLst>
             </a:pPr>
             <a:r>
-              <a:rPr b="1" lang="en-AU" sz="1100" spc="-1" strike="noStrike">
-                <a:solidFill>
-                  <a:srgbClr val="000000"/>
-                </a:solidFill>
-                <a:latin typeface="Times New Roman"/>
-                <a:ea typeface="Times New Roman"/>
-              </a:rPr>
-              <a:t>MAJ Trew</a:t>
+              <a:rPr b="0" lang="en-AU" sz="1100" spc="-1" strike="noStrike">
+                <a:solidFill>
+                  <a:srgbClr val="000000"/>
+                </a:solidFill>
+                <a:latin typeface="Times New Roman"/>
+              </a:rPr>
+              <a:t>{signaturer}</a:t>
             </a:r>
             <a:br>
               <a:rPr sz="1100"/>
@@ -4836,7 +4796,7 @@
         <p:spPr>
           <a:xfrm>
             <a:off x="3721320" y="8197200"/>
-            <a:ext cx="2813760" cy="517680"/>
+            <a:ext cx="2813400" cy="516240"/>
           </a:xfrm>
           <a:prstGeom prst="rect">
             <a:avLst/>
@@ -4853,7 +4813,7 @@
           <a:fontRef idx="minor"/>
         </p:style>
         <p:txBody>
-          <a:bodyPr anchor="t">
+          <a:bodyPr lIns="90000" rIns="90000" tIns="45000" bIns="45000" anchor="t">
             <a:spAutoFit/>
           </a:bodyPr>
           <a:p>
@@ -4873,7 +4833,7 @@
                 <a:latin typeface="Courgette"/>
                 <a:ea typeface="Courgette"/>
               </a:rPr>
-              <a:t>MAJ Trew </a:t>
+              <a:t>{signaturer}</a:t>
             </a:r>
             <a:endParaRPr b="0" lang="en-US" sz="2800" spc="-1" strike="noStrike">
               <a:solidFill>
@@ -4893,7 +4853,7 @@
         <p:spPr>
           <a:xfrm flipH="1">
             <a:off x="3720960" y="8684280"/>
-            <a:ext cx="2814480" cy="360"/>
+            <a:ext cx="2814840" cy="720"/>
           </a:xfrm>
           <a:prstGeom prst="straightConnector1">
             <a:avLst/>
@@ -4915,7 +4875,7 @@
         <p:spPr>
           <a:xfrm>
             <a:off x="886320" y="5655600"/>
-            <a:ext cx="6496200" cy="700920"/>
+            <a:ext cx="6495840" cy="699480"/>
           </a:xfrm>
           <a:prstGeom prst="rect">
             <a:avLst/>
@@ -4932,7 +4892,7 @@
           <a:fontRef idx="minor"/>
         </p:style>
         <p:txBody>
-          <a:bodyPr anchor="t">
+          <a:bodyPr lIns="90000" rIns="90000" tIns="45000" bIns="45000" anchor="t">
             <a:spAutoFit/>
           </a:bodyPr>
           <a:p>
@@ -4952,7 +4912,7 @@
                 <a:latin typeface="Times New Roman"/>
                 <a:ea typeface="Times New Roman"/>
               </a:rPr>
-              <a:t>I, </a:t>
+              <a:t>I, {signaturer}</a:t>
             </a:r>
             <a:r>
               <a:rPr b="0" i="1" lang="en-AU" sz="2000" spc="-1" strike="noStrike">
@@ -4962,7 +4922,7 @@
                 <a:latin typeface="Times New Roman"/>
                 <a:ea typeface="Times New Roman"/>
               </a:rPr>
-              <a:t>Major Trew,</a:t>
+              <a:t>,</a:t>
             </a:r>
             <a:r>
               <a:rPr b="0" lang="en-AU" sz="2000" spc="-1" strike="noStrike">
@@ -4992,7 +4952,7 @@
         <p:spPr>
           <a:xfrm>
             <a:off x="817920" y="6433920"/>
-            <a:ext cx="6496200" cy="578520"/>
+            <a:ext cx="6495840" cy="577080"/>
           </a:xfrm>
           <a:prstGeom prst="rect">
             <a:avLst/>
@@ -5009,7 +4969,7 @@
           <a:fontRef idx="minor"/>
         </p:style>
         <p:txBody>
-          <a:bodyPr anchor="t">
+          <a:bodyPr lIns="90000" rIns="90000" tIns="45000" bIns="45000" anchor="t">
             <a:spAutoFit/>
           </a:bodyPr>
           <a:p>
@@ -5022,14 +4982,14 @@
               </a:tabLst>
             </a:pPr>
             <a:r>
-              <a:rPr b="0" i="1" lang="en-AU" sz="3200" spc="-1" strike="noStrike">
-                <a:solidFill>
-                  <a:srgbClr val="000000"/>
-                </a:solidFill>
-                <a:latin typeface="Times New Roman"/>
-                <a:ea typeface="Times New Roman"/>
-              </a:rPr>
-              <a:t>Corporal Rox</a:t>
+              <a:rPr b="0" lang="en-AU" sz="3200" spc="-1" strike="noStrike">
+                <a:solidFill>
+                  <a:srgbClr val="000000"/>
+                </a:solidFill>
+                <a:latin typeface="Times New Roman"/>
+                <a:ea typeface="Times New Roman"/>
+              </a:rPr>
+              <a:t>{name}</a:t>
             </a:r>
             <a:r>
               <a:rPr b="0" lang="en-AU" sz="3200" spc="-1" strike="noStrike">
@@ -5059,7 +5019,7 @@
         <p:spPr>
           <a:xfrm>
             <a:off x="873720" y="7107120"/>
-            <a:ext cx="6496200" cy="396000"/>
+            <a:ext cx="6495840" cy="394560"/>
           </a:xfrm>
           <a:prstGeom prst="rect">
             <a:avLst/>
@@ -5076,7 +5036,7 @@
           <a:fontRef idx="minor"/>
         </p:style>
         <p:txBody>
-          <a:bodyPr anchor="t">
+          <a:bodyPr lIns="90000" rIns="90000" tIns="45000" bIns="45000" anchor="t">
             <a:spAutoFit/>
           </a:bodyPr>
           <a:p>
@@ -5116,47 +5076,7 @@
                 <a:latin typeface="Times New Roman"/>
                 <a:ea typeface="Times New Roman"/>
               </a:rPr>
-              <a:t>with effect </a:t>
-            </a:r>
-            <a:r>
-              <a:rPr b="0" i="1" lang="en-AU" sz="2000" spc="-1" strike="noStrike">
-                <a:solidFill>
-                  <a:srgbClr val="000000"/>
-                </a:solidFill>
-                <a:latin typeface="Times New Roman"/>
-                <a:ea typeface="Times New Roman"/>
-              </a:rPr>
-              <a:t>1</a:t>
-            </a:r>
-            <a:r>
-              <a:rPr b="0" i="1" lang="en-AU" sz="2000" spc="-1" strike="noStrike" baseline="30000">
-                <a:solidFill>
-                  <a:srgbClr val="000000"/>
-                </a:solidFill>
-                <a:latin typeface="Times New Roman"/>
-                <a:ea typeface="Times New Roman"/>
-              </a:rPr>
-              <a:t>st</a:t>
-            </a:r>
-            <a:r>
-              <a:rPr b="0" i="1" lang="en-AU" sz="2000" spc="-1" strike="noStrike">
-                <a:solidFill>
-                  <a:srgbClr val="000000"/>
-                </a:solidFill>
-                <a:latin typeface="Times New Roman"/>
-                <a:ea typeface="Times New Roman"/>
-              </a:rPr>
-              <a:t> August 2022.</a:t>
-            </a:r>
-            <a:r>
-              <a:rPr b="0" lang="en-AU" sz="2000" spc="-1" strike="noStrike">
-                <a:solidFill>
-                  <a:srgbClr val="000000"/>
-                </a:solidFill>
-                <a:latin typeface="Times New Roman"/>
-                <a:ea typeface="Times New Roman"/>
-              </a:rPr>
-              <a:t> </a:t>
+              <a:t>with effect {date}.</a:t>
             </a:r>
             <a:endParaRPr b="0" lang="en-US" sz="2000" spc="-1" strike="noStrike">
               <a:solidFill>
@@ -5176,7 +5096,7 @@
         <p:spPr>
           <a:xfrm>
             <a:off x="897480" y="4820400"/>
-            <a:ext cx="6496200" cy="700920"/>
+            <a:ext cx="6495840" cy="699480"/>
           </a:xfrm>
           <a:prstGeom prst="rect">
             <a:avLst/>
@@ -5193,7 +5113,7 @@
           <a:fontRef idx="minor"/>
         </p:style>
         <p:txBody>
-          <a:bodyPr anchor="t">
+          <a:bodyPr lIns="90000" rIns="90000" tIns="45000" bIns="45000" anchor="t">
             <a:spAutoFit/>
           </a:bodyPr>
           <a:p>
@@ -5206,14 +5126,14 @@
               </a:tabLst>
             </a:pPr>
             <a:r>
-              <a:rPr b="0" i="1" lang="en-AU" sz="2000" spc="-1" strike="noStrike">
-                <a:solidFill>
-                  <a:srgbClr val="000000"/>
-                </a:solidFill>
-                <a:latin typeface="Times New Roman"/>
-                <a:ea typeface="Times New Roman"/>
-              </a:rPr>
-              <a:t>Corporal Rox </a:t>
+              <a:rPr b="0" lang="en-AU" sz="2000" spc="-1" strike="noStrike">
+                <a:solidFill>
+                  <a:srgbClr val="000000"/>
+                </a:solidFill>
+                <a:latin typeface="Times New Roman"/>
+                <a:ea typeface="Times New Roman"/>
+              </a:rPr>
+              <a:t>{name} </a:t>
             </a:r>
             <a:r>
               <a:rPr b="0" lang="en-AU" sz="2000" spc="-1" strike="noStrike">
@@ -5260,7 +5180,7 @@
         <p:spPr>
           <a:xfrm>
             <a:off x="3101040" y="1388520"/>
-            <a:ext cx="1929960" cy="1929960"/>
+            <a:ext cx="1929600" cy="1929600"/>
           </a:xfrm>
           <a:prstGeom prst="rect">
             <a:avLst/>
@@ -5312,8 +5232,8 @@
         </p:blipFill>
         <p:spPr>
           <a:xfrm rot="5400000">
-            <a:off x="-1121400" y="2058480"/>
-            <a:ext cx="10512720" cy="7118280"/>
+            <a:off x="-1120680" y="2058480"/>
+            <a:ext cx="10512360" cy="7117920"/>
           </a:xfrm>
           <a:prstGeom prst="rect">
             <a:avLst/>
@@ -5336,7 +5256,7 @@
         <p:spPr>
           <a:xfrm>
             <a:off x="714240" y="723960"/>
-            <a:ext cx="6703560" cy="9801000"/>
+            <a:ext cx="6703200" cy="9800640"/>
           </a:xfrm>
           <a:prstGeom prst="rect">
             <a:avLst/>
@@ -5359,8 +5279,8 @@
         </p:blipFill>
         <p:spPr>
           <a:xfrm rot="5400000">
-            <a:off x="-1509480" y="1477440"/>
-            <a:ext cx="11300040" cy="8280000"/>
+            <a:off x="-1508760" y="1477080"/>
+            <a:ext cx="11299680" cy="8279640"/>
           </a:xfrm>
           <a:prstGeom prst="rect">
             <a:avLst/>
@@ -5383,7 +5303,7 @@
         <p:spPr>
           <a:xfrm>
             <a:off x="1814040" y="8340840"/>
-            <a:ext cx="1443960" cy="1260000"/>
+            <a:ext cx="1443600" cy="1259640"/>
           </a:xfrm>
           <a:prstGeom prst="rect">
             <a:avLst/>
@@ -5402,7 +5322,7 @@
         <p:spPr>
           <a:xfrm>
             <a:off x="704160" y="3409560"/>
-            <a:ext cx="6723720" cy="761400"/>
+            <a:ext cx="6723360" cy="759960"/>
           </a:xfrm>
           <a:prstGeom prst="rect">
             <a:avLst/>
@@ -5419,7 +5339,7 @@
           <a:fontRef idx="minor"/>
         </p:style>
         <p:txBody>
-          <a:bodyPr anchor="t">
+          <a:bodyPr lIns="90000" rIns="90000" tIns="45000" bIns="45000" anchor="t">
             <a:spAutoFit/>
           </a:bodyPr>
           <a:p>
@@ -5459,7 +5379,7 @@
         <p:spPr>
           <a:xfrm>
             <a:off x="1454400" y="4110120"/>
-            <a:ext cx="5371560" cy="639720"/>
+            <a:ext cx="5371200" cy="638280"/>
           </a:xfrm>
           <a:prstGeom prst="rect">
             <a:avLst/>
@@ -5476,7 +5396,7 @@
           <a:fontRef idx="minor"/>
         </p:style>
         <p:txBody>
-          <a:bodyPr anchor="t">
+          <a:bodyPr lIns="90000" rIns="90000" tIns="45000" bIns="45000" anchor="t">
             <a:spAutoFit/>
           </a:bodyPr>
           <a:p>
@@ -5496,7 +5416,7 @@
                 <a:latin typeface="Times New Roman"/>
                 <a:ea typeface="Times New Roman"/>
               </a:rPr>
-              <a:t>LCPL Six</a:t>
+              <a:t>{name}</a:t>
             </a:r>
             <a:endParaRPr b="0" lang="en-US" sz="3600" spc="-1" strike="noStrike">
               <a:solidFill>
@@ -5516,7 +5436,7 @@
         <p:spPr>
           <a:xfrm>
             <a:off x="2985840" y="8685000"/>
-            <a:ext cx="4283280" cy="593280"/>
+            <a:ext cx="4282920" cy="591840"/>
           </a:xfrm>
           <a:prstGeom prst="rect">
             <a:avLst/>
@@ -5533,7 +5453,7 @@
           <a:fontRef idx="minor"/>
         </p:style>
         <p:txBody>
-          <a:bodyPr anchor="t">
+          <a:bodyPr lIns="90000" rIns="90000" tIns="45000" bIns="45000" anchor="t">
             <a:spAutoFit/>
           </a:bodyPr>
           <a:p>
@@ -5546,14 +5466,13 @@
               </a:tabLst>
             </a:pPr>
             <a:r>
-              <a:rPr b="1" lang="en-AU" sz="1100" spc="-1" strike="noStrike">
-                <a:solidFill>
-                  <a:srgbClr val="000000"/>
-                </a:solidFill>
-                <a:latin typeface="Times New Roman"/>
-                <a:ea typeface="Times New Roman"/>
-              </a:rPr>
-              <a:t>MAJ Trew</a:t>
+              <a:rPr b="0" lang="en-AU" sz="1100" spc="-1" strike="noStrike">
+                <a:solidFill>
+                  <a:srgbClr val="000000"/>
+                </a:solidFill>
+                <a:latin typeface="Times New Roman"/>
+              </a:rPr>
+              <a:t>{signaturer}</a:t>
             </a:r>
             <a:br>
               <a:rPr sz="1100"/>
@@ -5599,7 +5518,7 @@
         <p:spPr>
           <a:xfrm>
             <a:off x="3721320" y="8197200"/>
-            <a:ext cx="2813760" cy="517680"/>
+            <a:ext cx="2813400" cy="516240"/>
           </a:xfrm>
           <a:prstGeom prst="rect">
             <a:avLst/>
@@ -5616,7 +5535,7 @@
           <a:fontRef idx="minor"/>
         </p:style>
         <p:txBody>
-          <a:bodyPr anchor="t">
+          <a:bodyPr lIns="90000" rIns="90000" tIns="45000" bIns="45000" anchor="t">
             <a:spAutoFit/>
           </a:bodyPr>
           <a:p>
@@ -5636,7 +5555,7 @@
                 <a:latin typeface="Courgette"/>
                 <a:ea typeface="Courgette"/>
               </a:rPr>
-              <a:t>MAJ Trew </a:t>
+              <a:t>{signaturer}</a:t>
             </a:r>
             <a:endParaRPr b="0" lang="en-US" sz="2800" spc="-1" strike="noStrike">
               <a:solidFill>
@@ -5656,7 +5575,7 @@
         <p:spPr>
           <a:xfrm flipH="1">
             <a:off x="3720960" y="8684280"/>
-            <a:ext cx="2814480" cy="360"/>
+            <a:ext cx="2814840" cy="720"/>
           </a:xfrm>
           <a:prstGeom prst="straightConnector1">
             <a:avLst/>
@@ -5678,7 +5597,7 @@
         <p:spPr>
           <a:xfrm>
             <a:off x="886320" y="5655600"/>
-            <a:ext cx="6496200" cy="700920"/>
+            <a:ext cx="6495840" cy="699480"/>
           </a:xfrm>
           <a:prstGeom prst="rect">
             <a:avLst/>
@@ -5695,7 +5614,7 @@
           <a:fontRef idx="minor"/>
         </p:style>
         <p:txBody>
-          <a:bodyPr anchor="t">
+          <a:bodyPr lIns="90000" rIns="90000" tIns="45000" bIns="45000" anchor="t">
             <a:spAutoFit/>
           </a:bodyPr>
           <a:p>
@@ -5715,7 +5634,7 @@
                 <a:latin typeface="Times New Roman"/>
                 <a:ea typeface="Times New Roman"/>
               </a:rPr>
-              <a:t>I, </a:t>
+              <a:t>I, {signaturer}</a:t>
             </a:r>
             <a:r>
               <a:rPr b="0" i="1" lang="en-AU" sz="2000" spc="-1" strike="noStrike">
@@ -5725,7 +5644,7 @@
                 <a:latin typeface="Times New Roman"/>
                 <a:ea typeface="Times New Roman"/>
               </a:rPr>
-              <a:t>Major Trew,</a:t>
+              <a:t>,</a:t>
             </a:r>
             <a:r>
               <a:rPr b="0" lang="en-AU" sz="2000" spc="-1" strike="noStrike">
@@ -5755,7 +5674,7 @@
         <p:spPr>
           <a:xfrm>
             <a:off x="817920" y="6433920"/>
-            <a:ext cx="6496560" cy="578520"/>
+            <a:ext cx="6496200" cy="577080"/>
           </a:xfrm>
           <a:prstGeom prst="rect">
             <a:avLst/>
@@ -5772,7 +5691,7 @@
           <a:fontRef idx="minor"/>
         </p:style>
         <p:txBody>
-          <a:bodyPr anchor="t">
+          <a:bodyPr lIns="90000" rIns="90000" tIns="45000" bIns="45000" anchor="t">
             <a:spAutoFit/>
           </a:bodyPr>
           <a:p>
@@ -5792,7 +5711,7 @@
                 <a:latin typeface="Times New Roman"/>
                 <a:ea typeface="Times New Roman"/>
               </a:rPr>
-              <a:t>LCPL Six</a:t>
+              <a:t>{name}</a:t>
             </a:r>
             <a:endParaRPr b="0" lang="en-US" sz="3200" spc="-1" strike="noStrike">
               <a:solidFill>
@@ -5812,7 +5731,7 @@
         <p:spPr>
           <a:xfrm>
             <a:off x="873720" y="7107120"/>
-            <a:ext cx="6496200" cy="396000"/>
+            <a:ext cx="6495840" cy="394560"/>
           </a:xfrm>
           <a:prstGeom prst="rect">
             <a:avLst/>
@@ -5829,7 +5748,7 @@
           <a:fontRef idx="minor"/>
         </p:style>
         <p:txBody>
-          <a:bodyPr anchor="t">
+          <a:bodyPr lIns="90000" rIns="90000" tIns="45000" bIns="45000" anchor="t">
             <a:spAutoFit/>
           </a:bodyPr>
           <a:p>
@@ -5879,27 +5798,7 @@
                 <a:latin typeface="Times New Roman"/>
                 <a:ea typeface="Times New Roman"/>
               </a:rPr>
-              <a:t>03</a:t>
-            </a:r>
-            <a:r>
-              <a:rPr b="0" i="1" lang="en-AU" sz="2000" spc="-1" strike="noStrike" baseline="30000">
-                <a:solidFill>
-                  <a:srgbClr val="000000"/>
-                </a:solidFill>
-                <a:latin typeface="Times New Roman"/>
-                <a:ea typeface="Times New Roman"/>
-              </a:rPr>
-              <a:t>rd</a:t>
-            </a:r>
-            <a:r>
-              <a:rPr b="0" i="1" lang="en-AU" sz="2000" spc="-1" strike="noStrike">
-                <a:solidFill>
-                  <a:srgbClr val="000000"/>
-                </a:solidFill>
-                <a:latin typeface="Times New Roman"/>
-                <a:ea typeface="Times New Roman"/>
-              </a:rPr>
-              <a:t> October 2022.</a:t>
+              <a:t>{date}.</a:t>
             </a:r>
             <a:r>
               <a:rPr b="0" lang="en-AU" sz="2000" spc="-1" strike="noStrike">
@@ -5929,7 +5828,7 @@
         <p:spPr>
           <a:xfrm>
             <a:off x="886320" y="4748400"/>
-            <a:ext cx="6507360" cy="700920"/>
+            <a:ext cx="6507000" cy="699480"/>
           </a:xfrm>
           <a:prstGeom prst="rect">
             <a:avLst/>
@@ -5946,7 +5845,7 @@
           <a:fontRef idx="minor"/>
         </p:style>
         <p:txBody>
-          <a:bodyPr anchor="t">
+          <a:bodyPr lIns="90000" rIns="90000" tIns="45000" bIns="45000" anchor="t">
             <a:spAutoFit/>
           </a:bodyPr>
           <a:p>
@@ -5966,7 +5865,7 @@
                 <a:latin typeface="Times New Roman"/>
                 <a:ea typeface="Times New Roman"/>
               </a:rPr>
-              <a:t>LCPL Six </a:t>
+              <a:t>{name} </a:t>
             </a:r>
             <a:r>
               <a:rPr b="0" lang="en-AU" sz="2000" spc="-1" strike="noStrike">
@@ -6000,7 +5899,7 @@
         <p:spPr>
           <a:xfrm>
             <a:off x="3056760" y="1412280"/>
-            <a:ext cx="2018520" cy="1625040"/>
+            <a:ext cx="2018160" cy="1624680"/>
           </a:xfrm>
           <a:prstGeom prst="rect">
             <a:avLst/>
@@ -6052,8 +5951,8 @@
         </p:blipFill>
         <p:spPr>
           <a:xfrm rot="5400000">
-            <a:off x="-1121400" y="2058480"/>
-            <a:ext cx="10512720" cy="7118280"/>
+            <a:off x="-1120680" y="2058480"/>
+            <a:ext cx="10512360" cy="7117920"/>
           </a:xfrm>
           <a:prstGeom prst="rect">
             <a:avLst/>
@@ -6076,7 +5975,7 @@
         <p:spPr>
           <a:xfrm>
             <a:off x="714240" y="723960"/>
-            <a:ext cx="6703560" cy="9801000"/>
+            <a:ext cx="6703200" cy="9800640"/>
           </a:xfrm>
           <a:prstGeom prst="rect">
             <a:avLst/>
@@ -6099,8 +5998,8 @@
         </p:blipFill>
         <p:spPr>
           <a:xfrm rot="5400000">
-            <a:off x="-1509480" y="1477440"/>
-            <a:ext cx="11300040" cy="8280000"/>
+            <a:off x="-1508760" y="1477080"/>
+            <a:ext cx="11299680" cy="8279640"/>
           </a:xfrm>
           <a:prstGeom prst="rect">
             <a:avLst/>
@@ -6123,7 +6022,7 @@
         <p:spPr>
           <a:xfrm>
             <a:off x="1814040" y="8340840"/>
-            <a:ext cx="1443960" cy="1260000"/>
+            <a:ext cx="1443600" cy="1259640"/>
           </a:xfrm>
           <a:prstGeom prst="rect">
             <a:avLst/>
@@ -6142,7 +6041,7 @@
         <p:spPr>
           <a:xfrm>
             <a:off x="704160" y="3409560"/>
-            <a:ext cx="6723720" cy="761400"/>
+            <a:ext cx="6723360" cy="759960"/>
           </a:xfrm>
           <a:prstGeom prst="rect">
             <a:avLst/>
@@ -6159,7 +6058,7 @@
           <a:fontRef idx="minor"/>
         </p:style>
         <p:txBody>
-          <a:bodyPr anchor="t">
+          <a:bodyPr lIns="90000" rIns="90000" tIns="45000" bIns="45000" anchor="t">
             <a:spAutoFit/>
           </a:bodyPr>
           <a:p>
@@ -6199,7 +6098,7 @@
         <p:spPr>
           <a:xfrm>
             <a:off x="1454400" y="4110120"/>
-            <a:ext cx="5371560" cy="639720"/>
+            <a:ext cx="5371200" cy="638280"/>
           </a:xfrm>
           <a:prstGeom prst="rect">
             <a:avLst/>
@@ -6216,7 +6115,7 @@
           <a:fontRef idx="minor"/>
         </p:style>
         <p:txBody>
-          <a:bodyPr anchor="t">
+          <a:bodyPr lIns="90000" rIns="90000" tIns="45000" bIns="45000" anchor="t">
             <a:spAutoFit/>
           </a:bodyPr>
           <a:p>
@@ -6236,7 +6135,7 @@
                 <a:latin typeface="Times New Roman"/>
                 <a:ea typeface="Times New Roman"/>
               </a:rPr>
-              <a:t>Private Titan</a:t>
+              <a:t>{signaturer}</a:t>
             </a:r>
             <a:endParaRPr b="0" lang="en-US" sz="3600" spc="-1" strike="noStrike">
               <a:solidFill>
@@ -6256,7 +6155,7 @@
         <p:spPr>
           <a:xfrm>
             <a:off x="2985840" y="8685000"/>
-            <a:ext cx="4283280" cy="593280"/>
+            <a:ext cx="4282920" cy="591840"/>
           </a:xfrm>
           <a:prstGeom prst="rect">
             <a:avLst/>
@@ -6273,7 +6172,7 @@
           <a:fontRef idx="minor"/>
         </p:style>
         <p:txBody>
-          <a:bodyPr anchor="t">
+          <a:bodyPr lIns="90000" rIns="90000" tIns="45000" bIns="45000" anchor="t">
             <a:spAutoFit/>
           </a:bodyPr>
           <a:p>
@@ -6291,9 +6190,8 @@
                   <a:srgbClr val="000000"/>
                 </a:solidFill>
                 <a:latin typeface="Times New Roman"/>
-                <a:ea typeface="Times New Roman"/>
-              </a:rPr>
-              <a:t>MAJ Trew</a:t>
+              </a:rPr>
+              <a:t>{signaturer}</a:t>
             </a:r>
             <a:br>
               <a:rPr sz="1100"/>
@@ -6339,7 +6237,7 @@
         <p:spPr>
           <a:xfrm>
             <a:off x="3721320" y="8197200"/>
-            <a:ext cx="2813760" cy="517680"/>
+            <a:ext cx="2813400" cy="516240"/>
           </a:xfrm>
           <a:prstGeom prst="rect">
             <a:avLst/>
@@ -6356,7 +6254,7 @@
           <a:fontRef idx="minor"/>
         </p:style>
         <p:txBody>
-          <a:bodyPr anchor="t">
+          <a:bodyPr lIns="90000" rIns="90000" tIns="45000" bIns="45000" anchor="t">
             <a:spAutoFit/>
           </a:bodyPr>
           <a:p>
@@ -6376,7 +6274,7 @@
                 <a:latin typeface="Courgette"/>
                 <a:ea typeface="Courgette"/>
               </a:rPr>
-              <a:t>MAJ Trew </a:t>
+              <a:t>{signaturer}</a:t>
             </a:r>
             <a:endParaRPr b="0" lang="en-US" sz="2800" spc="-1" strike="noStrike">
               <a:solidFill>
@@ -6396,7 +6294,7 @@
         <p:spPr>
           <a:xfrm flipH="1">
             <a:off x="3720960" y="8684280"/>
-            <a:ext cx="2814480" cy="360"/>
+            <a:ext cx="2814840" cy="720"/>
           </a:xfrm>
           <a:prstGeom prst="straightConnector1">
             <a:avLst/>
@@ -6418,7 +6316,7 @@
         <p:spPr>
           <a:xfrm>
             <a:off x="886320" y="5655600"/>
-            <a:ext cx="6496200" cy="700920"/>
+            <a:ext cx="6495840" cy="699480"/>
           </a:xfrm>
           <a:prstGeom prst="rect">
             <a:avLst/>
@@ -6435,7 +6333,7 @@
           <a:fontRef idx="minor"/>
         </p:style>
         <p:txBody>
-          <a:bodyPr anchor="t">
+          <a:bodyPr lIns="90000" rIns="90000" tIns="45000" bIns="45000" anchor="t">
             <a:spAutoFit/>
           </a:bodyPr>
           <a:p>
@@ -6455,7 +6353,7 @@
                 <a:latin typeface="Times New Roman"/>
                 <a:ea typeface="Times New Roman"/>
               </a:rPr>
-              <a:t>I, </a:t>
+              <a:t>I, {signaturer}</a:t>
             </a:r>
             <a:r>
               <a:rPr b="0" i="1" lang="en-AU" sz="2000" spc="-1" strike="noStrike">
@@ -6465,7 +6363,7 @@
                 <a:latin typeface="Times New Roman"/>
                 <a:ea typeface="Times New Roman"/>
               </a:rPr>
-              <a:t>Major Trew,</a:t>
+              <a:t>,</a:t>
             </a:r>
             <a:r>
               <a:rPr b="0" lang="en-AU" sz="2000" spc="-1" strike="noStrike">
@@ -6495,7 +6393,7 @@
         <p:spPr>
           <a:xfrm>
             <a:off x="817920" y="6433920"/>
-            <a:ext cx="6496560" cy="578520"/>
+            <a:ext cx="6496200" cy="577080"/>
           </a:xfrm>
           <a:prstGeom prst="rect">
             <a:avLst/>
@@ -6512,7 +6410,7 @@
           <a:fontRef idx="minor"/>
         </p:style>
         <p:txBody>
-          <a:bodyPr anchor="t">
+          <a:bodyPr lIns="90000" rIns="90000" tIns="45000" bIns="45000" anchor="t">
             <a:spAutoFit/>
           </a:bodyPr>
           <a:p>
@@ -6532,7 +6430,7 @@
                 <a:latin typeface="Times New Roman"/>
                 <a:ea typeface="Times New Roman"/>
               </a:rPr>
-              <a:t>Private Titan</a:t>
+              <a:t>{name}</a:t>
             </a:r>
             <a:endParaRPr b="0" lang="en-US" sz="3200" spc="-1" strike="noStrike">
               <a:solidFill>
@@ -6552,7 +6450,7 @@
         <p:spPr>
           <a:xfrm>
             <a:off x="873720" y="7107120"/>
-            <a:ext cx="6496200" cy="700920"/>
+            <a:ext cx="6495840" cy="699480"/>
           </a:xfrm>
           <a:prstGeom prst="rect">
             <a:avLst/>
@@ -6569,7 +6467,7 @@
           <a:fontRef idx="minor"/>
         </p:style>
         <p:txBody>
-          <a:bodyPr anchor="t">
+          <a:bodyPr lIns="90000" rIns="90000" tIns="45000" bIns="45000" anchor="t">
             <a:spAutoFit/>
           </a:bodyPr>
           <a:p>
@@ -6615,36 +6513,6 @@
               <a:rPr sz="2000"/>
             </a:br>
             <a:r>
-              <a:rPr b="0" i="1" lang="en-AU" sz="2000" spc="-1" strike="noStrike">
-                <a:solidFill>
-                  <a:srgbClr val="000000"/>
-                </a:solidFill>
-                <a:latin typeface="Times New Roman"/>
-                <a:ea typeface="Times New Roman"/>
-              </a:rPr>
-              <a:t>19</a:t>
-            </a:r>
-            <a:r>
-              <a:rPr b="0" i="1" lang="en-AU" sz="2000" spc="-1" strike="noStrike" baseline="30000">
-                <a:solidFill>
-                  <a:srgbClr val="000000"/>
-                </a:solidFill>
-                <a:latin typeface="Times New Roman"/>
-                <a:ea typeface="Times New Roman"/>
-              </a:rPr>
-              <a:t>th</a:t>
-            </a:r>
-            <a:r>
-              <a:rPr b="0" i="1" lang="en-AU" sz="2000" spc="-1" strike="noStrike">
-                <a:solidFill>
-                  <a:srgbClr val="000000"/>
-                </a:solidFill>
-                <a:latin typeface="Times New Roman"/>
-                <a:ea typeface="Times New Roman"/>
-              </a:rPr>
-              <a:t> February 2023.</a:t>
-            </a:r>
-            <a:r>
               <a:rPr b="0" lang="en-AU" sz="2000" spc="-1" strike="noStrike">
                 <a:solidFill>
                   <a:srgbClr val="000000"/>
@@ -6652,7 +6520,7 @@
                 <a:latin typeface="Times New Roman"/>
                 <a:ea typeface="Times New Roman"/>
               </a:rPr>
-              <a:t> </a:t>
+              <a:t>{date}.</a:t>
             </a:r>
             <a:endParaRPr b="0" lang="en-US" sz="2000" spc="-1" strike="noStrike">
               <a:solidFill>
@@ -6672,7 +6540,7 @@
         <p:spPr>
           <a:xfrm>
             <a:off x="897480" y="4820400"/>
-            <a:ext cx="6496200" cy="700920"/>
+            <a:ext cx="6495840" cy="699480"/>
           </a:xfrm>
           <a:prstGeom prst="rect">
             <a:avLst/>
@@ -6689,7 +6557,7 @@
           <a:fontRef idx="minor"/>
         </p:style>
         <p:txBody>
-          <a:bodyPr anchor="t">
+          <a:bodyPr lIns="90000" rIns="90000" tIns="45000" bIns="45000" anchor="t">
             <a:spAutoFit/>
           </a:bodyPr>
           <a:p>
@@ -6709,7 +6577,7 @@
                 <a:latin typeface="Times New Roman"/>
                 <a:ea typeface="Times New Roman"/>
               </a:rPr>
-              <a:t>Private Titan </a:t>
+              <a:t>{name} </a:t>
             </a:r>
             <a:r>
               <a:rPr b="0" lang="en-AU" sz="2000" spc="-1" strike="noStrike">
@@ -6756,7 +6624,7 @@
         <p:spPr>
           <a:xfrm>
             <a:off x="3088440" y="1587600"/>
-            <a:ext cx="1955160" cy="1244160"/>
+            <a:ext cx="1954800" cy="1243800"/>
           </a:xfrm>
           <a:prstGeom prst="rect">
             <a:avLst/>
@@ -6808,8 +6676,8 @@
         </p:blipFill>
         <p:spPr>
           <a:xfrm rot="5400000">
-            <a:off x="-1121400" y="2058480"/>
-            <a:ext cx="10512720" cy="7118280"/>
+            <a:off x="-1120680" y="2058480"/>
+            <a:ext cx="10512360" cy="7117920"/>
           </a:xfrm>
           <a:prstGeom prst="rect">
             <a:avLst/>
@@ -6832,7 +6700,7 @@
         <p:spPr>
           <a:xfrm>
             <a:off x="714240" y="723960"/>
-            <a:ext cx="6703560" cy="9801000"/>
+            <a:ext cx="6703200" cy="9800640"/>
           </a:xfrm>
           <a:prstGeom prst="rect">
             <a:avLst/>
@@ -6855,8 +6723,8 @@
         </p:blipFill>
         <p:spPr>
           <a:xfrm rot="5400000">
-            <a:off x="-1509480" y="1477440"/>
-            <a:ext cx="11300040" cy="8280000"/>
+            <a:off x="-1508760" y="1477080"/>
+            <a:ext cx="11299680" cy="8279640"/>
           </a:xfrm>
           <a:prstGeom prst="rect">
             <a:avLst/>
@@ -6879,7 +6747,7 @@
         <p:spPr>
           <a:xfrm>
             <a:off x="1814040" y="8340840"/>
-            <a:ext cx="1443960" cy="1260000"/>
+            <a:ext cx="1443600" cy="1259640"/>
           </a:xfrm>
           <a:prstGeom prst="rect">
             <a:avLst/>
@@ -6898,7 +6766,7 @@
         <p:spPr>
           <a:xfrm>
             <a:off x="704160" y="3409560"/>
-            <a:ext cx="6723720" cy="761400"/>
+            <a:ext cx="6723360" cy="759960"/>
           </a:xfrm>
           <a:prstGeom prst="rect">
             <a:avLst/>
@@ -6915,7 +6783,7 @@
           <a:fontRef idx="minor"/>
         </p:style>
         <p:txBody>
-          <a:bodyPr anchor="t">
+          <a:bodyPr lIns="90000" rIns="90000" tIns="45000" bIns="45000" anchor="t">
             <a:spAutoFit/>
           </a:bodyPr>
           <a:p>
@@ -6955,7 +6823,7 @@
         <p:spPr>
           <a:xfrm>
             <a:off x="1454400" y="4110120"/>
-            <a:ext cx="5371560" cy="639720"/>
+            <a:ext cx="5371200" cy="638280"/>
           </a:xfrm>
           <a:prstGeom prst="rect">
             <a:avLst/>
@@ -6972,7 +6840,7 @@
           <a:fontRef idx="minor"/>
         </p:style>
         <p:txBody>
-          <a:bodyPr anchor="t">
+          <a:bodyPr lIns="90000" rIns="90000" tIns="45000" bIns="45000" anchor="t">
             <a:spAutoFit/>
           </a:bodyPr>
           <a:p>
@@ -6992,7 +6860,7 @@
                 <a:latin typeface="Times New Roman"/>
                 <a:ea typeface="Times New Roman"/>
               </a:rPr>
-              <a:t>REC Yoshi</a:t>
+              <a:t>{name}</a:t>
             </a:r>
             <a:endParaRPr b="0" lang="en-US" sz="3600" spc="-1" strike="noStrike">
               <a:solidFill>
@@ -7012,7 +6880,7 @@
         <p:spPr>
           <a:xfrm>
             <a:off x="2985840" y="8685000"/>
-            <a:ext cx="4283280" cy="593280"/>
+            <a:ext cx="4282920" cy="591840"/>
           </a:xfrm>
           <a:prstGeom prst="rect">
             <a:avLst/>
@@ -7029,7 +6897,7 @@
           <a:fontRef idx="minor"/>
         </p:style>
         <p:txBody>
-          <a:bodyPr anchor="t">
+          <a:bodyPr lIns="90000" rIns="90000" tIns="45000" bIns="45000" anchor="t">
             <a:spAutoFit/>
           </a:bodyPr>
           <a:p>
@@ -7042,14 +6910,13 @@
               </a:tabLst>
             </a:pPr>
             <a:r>
-              <a:rPr b="1" lang="en-AU" sz="1100" spc="-1" strike="noStrike">
-                <a:solidFill>
-                  <a:srgbClr val="000000"/>
-                </a:solidFill>
-                <a:latin typeface="Times New Roman"/>
-                <a:ea typeface="Times New Roman"/>
-              </a:rPr>
-              <a:t>MAJ Trew</a:t>
+              <a:rPr b="0" lang="en-AU" sz="1100" spc="-1" strike="noStrike">
+                <a:solidFill>
+                  <a:srgbClr val="000000"/>
+                </a:solidFill>
+                <a:latin typeface="Times New Roman"/>
+              </a:rPr>
+              <a:t>{signaturer}</a:t>
             </a:r>
             <a:br>
               <a:rPr sz="1100"/>
@@ -7095,7 +6962,7 @@
         <p:spPr>
           <a:xfrm>
             <a:off x="3721320" y="8197200"/>
-            <a:ext cx="2813760" cy="517680"/>
+            <a:ext cx="2813400" cy="516240"/>
           </a:xfrm>
           <a:prstGeom prst="rect">
             <a:avLst/>
@@ -7112,7 +6979,7 @@
           <a:fontRef idx="minor"/>
         </p:style>
         <p:txBody>
-          <a:bodyPr anchor="t">
+          <a:bodyPr lIns="90000" rIns="90000" tIns="45000" bIns="45000" anchor="t">
             <a:spAutoFit/>
           </a:bodyPr>
           <a:p>
@@ -7132,7 +6999,7 @@
                 <a:latin typeface="Courgette"/>
                 <a:ea typeface="Courgette"/>
               </a:rPr>
-              <a:t>MAJ Trew</a:t>
+              <a:t>{signaturer}</a:t>
             </a:r>
             <a:endParaRPr b="0" lang="en-US" sz="2800" spc="-1" strike="noStrike">
               <a:solidFill>
@@ -7152,7 +7019,7 @@
         <p:spPr>
           <a:xfrm flipH="1">
             <a:off x="3720960" y="8684280"/>
-            <a:ext cx="2814480" cy="360"/>
+            <a:ext cx="2814840" cy="720"/>
           </a:xfrm>
           <a:prstGeom prst="straightConnector1">
             <a:avLst/>
@@ -7174,7 +7041,7 @@
         <p:spPr>
           <a:xfrm>
             <a:off x="886320" y="5655600"/>
-            <a:ext cx="6496200" cy="700920"/>
+            <a:ext cx="6495840" cy="699480"/>
           </a:xfrm>
           <a:prstGeom prst="rect">
             <a:avLst/>
@@ -7191,7 +7058,7 @@
           <a:fontRef idx="minor"/>
         </p:style>
         <p:txBody>
-          <a:bodyPr anchor="t">
+          <a:bodyPr lIns="90000" rIns="90000" tIns="45000" bIns="45000" anchor="t">
             <a:spAutoFit/>
           </a:bodyPr>
           <a:p>
@@ -7211,7 +7078,7 @@
                 <a:latin typeface="Times New Roman"/>
                 <a:ea typeface="Times New Roman"/>
               </a:rPr>
-              <a:t>I, </a:t>
+              <a:t>I, {signaturer}</a:t>
             </a:r>
             <a:r>
               <a:rPr b="0" i="1" lang="en-AU" sz="2000" spc="-1" strike="noStrike">
@@ -7221,7 +7088,7 @@
                 <a:latin typeface="Times New Roman"/>
                 <a:ea typeface="Times New Roman"/>
               </a:rPr>
-              <a:t>Major Trew,</a:t>
+              <a:t>,</a:t>
             </a:r>
             <a:r>
               <a:rPr b="0" lang="en-AU" sz="2000" spc="-1" strike="noStrike">
@@ -7251,7 +7118,7 @@
         <p:spPr>
           <a:xfrm>
             <a:off x="817920" y="6433920"/>
-            <a:ext cx="6496560" cy="578520"/>
+            <a:ext cx="6496200" cy="1064520"/>
           </a:xfrm>
           <a:prstGeom prst="rect">
             <a:avLst/>
@@ -7268,7 +7135,7 @@
           <a:fontRef idx="minor"/>
         </p:style>
         <p:txBody>
-          <a:bodyPr anchor="t">
+          <a:bodyPr lIns="90000" rIns="90000" tIns="45000" bIns="45000" anchor="t">
             <a:spAutoFit/>
           </a:bodyPr>
           <a:p>
@@ -7288,8 +7155,11 @@
                 <a:latin typeface="Times New Roman"/>
                 <a:ea typeface="Times New Roman"/>
               </a:rPr>
-              <a:t>REC Yoshi</a:t>
-            </a:r>
+              <a:t>{name}</a:t>
+            </a:r>
+            <a:br>
+              <a:rPr sz="3200"/>
+            </a:br>
             <a:endParaRPr b="0" lang="en-US" sz="3200" spc="-1" strike="noStrike">
               <a:solidFill>
                 <a:srgbClr val="000000"/>
@@ -7308,7 +7178,7 @@
         <p:spPr>
           <a:xfrm>
             <a:off x="873720" y="7107120"/>
-            <a:ext cx="6496200" cy="700920"/>
+            <a:ext cx="6495840" cy="699480"/>
           </a:xfrm>
           <a:prstGeom prst="rect">
             <a:avLst/>
@@ -7325,7 +7195,7 @@
           <a:fontRef idx="minor"/>
         </p:style>
         <p:txBody>
-          <a:bodyPr anchor="t">
+          <a:bodyPr lIns="90000" rIns="90000" tIns="45000" bIns="45000" anchor="t">
             <a:spAutoFit/>
           </a:bodyPr>
           <a:p>
@@ -7371,36 +7241,6 @@
               <a:rPr sz="2000"/>
             </a:br>
             <a:r>
-              <a:rPr b="0" i="1" lang="en-AU" sz="2000" spc="-1" strike="noStrike">
-                <a:solidFill>
-                  <a:srgbClr val="000000"/>
-                </a:solidFill>
-                <a:latin typeface="Times New Roman"/>
-                <a:ea typeface="Times New Roman"/>
-              </a:rPr>
-              <a:t>7</a:t>
-            </a:r>
-            <a:r>
-              <a:rPr b="0" i="1" lang="en-AU" sz="2000" spc="-1" strike="noStrike" baseline="30000">
-                <a:solidFill>
-                  <a:srgbClr val="000000"/>
-                </a:solidFill>
-                <a:latin typeface="Times New Roman"/>
-                <a:ea typeface="Times New Roman"/>
-              </a:rPr>
-              <a:t>th</a:t>
-            </a:r>
-            <a:r>
-              <a:rPr b="0" i="1" lang="en-AU" sz="2000" spc="-1" strike="noStrike">
-                <a:solidFill>
-                  <a:srgbClr val="000000"/>
-                </a:solidFill>
-                <a:latin typeface="Times New Roman"/>
-                <a:ea typeface="Times New Roman"/>
-              </a:rPr>
-              <a:t> January 2023.</a:t>
-            </a:r>
-            <a:r>
               <a:rPr b="0" lang="en-AU" sz="2000" spc="-1" strike="noStrike">
                 <a:solidFill>
                   <a:srgbClr val="000000"/>
@@ -7408,7 +7248,7 @@
                 <a:latin typeface="Times New Roman"/>
                 <a:ea typeface="Times New Roman"/>
               </a:rPr>
-              <a:t> </a:t>
+              <a:t>{date}.</a:t>
             </a:r>
             <a:endParaRPr b="0" lang="en-US" sz="2000" spc="-1" strike="noStrike">
               <a:solidFill>
@@ -7428,7 +7268,7 @@
         <p:spPr>
           <a:xfrm>
             <a:off x="897480" y="4820400"/>
-            <a:ext cx="6496200" cy="700920"/>
+            <a:ext cx="6495840" cy="699480"/>
           </a:xfrm>
           <a:prstGeom prst="rect">
             <a:avLst/>
@@ -7445,7 +7285,7 @@
           <a:fontRef idx="minor"/>
         </p:style>
         <p:txBody>
-          <a:bodyPr anchor="t">
+          <a:bodyPr lIns="90000" rIns="90000" tIns="45000" bIns="45000" anchor="t">
             <a:spAutoFit/>
           </a:bodyPr>
           <a:p>
@@ -7460,22 +7300,12 @@
             <a:r>
               <a:rPr b="0" i="1" lang="en-AU" sz="2000" spc="-1" strike="noStrike">
                 <a:solidFill>
-                  <a:schemeClr val="dk1"/>
-                </a:solidFill>
-                <a:latin typeface="Times New Roman"/>
-                <a:ea typeface="Times New Roman"/>
-              </a:rPr>
-              <a:t>REC </a:t>
-            </a:r>
-            <a:r>
-              <a:rPr b="0" i="1" lang="en-AU" sz="2000" spc="-1" strike="noStrike">
-                <a:solidFill>
-                  <a:srgbClr val="000000"/>
-                </a:solidFill>
-                <a:latin typeface="Times New Roman"/>
-                <a:ea typeface="Times New Roman"/>
-              </a:rPr>
-              <a:t>Yoshi</a:t>
+                  <a:srgbClr val="000000"/>
+                </a:solidFill>
+                <a:latin typeface="Times New Roman"/>
+                <a:ea typeface="Times New Roman"/>
+              </a:rPr>
+              <a:t>{name}</a:t>
             </a:r>
             <a:r>
               <a:rPr b="0" i="1" lang="en-AU" sz="2000" spc="-1" strike="noStrike">
@@ -7519,7 +7349,7 @@
         <p:spPr>
           <a:xfrm>
             <a:off x="2922480" y="1458360"/>
-            <a:ext cx="2287080" cy="1604160"/>
+            <a:ext cx="2286720" cy="1603800"/>
           </a:xfrm>
           <a:prstGeom prst="rect">
             <a:avLst/>
@@ -7571,8 +7401,8 @@
         </p:blipFill>
         <p:spPr>
           <a:xfrm rot="5400000">
-            <a:off x="-1121400" y="2058480"/>
-            <a:ext cx="10512720" cy="7118280"/>
+            <a:off x="-1120680" y="2058480"/>
+            <a:ext cx="10512360" cy="7117920"/>
           </a:xfrm>
           <a:prstGeom prst="rect">
             <a:avLst/>
@@ -7595,7 +7425,7 @@
         <p:spPr>
           <a:xfrm>
             <a:off x="714240" y="723960"/>
-            <a:ext cx="6703560" cy="9801000"/>
+            <a:ext cx="6703200" cy="9800640"/>
           </a:xfrm>
           <a:prstGeom prst="rect">
             <a:avLst/>
@@ -7618,8 +7448,8 @@
         </p:blipFill>
         <p:spPr>
           <a:xfrm rot="5400000">
-            <a:off x="-1509480" y="1477440"/>
-            <a:ext cx="11300040" cy="8280000"/>
+            <a:off x="-1508760" y="1477080"/>
+            <a:ext cx="11299680" cy="8279640"/>
           </a:xfrm>
           <a:prstGeom prst="rect">
             <a:avLst/>
@@ -7642,7 +7472,7 @@
         <p:spPr>
           <a:xfrm>
             <a:off x="1814040" y="8340840"/>
-            <a:ext cx="1443960" cy="1260000"/>
+            <a:ext cx="1443600" cy="1259640"/>
           </a:xfrm>
           <a:prstGeom prst="rect">
             <a:avLst/>
@@ -7661,7 +7491,7 @@
         <p:spPr>
           <a:xfrm>
             <a:off x="704160" y="3409560"/>
-            <a:ext cx="6723720" cy="761400"/>
+            <a:ext cx="6723360" cy="759960"/>
           </a:xfrm>
           <a:prstGeom prst="rect">
             <a:avLst/>
@@ -7678,7 +7508,7 @@
           <a:fontRef idx="minor"/>
         </p:style>
         <p:txBody>
-          <a:bodyPr anchor="t">
+          <a:bodyPr lIns="90000" rIns="90000" tIns="45000" bIns="45000" anchor="t">
             <a:spAutoFit/>
           </a:bodyPr>
           <a:p>
@@ -7718,7 +7548,7 @@
         <p:spPr>
           <a:xfrm>
             <a:off x="1454400" y="4110120"/>
-            <a:ext cx="5371560" cy="639720"/>
+            <a:ext cx="5371200" cy="638280"/>
           </a:xfrm>
           <a:prstGeom prst="rect">
             <a:avLst/>
@@ -7735,7 +7565,7 @@
           <a:fontRef idx="minor"/>
         </p:style>
         <p:txBody>
-          <a:bodyPr anchor="t">
+          <a:bodyPr lIns="90000" rIns="90000" tIns="45000" bIns="45000" anchor="t">
             <a:spAutoFit/>
           </a:bodyPr>
           <a:p>
@@ -7755,7 +7585,7 @@
                 <a:latin typeface="Times New Roman"/>
                 <a:ea typeface="Times New Roman"/>
               </a:rPr>
-              <a:t>Recruit Sobel</a:t>
+              <a:t>{name}</a:t>
             </a:r>
             <a:endParaRPr b="0" lang="en-US" sz="3600" spc="-1" strike="noStrike">
               <a:solidFill>
@@ -7775,7 +7605,7 @@
         <p:spPr>
           <a:xfrm>
             <a:off x="2985840" y="8685000"/>
-            <a:ext cx="4283280" cy="593280"/>
+            <a:ext cx="4282920" cy="591840"/>
           </a:xfrm>
           <a:prstGeom prst="rect">
             <a:avLst/>
@@ -7792,7 +7622,7 @@
           <a:fontRef idx="minor"/>
         </p:style>
         <p:txBody>
-          <a:bodyPr anchor="t">
+          <a:bodyPr lIns="90000" rIns="90000" tIns="45000" bIns="45000" anchor="t">
             <a:spAutoFit/>
           </a:bodyPr>
           <a:p>
@@ -7805,14 +7635,13 @@
               </a:tabLst>
             </a:pPr>
             <a:r>
-              <a:rPr b="1" lang="en-AU" sz="1100" spc="-1" strike="noStrike">
-                <a:solidFill>
-                  <a:srgbClr val="000000"/>
-                </a:solidFill>
-                <a:latin typeface="Times New Roman"/>
-                <a:ea typeface="Times New Roman"/>
-              </a:rPr>
-              <a:t>MAJ Trew</a:t>
+              <a:rPr b="0" lang="en-AU" sz="1100" spc="-1" strike="noStrike">
+                <a:solidFill>
+                  <a:srgbClr val="000000"/>
+                </a:solidFill>
+                <a:latin typeface="Times New Roman"/>
+              </a:rPr>
+              <a:t>{signaturer}</a:t>
             </a:r>
             <a:br>
               <a:rPr sz="1100"/>
@@ -7858,7 +7687,7 @@
         <p:spPr>
           <a:xfrm>
             <a:off x="3721320" y="8197200"/>
-            <a:ext cx="2813760" cy="517680"/>
+            <a:ext cx="2813400" cy="516240"/>
           </a:xfrm>
           <a:prstGeom prst="rect">
             <a:avLst/>
@@ -7875,7 +7704,7 @@
           <a:fontRef idx="minor"/>
         </p:style>
         <p:txBody>
-          <a:bodyPr anchor="t">
+          <a:bodyPr lIns="90000" rIns="90000" tIns="45000" bIns="45000" anchor="t">
             <a:spAutoFit/>
           </a:bodyPr>
           <a:p>
@@ -7895,7 +7724,7 @@
                 <a:latin typeface="Courgette"/>
                 <a:ea typeface="Courgette"/>
               </a:rPr>
-              <a:t>MAJ Trew</a:t>
+              <a:t>{signaturer}</a:t>
             </a:r>
             <a:endParaRPr b="0" lang="en-US" sz="2800" spc="-1" strike="noStrike">
               <a:solidFill>
@@ -7915,7 +7744,7 @@
         <p:spPr>
           <a:xfrm flipH="1">
             <a:off x="3720960" y="8684280"/>
-            <a:ext cx="2814480" cy="360"/>
+            <a:ext cx="2814840" cy="720"/>
           </a:xfrm>
           <a:prstGeom prst="straightConnector1">
             <a:avLst/>
@@ -7937,7 +7766,7 @@
         <p:spPr>
           <a:xfrm>
             <a:off x="886320" y="5803560"/>
-            <a:ext cx="6496200" cy="700920"/>
+            <a:ext cx="6495840" cy="699480"/>
           </a:xfrm>
           <a:prstGeom prst="rect">
             <a:avLst/>
@@ -7954,7 +7783,7 @@
           <a:fontRef idx="minor"/>
         </p:style>
         <p:txBody>
-          <a:bodyPr anchor="t">
+          <a:bodyPr lIns="90000" rIns="90000" tIns="45000" bIns="45000" anchor="t">
             <a:spAutoFit/>
           </a:bodyPr>
           <a:p>
@@ -7974,7 +7803,7 @@
                 <a:latin typeface="Times New Roman"/>
                 <a:ea typeface="Times New Roman"/>
               </a:rPr>
-              <a:t>I, </a:t>
+              <a:t>I, {signaturer}</a:t>
             </a:r>
             <a:r>
               <a:rPr b="0" i="1" lang="en-AU" sz="2000" spc="-1" strike="noStrike">
@@ -7984,7 +7813,7 @@
                 <a:latin typeface="Times New Roman"/>
                 <a:ea typeface="Times New Roman"/>
               </a:rPr>
-              <a:t>Major Trew,</a:t>
+              <a:t>,</a:t>
             </a:r>
             <a:r>
               <a:rPr b="0" lang="en-AU" sz="2000" spc="-1" strike="noStrike">
@@ -8014,7 +7843,7 @@
         <p:spPr>
           <a:xfrm>
             <a:off x="817920" y="6433920"/>
-            <a:ext cx="6496560" cy="578520"/>
+            <a:ext cx="6496200" cy="577080"/>
           </a:xfrm>
           <a:prstGeom prst="rect">
             <a:avLst/>
@@ -8031,7 +7860,7 @@
           <a:fontRef idx="minor"/>
         </p:style>
         <p:txBody>
-          <a:bodyPr anchor="t">
+          <a:bodyPr lIns="90000" rIns="90000" tIns="45000" bIns="45000" anchor="t">
             <a:spAutoFit/>
           </a:bodyPr>
           <a:p>
@@ -8051,7 +7880,7 @@
                 <a:latin typeface="Times New Roman"/>
                 <a:ea typeface="Times New Roman"/>
               </a:rPr>
-              <a:t>Recruit Sobel</a:t>
+              <a:t>{name}</a:t>
             </a:r>
             <a:endParaRPr b="0" lang="en-US" sz="3200" spc="-1" strike="noStrike">
               <a:solidFill>
@@ -8071,7 +7900,7 @@
         <p:spPr>
           <a:xfrm>
             <a:off x="873720" y="7107120"/>
-            <a:ext cx="6496200" cy="396000"/>
+            <a:ext cx="6495840" cy="394560"/>
           </a:xfrm>
           <a:prstGeom prst="rect">
             <a:avLst/>
@@ -8088,7 +7917,7 @@
           <a:fontRef idx="minor"/>
         </p:style>
         <p:txBody>
-          <a:bodyPr anchor="t">
+          <a:bodyPr lIns="90000" rIns="90000" tIns="45000" bIns="45000" anchor="t">
             <a:spAutoFit/>
           </a:bodyPr>
           <a:p>
@@ -8108,47 +7937,7 @@
                 <a:latin typeface="Times New Roman"/>
                 <a:ea typeface="Times New Roman"/>
               </a:rPr>
-              <a:t>entry to the unit with effect </a:t>
-            </a:r>
-            <a:r>
-              <a:rPr b="0" i="1" lang="en-AU" sz="2000" spc="-1" strike="noStrike">
-                <a:solidFill>
-                  <a:srgbClr val="000000"/>
-                </a:solidFill>
-                <a:latin typeface="Times New Roman"/>
-                <a:ea typeface="Times New Roman"/>
-              </a:rPr>
-              <a:t>02</a:t>
-            </a:r>
-            <a:r>
-              <a:rPr b="0" i="1" lang="en-AU" sz="2000" spc="-1" strike="noStrike" baseline="30000">
-                <a:solidFill>
-                  <a:srgbClr val="000000"/>
-                </a:solidFill>
-                <a:latin typeface="Times New Roman"/>
-                <a:ea typeface="Times New Roman"/>
-              </a:rPr>
-              <a:t>nd</a:t>
-            </a:r>
-            <a:r>
-              <a:rPr b="0" i="1" lang="en-AU" sz="2000" spc="-1" strike="noStrike">
-                <a:solidFill>
-                  <a:srgbClr val="000000"/>
-                </a:solidFill>
-                <a:latin typeface="Times New Roman"/>
-                <a:ea typeface="Times New Roman"/>
-              </a:rPr>
-              <a:t> January 2023.</a:t>
-            </a:r>
-            <a:r>
-              <a:rPr b="0" lang="en-AU" sz="2000" spc="-1" strike="noStrike">
-                <a:solidFill>
-                  <a:srgbClr val="000000"/>
-                </a:solidFill>
-                <a:latin typeface="Times New Roman"/>
-                <a:ea typeface="Times New Roman"/>
-              </a:rPr>
-              <a:t> </a:t>
+              <a:t>entry to the unit with effect {date}.</a:t>
             </a:r>
             <a:endParaRPr b="0" lang="en-US" sz="2000" spc="-1" strike="noStrike">
               <a:solidFill>
@@ -8168,7 +7957,7 @@
         <p:spPr>
           <a:xfrm>
             <a:off x="862200" y="4820400"/>
-            <a:ext cx="6496200" cy="1005840"/>
+            <a:ext cx="6495840" cy="1004400"/>
           </a:xfrm>
           <a:prstGeom prst="rect">
             <a:avLst/>
@@ -8185,7 +7974,7 @@
           <a:fontRef idx="minor"/>
         </p:style>
         <p:txBody>
-          <a:bodyPr anchor="t">
+          <a:bodyPr lIns="90000" rIns="90000" tIns="45000" bIns="45000" anchor="t">
             <a:spAutoFit/>
           </a:bodyPr>
           <a:p>
@@ -8198,34 +7987,14 @@
               </a:tabLst>
             </a:pPr>
             <a:r>
-              <a:rPr b="0" i="1" lang="en-AU" sz="2000" spc="-1" strike="noStrike">
+              <a:rPr b="0" lang="en-AU" sz="2000" spc="-1" strike="noStrike">
                 <a:solidFill>
                   <a:schemeClr val="dk1"/>
                 </a:solidFill>
                 <a:latin typeface="Times New Roman"/>
                 <a:ea typeface="Times New Roman"/>
               </a:rPr>
-              <a:t>Recruit </a:t>
-            </a:r>
-            <a:r>
-              <a:rPr b="0" i="1" lang="en-AU" sz="2000" spc="-1" strike="noStrike">
-                <a:solidFill>
-                  <a:srgbClr val="000000"/>
-                </a:solidFill>
-                <a:latin typeface="Times New Roman"/>
-                <a:ea typeface="Times New Roman"/>
-              </a:rPr>
-              <a:t>Sobel</a:t>
-            </a:r>
-            <a:r>
-              <a:rPr b="0" i="1" lang="en-AU" sz="2000" spc="-1" strike="noStrike">
-                <a:solidFill>
-                  <a:schemeClr val="dk1"/>
-                </a:solidFill>
-                <a:latin typeface="Times New Roman"/>
-                <a:ea typeface="Times New Roman"/>
-              </a:rPr>
-              <a:t> </a:t>
+              <a:t>{name} </a:t>
             </a:r>
             <a:r>
               <a:rPr b="0" lang="en-AU" sz="2000" spc="-1" strike="noStrike">
@@ -8259,7 +8028,7 @@
         <p:spPr>
           <a:xfrm>
             <a:off x="2922480" y="1458360"/>
-            <a:ext cx="2287080" cy="1604160"/>
+            <a:ext cx="2286720" cy="1603800"/>
           </a:xfrm>
           <a:prstGeom prst="rect">
             <a:avLst/>
@@ -8311,8 +8080,8 @@
         </p:blipFill>
         <p:spPr>
           <a:xfrm rot="5400000">
-            <a:off x="-1121400" y="2058480"/>
-            <a:ext cx="10512720" cy="7118280"/>
+            <a:off x="-1120680" y="2058480"/>
+            <a:ext cx="10512360" cy="7117920"/>
           </a:xfrm>
           <a:prstGeom prst="rect">
             <a:avLst/>
@@ -8335,7 +8104,7 @@
         <p:spPr>
           <a:xfrm>
             <a:off x="714240" y="723960"/>
-            <a:ext cx="6703560" cy="9801000"/>
+            <a:ext cx="6703200" cy="9800640"/>
           </a:xfrm>
           <a:prstGeom prst="rect">
             <a:avLst/>
@@ -8358,8 +8127,8 @@
         </p:blipFill>
         <p:spPr>
           <a:xfrm rot="5400000">
-            <a:off x="-1509480" y="1477440"/>
-            <a:ext cx="11300040" cy="8280000"/>
+            <a:off x="-1508760" y="1477080"/>
+            <a:ext cx="11299680" cy="8279640"/>
           </a:xfrm>
           <a:prstGeom prst="rect">
             <a:avLst/>
@@ -8382,7 +8151,7 @@
         <p:spPr>
           <a:xfrm>
             <a:off x="1814040" y="8340840"/>
-            <a:ext cx="1443960" cy="1260000"/>
+            <a:ext cx="1443600" cy="1259640"/>
           </a:xfrm>
           <a:prstGeom prst="rect">
             <a:avLst/>
@@ -8401,7 +8170,7 @@
         <p:spPr>
           <a:xfrm>
             <a:off x="704160" y="3409560"/>
-            <a:ext cx="6723720" cy="761400"/>
+            <a:ext cx="6723360" cy="759960"/>
           </a:xfrm>
           <a:prstGeom prst="rect">
             <a:avLst/>
@@ -8418,7 +8187,7 @@
           <a:fontRef idx="minor"/>
         </p:style>
         <p:txBody>
-          <a:bodyPr anchor="t">
+          <a:bodyPr lIns="90000" rIns="90000" tIns="45000" bIns="45000" anchor="t">
             <a:spAutoFit/>
           </a:bodyPr>
           <a:p>
@@ -8458,7 +8227,7 @@
         <p:spPr>
           <a:xfrm>
             <a:off x="1454400" y="4110120"/>
-            <a:ext cx="5371200" cy="579240"/>
+            <a:ext cx="5370840" cy="638280"/>
           </a:xfrm>
           <a:prstGeom prst="rect">
             <a:avLst/>
@@ -8475,7 +8244,7 @@
           <a:fontRef idx="minor"/>
         </p:style>
         <p:txBody>
-          <a:bodyPr anchor="t">
+          <a:bodyPr lIns="90000" rIns="90000" tIns="45000" bIns="45000" anchor="t">
             <a:spAutoFit/>
           </a:bodyPr>
           <a:p>
@@ -8488,7 +8257,7 @@
               </a:tabLst>
             </a:pPr>
             <a:r>
-              <a:rPr b="0" i="1" lang="en-AU" sz="3200" spc="-1" strike="noStrike">
+              <a:rPr b="0" i="1" lang="en-AU" sz="3600" spc="-1" strike="noStrike">
                 <a:solidFill>
                   <a:schemeClr val="dk1"/>
                 </a:solidFill>
@@ -8497,7 +8266,7 @@
               </a:rPr>
               <a:t>{name}</a:t>
             </a:r>
-            <a:endParaRPr b="0" lang="en-US" sz="3200" spc="-1" strike="noStrike">
+            <a:endParaRPr b="0" lang="en-US" sz="3600" spc="-1" strike="noStrike">
               <a:solidFill>
                 <a:srgbClr val="000000"/>
               </a:solidFill>
@@ -8515,7 +8284,7 @@
         <p:spPr>
           <a:xfrm>
             <a:off x="2985840" y="8685000"/>
-            <a:ext cx="4283280" cy="593280"/>
+            <a:ext cx="4282920" cy="591840"/>
           </a:xfrm>
           <a:prstGeom prst="rect">
             <a:avLst/>
@@ -8532,7 +8301,7 @@
           <a:fontRef idx="minor"/>
         </p:style>
         <p:txBody>
-          <a:bodyPr anchor="t">
+          <a:bodyPr lIns="90000" rIns="90000" tIns="45000" bIns="45000" anchor="t">
             <a:spAutoFit/>
           </a:bodyPr>
           <a:p>
@@ -8598,7 +8367,7 @@
         <p:spPr>
           <a:xfrm>
             <a:off x="3721320" y="8197200"/>
-            <a:ext cx="2813760" cy="517680"/>
+            <a:ext cx="2813400" cy="516240"/>
           </a:xfrm>
           <a:prstGeom prst="rect">
             <a:avLst/>
@@ -8615,7 +8384,7 @@
           <a:fontRef idx="minor"/>
         </p:style>
         <p:txBody>
-          <a:bodyPr anchor="t">
+          <a:bodyPr lIns="90000" rIns="90000" tIns="45000" bIns="45000" anchor="t">
             <a:spAutoFit/>
           </a:bodyPr>
           <a:p>
@@ -8655,7 +8424,7 @@
         <p:spPr>
           <a:xfrm flipH="1">
             <a:off x="3720960" y="8684280"/>
-            <a:ext cx="2814480" cy="360"/>
+            <a:ext cx="2814840" cy="720"/>
           </a:xfrm>
           <a:prstGeom prst="straightConnector1">
             <a:avLst/>
@@ -8677,7 +8446,7 @@
         <p:spPr>
           <a:xfrm>
             <a:off x="886320" y="5655600"/>
-            <a:ext cx="6496200" cy="700920"/>
+            <a:ext cx="6495840" cy="699480"/>
           </a:xfrm>
           <a:prstGeom prst="rect">
             <a:avLst/>
@@ -8694,7 +8463,7 @@
           <a:fontRef idx="minor"/>
         </p:style>
         <p:txBody>
-          <a:bodyPr anchor="t">
+          <a:bodyPr lIns="90000" rIns="90000" tIns="45000" bIns="45000" anchor="t">
             <a:spAutoFit/>
           </a:bodyPr>
           <a:p>
@@ -8758,7 +8527,7 @@
         <p:spPr>
           <a:xfrm>
             <a:off x="3761640" y="1681920"/>
-            <a:ext cx="745920" cy="768960"/>
+            <a:ext cx="745560" cy="768600"/>
           </a:xfrm>
           <a:prstGeom prst="rect">
             <a:avLst/>
@@ -8777,7 +8546,7 @@
         <p:spPr>
           <a:xfrm>
             <a:off x="817920" y="6433920"/>
-            <a:ext cx="6496200" cy="578520"/>
+            <a:ext cx="6495840" cy="577080"/>
           </a:xfrm>
           <a:prstGeom prst="rect">
             <a:avLst/>
@@ -8794,7 +8563,7 @@
           <a:fontRef idx="minor"/>
         </p:style>
         <p:txBody>
-          <a:bodyPr anchor="t">
+          <a:bodyPr lIns="90000" rIns="90000" tIns="45000" bIns="45000" anchor="t">
             <a:spAutoFit/>
           </a:bodyPr>
           <a:p>
@@ -8834,7 +8603,7 @@
         <p:spPr>
           <a:xfrm>
             <a:off x="873720" y="7107120"/>
-            <a:ext cx="6496200" cy="396720"/>
+            <a:ext cx="6495840" cy="394560"/>
           </a:xfrm>
           <a:prstGeom prst="rect">
             <a:avLst/>
@@ -8851,7 +8620,7 @@
           <a:fontRef idx="minor"/>
         </p:style>
         <p:txBody>
-          <a:bodyPr anchor="t">
+          <a:bodyPr lIns="90000" rIns="90000" tIns="45000" bIns="45000" anchor="t">
             <a:spAutoFit/>
           </a:bodyPr>
           <a:p>
@@ -8911,7 +8680,7 @@
         <p:spPr>
           <a:xfrm>
             <a:off x="897480" y="4820400"/>
-            <a:ext cx="6496200" cy="700920"/>
+            <a:ext cx="6495840" cy="699480"/>
           </a:xfrm>
           <a:prstGeom prst="rect">
             <a:avLst/>
@@ -8928,7 +8697,7 @@
           <a:fontRef idx="minor"/>
         </p:style>
         <p:txBody>
-          <a:bodyPr anchor="t">
+          <a:bodyPr lIns="90000" rIns="90000" tIns="45000" bIns="45000" anchor="t">
             <a:spAutoFit/>
           </a:bodyPr>
           <a:p>
@@ -8995,7 +8764,7 @@
         <p:spPr>
           <a:xfrm>
             <a:off x="3870720" y="2755800"/>
-            <a:ext cx="528120" cy="550440"/>
+            <a:ext cx="527760" cy="550080"/>
           </a:xfrm>
           <a:prstGeom prst="rect">
             <a:avLst/>
@@ -9047,8 +8816,8 @@
         </p:blipFill>
         <p:spPr>
           <a:xfrm rot="5400000">
-            <a:off x="-1121400" y="2058480"/>
-            <a:ext cx="10512720" cy="7118280"/>
+            <a:off x="-1120680" y="2058480"/>
+            <a:ext cx="10512360" cy="7117920"/>
           </a:xfrm>
           <a:prstGeom prst="rect">
             <a:avLst/>
@@ -9071,7 +8840,7 @@
         <p:spPr>
           <a:xfrm>
             <a:off x="714240" y="723960"/>
-            <a:ext cx="6703560" cy="9801000"/>
+            <a:ext cx="6703200" cy="9800640"/>
           </a:xfrm>
           <a:prstGeom prst="rect">
             <a:avLst/>
@@ -9094,8 +8863,8 @@
         </p:blipFill>
         <p:spPr>
           <a:xfrm rot="5400000">
-            <a:off x="-1509480" y="1477440"/>
-            <a:ext cx="11300040" cy="8280000"/>
+            <a:off x="-1508760" y="1477080"/>
+            <a:ext cx="11299680" cy="8279640"/>
           </a:xfrm>
           <a:prstGeom prst="rect">
             <a:avLst/>
@@ -9118,7 +8887,7 @@
         <p:spPr>
           <a:xfrm>
             <a:off x="1814040" y="8340840"/>
-            <a:ext cx="1443960" cy="1260000"/>
+            <a:ext cx="1443600" cy="1259640"/>
           </a:xfrm>
           <a:prstGeom prst="rect">
             <a:avLst/>
@@ -9137,7 +8906,7 @@
         <p:spPr>
           <a:xfrm>
             <a:off x="704160" y="3409560"/>
-            <a:ext cx="6723720" cy="761400"/>
+            <a:ext cx="6723360" cy="759960"/>
           </a:xfrm>
           <a:prstGeom prst="rect">
             <a:avLst/>
@@ -9154,7 +8923,7 @@
           <a:fontRef idx="minor"/>
         </p:style>
         <p:txBody>
-          <a:bodyPr anchor="t">
+          <a:bodyPr lIns="90000" rIns="90000" tIns="45000" bIns="45000" anchor="t">
             <a:spAutoFit/>
           </a:bodyPr>
           <a:p>
@@ -9194,7 +8963,7 @@
         <p:spPr>
           <a:xfrm>
             <a:off x="1454400" y="4110120"/>
-            <a:ext cx="5371200" cy="579240"/>
+            <a:ext cx="5370840" cy="638280"/>
           </a:xfrm>
           <a:prstGeom prst="rect">
             <a:avLst/>
@@ -9211,7 +8980,7 @@
           <a:fontRef idx="minor"/>
         </p:style>
         <p:txBody>
-          <a:bodyPr anchor="t">
+          <a:bodyPr lIns="90000" rIns="90000" tIns="45000" bIns="45000" anchor="t">
             <a:spAutoFit/>
           </a:bodyPr>
           <a:p>
@@ -9224,7 +8993,7 @@
               </a:tabLst>
             </a:pPr>
             <a:r>
-              <a:rPr b="0" i="1" lang="en-AU" sz="3200" spc="-1" strike="noStrike">
+              <a:rPr b="0" i="1" lang="en-AU" sz="3600" spc="-1" strike="noStrike">
                 <a:solidFill>
                   <a:schemeClr val="dk1"/>
                 </a:solidFill>
@@ -9233,7 +9002,7 @@
               </a:rPr>
               <a:t>{name}</a:t>
             </a:r>
-            <a:endParaRPr b="0" lang="en-US" sz="3200" spc="-1" strike="noStrike">
+            <a:endParaRPr b="0" lang="en-US" sz="3600" spc="-1" strike="noStrike">
               <a:solidFill>
                 <a:srgbClr val="000000"/>
               </a:solidFill>
@@ -9251,7 +9020,7 @@
         <p:spPr>
           <a:xfrm>
             <a:off x="2985840" y="8685000"/>
-            <a:ext cx="4283280" cy="593280"/>
+            <a:ext cx="4282920" cy="591840"/>
           </a:xfrm>
           <a:prstGeom prst="rect">
             <a:avLst/>
@@ -9268,7 +9037,7 @@
           <a:fontRef idx="minor"/>
         </p:style>
         <p:txBody>
-          <a:bodyPr anchor="t">
+          <a:bodyPr lIns="90000" rIns="90000" tIns="45000" bIns="45000" anchor="t">
             <a:spAutoFit/>
           </a:bodyPr>
           <a:p>
@@ -9334,7 +9103,7 @@
         <p:spPr>
           <a:xfrm>
             <a:off x="3721320" y="8197200"/>
-            <a:ext cx="2813760" cy="518400"/>
+            <a:ext cx="2813400" cy="516240"/>
           </a:xfrm>
           <a:prstGeom prst="rect">
             <a:avLst/>
@@ -9351,7 +9120,7 @@
           <a:fontRef idx="minor"/>
         </p:style>
         <p:txBody>
-          <a:bodyPr anchor="t">
+          <a:bodyPr lIns="90000" rIns="90000" tIns="45000" bIns="45000" anchor="t">
             <a:spAutoFit/>
           </a:bodyPr>
           <a:p>
@@ -9391,7 +9160,7 @@
         <p:spPr>
           <a:xfrm flipH="1">
             <a:off x="3720960" y="8684280"/>
-            <a:ext cx="2814480" cy="360"/>
+            <a:ext cx="2814840" cy="720"/>
           </a:xfrm>
           <a:prstGeom prst="straightConnector1">
             <a:avLst/>
@@ -9413,7 +9182,7 @@
         <p:spPr>
           <a:xfrm>
             <a:off x="886320" y="5655600"/>
-            <a:ext cx="6496200" cy="700920"/>
+            <a:ext cx="6495840" cy="699480"/>
           </a:xfrm>
           <a:prstGeom prst="rect">
             <a:avLst/>
@@ -9430,7 +9199,7 @@
           <a:fontRef idx="minor"/>
         </p:style>
         <p:txBody>
-          <a:bodyPr anchor="t">
+          <a:bodyPr lIns="90000" rIns="90000" tIns="45000" bIns="45000" anchor="t">
             <a:spAutoFit/>
           </a:bodyPr>
           <a:p>
@@ -9494,7 +9263,7 @@
         <p:spPr>
           <a:xfrm>
             <a:off x="3344760" y="1419840"/>
-            <a:ext cx="1590480" cy="1640160"/>
+            <a:ext cx="1590120" cy="1639800"/>
           </a:xfrm>
           <a:prstGeom prst="rect">
             <a:avLst/>
@@ -9513,7 +9282,7 @@
         <p:spPr>
           <a:xfrm>
             <a:off x="817920" y="6433920"/>
-            <a:ext cx="6496200" cy="578520"/>
+            <a:ext cx="6495840" cy="577080"/>
           </a:xfrm>
           <a:prstGeom prst="rect">
             <a:avLst/>
@@ -9530,7 +9299,7 @@
           <a:fontRef idx="minor"/>
         </p:style>
         <p:txBody>
-          <a:bodyPr anchor="t">
+          <a:bodyPr lIns="90000" rIns="90000" tIns="45000" bIns="45000" anchor="t">
             <a:spAutoFit/>
           </a:bodyPr>
           <a:p>
@@ -9570,7 +9339,7 @@
         <p:spPr>
           <a:xfrm>
             <a:off x="873720" y="7107120"/>
-            <a:ext cx="6496200" cy="396000"/>
+            <a:ext cx="6495840" cy="394560"/>
           </a:xfrm>
           <a:prstGeom prst="rect">
             <a:avLst/>
@@ -9587,7 +9356,7 @@
           <a:fontRef idx="minor"/>
         </p:style>
         <p:txBody>
-          <a:bodyPr anchor="t">
+          <a:bodyPr lIns="90000" rIns="90000" tIns="45000" bIns="45000" anchor="t">
             <a:spAutoFit/>
           </a:bodyPr>
           <a:p>
@@ -9647,7 +9416,7 @@
         <p:spPr>
           <a:xfrm>
             <a:off x="897480" y="4820400"/>
-            <a:ext cx="6496200" cy="701640"/>
+            <a:ext cx="6495840" cy="699480"/>
           </a:xfrm>
           <a:prstGeom prst="rect">
             <a:avLst/>
@@ -9664,7 +9433,7 @@
           <a:fontRef idx="minor"/>
         </p:style>
         <p:txBody>
-          <a:bodyPr anchor="t">
+          <a:bodyPr lIns="90000" rIns="90000" tIns="45000" bIns="45000" anchor="t">
             <a:spAutoFit/>
           </a:bodyPr>
           <a:p>
@@ -9684,17 +9453,7 @@
                 <a:latin typeface="Times New Roman"/>
                 <a:ea typeface="Times New Roman"/>
               </a:rPr>
-              <a:t>{name} </a:t>
-            </a:r>
-            <a:r>
-              <a:rPr b="0" lang="en-AU" sz="2000" spc="-1" strike="noStrike">
-                <a:solidFill>
-                  <a:srgbClr val="000000"/>
-                </a:solidFill>
-                <a:latin typeface="Times New Roman"/>
-                <a:ea typeface="Times New Roman"/>
-              </a:rPr>
-              <a:t>has completed all necessary trainings and </a:t>
+              <a:t>{name} has completed all necessary trainings and </a:t>
             </a:r>
             <a:br>
               <a:rPr sz="2000"/>
@@ -9760,8 +9519,8 @@
         </p:blipFill>
         <p:spPr>
           <a:xfrm rot="5400000">
-            <a:off x="-1011240" y="2058480"/>
-            <a:ext cx="10512720" cy="7118280"/>
+            <a:off x="-1010520" y="2058480"/>
+            <a:ext cx="10512360" cy="7117920"/>
           </a:xfrm>
           <a:prstGeom prst="rect">
             <a:avLst/>
@@ -9784,7 +9543,7 @@
         <p:spPr>
           <a:xfrm>
             <a:off x="714240" y="723960"/>
-            <a:ext cx="6703560" cy="9801000"/>
+            <a:ext cx="6703200" cy="9800640"/>
           </a:xfrm>
           <a:prstGeom prst="rect">
             <a:avLst/>
@@ -9807,8 +9566,8 @@
         </p:blipFill>
         <p:spPr>
           <a:xfrm rot="5400000">
-            <a:off x="-1509480" y="1477440"/>
-            <a:ext cx="11300040" cy="8280000"/>
+            <a:off x="-1508760" y="1477080"/>
+            <a:ext cx="11299680" cy="8279640"/>
           </a:xfrm>
           <a:prstGeom prst="rect">
             <a:avLst/>
@@ -9831,7 +9590,7 @@
         <p:spPr>
           <a:xfrm>
             <a:off x="1814040" y="8340840"/>
-            <a:ext cx="1443960" cy="1260000"/>
+            <a:ext cx="1443600" cy="1259640"/>
           </a:xfrm>
           <a:prstGeom prst="rect">
             <a:avLst/>
@@ -9850,7 +9609,7 @@
         <p:spPr>
           <a:xfrm>
             <a:off x="704160" y="3409560"/>
-            <a:ext cx="6723720" cy="761400"/>
+            <a:ext cx="6723360" cy="759960"/>
           </a:xfrm>
           <a:prstGeom prst="rect">
             <a:avLst/>
@@ -9867,7 +9626,7 @@
           <a:fontRef idx="minor"/>
         </p:style>
         <p:txBody>
-          <a:bodyPr anchor="t">
+          <a:bodyPr lIns="90000" rIns="90000" tIns="45000" bIns="45000" anchor="t">
             <a:spAutoFit/>
           </a:bodyPr>
           <a:p>
@@ -9907,7 +9666,7 @@
         <p:spPr>
           <a:xfrm>
             <a:off x="1454400" y="4110120"/>
-            <a:ext cx="5371200" cy="579240"/>
+            <a:ext cx="5370840" cy="638280"/>
           </a:xfrm>
           <a:prstGeom prst="rect">
             <a:avLst/>
@@ -9924,7 +9683,7 @@
           <a:fontRef idx="minor"/>
         </p:style>
         <p:txBody>
-          <a:bodyPr anchor="t">
+          <a:bodyPr lIns="90000" rIns="90000" tIns="45000" bIns="45000" anchor="t">
             <a:spAutoFit/>
           </a:bodyPr>
           <a:p>
@@ -9937,7 +9696,7 @@
               </a:tabLst>
             </a:pPr>
             <a:r>
-              <a:rPr b="0" i="1" lang="en-AU" sz="3200" spc="-1" strike="noStrike">
+              <a:rPr b="0" i="1" lang="en-AU" sz="3600" spc="-1" strike="noStrike">
                 <a:solidFill>
                   <a:schemeClr val="dk1"/>
                 </a:solidFill>
@@ -9946,7 +9705,7 @@
               </a:rPr>
               <a:t>{name}</a:t>
             </a:r>
-            <a:endParaRPr b="0" lang="en-US" sz="3200" spc="-1" strike="noStrike">
+            <a:endParaRPr b="0" lang="en-US" sz="3600" spc="-1" strike="noStrike">
               <a:solidFill>
                 <a:srgbClr val="000000"/>
               </a:solidFill>
@@ -9964,7 +9723,7 @@
         <p:spPr>
           <a:xfrm>
             <a:off x="2985840" y="8685000"/>
-            <a:ext cx="4283280" cy="593280"/>
+            <a:ext cx="4282920" cy="591840"/>
           </a:xfrm>
           <a:prstGeom prst="rect">
             <a:avLst/>
@@ -9981,7 +9740,7 @@
           <a:fontRef idx="minor"/>
         </p:style>
         <p:txBody>
-          <a:bodyPr anchor="t">
+          <a:bodyPr lIns="90000" rIns="90000" tIns="45000" bIns="45000" anchor="t">
             <a:spAutoFit/>
           </a:bodyPr>
           <a:p>
@@ -10047,7 +9806,7 @@
         <p:spPr>
           <a:xfrm>
             <a:off x="3721320" y="8197200"/>
-            <a:ext cx="2813760" cy="517680"/>
+            <a:ext cx="2813400" cy="516240"/>
           </a:xfrm>
           <a:prstGeom prst="rect">
             <a:avLst/>
@@ -10064,7 +9823,7 @@
           <a:fontRef idx="minor"/>
         </p:style>
         <p:txBody>
-          <a:bodyPr anchor="t">
+          <a:bodyPr lIns="90000" rIns="90000" tIns="45000" bIns="45000" anchor="t">
             <a:spAutoFit/>
           </a:bodyPr>
           <a:p>
@@ -10104,7 +9863,7 @@
         <p:spPr>
           <a:xfrm flipH="1">
             <a:off x="3720960" y="8684280"/>
-            <a:ext cx="2814480" cy="360"/>
+            <a:ext cx="2814840" cy="720"/>
           </a:xfrm>
           <a:prstGeom prst="straightConnector1">
             <a:avLst/>
@@ -10126,7 +9885,7 @@
         <p:spPr>
           <a:xfrm>
             <a:off x="886320" y="5655600"/>
-            <a:ext cx="6496200" cy="700920"/>
+            <a:ext cx="6495840" cy="699480"/>
           </a:xfrm>
           <a:prstGeom prst="rect">
             <a:avLst/>
@@ -10143,7 +9902,7 @@
           <a:fontRef idx="minor"/>
         </p:style>
         <p:txBody>
-          <a:bodyPr anchor="t">
+          <a:bodyPr lIns="90000" rIns="90000" tIns="45000" bIns="45000" anchor="t">
             <a:spAutoFit/>
           </a:bodyPr>
           <a:p>
@@ -10203,7 +9962,7 @@
         <p:spPr>
           <a:xfrm>
             <a:off x="817920" y="6433920"/>
-            <a:ext cx="6496200" cy="578520"/>
+            <a:ext cx="6495840" cy="577080"/>
           </a:xfrm>
           <a:prstGeom prst="rect">
             <a:avLst/>
@@ -10220,7 +9979,7 @@
           <a:fontRef idx="minor"/>
         </p:style>
         <p:txBody>
-          <a:bodyPr anchor="t">
+          <a:bodyPr lIns="90000" rIns="90000" tIns="45000" bIns="45000" anchor="t">
             <a:spAutoFit/>
           </a:bodyPr>
           <a:p>
@@ -10260,7 +10019,7 @@
         <p:spPr>
           <a:xfrm>
             <a:off x="873720" y="7107120"/>
-            <a:ext cx="6496200" cy="396000"/>
+            <a:ext cx="6495840" cy="394560"/>
           </a:xfrm>
           <a:prstGeom prst="rect">
             <a:avLst/>
@@ -10277,7 +10036,7 @@
           <a:fontRef idx="minor"/>
         </p:style>
         <p:txBody>
-          <a:bodyPr anchor="t">
+          <a:bodyPr lIns="90000" rIns="90000" tIns="45000" bIns="45000" anchor="t">
             <a:spAutoFit/>
           </a:bodyPr>
           <a:p>
@@ -10317,7 +10076,7 @@
                 <a:latin typeface="Times New Roman"/>
                 <a:ea typeface="Times New Roman"/>
               </a:rPr>
-              <a:t>with effect{date}.</a:t>
+              <a:t>with effect {date}.</a:t>
             </a:r>
             <a:endParaRPr b="0" lang="en-US" sz="2000" spc="-1" strike="noStrike">
               <a:solidFill>
@@ -10337,7 +10096,7 @@
         <p:spPr>
           <a:xfrm>
             <a:off x="897480" y="4820400"/>
-            <a:ext cx="6496200" cy="700920"/>
+            <a:ext cx="6495840" cy="699480"/>
           </a:xfrm>
           <a:prstGeom prst="rect">
             <a:avLst/>
@@ -10354,7 +10113,7 @@
           <a:fontRef idx="minor"/>
         </p:style>
         <p:txBody>
-          <a:bodyPr anchor="t">
+          <a:bodyPr lIns="90000" rIns="90000" tIns="45000" bIns="45000" anchor="t">
             <a:spAutoFit/>
           </a:bodyPr>
           <a:p>
@@ -10421,7 +10180,7 @@
         <p:spPr>
           <a:xfrm>
             <a:off x="3810240" y="1378440"/>
-            <a:ext cx="528120" cy="550440"/>
+            <a:ext cx="527760" cy="550080"/>
           </a:xfrm>
           <a:prstGeom prst="rect">
             <a:avLst/>
@@ -10444,7 +10203,7 @@
         <p:spPr>
           <a:xfrm>
             <a:off x="3810240" y="1942560"/>
-            <a:ext cx="528120" cy="550440"/>
+            <a:ext cx="527760" cy="550080"/>
           </a:xfrm>
           <a:prstGeom prst="rect">
             <a:avLst/>
@@ -10467,7 +10226,7 @@
         <p:spPr>
           <a:xfrm>
             <a:off x="3810240" y="2506680"/>
-            <a:ext cx="528120" cy="550440"/>
+            <a:ext cx="527760" cy="550080"/>
           </a:xfrm>
           <a:prstGeom prst="rect">
             <a:avLst/>
@@ -10519,8 +10278,8 @@
         </p:blipFill>
         <p:spPr>
           <a:xfrm rot="5400000">
-            <a:off x="-1121400" y="2058480"/>
-            <a:ext cx="10512720" cy="7118280"/>
+            <a:off x="-1120680" y="2058480"/>
+            <a:ext cx="10512360" cy="7117920"/>
           </a:xfrm>
           <a:prstGeom prst="rect">
             <a:avLst/>
@@ -10543,7 +10302,7 @@
         <p:spPr>
           <a:xfrm>
             <a:off x="714240" y="723960"/>
-            <a:ext cx="6703560" cy="9801000"/>
+            <a:ext cx="6703200" cy="9800640"/>
           </a:xfrm>
           <a:prstGeom prst="rect">
             <a:avLst/>
@@ -10566,8 +10325,8 @@
         </p:blipFill>
         <p:spPr>
           <a:xfrm rot="5400000">
-            <a:off x="-1509480" y="1477440"/>
-            <a:ext cx="11300040" cy="8280000"/>
+            <a:off x="-1508760" y="1477080"/>
+            <a:ext cx="11299680" cy="8279640"/>
           </a:xfrm>
           <a:prstGeom prst="rect">
             <a:avLst/>
@@ -10590,7 +10349,7 @@
         <p:spPr>
           <a:xfrm>
             <a:off x="1814040" y="8340840"/>
-            <a:ext cx="1443960" cy="1260000"/>
+            <a:ext cx="1443600" cy="1259640"/>
           </a:xfrm>
           <a:prstGeom prst="rect">
             <a:avLst/>
@@ -10609,7 +10368,7 @@
         <p:spPr>
           <a:xfrm>
             <a:off x="704160" y="3409560"/>
-            <a:ext cx="6723720" cy="761400"/>
+            <a:ext cx="6723360" cy="759960"/>
           </a:xfrm>
           <a:prstGeom prst="rect">
             <a:avLst/>
@@ -10626,7 +10385,7 @@
           <a:fontRef idx="minor"/>
         </p:style>
         <p:txBody>
-          <a:bodyPr anchor="t">
+          <a:bodyPr lIns="90000" rIns="90000" tIns="45000" bIns="45000" anchor="t">
             <a:spAutoFit/>
           </a:bodyPr>
           <a:p>
@@ -10666,7 +10425,7 @@
         <p:spPr>
           <a:xfrm>
             <a:off x="1454400" y="4110120"/>
-            <a:ext cx="5371200" cy="639720"/>
+            <a:ext cx="5370840" cy="638280"/>
           </a:xfrm>
           <a:prstGeom prst="rect">
             <a:avLst/>
@@ -10683,7 +10442,7 @@
           <a:fontRef idx="minor"/>
         </p:style>
         <p:txBody>
-          <a:bodyPr anchor="t">
+          <a:bodyPr lIns="90000" rIns="90000" tIns="45000" bIns="45000" anchor="t">
             <a:spAutoFit/>
           </a:bodyPr>
           <a:p>
@@ -10703,7 +10462,7 @@
                 <a:latin typeface="Times New Roman"/>
                 <a:ea typeface="Times New Roman"/>
               </a:rPr>
-              <a:t>Warrant Thomas</a:t>
+              <a:t>{name}</a:t>
             </a:r>
             <a:endParaRPr b="0" lang="en-US" sz="3600" spc="-1" strike="noStrike">
               <a:solidFill>
@@ -10723,7 +10482,7 @@
         <p:spPr>
           <a:xfrm>
             <a:off x="2985840" y="8685000"/>
-            <a:ext cx="4283280" cy="593280"/>
+            <a:ext cx="4282920" cy="591840"/>
           </a:xfrm>
           <a:prstGeom prst="rect">
             <a:avLst/>
@@ -10740,7 +10499,7 @@
           <a:fontRef idx="minor"/>
         </p:style>
         <p:txBody>
-          <a:bodyPr anchor="t">
+          <a:bodyPr lIns="90000" rIns="90000" tIns="45000" bIns="45000" anchor="t">
             <a:spAutoFit/>
           </a:bodyPr>
           <a:p>
@@ -10757,10 +10516,9 @@
                 <a:solidFill>
                   <a:srgbClr val="000000"/>
                 </a:solidFill>
-                <a:latin typeface="Times New Roman"/>
-                <a:ea typeface="Times New Roman"/>
-              </a:rPr>
-              <a:t>MAJ Trew</a:t>
+                <a:latin typeface="Arial"/>
+              </a:rPr>
+              <a:t>{signaturer}</a:t>
             </a:r>
             <a:br>
               <a:rPr sz="1100"/>
@@ -10806,7 +10564,7 @@
         <p:spPr>
           <a:xfrm>
             <a:off x="3721320" y="8197200"/>
-            <a:ext cx="2813760" cy="517680"/>
+            <a:ext cx="2813400" cy="516240"/>
           </a:xfrm>
           <a:prstGeom prst="rect">
             <a:avLst/>
@@ -10823,7 +10581,7 @@
           <a:fontRef idx="minor"/>
         </p:style>
         <p:txBody>
-          <a:bodyPr anchor="t">
+          <a:bodyPr lIns="90000" rIns="90000" tIns="45000" bIns="45000" anchor="t">
             <a:spAutoFit/>
           </a:bodyPr>
           <a:p>
@@ -10843,7 +10601,7 @@
                 <a:latin typeface="Courgette"/>
                 <a:ea typeface="Courgette"/>
               </a:rPr>
-              <a:t>MAJ Trew </a:t>
+              <a:t>{signaturer}</a:t>
             </a:r>
             <a:endParaRPr b="0" lang="en-US" sz="2800" spc="-1" strike="noStrike">
               <a:solidFill>
@@ -10863,7 +10621,7 @@
         <p:spPr>
           <a:xfrm flipH="1">
             <a:off x="3720960" y="8684280"/>
-            <a:ext cx="2814480" cy="360"/>
+            <a:ext cx="2814840" cy="720"/>
           </a:xfrm>
           <a:prstGeom prst="straightConnector1">
             <a:avLst/>
@@ -10885,7 +10643,7 @@
         <p:spPr>
           <a:xfrm>
             <a:off x="886320" y="5655600"/>
-            <a:ext cx="6496200" cy="700920"/>
+            <a:ext cx="6495840" cy="699480"/>
           </a:xfrm>
           <a:prstGeom prst="rect">
             <a:avLst/>
@@ -10902,7 +10660,7 @@
           <a:fontRef idx="minor"/>
         </p:style>
         <p:txBody>
-          <a:bodyPr anchor="t">
+          <a:bodyPr lIns="90000" rIns="90000" tIns="45000" bIns="45000" anchor="t">
             <a:spAutoFit/>
           </a:bodyPr>
           <a:p>
@@ -10922,7 +10680,7 @@
                 <a:latin typeface="Times New Roman"/>
                 <a:ea typeface="Times New Roman"/>
               </a:rPr>
-              <a:t>I, </a:t>
+              <a:t>I, {signaturer}</a:t>
             </a:r>
             <a:r>
               <a:rPr b="0" i="1" lang="en-AU" sz="2000" spc="-1" strike="noStrike">
@@ -10932,7 +10690,7 @@
                 <a:latin typeface="Times New Roman"/>
                 <a:ea typeface="Times New Roman"/>
               </a:rPr>
-              <a:t>Major Trew,</a:t>
+              <a:t>,</a:t>
             </a:r>
             <a:r>
               <a:rPr b="0" lang="en-AU" sz="2000" spc="-1" strike="noStrike">
@@ -10962,7 +10720,7 @@
         <p:spPr>
           <a:xfrm>
             <a:off x="817920" y="6433920"/>
-            <a:ext cx="6496200" cy="578520"/>
+            <a:ext cx="6495840" cy="577080"/>
           </a:xfrm>
           <a:prstGeom prst="rect">
             <a:avLst/>
@@ -10979,7 +10737,7 @@
           <a:fontRef idx="minor"/>
         </p:style>
         <p:txBody>
-          <a:bodyPr anchor="t">
+          <a:bodyPr lIns="90000" rIns="90000" tIns="45000" bIns="45000" anchor="t">
             <a:spAutoFit/>
           </a:bodyPr>
           <a:p>
@@ -10992,16 +10750,6 @@
               </a:tabLst>
             </a:pPr>
             <a:r>
-              <a:rPr b="0" i="1" lang="en-AU" sz="3200" spc="-1" strike="noStrike">
-                <a:solidFill>
-                  <a:srgbClr val="000000"/>
-                </a:solidFill>
-                <a:latin typeface="Times New Roman"/>
-                <a:ea typeface="Times New Roman"/>
-              </a:rPr>
-              <a:t>Major Trew</a:t>
-            </a:r>
-            <a:r>
               <a:rPr b="0" lang="en-AU" sz="3200" spc="-1" strike="noStrike">
                 <a:solidFill>
                   <a:srgbClr val="000000"/>
@@ -11009,7 +10757,7 @@
                 <a:latin typeface="Times New Roman"/>
                 <a:ea typeface="Times New Roman"/>
               </a:rPr>
-              <a:t> </a:t>
+              <a:t>{name}</a:t>
             </a:r>
             <a:endParaRPr b="0" lang="en-US" sz="3200" spc="-1" strike="noStrike">
               <a:solidFill>
@@ -11029,7 +10777,7 @@
         <p:spPr>
           <a:xfrm>
             <a:off x="873720" y="7107120"/>
-            <a:ext cx="6496200" cy="396000"/>
+            <a:ext cx="6495840" cy="394560"/>
           </a:xfrm>
           <a:prstGeom prst="rect">
             <a:avLst/>
@@ -11046,7 +10794,7 @@
           <a:fontRef idx="minor"/>
         </p:style>
         <p:txBody>
-          <a:bodyPr anchor="t">
+          <a:bodyPr lIns="90000" rIns="90000" tIns="45000" bIns="45000" anchor="t">
             <a:spAutoFit/>
           </a:bodyPr>
           <a:p>
@@ -11096,37 +10844,7 @@
                 <a:latin typeface="Times New Roman"/>
                 <a:ea typeface="Times New Roman"/>
               </a:rPr>
-              <a:t>15</a:t>
-            </a:r>
-            <a:r>
-              <a:rPr b="0" i="1" lang="en-AU" sz="2000" spc="-1" strike="noStrike" baseline="30000">
-                <a:solidFill>
-                  <a:srgbClr val="000000"/>
-                </a:solidFill>
-                <a:latin typeface="Times New Roman"/>
-                <a:ea typeface="Times New Roman"/>
-              </a:rPr>
-              <a:t>th</a:t>
-            </a:r>
-            <a:r>
-              <a:rPr b="0" i="1" lang="en-AU" sz="2000" spc="-1" strike="noStrike">
-                <a:solidFill>
-                  <a:srgbClr val="000000"/>
-                </a:solidFill>
-                <a:latin typeface="Times New Roman"/>
-                <a:ea typeface="Times New Roman"/>
-              </a:rPr>
-              <a:t> August 2020.</a:t>
-            </a:r>
-            <a:r>
-              <a:rPr b="0" lang="en-AU" sz="2000" spc="-1" strike="noStrike">
-                <a:solidFill>
-                  <a:srgbClr val="000000"/>
-                </a:solidFill>
-                <a:latin typeface="Times New Roman"/>
-                <a:ea typeface="Times New Roman"/>
-              </a:rPr>
-              <a:t> </a:t>
+              <a:t>{date}</a:t>
             </a:r>
             <a:endParaRPr b="0" lang="en-US" sz="2000" spc="-1" strike="noStrike">
               <a:solidFill>
@@ -11146,7 +10864,7 @@
         <p:spPr>
           <a:xfrm>
             <a:off x="897480" y="4820400"/>
-            <a:ext cx="6496200" cy="700920"/>
+            <a:ext cx="6495840" cy="699480"/>
           </a:xfrm>
           <a:prstGeom prst="rect">
             <a:avLst/>
@@ -11163,7 +10881,7 @@
           <a:fontRef idx="minor"/>
         </p:style>
         <p:txBody>
-          <a:bodyPr anchor="t">
+          <a:bodyPr lIns="90000" rIns="90000" tIns="45000" bIns="45000" anchor="t">
             <a:spAutoFit/>
           </a:bodyPr>
           <a:p>
@@ -11176,14 +10894,14 @@
               </a:tabLst>
             </a:pPr>
             <a:r>
-              <a:rPr b="0" i="1" lang="en-AU" sz="2000" spc="-1" strike="noStrike">
-                <a:solidFill>
-                  <a:srgbClr val="000000"/>
-                </a:solidFill>
-                <a:latin typeface="Times New Roman"/>
-                <a:ea typeface="Times New Roman"/>
-              </a:rPr>
-              <a:t>Major Trew </a:t>
+              <a:rPr b="0" lang="en-AU" sz="2000" spc="-1" strike="noStrike">
+                <a:solidFill>
+                  <a:srgbClr val="000000"/>
+                </a:solidFill>
+                <a:latin typeface="Times New Roman"/>
+                <a:ea typeface="Times New Roman"/>
+              </a:rPr>
+              <a:t>{name} </a:t>
             </a:r>
             <a:r>
               <a:rPr b="0" lang="en-AU" sz="2000" spc="-1" strike="noStrike">
@@ -11230,7 +10948,7 @@
         <p:spPr>
           <a:xfrm>
             <a:off x="3633480" y="2408400"/>
-            <a:ext cx="865440" cy="901800"/>
+            <a:ext cx="865080" cy="901440"/>
           </a:xfrm>
           <a:prstGeom prst="rect">
             <a:avLst/>
@@ -11253,7 +10971,7 @@
         <p:spPr>
           <a:xfrm>
             <a:off x="3633480" y="1383840"/>
-            <a:ext cx="865440" cy="901800"/>
+            <a:ext cx="865080" cy="901440"/>
           </a:xfrm>
           <a:prstGeom prst="rect">
             <a:avLst/>
@@ -11305,8 +11023,8 @@
         </p:blipFill>
         <p:spPr>
           <a:xfrm rot="5400000">
-            <a:off x="-1121400" y="2058480"/>
-            <a:ext cx="10512720" cy="7118280"/>
+            <a:off x="-1120680" y="2058480"/>
+            <a:ext cx="10512360" cy="7117920"/>
           </a:xfrm>
           <a:prstGeom prst="rect">
             <a:avLst/>
@@ -11329,7 +11047,7 @@
         <p:spPr>
           <a:xfrm>
             <a:off x="714240" y="723960"/>
-            <a:ext cx="6703560" cy="9801000"/>
+            <a:ext cx="6703200" cy="9800640"/>
           </a:xfrm>
           <a:prstGeom prst="rect">
             <a:avLst/>
@@ -11352,8 +11070,8 @@
         </p:blipFill>
         <p:spPr>
           <a:xfrm rot="5400000">
-            <a:off x="-1509480" y="1477440"/>
-            <a:ext cx="11300040" cy="8280000"/>
+            <a:off x="-1508760" y="1477080"/>
+            <a:ext cx="11299680" cy="8279640"/>
           </a:xfrm>
           <a:prstGeom prst="rect">
             <a:avLst/>
@@ -11376,7 +11094,7 @@
         <p:spPr>
           <a:xfrm>
             <a:off x="1814040" y="8340840"/>
-            <a:ext cx="1443960" cy="1260000"/>
+            <a:ext cx="1443600" cy="1259640"/>
           </a:xfrm>
           <a:prstGeom prst="rect">
             <a:avLst/>
@@ -11395,7 +11113,7 @@
         <p:spPr>
           <a:xfrm>
             <a:off x="704160" y="3409560"/>
-            <a:ext cx="6723720" cy="761400"/>
+            <a:ext cx="6723360" cy="759960"/>
           </a:xfrm>
           <a:prstGeom prst="rect">
             <a:avLst/>
@@ -11412,7 +11130,7 @@
           <a:fontRef idx="minor"/>
         </p:style>
         <p:txBody>
-          <a:bodyPr anchor="t">
+          <a:bodyPr lIns="90000" rIns="90000" tIns="45000" bIns="45000" anchor="t">
             <a:spAutoFit/>
           </a:bodyPr>
           <a:p>
@@ -11452,7 +11170,7 @@
         <p:spPr>
           <a:xfrm>
             <a:off x="1454400" y="4110120"/>
-            <a:ext cx="5371200" cy="639720"/>
+            <a:ext cx="5370840" cy="638280"/>
           </a:xfrm>
           <a:prstGeom prst="rect">
             <a:avLst/>
@@ -11469,7 +11187,7 @@
           <a:fontRef idx="minor"/>
         </p:style>
         <p:txBody>
-          <a:bodyPr anchor="t">
+          <a:bodyPr lIns="90000" rIns="90000" tIns="45000" bIns="45000" anchor="t">
             <a:spAutoFit/>
           </a:bodyPr>
           <a:p>
@@ -11489,7 +11207,7 @@
                 <a:latin typeface="Times New Roman"/>
                 <a:ea typeface="Times New Roman"/>
               </a:rPr>
-              <a:t>Private Thomas</a:t>
+              <a:t>{name}</a:t>
             </a:r>
             <a:endParaRPr b="0" lang="en-US" sz="3600" spc="-1" strike="noStrike">
               <a:solidFill>
@@ -11509,7 +11227,7 @@
         <p:spPr>
           <a:xfrm>
             <a:off x="2985840" y="8685000"/>
-            <a:ext cx="4283280" cy="593280"/>
+            <a:ext cx="4282920" cy="591840"/>
           </a:xfrm>
           <a:prstGeom prst="rect">
             <a:avLst/>
@@ -11526,7 +11244,7 @@
           <a:fontRef idx="minor"/>
         </p:style>
         <p:txBody>
-          <a:bodyPr anchor="t">
+          <a:bodyPr lIns="90000" rIns="90000" tIns="45000" bIns="45000" anchor="t">
             <a:spAutoFit/>
           </a:bodyPr>
           <a:p>
@@ -11539,14 +11257,13 @@
               </a:tabLst>
             </a:pPr>
             <a:r>
-              <a:rPr b="1" lang="en-AU" sz="1100" spc="-1" strike="noStrike">
-                <a:solidFill>
-                  <a:srgbClr val="000000"/>
-                </a:solidFill>
-                <a:latin typeface="Times New Roman"/>
-                <a:ea typeface="Times New Roman"/>
-              </a:rPr>
-              <a:t>MAJ Trew</a:t>
+              <a:rPr b="0" lang="en-AU" sz="1100" spc="-1" strike="noStrike">
+                <a:solidFill>
+                  <a:srgbClr val="000000"/>
+                </a:solidFill>
+                <a:latin typeface="Times New Roman"/>
+              </a:rPr>
+              <a:t>{signaturer}</a:t>
             </a:r>
             <a:br>
               <a:rPr sz="1100"/>
@@ -11592,7 +11309,7 @@
         <p:spPr>
           <a:xfrm>
             <a:off x="3721320" y="8197200"/>
-            <a:ext cx="2813760" cy="517680"/>
+            <a:ext cx="2813400" cy="516240"/>
           </a:xfrm>
           <a:prstGeom prst="rect">
             <a:avLst/>
@@ -11609,7 +11326,7 @@
           <a:fontRef idx="minor"/>
         </p:style>
         <p:txBody>
-          <a:bodyPr anchor="t">
+          <a:bodyPr lIns="90000" rIns="90000" tIns="45000" bIns="45000" anchor="t">
             <a:spAutoFit/>
           </a:bodyPr>
           <a:p>
@@ -11629,7 +11346,7 @@
                 <a:latin typeface="Courgette"/>
                 <a:ea typeface="Courgette"/>
               </a:rPr>
-              <a:t>MAJ Trew </a:t>
+              <a:t>{signaturer}</a:t>
             </a:r>
             <a:endParaRPr b="0" lang="en-US" sz="2800" spc="-1" strike="noStrike">
               <a:solidFill>
@@ -11649,7 +11366,7 @@
         <p:spPr>
           <a:xfrm flipH="1">
             <a:off x="3720960" y="8684280"/>
-            <a:ext cx="2814480" cy="360"/>
+            <a:ext cx="2814840" cy="720"/>
           </a:xfrm>
           <a:prstGeom prst="straightConnector1">
             <a:avLst/>
@@ -11671,7 +11388,7 @@
         <p:spPr>
           <a:xfrm>
             <a:off x="886320" y="5655600"/>
-            <a:ext cx="6496200" cy="700920"/>
+            <a:ext cx="6495840" cy="699480"/>
           </a:xfrm>
           <a:prstGeom prst="rect">
             <a:avLst/>
@@ -11688,7 +11405,7 @@
           <a:fontRef idx="minor"/>
         </p:style>
         <p:txBody>
-          <a:bodyPr anchor="t">
+          <a:bodyPr lIns="90000" rIns="90000" tIns="45000" bIns="45000" anchor="t">
             <a:spAutoFit/>
           </a:bodyPr>
           <a:p>
@@ -11748,7 +11465,7 @@
         <p:spPr>
           <a:xfrm>
             <a:off x="817920" y="6433920"/>
-            <a:ext cx="6496200" cy="578520"/>
+            <a:ext cx="6495840" cy="577080"/>
           </a:xfrm>
           <a:prstGeom prst="rect">
             <a:avLst/>
@@ -11765,7 +11482,7 @@
           <a:fontRef idx="minor"/>
         </p:style>
         <p:txBody>
-          <a:bodyPr anchor="t">
+          <a:bodyPr lIns="90000" rIns="90000" tIns="45000" bIns="45000" anchor="t">
             <a:spAutoFit/>
           </a:bodyPr>
           <a:p>
@@ -11778,16 +11495,6 @@
               </a:tabLst>
             </a:pPr>
             <a:r>
-              <a:rPr b="0" i="1" lang="en-AU" sz="3200" spc="-1" strike="noStrike">
-                <a:solidFill>
-                  <a:srgbClr val="000000"/>
-                </a:solidFill>
-                <a:latin typeface="Times New Roman"/>
-                <a:ea typeface="Times New Roman"/>
-              </a:rPr>
-              <a:t>Private Trew</a:t>
-            </a:r>
-            <a:r>
               <a:rPr b="0" lang="en-AU" sz="3200" spc="-1" strike="noStrike">
                 <a:solidFill>
                   <a:srgbClr val="000000"/>
@@ -11795,7 +11502,7 @@
                 <a:latin typeface="Times New Roman"/>
                 <a:ea typeface="Times New Roman"/>
               </a:rPr>
-              <a:t> </a:t>
+              <a:t>{name}</a:t>
             </a:r>
             <a:endParaRPr b="0" lang="en-US" sz="3200" spc="-1" strike="noStrike">
               <a:solidFill>
@@ -11815,7 +11522,7 @@
         <p:spPr>
           <a:xfrm>
             <a:off x="873720" y="7107120"/>
-            <a:ext cx="6496200" cy="700920"/>
+            <a:ext cx="6495840" cy="699480"/>
           </a:xfrm>
           <a:prstGeom prst="rect">
             <a:avLst/>
@@ -11832,7 +11539,7 @@
           <a:fontRef idx="minor"/>
         </p:style>
         <p:txBody>
-          <a:bodyPr anchor="t">
+          <a:bodyPr lIns="90000" rIns="90000" tIns="45000" bIns="45000" anchor="t">
             <a:spAutoFit/>
           </a:bodyPr>
           <a:p>
@@ -11878,36 +11585,6 @@
               <a:rPr sz="2000"/>
             </a:br>
             <a:r>
-              <a:rPr b="0" i="1" lang="en-AU" sz="2000" spc="-1" strike="noStrike">
-                <a:solidFill>
-                  <a:srgbClr val="000000"/>
-                </a:solidFill>
-                <a:latin typeface="Times New Roman"/>
-                <a:ea typeface="Times New Roman"/>
-              </a:rPr>
-              <a:t>15</a:t>
-            </a:r>
-            <a:r>
-              <a:rPr b="0" i="1" lang="en-AU" sz="2000" spc="-1" strike="noStrike" baseline="30000">
-                <a:solidFill>
-                  <a:srgbClr val="000000"/>
-                </a:solidFill>
-                <a:latin typeface="Times New Roman"/>
-                <a:ea typeface="Times New Roman"/>
-              </a:rPr>
-              <a:t>th</a:t>
-            </a:r>
-            <a:r>
-              <a:rPr b="0" i="1" lang="en-AU" sz="2000" spc="-1" strike="noStrike">
-                <a:solidFill>
-                  <a:srgbClr val="000000"/>
-                </a:solidFill>
-                <a:latin typeface="Times New Roman"/>
-                <a:ea typeface="Times New Roman"/>
-              </a:rPr>
-              <a:t> August 2020.</a:t>
-            </a:r>
-            <a:r>
               <a:rPr b="0" lang="en-AU" sz="2000" spc="-1" strike="noStrike">
                 <a:solidFill>
                   <a:srgbClr val="000000"/>
@@ -11915,7 +11592,7 @@
                 <a:latin typeface="Times New Roman"/>
                 <a:ea typeface="Times New Roman"/>
               </a:rPr>
-              <a:t> </a:t>
+              <a:t>{date}.</a:t>
             </a:r>
             <a:endParaRPr b="0" lang="en-US" sz="2000" spc="-1" strike="noStrike">
               <a:solidFill>
@@ -11935,7 +11612,7 @@
         <p:spPr>
           <a:xfrm>
             <a:off x="897480" y="4820400"/>
-            <a:ext cx="6496200" cy="700920"/>
+            <a:ext cx="6495840" cy="699480"/>
           </a:xfrm>
           <a:prstGeom prst="rect">
             <a:avLst/>
@@ -11952,7 +11629,7 @@
           <a:fontRef idx="minor"/>
         </p:style>
         <p:txBody>
-          <a:bodyPr anchor="t">
+          <a:bodyPr lIns="90000" rIns="90000" tIns="45000" bIns="45000" anchor="t">
             <a:spAutoFit/>
           </a:bodyPr>
           <a:p>
@@ -11972,7 +11649,7 @@
                 <a:latin typeface="Times New Roman"/>
                 <a:ea typeface="Times New Roman"/>
               </a:rPr>
-              <a:t>Private Trew </a:t>
+              <a:t>{name} </a:t>
             </a:r>
             <a:r>
               <a:rPr b="0" lang="en-AU" sz="2000" spc="-1" strike="noStrike">
@@ -12019,7 +11696,7 @@
         <p:spPr>
           <a:xfrm>
             <a:off x="3434400" y="1394280"/>
-            <a:ext cx="1263240" cy="2014920"/>
+            <a:ext cx="1262880" cy="2014560"/>
           </a:xfrm>
           <a:prstGeom prst="rect">
             <a:avLst/>
@@ -12071,8 +11748,8 @@
         </p:blipFill>
         <p:spPr>
           <a:xfrm rot="5400000">
-            <a:off x="-1121400" y="2058480"/>
-            <a:ext cx="10512720" cy="7118280"/>
+            <a:off x="-1120680" y="2058480"/>
+            <a:ext cx="10512360" cy="7117920"/>
           </a:xfrm>
           <a:prstGeom prst="rect">
             <a:avLst/>
@@ -12095,7 +11772,7 @@
         <p:spPr>
           <a:xfrm>
             <a:off x="714240" y="723960"/>
-            <a:ext cx="6703560" cy="9801000"/>
+            <a:ext cx="6703200" cy="9800640"/>
           </a:xfrm>
           <a:prstGeom prst="rect">
             <a:avLst/>
@@ -12118,8 +11795,8 @@
         </p:blipFill>
         <p:spPr>
           <a:xfrm rot="5400000">
-            <a:off x="-1509480" y="1477440"/>
-            <a:ext cx="11300040" cy="8280000"/>
+            <a:off x="-1508760" y="1477080"/>
+            <a:ext cx="11299680" cy="8279640"/>
           </a:xfrm>
           <a:prstGeom prst="rect">
             <a:avLst/>
@@ -12142,7 +11819,7 @@
         <p:spPr>
           <a:xfrm>
             <a:off x="1814040" y="8340840"/>
-            <a:ext cx="1443960" cy="1260000"/>
+            <a:ext cx="1443600" cy="1259640"/>
           </a:xfrm>
           <a:prstGeom prst="rect">
             <a:avLst/>
@@ -12161,7 +11838,7 @@
         <p:spPr>
           <a:xfrm>
             <a:off x="704160" y="3409560"/>
-            <a:ext cx="6723720" cy="761400"/>
+            <a:ext cx="6723360" cy="759960"/>
           </a:xfrm>
           <a:prstGeom prst="rect">
             <a:avLst/>
@@ -12178,7 +11855,7 @@
           <a:fontRef idx="minor"/>
         </p:style>
         <p:txBody>
-          <a:bodyPr anchor="t">
+          <a:bodyPr lIns="90000" rIns="90000" tIns="45000" bIns="45000" anchor="t">
             <a:spAutoFit/>
           </a:bodyPr>
           <a:p>
@@ -12218,7 +11895,7 @@
         <p:spPr>
           <a:xfrm>
             <a:off x="1454400" y="4110120"/>
-            <a:ext cx="5371200" cy="639720"/>
+            <a:ext cx="5370840" cy="638280"/>
           </a:xfrm>
           <a:prstGeom prst="rect">
             <a:avLst/>
@@ -12235,7 +11912,7 @@
           <a:fontRef idx="minor"/>
         </p:style>
         <p:txBody>
-          <a:bodyPr anchor="t">
+          <a:bodyPr lIns="90000" rIns="90000" tIns="45000" bIns="45000" anchor="t">
             <a:spAutoFit/>
           </a:bodyPr>
           <a:p>
@@ -12255,7 +11932,7 @@
                 <a:latin typeface="Times New Roman"/>
                 <a:ea typeface="Times New Roman"/>
               </a:rPr>
-              <a:t>Private Thomas</a:t>
+              <a:t>{name}</a:t>
             </a:r>
             <a:endParaRPr b="0" lang="en-US" sz="3600" spc="-1" strike="noStrike">
               <a:solidFill>
@@ -12275,7 +11952,7 @@
         <p:spPr>
           <a:xfrm>
             <a:off x="2985840" y="8685000"/>
-            <a:ext cx="4283280" cy="593280"/>
+            <a:ext cx="4282920" cy="591840"/>
           </a:xfrm>
           <a:prstGeom prst="rect">
             <a:avLst/>
@@ -12292,7 +11969,7 @@
           <a:fontRef idx="minor"/>
         </p:style>
         <p:txBody>
-          <a:bodyPr anchor="t">
+          <a:bodyPr lIns="90000" rIns="90000" tIns="45000" bIns="45000" anchor="t">
             <a:spAutoFit/>
           </a:bodyPr>
           <a:p>
@@ -12305,14 +11982,13 @@
               </a:tabLst>
             </a:pPr>
             <a:r>
-              <a:rPr b="1" lang="en-AU" sz="1100" spc="-1" strike="noStrike">
-                <a:solidFill>
-                  <a:srgbClr val="000000"/>
-                </a:solidFill>
-                <a:latin typeface="Times New Roman"/>
-                <a:ea typeface="Times New Roman"/>
-              </a:rPr>
-              <a:t>MAJ Trew</a:t>
+              <a:rPr b="0" lang="en-AU" sz="1100" spc="-1" strike="noStrike">
+                <a:solidFill>
+                  <a:srgbClr val="000000"/>
+                </a:solidFill>
+                <a:latin typeface="Times New Roman"/>
+              </a:rPr>
+              <a:t>{signaturer}</a:t>
             </a:r>
             <a:br>
               <a:rPr sz="1100"/>
@@ -12358,7 +12034,7 @@
         <p:spPr>
           <a:xfrm>
             <a:off x="3721320" y="8197200"/>
-            <a:ext cx="2813760" cy="517680"/>
+            <a:ext cx="2813400" cy="516240"/>
           </a:xfrm>
           <a:prstGeom prst="rect">
             <a:avLst/>
@@ -12375,7 +12051,7 @@
           <a:fontRef idx="minor"/>
         </p:style>
         <p:txBody>
-          <a:bodyPr anchor="t">
+          <a:bodyPr lIns="90000" rIns="90000" tIns="45000" bIns="45000" anchor="t">
             <a:spAutoFit/>
           </a:bodyPr>
           <a:p>
@@ -12395,7 +12071,7 @@
                 <a:latin typeface="Courgette"/>
                 <a:ea typeface="Courgette"/>
               </a:rPr>
-              <a:t>MAJ Trew </a:t>
+              <a:t>{signaturer}</a:t>
             </a:r>
             <a:endParaRPr b="0" lang="en-US" sz="2800" spc="-1" strike="noStrike">
               <a:solidFill>
@@ -12415,7 +12091,7 @@
         <p:spPr>
           <a:xfrm flipH="1">
             <a:off x="3720960" y="8684280"/>
-            <a:ext cx="2814480" cy="360"/>
+            <a:ext cx="2814840" cy="720"/>
           </a:xfrm>
           <a:prstGeom prst="straightConnector1">
             <a:avLst/>
@@ -12437,7 +12113,7 @@
         <p:spPr>
           <a:xfrm>
             <a:off x="886320" y="5655600"/>
-            <a:ext cx="6496200" cy="700920"/>
+            <a:ext cx="6495840" cy="699480"/>
           </a:xfrm>
           <a:prstGeom prst="rect">
             <a:avLst/>
@@ -12454,7 +12130,7 @@
           <a:fontRef idx="minor"/>
         </p:style>
         <p:txBody>
-          <a:bodyPr anchor="t">
+          <a:bodyPr lIns="90000" rIns="90000" tIns="45000" bIns="45000" anchor="t">
             <a:spAutoFit/>
           </a:bodyPr>
           <a:p>
@@ -12474,7 +12150,7 @@
                 <a:latin typeface="Times New Roman"/>
                 <a:ea typeface="Times New Roman"/>
               </a:rPr>
-              <a:t>I, </a:t>
+              <a:t>I, {signaturer}</a:t>
             </a:r>
             <a:r>
               <a:rPr b="0" i="1" lang="en-AU" sz="2000" spc="-1" strike="noStrike">
@@ -12484,7 +12160,7 @@
                 <a:latin typeface="Times New Roman"/>
                 <a:ea typeface="Times New Roman"/>
               </a:rPr>
-              <a:t>Major Trew,</a:t>
+              <a:t>,</a:t>
             </a:r>
             <a:r>
               <a:rPr b="0" lang="en-AU" sz="2000" spc="-1" strike="noStrike">
@@ -12514,7 +12190,7 @@
         <p:spPr>
           <a:xfrm>
             <a:off x="817920" y="6433920"/>
-            <a:ext cx="6496200" cy="578520"/>
+            <a:ext cx="6495840" cy="577080"/>
           </a:xfrm>
           <a:prstGeom prst="rect">
             <a:avLst/>
@@ -12531,7 +12207,7 @@
           <a:fontRef idx="minor"/>
         </p:style>
         <p:txBody>
-          <a:bodyPr anchor="t">
+          <a:bodyPr lIns="90000" rIns="90000" tIns="45000" bIns="45000" anchor="t">
             <a:spAutoFit/>
           </a:bodyPr>
           <a:p>
@@ -12544,16 +12220,6 @@
               </a:tabLst>
             </a:pPr>
             <a:r>
-              <a:rPr b="0" i="1" lang="en-AU" sz="3200" spc="-1" strike="noStrike">
-                <a:solidFill>
-                  <a:srgbClr val="000000"/>
-                </a:solidFill>
-                <a:latin typeface="Times New Roman"/>
-                <a:ea typeface="Times New Roman"/>
-              </a:rPr>
-              <a:t>Private Trew</a:t>
-            </a:r>
-            <a:r>
               <a:rPr b="0" lang="en-AU" sz="3200" spc="-1" strike="noStrike">
                 <a:solidFill>
                   <a:srgbClr val="000000"/>
@@ -12561,7 +12227,7 @@
                 <a:latin typeface="Times New Roman"/>
                 <a:ea typeface="Times New Roman"/>
               </a:rPr>
-              <a:t> </a:t>
+              <a:t>{name}</a:t>
             </a:r>
             <a:endParaRPr b="0" lang="en-US" sz="3200" spc="-1" strike="noStrike">
               <a:solidFill>
@@ -12581,7 +12247,7 @@
         <p:spPr>
           <a:xfrm>
             <a:off x="873720" y="7107120"/>
-            <a:ext cx="6496200" cy="700920"/>
+            <a:ext cx="6495840" cy="699480"/>
           </a:xfrm>
           <a:prstGeom prst="rect">
             <a:avLst/>
@@ -12598,7 +12264,7 @@
           <a:fontRef idx="minor"/>
         </p:style>
         <p:txBody>
-          <a:bodyPr anchor="t">
+          <a:bodyPr lIns="90000" rIns="90000" tIns="45000" bIns="45000" anchor="t">
             <a:spAutoFit/>
           </a:bodyPr>
           <a:p>
@@ -12644,36 +12310,6 @@
               <a:rPr sz="2000"/>
             </a:br>
             <a:r>
-              <a:rPr b="0" i="1" lang="en-AU" sz="2000" spc="-1" strike="noStrike">
-                <a:solidFill>
-                  <a:srgbClr val="000000"/>
-                </a:solidFill>
-                <a:latin typeface="Times New Roman"/>
-                <a:ea typeface="Times New Roman"/>
-              </a:rPr>
-              <a:t>15</a:t>
-            </a:r>
-            <a:r>
-              <a:rPr b="0" i="1" lang="en-AU" sz="2000" spc="-1" strike="noStrike" baseline="30000">
-                <a:solidFill>
-                  <a:srgbClr val="000000"/>
-                </a:solidFill>
-                <a:latin typeface="Times New Roman"/>
-                <a:ea typeface="Times New Roman"/>
-              </a:rPr>
-              <a:t>th</a:t>
-            </a:r>
-            <a:r>
-              <a:rPr b="0" i="1" lang="en-AU" sz="2000" spc="-1" strike="noStrike">
-                <a:solidFill>
-                  <a:srgbClr val="000000"/>
-                </a:solidFill>
-                <a:latin typeface="Times New Roman"/>
-                <a:ea typeface="Times New Roman"/>
-              </a:rPr>
-              <a:t> August 2020.</a:t>
-            </a:r>
-            <a:r>
               <a:rPr b="0" lang="en-AU" sz="2000" spc="-1" strike="noStrike">
                 <a:solidFill>
                   <a:srgbClr val="000000"/>
@@ -12681,7 +12317,7 @@
                 <a:latin typeface="Times New Roman"/>
                 <a:ea typeface="Times New Roman"/>
               </a:rPr>
-              <a:t> </a:t>
+              <a:t>{date}.</a:t>
             </a:r>
             <a:endParaRPr b="0" lang="en-US" sz="2000" spc="-1" strike="noStrike">
               <a:solidFill>
@@ -12701,7 +12337,7 @@
         <p:spPr>
           <a:xfrm>
             <a:off x="897480" y="4820400"/>
-            <a:ext cx="6496200" cy="700920"/>
+            <a:ext cx="6495840" cy="699480"/>
           </a:xfrm>
           <a:prstGeom prst="rect">
             <a:avLst/>
@@ -12718,7 +12354,7 @@
           <a:fontRef idx="minor"/>
         </p:style>
         <p:txBody>
-          <a:bodyPr anchor="t">
+          <a:bodyPr lIns="90000" rIns="90000" tIns="45000" bIns="45000" anchor="t">
             <a:spAutoFit/>
           </a:bodyPr>
           <a:p>
@@ -12738,7 +12374,7 @@
                 <a:latin typeface="Times New Roman"/>
                 <a:ea typeface="Times New Roman"/>
               </a:rPr>
-              <a:t>Private Trew </a:t>
+              <a:t>{name} </a:t>
             </a:r>
             <a:r>
               <a:rPr b="0" lang="en-AU" sz="2000" spc="-1" strike="noStrike">
@@ -12785,7 +12421,7 @@
         <p:spPr>
           <a:xfrm>
             <a:off x="3432240" y="1385280"/>
-            <a:ext cx="1267560" cy="2021400"/>
+            <a:ext cx="1267200" cy="2021040"/>
           </a:xfrm>
           <a:prstGeom prst="rect">
             <a:avLst/>
@@ -12837,8 +12473,8 @@
         </p:blipFill>
         <p:spPr>
           <a:xfrm rot="5400000">
-            <a:off x="-1121400" y="2058480"/>
-            <a:ext cx="10512720" cy="7118280"/>
+            <a:off x="-1120680" y="2058480"/>
+            <a:ext cx="10512360" cy="7117920"/>
           </a:xfrm>
           <a:prstGeom prst="rect">
             <a:avLst/>
@@ -12861,7 +12497,7 @@
         <p:spPr>
           <a:xfrm>
             <a:off x="714240" y="723960"/>
-            <a:ext cx="6703560" cy="9801000"/>
+            <a:ext cx="6703200" cy="9800640"/>
           </a:xfrm>
           <a:prstGeom prst="rect">
             <a:avLst/>
@@ -12884,8 +12520,8 @@
         </p:blipFill>
         <p:spPr>
           <a:xfrm rot="5400000">
-            <a:off x="-1509480" y="1477440"/>
-            <a:ext cx="11300040" cy="8280000"/>
+            <a:off x="-1508760" y="1477080"/>
+            <a:ext cx="11299680" cy="8279640"/>
           </a:xfrm>
           <a:prstGeom prst="rect">
             <a:avLst/>
@@ -12908,7 +12544,7 @@
         <p:spPr>
           <a:xfrm>
             <a:off x="1814040" y="8340840"/>
-            <a:ext cx="1443960" cy="1260000"/>
+            <a:ext cx="1443600" cy="1259640"/>
           </a:xfrm>
           <a:prstGeom prst="rect">
             <a:avLst/>
@@ -12927,7 +12563,7 @@
         <p:spPr>
           <a:xfrm>
             <a:off x="704160" y="3409560"/>
-            <a:ext cx="6723720" cy="761400"/>
+            <a:ext cx="6723360" cy="759960"/>
           </a:xfrm>
           <a:prstGeom prst="rect">
             <a:avLst/>
@@ -12944,7 +12580,7 @@
           <a:fontRef idx="minor"/>
         </p:style>
         <p:txBody>
-          <a:bodyPr anchor="t">
+          <a:bodyPr lIns="90000" rIns="90000" tIns="45000" bIns="45000" anchor="t">
             <a:spAutoFit/>
           </a:bodyPr>
           <a:p>
@@ -12984,7 +12620,7 @@
         <p:spPr>
           <a:xfrm>
             <a:off x="1454400" y="4110120"/>
-            <a:ext cx="5371200" cy="639720"/>
+            <a:ext cx="5370840" cy="638280"/>
           </a:xfrm>
           <a:prstGeom prst="rect">
             <a:avLst/>
@@ -13001,7 +12637,7 @@
           <a:fontRef idx="minor"/>
         </p:style>
         <p:txBody>
-          <a:bodyPr anchor="t">
+          <a:bodyPr lIns="90000" rIns="90000" tIns="45000" bIns="45000" anchor="t">
             <a:spAutoFit/>
           </a:bodyPr>
           <a:p>
@@ -13021,7 +12657,7 @@
                 <a:latin typeface="Times New Roman"/>
                 <a:ea typeface="Times New Roman"/>
               </a:rPr>
-              <a:t>PTE Castell</a:t>
+              <a:t>{name}</a:t>
             </a:r>
             <a:endParaRPr b="0" lang="en-US" sz="3600" spc="-1" strike="noStrike">
               <a:solidFill>
@@ -13041,7 +12677,7 @@
         <p:spPr>
           <a:xfrm>
             <a:off x="2985840" y="8685000"/>
-            <a:ext cx="4283280" cy="593280"/>
+            <a:ext cx="4282920" cy="591840"/>
           </a:xfrm>
           <a:prstGeom prst="rect">
             <a:avLst/>
@@ -13058,7 +12694,7 @@
           <a:fontRef idx="minor"/>
         </p:style>
         <p:txBody>
-          <a:bodyPr anchor="t">
+          <a:bodyPr lIns="90000" rIns="90000" tIns="45000" bIns="45000" anchor="t">
             <a:spAutoFit/>
           </a:bodyPr>
           <a:p>
@@ -13071,14 +12707,13 @@
               </a:tabLst>
             </a:pPr>
             <a:r>
-              <a:rPr b="1" lang="en-AU" sz="1100" spc="-1" strike="noStrike">
-                <a:solidFill>
-                  <a:srgbClr val="000000"/>
-                </a:solidFill>
-                <a:latin typeface="Times New Roman"/>
-                <a:ea typeface="Times New Roman"/>
-              </a:rPr>
-              <a:t>MAJ Trew</a:t>
+              <a:rPr b="0" lang="en-AU" sz="1100" spc="-1" strike="noStrike">
+                <a:solidFill>
+                  <a:srgbClr val="000000"/>
+                </a:solidFill>
+                <a:latin typeface="Times New Roman"/>
+              </a:rPr>
+              <a:t>{signaturer}</a:t>
             </a:r>
             <a:br>
               <a:rPr sz="1100"/>
@@ -13124,7 +12759,7 @@
         <p:spPr>
           <a:xfrm>
             <a:off x="3721320" y="8197200"/>
-            <a:ext cx="2813760" cy="517680"/>
+            <a:ext cx="2813400" cy="516240"/>
           </a:xfrm>
           <a:prstGeom prst="rect">
             <a:avLst/>
@@ -13141,7 +12776,7 @@
           <a:fontRef idx="minor"/>
         </p:style>
         <p:txBody>
-          <a:bodyPr anchor="t">
+          <a:bodyPr lIns="90000" rIns="90000" tIns="45000" bIns="45000" anchor="t">
             <a:spAutoFit/>
           </a:bodyPr>
           <a:p>
@@ -13161,7 +12796,7 @@
                 <a:latin typeface="Courgette"/>
                 <a:ea typeface="Courgette"/>
               </a:rPr>
-              <a:t>MAJ Trew </a:t>
+              <a:t>{signaturer}</a:t>
             </a:r>
             <a:endParaRPr b="0" lang="en-US" sz="2800" spc="-1" strike="noStrike">
               <a:solidFill>
@@ -13181,7 +12816,7 @@
         <p:spPr>
           <a:xfrm flipH="1">
             <a:off x="3720960" y="8684280"/>
-            <a:ext cx="2814480" cy="360"/>
+            <a:ext cx="2814840" cy="720"/>
           </a:xfrm>
           <a:prstGeom prst="straightConnector1">
             <a:avLst/>
@@ -13203,7 +12838,7 @@
         <p:spPr>
           <a:xfrm>
             <a:off x="886320" y="5655600"/>
-            <a:ext cx="6496200" cy="700920"/>
+            <a:ext cx="6495840" cy="699480"/>
           </a:xfrm>
           <a:prstGeom prst="rect">
             <a:avLst/>
@@ -13220,7 +12855,7 @@
           <a:fontRef idx="minor"/>
         </p:style>
         <p:txBody>
-          <a:bodyPr anchor="t">
+          <a:bodyPr lIns="90000" rIns="90000" tIns="45000" bIns="45000" anchor="t">
             <a:spAutoFit/>
           </a:bodyPr>
           <a:p>
@@ -13240,7 +12875,7 @@
                 <a:latin typeface="Times New Roman"/>
                 <a:ea typeface="Times New Roman"/>
               </a:rPr>
-              <a:t>I, </a:t>
+              <a:t>I, {signaturer}</a:t>
             </a:r>
             <a:r>
               <a:rPr b="0" i="1" lang="en-AU" sz="2000" spc="-1" strike="noStrike">
@@ -13250,7 +12885,7 @@
                 <a:latin typeface="Times New Roman"/>
                 <a:ea typeface="Times New Roman"/>
               </a:rPr>
-              <a:t>Major Trew,</a:t>
+              <a:t>,</a:t>
             </a:r>
             <a:r>
               <a:rPr b="0" lang="en-AU" sz="2000" spc="-1" strike="noStrike">
@@ -13280,7 +12915,7 @@
         <p:spPr>
           <a:xfrm>
             <a:off x="817920" y="6433920"/>
-            <a:ext cx="6496200" cy="578520"/>
+            <a:ext cx="6495840" cy="577080"/>
           </a:xfrm>
           <a:prstGeom prst="rect">
             <a:avLst/>
@@ -13297,7 +12932,7 @@
           <a:fontRef idx="minor"/>
         </p:style>
         <p:txBody>
-          <a:bodyPr anchor="t">
+          <a:bodyPr lIns="90000" rIns="90000" tIns="45000" bIns="45000" anchor="t">
             <a:spAutoFit/>
           </a:bodyPr>
           <a:p>
@@ -13317,7 +12952,7 @@
                 <a:latin typeface="Times New Roman"/>
                 <a:ea typeface="Times New Roman"/>
               </a:rPr>
-              <a:t>PTE Castell</a:t>
+              <a:t>{name}</a:t>
             </a:r>
             <a:endParaRPr b="0" lang="en-US" sz="3200" spc="-1" strike="noStrike">
               <a:solidFill>
@@ -13337,7 +12972,7 @@
         <p:spPr>
           <a:xfrm>
             <a:off x="873720" y="7107120"/>
-            <a:ext cx="6496200" cy="700920"/>
+            <a:ext cx="6495840" cy="699480"/>
           </a:xfrm>
           <a:prstGeom prst="rect">
             <a:avLst/>
@@ -13354,7 +12989,7 @@
           <a:fontRef idx="minor"/>
         </p:style>
         <p:txBody>
-          <a:bodyPr anchor="t">
+          <a:bodyPr lIns="90000" rIns="90000" tIns="45000" bIns="45000" anchor="t">
             <a:spAutoFit/>
           </a:bodyPr>
           <a:p>
@@ -13400,36 +13035,6 @@
               <a:rPr sz="2000"/>
             </a:br>
             <a:r>
-              <a:rPr b="0" i="1" lang="en-AU" sz="2000" spc="-1" strike="noStrike">
-                <a:solidFill>
-                  <a:srgbClr val="000000"/>
-                </a:solidFill>
-                <a:latin typeface="Times New Roman"/>
-                <a:ea typeface="Times New Roman"/>
-              </a:rPr>
-              <a:t>04</a:t>
-            </a:r>
-            <a:r>
-              <a:rPr b="0" i="1" lang="en-AU" sz="2000" spc="-1" strike="noStrike" baseline="30000">
-                <a:solidFill>
-                  <a:srgbClr val="000000"/>
-                </a:solidFill>
-                <a:latin typeface="Times New Roman"/>
-                <a:ea typeface="Times New Roman"/>
-              </a:rPr>
-              <a:t>th</a:t>
-            </a:r>
-            <a:r>
-              <a:rPr b="0" i="1" lang="en-AU" sz="2000" spc="-1" strike="noStrike">
-                <a:solidFill>
-                  <a:srgbClr val="000000"/>
-                </a:solidFill>
-                <a:latin typeface="Times New Roman"/>
-                <a:ea typeface="Times New Roman"/>
-              </a:rPr>
-              <a:t> December 2022.</a:t>
-            </a:r>
-            <a:r>
               <a:rPr b="0" lang="en-AU" sz="2000" spc="-1" strike="noStrike">
                 <a:solidFill>
                   <a:srgbClr val="000000"/>
@@ -13437,7 +13042,7 @@
                 <a:latin typeface="Times New Roman"/>
                 <a:ea typeface="Times New Roman"/>
               </a:rPr>
-              <a:t> </a:t>
+              <a:t>{date}.</a:t>
             </a:r>
             <a:endParaRPr b="0" lang="en-US" sz="2000" spc="-1" strike="noStrike">
               <a:solidFill>
@@ -13457,7 +13062,7 @@
         <p:spPr>
           <a:xfrm>
             <a:off x="897480" y="4820400"/>
-            <a:ext cx="6496200" cy="700920"/>
+            <a:ext cx="6495840" cy="699480"/>
           </a:xfrm>
           <a:prstGeom prst="rect">
             <a:avLst/>
@@ -13474,7 +13079,7 @@
           <a:fontRef idx="minor"/>
         </p:style>
         <p:txBody>
-          <a:bodyPr anchor="t">
+          <a:bodyPr lIns="90000" rIns="90000" tIns="45000" bIns="45000" anchor="t">
             <a:spAutoFit/>
           </a:bodyPr>
           <a:p>
@@ -13494,7 +13099,7 @@
                 <a:latin typeface="Times New Roman"/>
                 <a:ea typeface="Times New Roman"/>
               </a:rPr>
-              <a:t>PTE Castell </a:t>
+              <a:t>{name} </a:t>
             </a:r>
             <a:r>
               <a:rPr b="0" lang="en-AU" sz="2000" spc="-1" strike="noStrike">
@@ -13541,7 +13146,7 @@
         <p:spPr>
           <a:xfrm>
             <a:off x="3432240" y="1317240"/>
-            <a:ext cx="1267560" cy="2021400"/>
+            <a:ext cx="1267200" cy="2021040"/>
           </a:xfrm>
           <a:prstGeom prst="rect">
             <a:avLst/>
@@ -13593,8 +13198,8 @@
         </p:blipFill>
         <p:spPr>
           <a:xfrm rot="5400000">
-            <a:off x="-1121400" y="2058480"/>
-            <a:ext cx="10512720" cy="7118280"/>
+            <a:off x="-1120680" y="2058480"/>
+            <a:ext cx="10512360" cy="7117920"/>
           </a:xfrm>
           <a:prstGeom prst="rect">
             <a:avLst/>
@@ -13617,7 +13222,7 @@
         <p:spPr>
           <a:xfrm>
             <a:off x="714240" y="723960"/>
-            <a:ext cx="6703560" cy="9801000"/>
+            <a:ext cx="6703200" cy="9800640"/>
           </a:xfrm>
           <a:prstGeom prst="rect">
             <a:avLst/>
@@ -13640,8 +13245,8 @@
         </p:blipFill>
         <p:spPr>
           <a:xfrm rot="5400000">
-            <a:off x="-1509480" y="1477440"/>
-            <a:ext cx="11300040" cy="8280000"/>
+            <a:off x="-1508760" y="1477080"/>
+            <a:ext cx="11299680" cy="8279640"/>
           </a:xfrm>
           <a:prstGeom prst="rect">
             <a:avLst/>
@@ -13664,7 +13269,7 @@
         <p:spPr>
           <a:xfrm>
             <a:off x="1814040" y="8340840"/>
-            <a:ext cx="1443960" cy="1260000"/>
+            <a:ext cx="1443600" cy="1259640"/>
           </a:xfrm>
           <a:prstGeom prst="rect">
             <a:avLst/>
@@ -13683,7 +13288,7 @@
         <p:spPr>
           <a:xfrm>
             <a:off x="704160" y="3409560"/>
-            <a:ext cx="6723720" cy="761400"/>
+            <a:ext cx="6723360" cy="759960"/>
           </a:xfrm>
           <a:prstGeom prst="rect">
             <a:avLst/>
@@ -13700,7 +13305,7 @@
           <a:fontRef idx="minor"/>
         </p:style>
         <p:txBody>
-          <a:bodyPr anchor="t">
+          <a:bodyPr lIns="90000" rIns="90000" tIns="45000" bIns="45000" anchor="t">
             <a:spAutoFit/>
           </a:bodyPr>
           <a:p>
@@ -13740,7 +13345,7 @@
         <p:spPr>
           <a:xfrm>
             <a:off x="1454400" y="4110120"/>
-            <a:ext cx="5371200" cy="639720"/>
+            <a:ext cx="5370840" cy="638280"/>
           </a:xfrm>
           <a:prstGeom prst="rect">
             <a:avLst/>
@@ -13757,7 +13362,7 @@
           <a:fontRef idx="minor"/>
         </p:style>
         <p:txBody>
-          <a:bodyPr anchor="t">
+          <a:bodyPr lIns="90000" rIns="90000" tIns="45000" bIns="45000" anchor="t">
             <a:spAutoFit/>
           </a:bodyPr>
           <a:p>
@@ -13777,7 +13382,7 @@
                 <a:latin typeface="Times New Roman"/>
                 <a:ea typeface="Times New Roman"/>
               </a:rPr>
-              <a:t>Recruit Sharpe</a:t>
+              <a:t>{name}</a:t>
             </a:r>
             <a:endParaRPr b="0" lang="en-US" sz="3600" spc="-1" strike="noStrike">
               <a:solidFill>
@@ -13797,7 +13402,7 @@
         <p:spPr>
           <a:xfrm>
             <a:off x="2985840" y="8685000"/>
-            <a:ext cx="4283280" cy="593280"/>
+            <a:ext cx="4282920" cy="591840"/>
           </a:xfrm>
           <a:prstGeom prst="rect">
             <a:avLst/>
@@ -13814,7 +13419,7 @@
           <a:fontRef idx="minor"/>
         </p:style>
         <p:txBody>
-          <a:bodyPr anchor="t">
+          <a:bodyPr lIns="90000" rIns="90000" tIns="45000" bIns="45000" anchor="t">
             <a:spAutoFit/>
           </a:bodyPr>
           <a:p>
@@ -13827,14 +13432,13 @@
               </a:tabLst>
             </a:pPr>
             <a:r>
-              <a:rPr b="1" lang="en-AU" sz="1100" spc="-1" strike="noStrike">
-                <a:solidFill>
-                  <a:srgbClr val="000000"/>
-                </a:solidFill>
-                <a:latin typeface="Times New Roman"/>
-                <a:ea typeface="Times New Roman"/>
-              </a:rPr>
-              <a:t>MAJ Trew</a:t>
+              <a:rPr b="0" lang="en-AU" sz="1100" spc="-1" strike="noStrike">
+                <a:solidFill>
+                  <a:srgbClr val="000000"/>
+                </a:solidFill>
+                <a:latin typeface="Arial"/>
+              </a:rPr>
+              <a:t>{signaturer}</a:t>
             </a:r>
             <a:br>
               <a:rPr sz="1100"/>
@@ -13880,7 +13484,7 @@
         <p:spPr>
           <a:xfrm>
             <a:off x="3721320" y="8197200"/>
-            <a:ext cx="2813760" cy="517680"/>
+            <a:ext cx="2813400" cy="516240"/>
           </a:xfrm>
           <a:prstGeom prst="rect">
             <a:avLst/>
@@ -13897,7 +13501,7 @@
           <a:fontRef idx="minor"/>
         </p:style>
         <p:txBody>
-          <a:bodyPr anchor="t">
+          <a:bodyPr lIns="90000" rIns="90000" tIns="45000" bIns="45000" anchor="t">
             <a:spAutoFit/>
           </a:bodyPr>
           <a:p>
@@ -13917,7 +13521,7 @@
                 <a:latin typeface="Courgette"/>
                 <a:ea typeface="Courgette"/>
               </a:rPr>
-              <a:t>MAJ Trew </a:t>
+              <a:t>{signaturer}</a:t>
             </a:r>
             <a:endParaRPr b="0" lang="en-US" sz="2800" spc="-1" strike="noStrike">
               <a:solidFill>
@@ -13937,7 +13541,7 @@
         <p:spPr>
           <a:xfrm flipH="1">
             <a:off x="3720960" y="8684280"/>
-            <a:ext cx="2814480" cy="360"/>
+            <a:ext cx="2814840" cy="720"/>
           </a:xfrm>
           <a:prstGeom prst="straightConnector1">
             <a:avLst/>
@@ -13959,7 +13563,7 @@
         <p:spPr>
           <a:xfrm>
             <a:off x="886320" y="5655600"/>
-            <a:ext cx="6496200" cy="700920"/>
+            <a:ext cx="6495840" cy="699480"/>
           </a:xfrm>
           <a:prstGeom prst="rect">
             <a:avLst/>
@@ -13976,7 +13580,7 @@
           <a:fontRef idx="minor"/>
         </p:style>
         <p:txBody>
-          <a:bodyPr anchor="t">
+          <a:bodyPr lIns="90000" rIns="90000" tIns="45000" bIns="45000" anchor="t">
             <a:spAutoFit/>
           </a:bodyPr>
           <a:p>
@@ -13996,7 +13600,7 @@
                 <a:latin typeface="Times New Roman"/>
                 <a:ea typeface="Times New Roman"/>
               </a:rPr>
-              <a:t>I, </a:t>
+              <a:t>I, {signaturer}</a:t>
             </a:r>
             <a:r>
               <a:rPr b="0" i="1" lang="en-AU" sz="2000" spc="-1" strike="noStrike">
@@ -14006,7 +13610,7 @@
                 <a:latin typeface="Times New Roman"/>
                 <a:ea typeface="Times New Roman"/>
               </a:rPr>
-              <a:t>Major Trew,</a:t>
+              <a:t>,</a:t>
             </a:r>
             <a:r>
               <a:rPr b="0" lang="en-AU" sz="2000" spc="-1" strike="noStrike">
@@ -14036,7 +13640,7 @@
         <p:spPr>
           <a:xfrm>
             <a:off x="817920" y="6433920"/>
-            <a:ext cx="6496200" cy="578520"/>
+            <a:ext cx="6495840" cy="577080"/>
           </a:xfrm>
           <a:prstGeom prst="rect">
             <a:avLst/>
@@ -14053,7 +13657,7 @@
           <a:fontRef idx="minor"/>
         </p:style>
         <p:txBody>
-          <a:bodyPr anchor="t">
+          <a:bodyPr lIns="90000" rIns="90000" tIns="45000" bIns="45000" anchor="t">
             <a:spAutoFit/>
           </a:bodyPr>
           <a:p>
@@ -14073,7 +13677,7 @@
                 <a:latin typeface="Times New Roman"/>
                 <a:ea typeface="Times New Roman"/>
               </a:rPr>
-              <a:t>Recruit Sharpe</a:t>
+              <a:t>{name}</a:t>
             </a:r>
             <a:endParaRPr b="0" lang="en-US" sz="3200" spc="-1" strike="noStrike">
               <a:solidFill>
@@ -14093,7 +13697,7 @@
         <p:spPr>
           <a:xfrm>
             <a:off x="873720" y="7107120"/>
-            <a:ext cx="6496200" cy="700920"/>
+            <a:ext cx="6495840" cy="699480"/>
           </a:xfrm>
           <a:prstGeom prst="rect">
             <a:avLst/>
@@ -14110,7 +13714,7 @@
           <a:fontRef idx="minor"/>
         </p:style>
         <p:txBody>
-          <a:bodyPr anchor="t">
+          <a:bodyPr lIns="90000" rIns="90000" tIns="45000" bIns="45000" anchor="t">
             <a:spAutoFit/>
           </a:bodyPr>
           <a:p>
@@ -14156,36 +13760,6 @@
               <a:rPr sz="2000"/>
             </a:br>
             <a:r>
-              <a:rPr b="0" i="1" lang="en-AU" sz="2000" spc="-1" strike="noStrike">
-                <a:solidFill>
-                  <a:srgbClr val="000000"/>
-                </a:solidFill>
-                <a:latin typeface="Times New Roman"/>
-                <a:ea typeface="Times New Roman"/>
-              </a:rPr>
-              <a:t>19</a:t>
-            </a:r>
-            <a:r>
-              <a:rPr b="0" i="1" lang="en-AU" sz="2000" spc="-1" strike="noStrike" baseline="30000">
-                <a:solidFill>
-                  <a:srgbClr val="000000"/>
-                </a:solidFill>
-                <a:latin typeface="Times New Roman"/>
-                <a:ea typeface="Times New Roman"/>
-              </a:rPr>
-              <a:t>th</a:t>
-            </a:r>
-            <a:r>
-              <a:rPr b="0" i="1" lang="en-AU" sz="2000" spc="-1" strike="noStrike">
-                <a:solidFill>
-                  <a:srgbClr val="000000"/>
-                </a:solidFill>
-                <a:latin typeface="Times New Roman"/>
-                <a:ea typeface="Times New Roman"/>
-              </a:rPr>
-              <a:t> September 2022.</a:t>
-            </a:r>
-            <a:r>
               <a:rPr b="0" lang="en-AU" sz="2000" spc="-1" strike="noStrike">
                 <a:solidFill>
                   <a:srgbClr val="000000"/>
@@ -14193,7 +13767,7 @@
                 <a:latin typeface="Times New Roman"/>
                 <a:ea typeface="Times New Roman"/>
               </a:rPr>
-              <a:t> </a:t>
+              <a:t>{date}.</a:t>
             </a:r>
             <a:endParaRPr b="0" lang="en-US" sz="2000" spc="-1" strike="noStrike">
               <a:solidFill>
@@ -14213,7 +13787,7 @@
         <p:spPr>
           <a:xfrm>
             <a:off x="931680" y="4937040"/>
-            <a:ext cx="6496200" cy="700920"/>
+            <a:ext cx="6495840" cy="699480"/>
           </a:xfrm>
           <a:prstGeom prst="rect">
             <a:avLst/>
@@ -14230,7 +13804,7 @@
           <a:fontRef idx="minor"/>
         </p:style>
         <p:txBody>
-          <a:bodyPr anchor="t">
+          <a:bodyPr lIns="90000" rIns="90000" tIns="45000" bIns="45000" anchor="t">
             <a:spAutoFit/>
           </a:bodyPr>
           <a:p>
@@ -14250,7 +13824,7 @@
                 <a:latin typeface="Times New Roman"/>
                 <a:ea typeface="Times New Roman"/>
               </a:rPr>
-              <a:t>Recruit Sharpe</a:t>
+              <a:t>{name}</a:t>
             </a:r>
             <a:r>
               <a:rPr b="0" i="1" lang="en-AU" sz="2000" spc="-1" strike="noStrike">
@@ -14294,7 +13868,7 @@
         <p:spPr>
           <a:xfrm>
             <a:off x="3081600" y="1530000"/>
-            <a:ext cx="1959120" cy="1514880"/>
+            <a:ext cx="1958760" cy="1514520"/>
           </a:xfrm>
           <a:prstGeom prst="rect">
             <a:avLst/>

--- a/templates/Bulk Template.pptx
+++ b/templates/Bulk Template.pptx
@@ -77,7 +77,7 @@
         <p:txBody>
           <a:bodyPr/>
           <a:p>
-            <a:fld id="{EABB5E51-AA5A-4728-B51E-A3C54235B3BB}" type="slidenum">
+            <a:fld id="{F5E13921-29AF-451E-BB71-D4D561BD036E}" type="slidenum">
               <a:t>&lt;#&gt;</a:t>
             </a:fld>
           </a:p>
@@ -98,7 +98,7 @@
           <a:bodyPr/>
           <a:p>
             <a:r>
-              <a:rPr lang="en-US"/>
+              <a:rPr lang="en-IN"/>
               <a:t/>
             </a:r>
           </a:p>
@@ -139,7 +139,7 @@
         <p:spPr>
           <a:xfrm>
             <a:off x="621000" y="1844280"/>
-            <a:ext cx="7037640" cy="3922200"/>
+            <a:ext cx="7037280" cy="3921840"/>
           </a:xfrm>
           <a:prstGeom prst="rect">
             <a:avLst/>
@@ -157,7 +157,7 @@
             <a:pPr indent="0" algn="ctr">
               <a:buNone/>
             </a:pPr>
-            <a:endParaRPr b="0" lang="en-US" sz="4400" spc="-1" strike="noStrike">
+            <a:endParaRPr b="0" lang="en-IN" sz="4400" spc="-1" strike="noStrike">
               <a:solidFill>
                 <a:srgbClr val="000000"/>
               </a:solidFill>
@@ -179,7 +179,7 @@
         <p:spPr>
           <a:xfrm>
             <a:off x="414000" y="2636640"/>
-            <a:ext cx="7451640" cy="3116880"/>
+            <a:ext cx="7451280" cy="3116880"/>
           </a:xfrm>
           <a:prstGeom prst="rect">
             <a:avLst/>
@@ -200,7 +200,7 @@
               </a:spcBef>
               <a:buNone/>
             </a:pPr>
-            <a:endParaRPr b="0" lang="en-US" sz="3200" spc="-1" strike="noStrike">
+            <a:endParaRPr b="0" lang="en-IN" sz="3200" spc="-1" strike="noStrike">
               <a:solidFill>
                 <a:srgbClr val="000000"/>
               </a:solidFill>
@@ -222,7 +222,7 @@
         <p:spPr>
           <a:xfrm>
             <a:off x="414000" y="6050160"/>
-            <a:ext cx="7451640" cy="3116880"/>
+            <a:ext cx="7451280" cy="3116880"/>
           </a:xfrm>
           <a:prstGeom prst="rect">
             <a:avLst/>
@@ -243,7 +243,7 @@
               </a:spcBef>
               <a:buNone/>
             </a:pPr>
-            <a:endParaRPr b="0" lang="en-US" sz="3200" spc="-1" strike="noStrike">
+            <a:endParaRPr b="0" lang="en-IN" sz="3200" spc="-1" strike="noStrike">
               <a:solidFill>
                 <a:srgbClr val="000000"/>
               </a:solidFill>
@@ -286,7 +286,7 @@
         <p:txBody>
           <a:bodyPr/>
           <a:p>
-            <a:fld id="{340E7AF4-AA03-4E69-8A06-94E149E0E446}" type="slidenum">
+            <a:fld id="{97F7B317-F81B-4128-9854-94F40CF75CBB}" type="slidenum">
               <a:t>&lt;#&gt;</a:t>
             </a:fld>
           </a:p>
@@ -307,7 +307,7 @@
           <a:bodyPr/>
           <a:p>
             <a:r>
-              <a:rPr lang="en-US"/>
+              <a:rPr lang="en-IN"/>
               <a:t/>
             </a:r>
           </a:p>
@@ -348,7 +348,7 @@
         <p:spPr>
           <a:xfrm>
             <a:off x="621000" y="1844280"/>
-            <a:ext cx="7037640" cy="3922200"/>
+            <a:ext cx="7037280" cy="3921840"/>
           </a:xfrm>
           <a:prstGeom prst="rect">
             <a:avLst/>
@@ -366,7 +366,7 @@
             <a:pPr indent="0" algn="ctr">
               <a:buNone/>
             </a:pPr>
-            <a:endParaRPr b="0" lang="en-US" sz="4400" spc="-1" strike="noStrike">
+            <a:endParaRPr b="0" lang="en-IN" sz="4400" spc="-1" strike="noStrike">
               <a:solidFill>
                 <a:srgbClr val="000000"/>
               </a:solidFill>
@@ -388,7 +388,7 @@
         <p:spPr>
           <a:xfrm>
             <a:off x="414000" y="2636640"/>
-            <a:ext cx="3636360" cy="3116880"/>
+            <a:ext cx="3636000" cy="3116880"/>
           </a:xfrm>
           <a:prstGeom prst="rect">
             <a:avLst/>
@@ -409,7 +409,7 @@
               </a:spcBef>
               <a:buNone/>
             </a:pPr>
-            <a:endParaRPr b="0" lang="en-US" sz="3200" spc="-1" strike="noStrike">
+            <a:endParaRPr b="0" lang="en-IN" sz="3200" spc="-1" strike="noStrike">
               <a:solidFill>
                 <a:srgbClr val="000000"/>
               </a:solidFill>
@@ -430,8 +430,8 @@
         </p:nvSpPr>
         <p:spPr>
           <a:xfrm>
-            <a:off x="4232520" y="2636640"/>
-            <a:ext cx="3636360" cy="3116880"/>
+            <a:off x="4232160" y="2636640"/>
+            <a:ext cx="3636000" cy="3116880"/>
           </a:xfrm>
           <a:prstGeom prst="rect">
             <a:avLst/>
@@ -452,7 +452,7 @@
               </a:spcBef>
               <a:buNone/>
             </a:pPr>
-            <a:endParaRPr b="0" lang="en-US" sz="3200" spc="-1" strike="noStrike">
+            <a:endParaRPr b="0" lang="en-IN" sz="3200" spc="-1" strike="noStrike">
               <a:solidFill>
                 <a:srgbClr val="000000"/>
               </a:solidFill>
@@ -474,7 +474,7 @@
         <p:spPr>
           <a:xfrm>
             <a:off x="414000" y="6050160"/>
-            <a:ext cx="3636360" cy="3116880"/>
+            <a:ext cx="3636000" cy="3116880"/>
           </a:xfrm>
           <a:prstGeom prst="rect">
             <a:avLst/>
@@ -495,7 +495,7 @@
               </a:spcBef>
               <a:buNone/>
             </a:pPr>
-            <a:endParaRPr b="0" lang="en-US" sz="3200" spc="-1" strike="noStrike">
+            <a:endParaRPr b="0" lang="en-IN" sz="3200" spc="-1" strike="noStrike">
               <a:solidFill>
                 <a:srgbClr val="000000"/>
               </a:solidFill>
@@ -516,8 +516,8 @@
         </p:nvSpPr>
         <p:spPr>
           <a:xfrm>
-            <a:off x="4232520" y="6050160"/>
-            <a:ext cx="3636360" cy="3116880"/>
+            <a:off x="4232160" y="6050160"/>
+            <a:ext cx="3636000" cy="3116880"/>
           </a:xfrm>
           <a:prstGeom prst="rect">
             <a:avLst/>
@@ -538,7 +538,7 @@
               </a:spcBef>
               <a:buNone/>
             </a:pPr>
-            <a:endParaRPr b="0" lang="en-US" sz="3200" spc="-1" strike="noStrike">
+            <a:endParaRPr b="0" lang="en-IN" sz="3200" spc="-1" strike="noStrike">
               <a:solidFill>
                 <a:srgbClr val="000000"/>
               </a:solidFill>
@@ -581,7 +581,7 @@
         <p:txBody>
           <a:bodyPr/>
           <a:p>
-            <a:fld id="{68717E3C-FA08-4CC7-90E8-029455670F1B}" type="slidenum">
+            <a:fld id="{976A85B1-9986-42A3-BD8E-58342FF964E4}" type="slidenum">
               <a:t>&lt;#&gt;</a:t>
             </a:fld>
           </a:p>
@@ -602,7 +602,7 @@
           <a:bodyPr/>
           <a:p>
             <a:r>
-              <a:rPr lang="en-US"/>
+              <a:rPr lang="en-IN"/>
               <a:t/>
             </a:r>
           </a:p>
@@ -643,7 +643,7 @@
         <p:spPr>
           <a:xfrm>
             <a:off x="621000" y="1844280"/>
-            <a:ext cx="7037640" cy="3922200"/>
+            <a:ext cx="7037280" cy="3921840"/>
           </a:xfrm>
           <a:prstGeom prst="rect">
             <a:avLst/>
@@ -661,7 +661,7 @@
             <a:pPr indent="0" algn="ctr">
               <a:buNone/>
             </a:pPr>
-            <a:endParaRPr b="0" lang="en-US" sz="4400" spc="-1" strike="noStrike">
+            <a:endParaRPr b="0" lang="en-IN" sz="4400" spc="-1" strike="noStrike">
               <a:solidFill>
                 <a:srgbClr val="000000"/>
               </a:solidFill>
@@ -704,7 +704,7 @@
               </a:spcBef>
               <a:buNone/>
             </a:pPr>
-            <a:endParaRPr b="0" lang="en-US" sz="3200" spc="-1" strike="noStrike">
+            <a:endParaRPr b="0" lang="en-IN" sz="3200" spc="-1" strike="noStrike">
               <a:solidFill>
                 <a:srgbClr val="000000"/>
               </a:solidFill>
@@ -747,7 +747,7 @@
               </a:spcBef>
               <a:buNone/>
             </a:pPr>
-            <a:endParaRPr b="0" lang="en-US" sz="3200" spc="-1" strike="noStrike">
+            <a:endParaRPr b="0" lang="en-IN" sz="3200" spc="-1" strike="noStrike">
               <a:solidFill>
                 <a:srgbClr val="000000"/>
               </a:solidFill>
@@ -790,7 +790,7 @@
               </a:spcBef>
               <a:buNone/>
             </a:pPr>
-            <a:endParaRPr b="0" lang="en-US" sz="3200" spc="-1" strike="noStrike">
+            <a:endParaRPr b="0" lang="en-IN" sz="3200" spc="-1" strike="noStrike">
               <a:solidFill>
                 <a:srgbClr val="000000"/>
               </a:solidFill>
@@ -833,7 +833,7 @@
               </a:spcBef>
               <a:buNone/>
             </a:pPr>
-            <a:endParaRPr b="0" lang="en-US" sz="3200" spc="-1" strike="noStrike">
+            <a:endParaRPr b="0" lang="en-IN" sz="3200" spc="-1" strike="noStrike">
               <a:solidFill>
                 <a:srgbClr val="000000"/>
               </a:solidFill>
@@ -876,7 +876,7 @@
               </a:spcBef>
               <a:buNone/>
             </a:pPr>
-            <a:endParaRPr b="0" lang="en-US" sz="3200" spc="-1" strike="noStrike">
+            <a:endParaRPr b="0" lang="en-IN" sz="3200" spc="-1" strike="noStrike">
               <a:solidFill>
                 <a:srgbClr val="000000"/>
               </a:solidFill>
@@ -919,7 +919,7 @@
               </a:spcBef>
               <a:buNone/>
             </a:pPr>
-            <a:endParaRPr b="0" lang="en-US" sz="3200" spc="-1" strike="noStrike">
+            <a:endParaRPr b="0" lang="en-IN" sz="3200" spc="-1" strike="noStrike">
               <a:solidFill>
                 <a:srgbClr val="000000"/>
               </a:solidFill>
@@ -962,7 +962,7 @@
         <p:txBody>
           <a:bodyPr/>
           <a:p>
-            <a:fld id="{BEE9476F-9ACC-4189-8582-454CFAC3D900}" type="slidenum">
+            <a:fld id="{6C367958-8D87-44DD-A2E0-6E5C8183C819}" type="slidenum">
               <a:t>&lt;#&gt;</a:t>
             </a:fld>
           </a:p>
@@ -983,7 +983,7 @@
           <a:bodyPr/>
           <a:p>
             <a:r>
-              <a:rPr lang="en-US"/>
+              <a:rPr lang="en-IN"/>
               <a:t/>
             </a:r>
           </a:p>
@@ -1024,7 +1024,7 @@
         <p:spPr>
           <a:xfrm>
             <a:off x="621000" y="1844280"/>
-            <a:ext cx="7037640" cy="3922200"/>
+            <a:ext cx="7037280" cy="3921840"/>
           </a:xfrm>
           <a:prstGeom prst="rect">
             <a:avLst/>
@@ -1042,7 +1042,7 @@
             <a:pPr indent="0" algn="ctr">
               <a:buNone/>
             </a:pPr>
-            <a:endParaRPr b="0" lang="en-US" sz="4400" spc="-1" strike="noStrike">
+            <a:endParaRPr b="0" lang="en-IN" sz="4400" spc="-1" strike="noStrike">
               <a:solidFill>
                 <a:srgbClr val="000000"/>
               </a:solidFill>
@@ -1064,7 +1064,7 @@
         <p:spPr>
           <a:xfrm>
             <a:off x="414000" y="2636640"/>
-            <a:ext cx="7451640" cy="6535080"/>
+            <a:ext cx="7451280" cy="6534720"/>
           </a:xfrm>
           <a:prstGeom prst="rect">
             <a:avLst/>
@@ -1082,7 +1082,7 @@
             <a:pPr indent="0" algn="ctr">
               <a:buNone/>
             </a:pPr>
-            <a:endParaRPr b="0" lang="en-US" sz="3200" spc="-1" strike="noStrike">
+            <a:endParaRPr b="0" lang="en-IN" sz="3200" spc="-1" strike="noStrike">
               <a:solidFill>
                 <a:srgbClr val="000000"/>
               </a:solidFill>
@@ -1125,7 +1125,7 @@
         <p:txBody>
           <a:bodyPr/>
           <a:p>
-            <a:fld id="{D6C14B71-CE24-4D75-91A4-269910BE8360}" type="slidenum">
+            <a:fld id="{B6E2A69E-8500-4D91-804C-C1C08694E9D1}" type="slidenum">
               <a:t>&lt;#&gt;</a:t>
             </a:fld>
           </a:p>
@@ -1146,7 +1146,7 @@
           <a:bodyPr/>
           <a:p>
             <a:r>
-              <a:rPr lang="en-US"/>
+              <a:rPr lang="en-IN"/>
               <a:t/>
             </a:r>
           </a:p>
@@ -1187,7 +1187,7 @@
         <p:spPr>
           <a:xfrm>
             <a:off x="621000" y="1844280"/>
-            <a:ext cx="7037640" cy="3922200"/>
+            <a:ext cx="7037280" cy="3921840"/>
           </a:xfrm>
           <a:prstGeom prst="rect">
             <a:avLst/>
@@ -1205,7 +1205,7 @@
             <a:pPr indent="0" algn="ctr">
               <a:buNone/>
             </a:pPr>
-            <a:endParaRPr b="0" lang="en-US" sz="4400" spc="-1" strike="noStrike">
+            <a:endParaRPr b="0" lang="en-IN" sz="4400" spc="-1" strike="noStrike">
               <a:solidFill>
                 <a:srgbClr val="000000"/>
               </a:solidFill>
@@ -1227,7 +1227,7 @@
         <p:spPr>
           <a:xfrm>
             <a:off x="414000" y="2636640"/>
-            <a:ext cx="7451640" cy="6535080"/>
+            <a:ext cx="7451280" cy="6534720"/>
           </a:xfrm>
           <a:prstGeom prst="rect">
             <a:avLst/>
@@ -1248,7 +1248,7 @@
               </a:spcBef>
               <a:buNone/>
             </a:pPr>
-            <a:endParaRPr b="0" lang="en-US" sz="3200" spc="-1" strike="noStrike">
+            <a:endParaRPr b="0" lang="en-IN" sz="3200" spc="-1" strike="noStrike">
               <a:solidFill>
                 <a:srgbClr val="000000"/>
               </a:solidFill>
@@ -1291,7 +1291,7 @@
         <p:txBody>
           <a:bodyPr/>
           <a:p>
-            <a:fld id="{F15358AB-1794-432E-BD44-815750DC6F94}" type="slidenum">
+            <a:fld id="{0C68BB6F-7D56-4B95-A1BF-C3E06917AE93}" type="slidenum">
               <a:t>&lt;#&gt;</a:t>
             </a:fld>
           </a:p>
@@ -1312,7 +1312,7 @@
           <a:bodyPr/>
           <a:p>
             <a:r>
-              <a:rPr lang="en-US"/>
+              <a:rPr lang="en-IN"/>
               <a:t/>
             </a:r>
           </a:p>
@@ -1353,7 +1353,7 @@
         <p:spPr>
           <a:xfrm>
             <a:off x="621000" y="1844280"/>
-            <a:ext cx="7037640" cy="3922200"/>
+            <a:ext cx="7037280" cy="3921840"/>
           </a:xfrm>
           <a:prstGeom prst="rect">
             <a:avLst/>
@@ -1371,7 +1371,7 @@
             <a:pPr indent="0" algn="ctr">
               <a:buNone/>
             </a:pPr>
-            <a:endParaRPr b="0" lang="en-US" sz="4400" spc="-1" strike="noStrike">
+            <a:endParaRPr b="0" lang="en-IN" sz="4400" spc="-1" strike="noStrike">
               <a:solidFill>
                 <a:srgbClr val="000000"/>
               </a:solidFill>
@@ -1393,7 +1393,7 @@
         <p:spPr>
           <a:xfrm>
             <a:off x="414000" y="2636640"/>
-            <a:ext cx="3636360" cy="6535080"/>
+            <a:ext cx="3636000" cy="6534720"/>
           </a:xfrm>
           <a:prstGeom prst="rect">
             <a:avLst/>
@@ -1414,7 +1414,7 @@
               </a:spcBef>
               <a:buNone/>
             </a:pPr>
-            <a:endParaRPr b="0" lang="en-US" sz="3200" spc="-1" strike="noStrike">
+            <a:endParaRPr b="0" lang="en-IN" sz="3200" spc="-1" strike="noStrike">
               <a:solidFill>
                 <a:srgbClr val="000000"/>
               </a:solidFill>
@@ -1435,8 +1435,8 @@
         </p:nvSpPr>
         <p:spPr>
           <a:xfrm>
-            <a:off x="4232520" y="2636640"/>
-            <a:ext cx="3636360" cy="6535080"/>
+            <a:off x="4232160" y="2636640"/>
+            <a:ext cx="3636000" cy="6534720"/>
           </a:xfrm>
           <a:prstGeom prst="rect">
             <a:avLst/>
@@ -1457,7 +1457,7 @@
               </a:spcBef>
               <a:buNone/>
             </a:pPr>
-            <a:endParaRPr b="0" lang="en-US" sz="3200" spc="-1" strike="noStrike">
+            <a:endParaRPr b="0" lang="en-IN" sz="3200" spc="-1" strike="noStrike">
               <a:solidFill>
                 <a:srgbClr val="000000"/>
               </a:solidFill>
@@ -1500,7 +1500,7 @@
         <p:txBody>
           <a:bodyPr/>
           <a:p>
-            <a:fld id="{CB7ACF8F-CA5A-401D-9784-16EA1838B913}" type="slidenum">
+            <a:fld id="{B6C06255-F392-4551-91A1-1D3B9E24C247}" type="slidenum">
               <a:t>&lt;#&gt;</a:t>
             </a:fld>
           </a:p>
@@ -1521,7 +1521,7 @@
           <a:bodyPr/>
           <a:p>
             <a:r>
-              <a:rPr lang="en-US"/>
+              <a:rPr lang="en-IN"/>
               <a:t/>
             </a:r>
           </a:p>
@@ -1562,7 +1562,7 @@
         <p:spPr>
           <a:xfrm>
             <a:off x="621000" y="1844280"/>
-            <a:ext cx="7037640" cy="3922200"/>
+            <a:ext cx="7037280" cy="3921840"/>
           </a:xfrm>
           <a:prstGeom prst="rect">
             <a:avLst/>
@@ -1580,7 +1580,7 @@
             <a:pPr indent="0" algn="ctr">
               <a:buNone/>
             </a:pPr>
-            <a:endParaRPr b="0" lang="en-US" sz="4400" spc="-1" strike="noStrike">
+            <a:endParaRPr b="0" lang="en-IN" sz="4400" spc="-1" strike="noStrike">
               <a:solidFill>
                 <a:srgbClr val="000000"/>
               </a:solidFill>
@@ -1623,7 +1623,7 @@
         <p:txBody>
           <a:bodyPr/>
           <a:p>
-            <a:fld id="{F9575EF6-D7B4-4F9F-8268-6ECA8EEE82BC}" type="slidenum">
+            <a:fld id="{3764D33B-337B-4EFD-937E-BC4AF73F4A90}" type="slidenum">
               <a:t>&lt;#&gt;</a:t>
             </a:fld>
           </a:p>
@@ -1644,7 +1644,7 @@
           <a:bodyPr/>
           <a:p>
             <a:r>
-              <a:rPr lang="en-US"/>
+              <a:rPr lang="en-IN"/>
               <a:t/>
             </a:r>
           </a:p>
@@ -1685,7 +1685,7 @@
         <p:spPr>
           <a:xfrm>
             <a:off x="621000" y="1844280"/>
-            <a:ext cx="7037640" cy="18182160"/>
+            <a:ext cx="7037280" cy="18180720"/>
           </a:xfrm>
           <a:prstGeom prst="rect">
             <a:avLst/>
@@ -1701,7 +1701,7 @@
           </a:bodyPr>
           <a:p>
             <a:pPr algn="ctr"/>
-            <a:endParaRPr b="0" lang="en-US" sz="3200" spc="-1" strike="noStrike">
+            <a:endParaRPr b="0" lang="en-IN" sz="3200" spc="-1" strike="noStrike">
               <a:solidFill>
                 <a:srgbClr val="000000"/>
               </a:solidFill>
@@ -1744,7 +1744,7 @@
         <p:txBody>
           <a:bodyPr/>
           <a:p>
-            <a:fld id="{EB1AF66E-17D5-4548-8B60-5A3843F0AE80}" type="slidenum">
+            <a:fld id="{E4477C87-82A7-45A0-8776-E5813598F4C0}" type="slidenum">
               <a:t>&lt;#&gt;</a:t>
             </a:fld>
           </a:p>
@@ -1765,7 +1765,7 @@
           <a:bodyPr/>
           <a:p>
             <a:r>
-              <a:rPr lang="en-US"/>
+              <a:rPr lang="en-IN"/>
               <a:t/>
             </a:r>
           </a:p>
@@ -1806,7 +1806,7 @@
         <p:spPr>
           <a:xfrm>
             <a:off x="621000" y="1844280"/>
-            <a:ext cx="7037640" cy="3922200"/>
+            <a:ext cx="7037280" cy="3921840"/>
           </a:xfrm>
           <a:prstGeom prst="rect">
             <a:avLst/>
@@ -1824,7 +1824,7 @@
             <a:pPr indent="0" algn="ctr">
               <a:buNone/>
             </a:pPr>
-            <a:endParaRPr b="0" lang="en-US" sz="4400" spc="-1" strike="noStrike">
+            <a:endParaRPr b="0" lang="en-IN" sz="4400" spc="-1" strike="noStrike">
               <a:solidFill>
                 <a:srgbClr val="000000"/>
               </a:solidFill>
@@ -1846,7 +1846,7 @@
         <p:spPr>
           <a:xfrm>
             <a:off x="414000" y="2636640"/>
-            <a:ext cx="3636360" cy="3116880"/>
+            <a:ext cx="3636000" cy="3116880"/>
           </a:xfrm>
           <a:prstGeom prst="rect">
             <a:avLst/>
@@ -1867,7 +1867,7 @@
               </a:spcBef>
               <a:buNone/>
             </a:pPr>
-            <a:endParaRPr b="0" lang="en-US" sz="3200" spc="-1" strike="noStrike">
+            <a:endParaRPr b="0" lang="en-IN" sz="3200" spc="-1" strike="noStrike">
               <a:solidFill>
                 <a:srgbClr val="000000"/>
               </a:solidFill>
@@ -1888,8 +1888,8 @@
         </p:nvSpPr>
         <p:spPr>
           <a:xfrm>
-            <a:off x="4232520" y="2636640"/>
-            <a:ext cx="3636360" cy="6535080"/>
+            <a:off x="4232160" y="2636640"/>
+            <a:ext cx="3636000" cy="6534720"/>
           </a:xfrm>
           <a:prstGeom prst="rect">
             <a:avLst/>
@@ -1910,7 +1910,7 @@
               </a:spcBef>
               <a:buNone/>
             </a:pPr>
-            <a:endParaRPr b="0" lang="en-US" sz="3200" spc="-1" strike="noStrike">
+            <a:endParaRPr b="0" lang="en-IN" sz="3200" spc="-1" strike="noStrike">
               <a:solidFill>
                 <a:srgbClr val="000000"/>
               </a:solidFill>
@@ -1932,7 +1932,7 @@
         <p:spPr>
           <a:xfrm>
             <a:off x="414000" y="6050160"/>
-            <a:ext cx="3636360" cy="3116880"/>
+            <a:ext cx="3636000" cy="3116880"/>
           </a:xfrm>
           <a:prstGeom prst="rect">
             <a:avLst/>
@@ -1953,7 +1953,7 @@
               </a:spcBef>
               <a:buNone/>
             </a:pPr>
-            <a:endParaRPr b="0" lang="en-US" sz="3200" spc="-1" strike="noStrike">
+            <a:endParaRPr b="0" lang="en-IN" sz="3200" spc="-1" strike="noStrike">
               <a:solidFill>
                 <a:srgbClr val="000000"/>
               </a:solidFill>
@@ -1996,7 +1996,7 @@
         <p:txBody>
           <a:bodyPr/>
           <a:p>
-            <a:fld id="{6DF87468-84AF-4BF6-8DB1-18B8CB31E48C}" type="slidenum">
+            <a:fld id="{8327BC13-F751-4A46-B399-1DEBAA2439FF}" type="slidenum">
               <a:t>&lt;#&gt;</a:t>
             </a:fld>
           </a:p>
@@ -2017,7 +2017,7 @@
           <a:bodyPr/>
           <a:p>
             <a:r>
-              <a:rPr lang="en-US"/>
+              <a:rPr lang="en-IN"/>
               <a:t/>
             </a:r>
           </a:p>
@@ -2058,7 +2058,7 @@
         <p:spPr>
           <a:xfrm>
             <a:off x="621000" y="1844280"/>
-            <a:ext cx="7037640" cy="3922200"/>
+            <a:ext cx="7037280" cy="3921840"/>
           </a:xfrm>
           <a:prstGeom prst="rect">
             <a:avLst/>
@@ -2076,7 +2076,7 @@
             <a:pPr indent="0" algn="ctr">
               <a:buNone/>
             </a:pPr>
-            <a:endParaRPr b="0" lang="en-US" sz="4400" spc="-1" strike="noStrike">
+            <a:endParaRPr b="0" lang="en-IN" sz="4400" spc="-1" strike="noStrike">
               <a:solidFill>
                 <a:srgbClr val="000000"/>
               </a:solidFill>
@@ -2098,7 +2098,7 @@
         <p:spPr>
           <a:xfrm>
             <a:off x="414000" y="2636640"/>
-            <a:ext cx="3636360" cy="6535080"/>
+            <a:ext cx="3636000" cy="6534720"/>
           </a:xfrm>
           <a:prstGeom prst="rect">
             <a:avLst/>
@@ -2119,7 +2119,7 @@
               </a:spcBef>
               <a:buNone/>
             </a:pPr>
-            <a:endParaRPr b="0" lang="en-US" sz="3200" spc="-1" strike="noStrike">
+            <a:endParaRPr b="0" lang="en-IN" sz="3200" spc="-1" strike="noStrike">
               <a:solidFill>
                 <a:srgbClr val="000000"/>
               </a:solidFill>
@@ -2140,8 +2140,8 @@
         </p:nvSpPr>
         <p:spPr>
           <a:xfrm>
-            <a:off x="4232520" y="2636640"/>
-            <a:ext cx="3636360" cy="3116880"/>
+            <a:off x="4232160" y="2636640"/>
+            <a:ext cx="3636000" cy="3116880"/>
           </a:xfrm>
           <a:prstGeom prst="rect">
             <a:avLst/>
@@ -2162,7 +2162,7 @@
               </a:spcBef>
               <a:buNone/>
             </a:pPr>
-            <a:endParaRPr b="0" lang="en-US" sz="3200" spc="-1" strike="noStrike">
+            <a:endParaRPr b="0" lang="en-IN" sz="3200" spc="-1" strike="noStrike">
               <a:solidFill>
                 <a:srgbClr val="000000"/>
               </a:solidFill>
@@ -2183,8 +2183,8 @@
         </p:nvSpPr>
         <p:spPr>
           <a:xfrm>
-            <a:off x="4232520" y="6050160"/>
-            <a:ext cx="3636360" cy="3116880"/>
+            <a:off x="4232160" y="6050160"/>
+            <a:ext cx="3636000" cy="3116880"/>
           </a:xfrm>
           <a:prstGeom prst="rect">
             <a:avLst/>
@@ -2205,7 +2205,7 @@
               </a:spcBef>
               <a:buNone/>
             </a:pPr>
-            <a:endParaRPr b="0" lang="en-US" sz="3200" spc="-1" strike="noStrike">
+            <a:endParaRPr b="0" lang="en-IN" sz="3200" spc="-1" strike="noStrike">
               <a:solidFill>
                 <a:srgbClr val="000000"/>
               </a:solidFill>
@@ -2248,7 +2248,7 @@
         <p:txBody>
           <a:bodyPr/>
           <a:p>
-            <a:fld id="{E9D1A691-1CAA-4B3D-B78D-22D3A9B7B1FB}" type="slidenum">
+            <a:fld id="{1D3B2848-7156-4F7F-AA3E-30822CB5A52A}" type="slidenum">
               <a:t>&lt;#&gt;</a:t>
             </a:fld>
           </a:p>
@@ -2269,7 +2269,7 @@
           <a:bodyPr/>
           <a:p>
             <a:r>
-              <a:rPr lang="en-US"/>
+              <a:rPr lang="en-IN"/>
               <a:t/>
             </a:r>
           </a:p>
@@ -2310,7 +2310,7 @@
         <p:spPr>
           <a:xfrm>
             <a:off x="621000" y="1844280"/>
-            <a:ext cx="7037640" cy="3922200"/>
+            <a:ext cx="7037280" cy="3921840"/>
           </a:xfrm>
           <a:prstGeom prst="rect">
             <a:avLst/>
@@ -2328,7 +2328,7 @@
             <a:pPr indent="0" algn="ctr">
               <a:buNone/>
             </a:pPr>
-            <a:endParaRPr b="0" lang="en-US" sz="4400" spc="-1" strike="noStrike">
+            <a:endParaRPr b="0" lang="en-IN" sz="4400" spc="-1" strike="noStrike">
               <a:solidFill>
                 <a:srgbClr val="000000"/>
               </a:solidFill>
@@ -2350,7 +2350,7 @@
         <p:spPr>
           <a:xfrm>
             <a:off x="414000" y="2636640"/>
-            <a:ext cx="3636360" cy="3116880"/>
+            <a:ext cx="3636000" cy="3116880"/>
           </a:xfrm>
           <a:prstGeom prst="rect">
             <a:avLst/>
@@ -2371,7 +2371,7 @@
               </a:spcBef>
               <a:buNone/>
             </a:pPr>
-            <a:endParaRPr b="0" lang="en-US" sz="3200" spc="-1" strike="noStrike">
+            <a:endParaRPr b="0" lang="en-IN" sz="3200" spc="-1" strike="noStrike">
               <a:solidFill>
                 <a:srgbClr val="000000"/>
               </a:solidFill>
@@ -2392,8 +2392,8 @@
         </p:nvSpPr>
         <p:spPr>
           <a:xfrm>
-            <a:off x="4232520" y="2636640"/>
-            <a:ext cx="3636360" cy="3116880"/>
+            <a:off x="4232160" y="2636640"/>
+            <a:ext cx="3636000" cy="3116880"/>
           </a:xfrm>
           <a:prstGeom prst="rect">
             <a:avLst/>
@@ -2414,7 +2414,7 @@
               </a:spcBef>
               <a:buNone/>
             </a:pPr>
-            <a:endParaRPr b="0" lang="en-US" sz="3200" spc="-1" strike="noStrike">
+            <a:endParaRPr b="0" lang="en-IN" sz="3200" spc="-1" strike="noStrike">
               <a:solidFill>
                 <a:srgbClr val="000000"/>
               </a:solidFill>
@@ -2436,7 +2436,7 @@
         <p:spPr>
           <a:xfrm>
             <a:off x="414000" y="6050160"/>
-            <a:ext cx="7451640" cy="3116880"/>
+            <a:ext cx="7451280" cy="3116880"/>
           </a:xfrm>
           <a:prstGeom prst="rect">
             <a:avLst/>
@@ -2457,7 +2457,7 @@
               </a:spcBef>
               <a:buNone/>
             </a:pPr>
-            <a:endParaRPr b="0" lang="en-US" sz="3200" spc="-1" strike="noStrike">
+            <a:endParaRPr b="0" lang="en-IN" sz="3200" spc="-1" strike="noStrike">
               <a:solidFill>
                 <a:srgbClr val="000000"/>
               </a:solidFill>
@@ -2500,7 +2500,7 @@
         <p:txBody>
           <a:bodyPr/>
           <a:p>
-            <a:fld id="{A67B79D1-B154-4958-8CA5-E4CA60B36B8F}" type="slidenum">
+            <a:fld id="{44717E18-58D8-4E03-8EE2-7CCFC010AFB1}" type="slidenum">
               <a:t>&lt;#&gt;</a:t>
             </a:fld>
           </a:p>
@@ -2521,7 +2521,7 @@
           <a:bodyPr/>
           <a:p>
             <a:r>
-              <a:rPr lang="en-US"/>
+              <a:rPr lang="en-IN"/>
               <a:t/>
             </a:r>
           </a:p>
@@ -2569,7 +2569,7 @@
         <p:spPr>
           <a:xfrm>
             <a:off x="621000" y="1844280"/>
-            <a:ext cx="7037640" cy="3922200"/>
+            <a:ext cx="7037280" cy="3921840"/>
           </a:xfrm>
           <a:prstGeom prst="rect">
             <a:avLst/>
@@ -2588,7 +2588,7 @@
               <a:buNone/>
             </a:pPr>
             <a:r>
-              <a:rPr b="0" lang="en-US" sz="1800" spc="-1" strike="noStrike">
+              <a:rPr b="0" lang="en-IN" sz="1800" spc="-1" strike="noStrike">
                 <a:solidFill>
                   <a:srgbClr val="000000"/>
                 </a:solidFill>
@@ -2596,7 +2596,7 @@
               </a:rPr>
               <a:t>Click to edit the title text format</a:t>
             </a:r>
-            <a:endParaRPr b="0" lang="en-US" sz="1800" spc="-1" strike="noStrike">
+            <a:endParaRPr b="0" lang="en-IN" sz="1800" spc="-1" strike="noStrike">
               <a:solidFill>
                 <a:srgbClr val="000000"/>
               </a:solidFill>
@@ -2608,6 +2608,231 @@
       <p:sp>
         <p:nvSpPr>
           <p:cNvPr id="1" name="PlaceHolder 2"/>
+          <p:cNvSpPr>
+            <a:spLocks noGrp="1"/>
+          </p:cNvSpPr>
+          <p:nvPr>
+            <p:ph type="body"/>
+          </p:nvPr>
+        </p:nvSpPr>
+        <p:spPr>
+          <a:xfrm>
+            <a:off x="414000" y="2636640"/>
+            <a:ext cx="7451280" cy="6534720"/>
+          </a:xfrm>
+          <a:prstGeom prst="rect">
+            <a:avLst/>
+          </a:prstGeom>
+          <a:noFill/>
+          <a:ln w="0">
+            <a:noFill/>
+          </a:ln>
+        </p:spPr>
+        <p:txBody>
+          <a:bodyPr lIns="0" rIns="0" tIns="0" bIns="0" anchor="t">
+            <a:normAutofit/>
+          </a:bodyPr>
+          <a:p>
+            <a:pPr marL="432000" indent="-324000">
+              <a:spcBef>
+                <a:spcPts val="1417"/>
+              </a:spcBef>
+              <a:buClr>
+                <a:srgbClr val="000000"/>
+              </a:buClr>
+              <a:buSzPct val="45000"/>
+              <a:buFont typeface="Wingdings" charset="2"/>
+              <a:buChar char=""/>
+            </a:pPr>
+            <a:r>
+              <a:rPr b="0" lang="en-IN" sz="1800" spc="-1" strike="noStrike">
+                <a:solidFill>
+                  <a:srgbClr val="000000"/>
+                </a:solidFill>
+                <a:latin typeface="Arial"/>
+              </a:rPr>
+              <a:t>Click to edit the outline text format</a:t>
+            </a:r>
+            <a:endParaRPr b="0" lang="en-IN" sz="1800" spc="-1" strike="noStrike">
+              <a:solidFill>
+                <a:srgbClr val="000000"/>
+              </a:solidFill>
+              <a:latin typeface="Arial"/>
+            </a:endParaRPr>
+          </a:p>
+          <a:p>
+            <a:pPr lvl="1" marL="864000" indent="-324000">
+              <a:spcBef>
+                <a:spcPts val="1134"/>
+              </a:spcBef>
+              <a:buClr>
+                <a:srgbClr val="000000"/>
+              </a:buClr>
+              <a:buSzPct val="75000"/>
+              <a:buFont typeface="Symbol" charset="2"/>
+              <a:buChar char=""/>
+            </a:pPr>
+            <a:r>
+              <a:rPr b="0" lang="en-IN" sz="1800" spc="-1" strike="noStrike">
+                <a:solidFill>
+                  <a:srgbClr val="000000"/>
+                </a:solidFill>
+                <a:latin typeface="Arial"/>
+              </a:rPr>
+              <a:t>Second Outline Level</a:t>
+            </a:r>
+            <a:endParaRPr b="0" lang="en-IN" sz="1800" spc="-1" strike="noStrike">
+              <a:solidFill>
+                <a:srgbClr val="000000"/>
+              </a:solidFill>
+              <a:latin typeface="Arial"/>
+            </a:endParaRPr>
+          </a:p>
+          <a:p>
+            <a:pPr lvl="2" marL="1296000" indent="-288000">
+              <a:spcBef>
+                <a:spcPts val="850"/>
+              </a:spcBef>
+              <a:buClr>
+                <a:srgbClr val="000000"/>
+              </a:buClr>
+              <a:buSzPct val="45000"/>
+              <a:buFont typeface="Wingdings" charset="2"/>
+              <a:buChar char=""/>
+            </a:pPr>
+            <a:r>
+              <a:rPr b="0" lang="en-IN" sz="1800" spc="-1" strike="noStrike">
+                <a:solidFill>
+                  <a:srgbClr val="000000"/>
+                </a:solidFill>
+                <a:latin typeface="Arial"/>
+              </a:rPr>
+              <a:t>Third Outline Level</a:t>
+            </a:r>
+            <a:endParaRPr b="0" lang="en-IN" sz="1800" spc="-1" strike="noStrike">
+              <a:solidFill>
+                <a:srgbClr val="000000"/>
+              </a:solidFill>
+              <a:latin typeface="Arial"/>
+            </a:endParaRPr>
+          </a:p>
+          <a:p>
+            <a:pPr lvl="3" marL="1728000" indent="-216000">
+              <a:spcBef>
+                <a:spcPts val="567"/>
+              </a:spcBef>
+              <a:buClr>
+                <a:srgbClr val="000000"/>
+              </a:buClr>
+              <a:buSzPct val="75000"/>
+              <a:buFont typeface="Symbol" charset="2"/>
+              <a:buChar char=""/>
+            </a:pPr>
+            <a:r>
+              <a:rPr b="0" lang="en-IN" sz="1800" spc="-1" strike="noStrike">
+                <a:solidFill>
+                  <a:srgbClr val="000000"/>
+                </a:solidFill>
+                <a:latin typeface="Arial"/>
+              </a:rPr>
+              <a:t>Fourth Outline Level</a:t>
+            </a:r>
+            <a:endParaRPr b="0" lang="en-IN" sz="1800" spc="-1" strike="noStrike">
+              <a:solidFill>
+                <a:srgbClr val="000000"/>
+              </a:solidFill>
+              <a:latin typeface="Arial"/>
+            </a:endParaRPr>
+          </a:p>
+          <a:p>
+            <a:pPr lvl="4" marL="2160000" indent="-216000">
+              <a:spcBef>
+                <a:spcPts val="283"/>
+              </a:spcBef>
+              <a:buClr>
+                <a:srgbClr val="000000"/>
+              </a:buClr>
+              <a:buSzPct val="45000"/>
+              <a:buFont typeface="Wingdings" charset="2"/>
+              <a:buChar char=""/>
+            </a:pPr>
+            <a:r>
+              <a:rPr b="0" lang="en-IN" sz="1800" spc="-1" strike="noStrike">
+                <a:solidFill>
+                  <a:srgbClr val="000000"/>
+                </a:solidFill>
+                <a:latin typeface="Arial"/>
+              </a:rPr>
+              <a:t>Fifth Outline Level</a:t>
+            </a:r>
+            <a:endParaRPr b="0" lang="en-IN" sz="1800" spc="-1" strike="noStrike">
+              <a:solidFill>
+                <a:srgbClr val="000000"/>
+              </a:solidFill>
+              <a:latin typeface="Arial"/>
+            </a:endParaRPr>
+          </a:p>
+          <a:p>
+            <a:pPr lvl="5" marL="2592000" indent="-216000">
+              <a:spcBef>
+                <a:spcPts val="283"/>
+              </a:spcBef>
+              <a:buClr>
+                <a:srgbClr val="000000"/>
+              </a:buClr>
+              <a:buSzPct val="45000"/>
+              <a:buFont typeface="Wingdings" charset="2"/>
+              <a:buChar char=""/>
+            </a:pPr>
+            <a:r>
+              <a:rPr b="0" lang="en-IN" sz="1800" spc="-1" strike="noStrike">
+                <a:solidFill>
+                  <a:srgbClr val="000000"/>
+                </a:solidFill>
+                <a:latin typeface="Arial"/>
+              </a:rPr>
+              <a:t>Sixth Outline Level</a:t>
+            </a:r>
+            <a:endParaRPr b="0" lang="en-IN" sz="1800" spc="-1" strike="noStrike">
+              <a:solidFill>
+                <a:srgbClr val="000000"/>
+              </a:solidFill>
+              <a:latin typeface="Arial"/>
+            </a:endParaRPr>
+          </a:p>
+          <a:p>
+            <a:pPr lvl="6" marL="3024000" indent="-216000">
+              <a:spcBef>
+                <a:spcPts val="283"/>
+              </a:spcBef>
+              <a:buClr>
+                <a:srgbClr val="000000"/>
+              </a:buClr>
+              <a:buSzPct val="45000"/>
+              <a:buFont typeface="Wingdings" charset="2"/>
+              <a:buChar char=""/>
+            </a:pPr>
+            <a:r>
+              <a:rPr b="0" lang="en-IN" sz="1800" spc="-1" strike="noStrike">
+                <a:solidFill>
+                  <a:srgbClr val="000000"/>
+                </a:solidFill>
+                <a:latin typeface="Arial"/>
+              </a:rPr>
+              <a:t>Seventh Outline Level</a:t>
+            </a:r>
+            <a:endParaRPr b="0" lang="en-IN" sz="1800" spc="-1" strike="noStrike">
+              <a:solidFill>
+                <a:srgbClr val="000000"/>
+              </a:solidFill>
+              <a:latin typeface="Arial"/>
+            </a:endParaRPr>
+          </a:p>
+        </p:txBody>
+      </p:sp>
+      <p:sp>
+        <p:nvSpPr>
+          <p:cNvPr id="2" name="PlaceHolder 3"/>
           <p:cNvSpPr>
             <a:spLocks noGrp="1"/>
           </p:cNvSpPr>
@@ -2618,7 +2843,7 @@
         <p:spPr>
           <a:xfrm>
             <a:off x="2742840" y="10443960"/>
-            <a:ext cx="2793960" cy="599040"/>
+            <a:ext cx="2793600" cy="598680"/>
           </a:xfrm>
           <a:prstGeom prst="rect">
             <a:avLst/>
@@ -2668,7 +2893,7 @@
               </a:rPr>
               <a:t>&lt;footer&gt;</a:t>
             </a:r>
-            <a:endParaRPr b="0" lang="en-US" sz="1400" spc="-1" strike="noStrike">
+            <a:endParaRPr b="0" lang="en-IN" sz="1400" spc="-1" strike="noStrike">
               <a:solidFill>
                 <a:srgbClr val="000000"/>
               </a:solidFill>
@@ -2679,7 +2904,7 @@
       </p:sp>
       <p:sp>
         <p:nvSpPr>
-          <p:cNvPr id="2" name="PlaceHolder 3"/>
+          <p:cNvPr id="3" name="PlaceHolder 4"/>
           <p:cNvSpPr>
             <a:spLocks noGrp="1"/>
           </p:cNvSpPr>
@@ -2690,7 +2915,7 @@
         <p:spPr>
           <a:xfrm>
             <a:off x="5848200" y="10443960"/>
-            <a:ext cx="1862280" cy="599040"/>
+            <a:ext cx="1861920" cy="598680"/>
           </a:xfrm>
           <a:prstGeom prst="rect">
             <a:avLst/>
@@ -2732,7 +2957,7 @@
                 <a:tab algn="l" pos="0"/>
               </a:tabLst>
             </a:pPr>
-            <a:fld id="{4138890B-B98F-492D-A930-297D737FAEE6}" type="slidenum">
+            <a:fld id="{CD3484DD-7091-4771-8032-7B5743512448}" type="slidenum">
               <a:rPr b="0" lang="en-AU" sz="1090" spc="-1" strike="noStrike">
                 <a:solidFill>
                   <a:srgbClr val="888888"/>
@@ -2742,7 +2967,7 @@
               </a:rPr>
               <a:t>&lt;number&gt;</a:t>
             </a:fld>
-            <a:endParaRPr b="0" lang="en-US" sz="1090" spc="-1" strike="noStrike">
+            <a:endParaRPr b="0" lang="en-IN" sz="1090" spc="-1" strike="noStrike">
               <a:solidFill>
                 <a:srgbClr val="000000"/>
               </a:solidFill>
@@ -2753,7 +2978,7 @@
       </p:sp>
       <p:sp>
         <p:nvSpPr>
-          <p:cNvPr id="3" name="PlaceHolder 4"/>
+          <p:cNvPr id="4" name="PlaceHolder 5"/>
           <p:cNvSpPr>
             <a:spLocks noGrp="1"/>
           </p:cNvSpPr>
@@ -2764,7 +2989,7 @@
         <p:spPr>
           <a:xfrm>
             <a:off x="569160" y="10443960"/>
-            <a:ext cx="1862280" cy="599040"/>
+            <a:ext cx="1861920" cy="598680"/>
           </a:xfrm>
           <a:prstGeom prst="rect">
             <a:avLst/>
@@ -2781,7 +3006,7 @@
           <a:lstStyle>
             <a:lvl1pPr indent="0">
               <a:buNone/>
-              <a:defRPr b="0" lang="en-US" sz="1400" spc="-1" strike="noStrike">
+              <a:defRPr b="0" lang="en-IN" sz="1400" spc="-1" strike="noStrike">
                 <a:solidFill>
                   <a:srgbClr val="000000"/>
                 </a:solidFill>
@@ -2794,7 +3019,7 @@
               <a:buNone/>
             </a:pPr>
             <a:r>
-              <a:rPr b="0" lang="en-US" sz="1400" spc="-1" strike="noStrike">
+              <a:rPr b="0" lang="en-IN" sz="1400" spc="-1" strike="noStrike">
                 <a:solidFill>
                   <a:srgbClr val="000000"/>
                 </a:solidFill>
@@ -2802,236 +3027,11 @@
               </a:rPr>
               <a:t>&lt;date/time&gt;</a:t>
             </a:r>
-            <a:endParaRPr b="0" lang="en-US" sz="1400" spc="-1" strike="noStrike">
+            <a:endParaRPr b="0" lang="en-IN" sz="1400" spc="-1" strike="noStrike">
               <a:solidFill>
                 <a:srgbClr val="000000"/>
               </a:solidFill>
               <a:latin typeface="Times New Roman"/>
-            </a:endParaRPr>
-          </a:p>
-        </p:txBody>
-      </p:sp>
-      <p:sp>
-        <p:nvSpPr>
-          <p:cNvPr id="4" name="PlaceHolder 5"/>
-          <p:cNvSpPr>
-            <a:spLocks noGrp="1"/>
-          </p:cNvSpPr>
-          <p:nvPr>
-            <p:ph type="body"/>
-          </p:nvPr>
-        </p:nvSpPr>
-        <p:spPr>
-          <a:xfrm>
-            <a:off x="414000" y="2636640"/>
-            <a:ext cx="7451640" cy="6535080"/>
-          </a:xfrm>
-          <a:prstGeom prst="rect">
-            <a:avLst/>
-          </a:prstGeom>
-          <a:noFill/>
-          <a:ln w="0">
-            <a:noFill/>
-          </a:ln>
-        </p:spPr>
-        <p:txBody>
-          <a:bodyPr lIns="0" rIns="0" tIns="0" bIns="0" anchor="t">
-            <a:normAutofit/>
-          </a:bodyPr>
-          <a:p>
-            <a:pPr marL="432000" indent="-324000">
-              <a:spcBef>
-                <a:spcPts val="1417"/>
-              </a:spcBef>
-              <a:buClr>
-                <a:srgbClr val="000000"/>
-              </a:buClr>
-              <a:buSzPct val="45000"/>
-              <a:buFont typeface="Wingdings" charset="2"/>
-              <a:buChar char=""/>
-            </a:pPr>
-            <a:r>
-              <a:rPr b="0" lang="en-US" sz="3200" spc="-1" strike="noStrike">
-                <a:solidFill>
-                  <a:srgbClr val="000000"/>
-                </a:solidFill>
-                <a:latin typeface="Arial"/>
-              </a:rPr>
-              <a:t>Click to edit the outline text format</a:t>
-            </a:r>
-            <a:endParaRPr b="0" lang="en-US" sz="3200" spc="-1" strike="noStrike">
-              <a:solidFill>
-                <a:srgbClr val="000000"/>
-              </a:solidFill>
-              <a:latin typeface="Arial"/>
-            </a:endParaRPr>
-          </a:p>
-          <a:p>
-            <a:pPr lvl="1" marL="864000" indent="-324000">
-              <a:spcBef>
-                <a:spcPts val="1134"/>
-              </a:spcBef>
-              <a:buClr>
-                <a:srgbClr val="000000"/>
-              </a:buClr>
-              <a:buSzPct val="75000"/>
-              <a:buFont typeface="Symbol" charset="2"/>
-              <a:buChar char=""/>
-            </a:pPr>
-            <a:r>
-              <a:rPr b="0" lang="en-US" sz="2800" spc="-1" strike="noStrike">
-                <a:solidFill>
-                  <a:srgbClr val="000000"/>
-                </a:solidFill>
-                <a:latin typeface="Arial"/>
-              </a:rPr>
-              <a:t>Second Outline Level</a:t>
-            </a:r>
-            <a:endParaRPr b="0" lang="en-US" sz="2800" spc="-1" strike="noStrike">
-              <a:solidFill>
-                <a:srgbClr val="000000"/>
-              </a:solidFill>
-              <a:latin typeface="Arial"/>
-            </a:endParaRPr>
-          </a:p>
-          <a:p>
-            <a:pPr lvl="2" marL="1296000" indent="-288000">
-              <a:spcBef>
-                <a:spcPts val="850"/>
-              </a:spcBef>
-              <a:buClr>
-                <a:srgbClr val="000000"/>
-              </a:buClr>
-              <a:buSzPct val="45000"/>
-              <a:buFont typeface="Wingdings" charset="2"/>
-              <a:buChar char=""/>
-            </a:pPr>
-            <a:r>
-              <a:rPr b="0" lang="en-US" sz="2400" spc="-1" strike="noStrike">
-                <a:solidFill>
-                  <a:srgbClr val="000000"/>
-                </a:solidFill>
-                <a:latin typeface="Arial"/>
-              </a:rPr>
-              <a:t>Third Outline Level</a:t>
-            </a:r>
-            <a:endParaRPr b="0" lang="en-US" sz="2400" spc="-1" strike="noStrike">
-              <a:solidFill>
-                <a:srgbClr val="000000"/>
-              </a:solidFill>
-              <a:latin typeface="Arial"/>
-            </a:endParaRPr>
-          </a:p>
-          <a:p>
-            <a:pPr lvl="3" marL="1728000" indent="-216000">
-              <a:spcBef>
-                <a:spcPts val="567"/>
-              </a:spcBef>
-              <a:buClr>
-                <a:srgbClr val="000000"/>
-              </a:buClr>
-              <a:buSzPct val="75000"/>
-              <a:buFont typeface="Symbol" charset="2"/>
-              <a:buChar char=""/>
-            </a:pPr>
-            <a:r>
-              <a:rPr b="0" lang="en-US" sz="2000" spc="-1" strike="noStrike">
-                <a:solidFill>
-                  <a:srgbClr val="000000"/>
-                </a:solidFill>
-                <a:latin typeface="Arial"/>
-              </a:rPr>
-              <a:t>Fourth Outline Level</a:t>
-            </a:r>
-            <a:endParaRPr b="0" lang="en-US" sz="2000" spc="-1" strike="noStrike">
-              <a:solidFill>
-                <a:srgbClr val="000000"/>
-              </a:solidFill>
-              <a:latin typeface="Arial"/>
-            </a:endParaRPr>
-          </a:p>
-          <a:p>
-            <a:pPr lvl="4" marL="2160000" indent="-216000">
-              <a:spcBef>
-                <a:spcPts val="283"/>
-              </a:spcBef>
-              <a:buClr>
-                <a:srgbClr val="000000"/>
-              </a:buClr>
-              <a:buSzPct val="45000"/>
-              <a:buFont typeface="Wingdings" charset="2"/>
-              <a:buChar char=""/>
-            </a:pPr>
-            <a:r>
-              <a:rPr b="0" lang="en-US" sz="2000" spc="-1" strike="noStrike">
-                <a:solidFill>
-                  <a:srgbClr val="000000"/>
-                </a:solidFill>
-                <a:latin typeface="Arial"/>
-              </a:rPr>
-              <a:t>Fifth Outline Level</a:t>
-            </a:r>
-            <a:endParaRPr b="0" lang="en-US" sz="2000" spc="-1" strike="noStrike">
-              <a:solidFill>
-                <a:srgbClr val="000000"/>
-              </a:solidFill>
-              <a:latin typeface="Arial"/>
-            </a:endParaRPr>
-          </a:p>
-          <a:p>
-            <a:pPr lvl="5" marL="2592000" indent="-216000">
-              <a:spcBef>
-                <a:spcPts val="283"/>
-              </a:spcBef>
-              <a:buClr>
-                <a:srgbClr val="000000"/>
-              </a:buClr>
-              <a:buSzPct val="45000"/>
-              <a:buFont typeface="Wingdings" charset="2"/>
-              <a:buChar char=""/>
-            </a:pPr>
-            <a:r>
-              <a:rPr b="0" lang="en-US" sz="2000" spc="-1" strike="noStrike">
-                <a:solidFill>
-                  <a:srgbClr val="000000"/>
-                </a:solidFill>
-                <a:latin typeface="Arial"/>
-              </a:rPr>
-              <a:t>Sixth Outline Level</a:t>
-            </a:r>
-            <a:endParaRPr b="0" lang="en-US" sz="2000" spc="-1" strike="noStrike">
-              <a:solidFill>
-                <a:srgbClr val="000000"/>
-              </a:solidFill>
-              <a:latin typeface="Arial"/>
-            </a:endParaRPr>
-          </a:p>
-          <a:p>
-            <a:pPr lvl="6" marL="3024000" indent="-216000">
-              <a:spcBef>
-                <a:spcPts val="283"/>
-              </a:spcBef>
-              <a:buClr>
-                <a:srgbClr val="000000"/>
-              </a:buClr>
-              <a:buSzPct val="45000"/>
-              <a:buFont typeface="Wingdings" charset="2"/>
-              <a:buChar char=""/>
-            </a:pPr>
-            <a:r>
-              <a:rPr b="0" lang="en-US" sz="2000" spc="-1" strike="noStrike">
-                <a:solidFill>
-                  <a:srgbClr val="000000"/>
-                </a:solidFill>
-                <a:latin typeface="Arial"/>
-              </a:rPr>
-              <a:t>Seventh Outline Level</a:t>
-            </a:r>
-            <a:endParaRPr b="0" lang="en-US" sz="2000" spc="-1" strike="noStrike">
-              <a:solidFill>
-                <a:srgbClr val="000000"/>
-              </a:solidFill>
-              <a:latin typeface="Arial"/>
             </a:endParaRPr>
           </a:p>
         </p:txBody>
@@ -3085,8 +3085,8 @@
         </p:blipFill>
         <p:spPr>
           <a:xfrm rot="5400000">
-            <a:off x="-1042200" y="2157120"/>
-            <a:ext cx="10512360" cy="7117920"/>
+            <a:off x="-1041480" y="2157120"/>
+            <a:ext cx="10512000" cy="7117560"/>
           </a:xfrm>
           <a:prstGeom prst="rect">
             <a:avLst/>
@@ -3109,7 +3109,7 @@
         <p:spPr>
           <a:xfrm>
             <a:off x="714240" y="723960"/>
-            <a:ext cx="6703200" cy="9800640"/>
+            <a:ext cx="6702840" cy="9800280"/>
           </a:xfrm>
           <a:prstGeom prst="rect">
             <a:avLst/>
@@ -3132,8 +3132,8 @@
         </p:blipFill>
         <p:spPr>
           <a:xfrm rot="5400000">
-            <a:off x="-1508760" y="1477080"/>
-            <a:ext cx="11299680" cy="8279640"/>
+            <a:off x="-1508040" y="1476720"/>
+            <a:ext cx="11299320" cy="8279280"/>
           </a:xfrm>
           <a:prstGeom prst="rect">
             <a:avLst/>
@@ -3156,7 +3156,7 @@
         <p:spPr>
           <a:xfrm>
             <a:off x="1814040" y="8340840"/>
-            <a:ext cx="1443600" cy="1259640"/>
+            <a:ext cx="1443240" cy="1259280"/>
           </a:xfrm>
           <a:prstGeom prst="rect">
             <a:avLst/>
@@ -3175,7 +3175,7 @@
         <p:spPr>
           <a:xfrm>
             <a:off x="714240" y="2835720"/>
-            <a:ext cx="6723360" cy="1430280"/>
+            <a:ext cx="6723000" cy="1430280"/>
           </a:xfrm>
           <a:prstGeom prst="rect">
             <a:avLst/>
@@ -3214,7 +3214,7 @@
               </a:rPr>
               <a:t>Certificate Of Return To Service</a:t>
             </a:r>
-            <a:endParaRPr b="0" lang="en-US" sz="4400" spc="-1" strike="noStrike">
+            <a:endParaRPr b="0" lang="en-IN" sz="4400" spc="-1" strike="noStrike">
               <a:solidFill>
                 <a:srgbClr val="000000"/>
               </a:solidFill>
@@ -3232,7 +3232,7 @@
         <p:spPr>
           <a:xfrm>
             <a:off x="1390680" y="4144320"/>
-            <a:ext cx="5370840" cy="638280"/>
+            <a:ext cx="5370480" cy="638280"/>
           </a:xfrm>
           <a:prstGeom prst="rect">
             <a:avLst/>
@@ -3271,7 +3271,7 @@
               </a:rPr>
               <a:t>{name}</a:t>
             </a:r>
-            <a:endParaRPr b="0" lang="en-US" sz="3600" spc="-1" strike="noStrike">
+            <a:endParaRPr b="0" lang="en-IN" sz="3600" spc="-1" strike="noStrike">
               <a:solidFill>
                 <a:srgbClr val="000000"/>
               </a:solidFill>
@@ -3289,7 +3289,7 @@
         <p:spPr>
           <a:xfrm>
             <a:off x="2985840" y="8685000"/>
-            <a:ext cx="4282920" cy="591840"/>
+            <a:ext cx="4282560" cy="591840"/>
           </a:xfrm>
           <a:prstGeom prst="rect">
             <a:avLst/>
@@ -3354,7 +3354,7 @@
               </a:rPr>
               <a:t>Australian Special Operations Taskforce HQ</a:t>
             </a:r>
-            <a:endParaRPr b="0" lang="en-US" sz="1100" spc="-1" strike="noStrike">
+            <a:endParaRPr b="0" lang="en-IN" sz="1100" spc="-1" strike="noStrike">
               <a:solidFill>
                 <a:srgbClr val="000000"/>
               </a:solidFill>
@@ -3372,7 +3372,7 @@
         <p:spPr>
           <a:xfrm>
             <a:off x="3721320" y="8197200"/>
-            <a:ext cx="2813400" cy="516240"/>
+            <a:ext cx="2813040" cy="516240"/>
           </a:xfrm>
           <a:prstGeom prst="rect">
             <a:avLst/>
@@ -3411,7 +3411,7 @@
               </a:rPr>
               <a:t>{signaturer}</a:t>
             </a:r>
-            <a:endParaRPr b="0" lang="en-US" sz="2800" spc="-1" strike="noStrike">
+            <a:endParaRPr b="0" lang="en-IN" sz="2800" spc="-1" strike="noStrike">
               <a:solidFill>
                 <a:srgbClr val="000000"/>
               </a:solidFill>
@@ -3429,7 +3429,7 @@
         <p:spPr>
           <a:xfrm flipH="1">
             <a:off x="3720960" y="8684280"/>
-            <a:ext cx="2814840" cy="720"/>
+            <a:ext cx="2815200" cy="1080"/>
           </a:xfrm>
           <a:prstGeom prst="straightConnector1">
             <a:avLst/>
@@ -3451,7 +3451,7 @@
         <p:spPr>
           <a:xfrm>
             <a:off x="889200" y="5752800"/>
-            <a:ext cx="6495840" cy="699480"/>
+            <a:ext cx="6495480" cy="699480"/>
           </a:xfrm>
           <a:prstGeom prst="rect">
             <a:avLst/>
@@ -3510,7 +3510,7 @@
               </a:rPr>
               <a:t> Commanding Officer, Australian Special Operations Taskforce, hereby grant</a:t>
             </a:r>
-            <a:endParaRPr b="0" lang="en-US" sz="2000" spc="-1" strike="noStrike">
+            <a:endParaRPr b="0" lang="en-IN" sz="2000" spc="-1" strike="noStrike">
               <a:solidFill>
                 <a:srgbClr val="000000"/>
               </a:solidFill>
@@ -3528,7 +3528,7 @@
         <p:spPr>
           <a:xfrm>
             <a:off x="817920" y="6433920"/>
-            <a:ext cx="6495840" cy="577080"/>
+            <a:ext cx="6495480" cy="577080"/>
           </a:xfrm>
           <a:prstGeom prst="rect">
             <a:avLst/>
@@ -3567,7 +3567,7 @@
               </a:rPr>
               <a:t>{name}</a:t>
             </a:r>
-            <a:endParaRPr b="0" lang="en-US" sz="3200" spc="-1" strike="noStrike">
+            <a:endParaRPr b="0" lang="en-IN" sz="3200" spc="-1" strike="noStrike">
               <a:solidFill>
                 <a:srgbClr val="000000"/>
               </a:solidFill>
@@ -3585,7 +3585,7 @@
         <p:spPr>
           <a:xfrm>
             <a:off x="886320" y="7030440"/>
-            <a:ext cx="6495840" cy="394560"/>
+            <a:ext cx="6495480" cy="394560"/>
           </a:xfrm>
           <a:prstGeom prst="rect">
             <a:avLst/>
@@ -3644,7 +3644,7 @@
               </a:rPr>
               <a:t>with effect {date}</a:t>
             </a:r>
-            <a:endParaRPr b="0" lang="en-US" sz="2000" spc="-1" strike="noStrike">
+            <a:endParaRPr b="0" lang="en-IN" sz="2000" spc="-1" strike="noStrike">
               <a:solidFill>
                 <a:srgbClr val="000000"/>
               </a:solidFill>
@@ -3662,7 +3662,7 @@
         <p:spPr>
           <a:xfrm>
             <a:off x="817920" y="4791600"/>
-            <a:ext cx="6495840" cy="1004400"/>
+            <a:ext cx="6495480" cy="1004400"/>
           </a:xfrm>
           <a:prstGeom prst="rect">
             <a:avLst/>
@@ -3711,7 +3711,7 @@
               </a:rPr>
               <a:t>has shown the desire, traits, attitude and eagerness that is required for the unit and has been deemed suitable in all areas required for reenlistment.</a:t>
             </a:r>
-            <a:endParaRPr b="0" lang="en-US" sz="2000" spc="-1" strike="noStrike">
+            <a:endParaRPr b="0" lang="en-IN" sz="2000" spc="-1" strike="noStrike">
               <a:solidFill>
                 <a:srgbClr val="000000"/>
               </a:solidFill>
@@ -3733,7 +3733,7 @@
         <p:spPr>
           <a:xfrm>
             <a:off x="2922480" y="1274040"/>
-            <a:ext cx="2286720" cy="1603800"/>
+            <a:ext cx="2286360" cy="1603440"/>
           </a:xfrm>
           <a:prstGeom prst="rect">
             <a:avLst/>
@@ -3785,8 +3785,8 @@
         </p:blipFill>
         <p:spPr>
           <a:xfrm rot="5400000">
-            <a:off x="-1120680" y="2058480"/>
-            <a:ext cx="10512360" cy="7117920"/>
+            <a:off x="-1119960" y="2058480"/>
+            <a:ext cx="10512000" cy="7117560"/>
           </a:xfrm>
           <a:prstGeom prst="rect">
             <a:avLst/>
@@ -3809,7 +3809,7 @@
         <p:spPr>
           <a:xfrm>
             <a:off x="714240" y="723960"/>
-            <a:ext cx="6703200" cy="9800640"/>
+            <a:ext cx="6702840" cy="9800280"/>
           </a:xfrm>
           <a:prstGeom prst="rect">
             <a:avLst/>
@@ -3832,8 +3832,8 @@
         </p:blipFill>
         <p:spPr>
           <a:xfrm rot="5400000">
-            <a:off x="-1508760" y="1477080"/>
-            <a:ext cx="11299680" cy="8279640"/>
+            <a:off x="-1508040" y="1476720"/>
+            <a:ext cx="11299320" cy="8279280"/>
           </a:xfrm>
           <a:prstGeom prst="rect">
             <a:avLst/>
@@ -3856,7 +3856,7 @@
         <p:spPr>
           <a:xfrm>
             <a:off x="1814040" y="8340840"/>
-            <a:ext cx="1443600" cy="1259640"/>
+            <a:ext cx="1443240" cy="1259280"/>
           </a:xfrm>
           <a:prstGeom prst="rect">
             <a:avLst/>
@@ -3875,7 +3875,7 @@
         <p:spPr>
           <a:xfrm>
             <a:off x="704160" y="3409560"/>
-            <a:ext cx="6723360" cy="759960"/>
+            <a:ext cx="6723000" cy="759960"/>
           </a:xfrm>
           <a:prstGeom prst="rect">
             <a:avLst/>
@@ -3914,7 +3914,7 @@
               </a:rPr>
               <a:t>Certificate Of Promotion</a:t>
             </a:r>
-            <a:endParaRPr b="0" lang="en-US" sz="4400" spc="-1" strike="noStrike">
+            <a:endParaRPr b="0" lang="en-IN" sz="4400" spc="-1" strike="noStrike">
               <a:solidFill>
                 <a:srgbClr val="000000"/>
               </a:solidFill>
@@ -3932,7 +3932,7 @@
         <p:spPr>
           <a:xfrm>
             <a:off x="1454400" y="4110120"/>
-            <a:ext cx="5370840" cy="638280"/>
+            <a:ext cx="5370480" cy="638280"/>
           </a:xfrm>
           <a:prstGeom prst="rect">
             <a:avLst/>
@@ -3971,7 +3971,7 @@
               </a:rPr>
               <a:t>{name}</a:t>
             </a:r>
-            <a:endParaRPr b="0" lang="en-US" sz="3600" spc="-1" strike="noStrike">
+            <a:endParaRPr b="0" lang="en-IN" sz="3600" spc="-1" strike="noStrike">
               <a:solidFill>
                 <a:srgbClr val="000000"/>
               </a:solidFill>
@@ -3989,7 +3989,7 @@
         <p:spPr>
           <a:xfrm>
             <a:off x="2985840" y="8685000"/>
-            <a:ext cx="4282920" cy="591840"/>
+            <a:ext cx="4282560" cy="591840"/>
           </a:xfrm>
           <a:prstGeom prst="rect">
             <a:avLst/>
@@ -4024,6 +4024,7 @@
                   <a:srgbClr val="000000"/>
                 </a:solidFill>
                 <a:latin typeface="Times New Roman"/>
+                <a:ea typeface="DejaVu Sans"/>
               </a:rPr>
               <a:t>{signaturer}</a:t>
             </a:r>
@@ -4053,7 +4054,7 @@
               </a:rPr>
               <a:t>Australian Special Operations Taskforce HQ</a:t>
             </a:r>
-            <a:endParaRPr b="0" lang="en-US" sz="1100" spc="-1" strike="noStrike">
+            <a:endParaRPr b="0" lang="en-IN" sz="1100" spc="-1" strike="noStrike">
               <a:solidFill>
                 <a:srgbClr val="000000"/>
               </a:solidFill>
@@ -4071,7 +4072,7 @@
         <p:spPr>
           <a:xfrm>
             <a:off x="3721320" y="8197200"/>
-            <a:ext cx="2813400" cy="516240"/>
+            <a:ext cx="2813040" cy="516240"/>
           </a:xfrm>
           <a:prstGeom prst="rect">
             <a:avLst/>
@@ -4110,7 +4111,7 @@
               </a:rPr>
               <a:t>{signaturer}</a:t>
             </a:r>
-            <a:endParaRPr b="0" lang="en-US" sz="2800" spc="-1" strike="noStrike">
+            <a:endParaRPr b="0" lang="en-IN" sz="2800" spc="-1" strike="noStrike">
               <a:solidFill>
                 <a:srgbClr val="000000"/>
               </a:solidFill>
@@ -4128,7 +4129,7 @@
         <p:spPr>
           <a:xfrm flipH="1">
             <a:off x="3720960" y="8684280"/>
-            <a:ext cx="2814840" cy="720"/>
+            <a:ext cx="2815200" cy="1080"/>
           </a:xfrm>
           <a:prstGeom prst="straightConnector1">
             <a:avLst/>
@@ -4150,7 +4151,7 @@
         <p:spPr>
           <a:xfrm>
             <a:off x="886320" y="5655600"/>
-            <a:ext cx="6495840" cy="699480"/>
+            <a:ext cx="6495480" cy="699480"/>
           </a:xfrm>
           <a:prstGeom prst="rect">
             <a:avLst/>
@@ -4209,7 +4210,7 @@
               </a:rPr>
               <a:t> Commanding Officer, Australian Special Operations Taskforce, hereby promote</a:t>
             </a:r>
-            <a:endParaRPr b="0" lang="en-US" sz="2000" spc="-1" strike="noStrike">
+            <a:endParaRPr b="0" lang="en-IN" sz="2000" spc="-1" strike="noStrike">
               <a:solidFill>
                 <a:srgbClr val="000000"/>
               </a:solidFill>
@@ -4227,7 +4228,7 @@
         <p:spPr>
           <a:xfrm>
             <a:off x="817920" y="6433920"/>
-            <a:ext cx="6495840" cy="577080"/>
+            <a:ext cx="6495480" cy="577080"/>
           </a:xfrm>
           <a:prstGeom prst="rect">
             <a:avLst/>
@@ -4266,7 +4267,7 @@
               </a:rPr>
               <a:t>{name}</a:t>
             </a:r>
-            <a:endParaRPr b="0" lang="en-US" sz="3200" spc="-1" strike="noStrike">
+            <a:endParaRPr b="0" lang="en-IN" sz="3200" spc="-1" strike="noStrike">
               <a:solidFill>
                 <a:srgbClr val="000000"/>
               </a:solidFill>
@@ -4284,7 +4285,7 @@
         <p:spPr>
           <a:xfrm>
             <a:off x="873720" y="7107120"/>
-            <a:ext cx="6495840" cy="699480"/>
+            <a:ext cx="6495480" cy="699480"/>
           </a:xfrm>
           <a:prstGeom prst="rect">
             <a:avLst/>
@@ -4356,7 +4357,7 @@
               </a:rPr>
               <a:t>{date}.</a:t>
             </a:r>
-            <a:endParaRPr b="0" lang="en-US" sz="2000" spc="-1" strike="noStrike">
+            <a:endParaRPr b="0" lang="en-IN" sz="2000" spc="-1" strike="noStrike">
               <a:solidFill>
                 <a:srgbClr val="000000"/>
               </a:solidFill>
@@ -4374,7 +4375,7 @@
         <p:spPr>
           <a:xfrm>
             <a:off x="897480" y="4820400"/>
-            <a:ext cx="6495840" cy="699480"/>
+            <a:ext cx="6495480" cy="699480"/>
           </a:xfrm>
           <a:prstGeom prst="rect">
             <a:avLst/>
@@ -4436,7 +4437,7 @@
               </a:rPr>
               <a:t>been deemed suitable in all areas required for promotion.</a:t>
             </a:r>
-            <a:endParaRPr b="0" lang="en-US" sz="2000" spc="-1" strike="noStrike">
+            <a:endParaRPr b="0" lang="en-IN" sz="2000" spc="-1" strike="noStrike">
               <a:solidFill>
                 <a:srgbClr val="000000"/>
               </a:solidFill>
@@ -4458,7 +4459,7 @@
         <p:spPr>
           <a:xfrm>
             <a:off x="3147480" y="1544760"/>
-            <a:ext cx="1827000" cy="1514520"/>
+            <a:ext cx="1826640" cy="1514160"/>
           </a:xfrm>
           <a:prstGeom prst="rect">
             <a:avLst/>
@@ -4510,8 +4511,8 @@
         </p:blipFill>
         <p:spPr>
           <a:xfrm rot="5400000">
-            <a:off x="-1120680" y="2058480"/>
-            <a:ext cx="10512360" cy="7117920"/>
+            <a:off x="-1119960" y="2058480"/>
+            <a:ext cx="10512000" cy="7117560"/>
           </a:xfrm>
           <a:prstGeom prst="rect">
             <a:avLst/>
@@ -4534,7 +4535,7 @@
         <p:spPr>
           <a:xfrm>
             <a:off x="714240" y="723960"/>
-            <a:ext cx="6703200" cy="9800640"/>
+            <a:ext cx="6702840" cy="9800280"/>
           </a:xfrm>
           <a:prstGeom prst="rect">
             <a:avLst/>
@@ -4557,8 +4558,8 @@
         </p:blipFill>
         <p:spPr>
           <a:xfrm rot="5400000">
-            <a:off x="-1508760" y="1477080"/>
-            <a:ext cx="11299680" cy="8279640"/>
+            <a:off x="-1508040" y="1476720"/>
+            <a:ext cx="11299320" cy="8279280"/>
           </a:xfrm>
           <a:prstGeom prst="rect">
             <a:avLst/>
@@ -4581,7 +4582,7 @@
         <p:spPr>
           <a:xfrm>
             <a:off x="1814040" y="8340840"/>
-            <a:ext cx="1443600" cy="1259640"/>
+            <a:ext cx="1443240" cy="1259280"/>
           </a:xfrm>
           <a:prstGeom prst="rect">
             <a:avLst/>
@@ -4600,7 +4601,7 @@
         <p:spPr>
           <a:xfrm>
             <a:off x="704160" y="3409560"/>
-            <a:ext cx="6723360" cy="759960"/>
+            <a:ext cx="6723000" cy="759960"/>
           </a:xfrm>
           <a:prstGeom prst="rect">
             <a:avLst/>
@@ -4639,7 +4640,7 @@
               </a:rPr>
               <a:t>Certificate Of Promotion</a:t>
             </a:r>
-            <a:endParaRPr b="0" lang="en-US" sz="4400" spc="-1" strike="noStrike">
+            <a:endParaRPr b="0" lang="en-IN" sz="4400" spc="-1" strike="noStrike">
               <a:solidFill>
                 <a:srgbClr val="000000"/>
               </a:solidFill>
@@ -4657,7 +4658,7 @@
         <p:spPr>
           <a:xfrm>
             <a:off x="1454400" y="4110120"/>
-            <a:ext cx="5370840" cy="638280"/>
+            <a:ext cx="5370480" cy="638280"/>
           </a:xfrm>
           <a:prstGeom prst="rect">
             <a:avLst/>
@@ -4696,7 +4697,7 @@
               </a:rPr>
               <a:t>{name}</a:t>
             </a:r>
-            <a:endParaRPr b="0" lang="en-US" sz="3600" spc="-1" strike="noStrike">
+            <a:endParaRPr b="0" lang="en-IN" sz="3600" spc="-1" strike="noStrike">
               <a:solidFill>
                 <a:srgbClr val="000000"/>
               </a:solidFill>
@@ -4714,7 +4715,7 @@
         <p:spPr>
           <a:xfrm>
             <a:off x="2985840" y="8685000"/>
-            <a:ext cx="4282920" cy="591840"/>
+            <a:ext cx="4282560" cy="591840"/>
           </a:xfrm>
           <a:prstGeom prst="rect">
             <a:avLst/>
@@ -4749,6 +4750,7 @@
                   <a:srgbClr val="000000"/>
                 </a:solidFill>
                 <a:latin typeface="Times New Roman"/>
+                <a:ea typeface="DejaVu Sans"/>
               </a:rPr>
               <a:t>{signaturer}</a:t>
             </a:r>
@@ -4778,7 +4780,7 @@
               </a:rPr>
               <a:t>Australian Special Operations Taskforce HQ</a:t>
             </a:r>
-            <a:endParaRPr b="0" lang="en-US" sz="1100" spc="-1" strike="noStrike">
+            <a:endParaRPr b="0" lang="en-IN" sz="1100" spc="-1" strike="noStrike">
               <a:solidFill>
                 <a:srgbClr val="000000"/>
               </a:solidFill>
@@ -4796,7 +4798,7 @@
         <p:spPr>
           <a:xfrm>
             <a:off x="3721320" y="8197200"/>
-            <a:ext cx="2813400" cy="516240"/>
+            <a:ext cx="2813040" cy="516240"/>
           </a:xfrm>
           <a:prstGeom prst="rect">
             <a:avLst/>
@@ -4835,7 +4837,7 @@
               </a:rPr>
               <a:t>{signaturer}</a:t>
             </a:r>
-            <a:endParaRPr b="0" lang="en-US" sz="2800" spc="-1" strike="noStrike">
+            <a:endParaRPr b="0" lang="en-IN" sz="2800" spc="-1" strike="noStrike">
               <a:solidFill>
                 <a:srgbClr val="000000"/>
               </a:solidFill>
@@ -4853,7 +4855,7 @@
         <p:spPr>
           <a:xfrm flipH="1">
             <a:off x="3720960" y="8684280"/>
-            <a:ext cx="2814840" cy="720"/>
+            <a:ext cx="2815200" cy="1080"/>
           </a:xfrm>
           <a:prstGeom prst="straightConnector1">
             <a:avLst/>
@@ -4875,7 +4877,7 @@
         <p:spPr>
           <a:xfrm>
             <a:off x="886320" y="5655600"/>
-            <a:ext cx="6495840" cy="699480"/>
+            <a:ext cx="6495480" cy="699480"/>
           </a:xfrm>
           <a:prstGeom prst="rect">
             <a:avLst/>
@@ -4934,7 +4936,7 @@
               </a:rPr>
               <a:t> Commanding Officer, Australian Special Operations Taskforce, hereby promote</a:t>
             </a:r>
-            <a:endParaRPr b="0" lang="en-US" sz="2000" spc="-1" strike="noStrike">
+            <a:endParaRPr b="0" lang="en-IN" sz="2000" spc="-1" strike="noStrike">
               <a:solidFill>
                 <a:srgbClr val="000000"/>
               </a:solidFill>
@@ -4952,7 +4954,7 @@
         <p:spPr>
           <a:xfrm>
             <a:off x="817920" y="6433920"/>
-            <a:ext cx="6495840" cy="577080"/>
+            <a:ext cx="6495480" cy="577080"/>
           </a:xfrm>
           <a:prstGeom prst="rect">
             <a:avLst/>
@@ -4989,19 +4991,9 @@
                 <a:latin typeface="Times New Roman"/>
                 <a:ea typeface="Times New Roman"/>
               </a:rPr>
-              <a:t>{name}</a:t>
-            </a:r>
-            <a:r>
-              <a:rPr b="0" lang="en-AU" sz="3200" spc="-1" strike="noStrike">
-                <a:solidFill>
-                  <a:srgbClr val="000000"/>
-                </a:solidFill>
-                <a:latin typeface="Times New Roman"/>
-                <a:ea typeface="Times New Roman"/>
-              </a:rPr>
-              <a:t> </a:t>
-            </a:r>
-            <a:endParaRPr b="0" lang="en-US" sz="3200" spc="-1" strike="noStrike">
+              <a:t>{name} </a:t>
+            </a:r>
+            <a:endParaRPr b="0" lang="en-IN" sz="3200" spc="-1" strike="noStrike">
               <a:solidFill>
                 <a:srgbClr val="000000"/>
               </a:solidFill>
@@ -5019,7 +5011,7 @@
         <p:spPr>
           <a:xfrm>
             <a:off x="873720" y="7107120"/>
-            <a:ext cx="6495840" cy="394560"/>
+            <a:ext cx="6495480" cy="394560"/>
           </a:xfrm>
           <a:prstGeom prst="rect">
             <a:avLst/>
@@ -5078,7 +5070,7 @@
               </a:rPr>
               <a:t>with effect {date}.</a:t>
             </a:r>
-            <a:endParaRPr b="0" lang="en-US" sz="2000" spc="-1" strike="noStrike">
+            <a:endParaRPr b="0" lang="en-IN" sz="2000" spc="-1" strike="noStrike">
               <a:solidFill>
                 <a:srgbClr val="000000"/>
               </a:solidFill>
@@ -5096,7 +5088,7 @@
         <p:spPr>
           <a:xfrm>
             <a:off x="897480" y="4820400"/>
-            <a:ext cx="6495840" cy="699480"/>
+            <a:ext cx="6495480" cy="700200"/>
           </a:xfrm>
           <a:prstGeom prst="rect">
             <a:avLst/>
@@ -5126,7 +5118,7 @@
               </a:tabLst>
             </a:pPr>
             <a:r>
-              <a:rPr b="0" lang="en-AU" sz="2000" spc="-1" strike="noStrike">
+              <a:rPr b="0" i="1" lang="en-AU" sz="2000" spc="-1" strike="noStrike">
                 <a:solidFill>
                   <a:srgbClr val="000000"/>
                 </a:solidFill>
@@ -5158,7 +5150,7 @@
               </a:rPr>
               <a:t>been deemed suitable in all areas required for promotion.</a:t>
             </a:r>
-            <a:endParaRPr b="0" lang="en-US" sz="2000" spc="-1" strike="noStrike">
+            <a:endParaRPr b="0" lang="en-IN" sz="2000" spc="-1" strike="noStrike">
               <a:solidFill>
                 <a:srgbClr val="000000"/>
               </a:solidFill>
@@ -5180,7 +5172,7 @@
         <p:spPr>
           <a:xfrm>
             <a:off x="3101040" y="1388520"/>
-            <a:ext cx="1929600" cy="1929600"/>
+            <a:ext cx="1929240" cy="1929240"/>
           </a:xfrm>
           <a:prstGeom prst="rect">
             <a:avLst/>
@@ -5232,8 +5224,8 @@
         </p:blipFill>
         <p:spPr>
           <a:xfrm rot="5400000">
-            <a:off x="-1120680" y="2058480"/>
-            <a:ext cx="10512360" cy="7117920"/>
+            <a:off x="-1119960" y="2058480"/>
+            <a:ext cx="10512000" cy="7117560"/>
           </a:xfrm>
           <a:prstGeom prst="rect">
             <a:avLst/>
@@ -5256,7 +5248,7 @@
         <p:spPr>
           <a:xfrm>
             <a:off x="714240" y="723960"/>
-            <a:ext cx="6703200" cy="9800640"/>
+            <a:ext cx="6702840" cy="9800280"/>
           </a:xfrm>
           <a:prstGeom prst="rect">
             <a:avLst/>
@@ -5279,8 +5271,8 @@
         </p:blipFill>
         <p:spPr>
           <a:xfrm rot="5400000">
-            <a:off x="-1508760" y="1477080"/>
-            <a:ext cx="11299680" cy="8279640"/>
+            <a:off x="-1508040" y="1476720"/>
+            <a:ext cx="11299320" cy="8279280"/>
           </a:xfrm>
           <a:prstGeom prst="rect">
             <a:avLst/>
@@ -5303,7 +5295,7 @@
         <p:spPr>
           <a:xfrm>
             <a:off x="1814040" y="8340840"/>
-            <a:ext cx="1443600" cy="1259640"/>
+            <a:ext cx="1443240" cy="1259280"/>
           </a:xfrm>
           <a:prstGeom prst="rect">
             <a:avLst/>
@@ -5322,7 +5314,7 @@
         <p:spPr>
           <a:xfrm>
             <a:off x="704160" y="3409560"/>
-            <a:ext cx="6723360" cy="759960"/>
+            <a:ext cx="6723000" cy="759960"/>
           </a:xfrm>
           <a:prstGeom prst="rect">
             <a:avLst/>
@@ -5361,7 +5353,7 @@
               </a:rPr>
               <a:t>Certificate Of Promotion</a:t>
             </a:r>
-            <a:endParaRPr b="0" lang="en-US" sz="4400" spc="-1" strike="noStrike">
+            <a:endParaRPr b="0" lang="en-IN" sz="4400" spc="-1" strike="noStrike">
               <a:solidFill>
                 <a:srgbClr val="000000"/>
               </a:solidFill>
@@ -5379,7 +5371,7 @@
         <p:spPr>
           <a:xfrm>
             <a:off x="1454400" y="4110120"/>
-            <a:ext cx="5371200" cy="638280"/>
+            <a:ext cx="5370840" cy="638280"/>
           </a:xfrm>
           <a:prstGeom prst="rect">
             <a:avLst/>
@@ -5418,7 +5410,7 @@
               </a:rPr>
               <a:t>{name}</a:t>
             </a:r>
-            <a:endParaRPr b="0" lang="en-US" sz="3600" spc="-1" strike="noStrike">
+            <a:endParaRPr b="0" lang="en-IN" sz="3600" spc="-1" strike="noStrike">
               <a:solidFill>
                 <a:srgbClr val="000000"/>
               </a:solidFill>
@@ -5436,7 +5428,7 @@
         <p:spPr>
           <a:xfrm>
             <a:off x="2985840" y="8685000"/>
-            <a:ext cx="4282920" cy="591840"/>
+            <a:ext cx="4282560" cy="591840"/>
           </a:xfrm>
           <a:prstGeom prst="rect">
             <a:avLst/>
@@ -5471,6 +5463,7 @@
                   <a:srgbClr val="000000"/>
                 </a:solidFill>
                 <a:latin typeface="Times New Roman"/>
+                <a:ea typeface="DejaVu Sans"/>
               </a:rPr>
               <a:t>{signaturer}</a:t>
             </a:r>
@@ -5500,7 +5493,7 @@
               </a:rPr>
               <a:t>Australian Special Operations Taskforce HQ</a:t>
             </a:r>
-            <a:endParaRPr b="0" lang="en-US" sz="1100" spc="-1" strike="noStrike">
+            <a:endParaRPr b="0" lang="en-IN" sz="1100" spc="-1" strike="noStrike">
               <a:solidFill>
                 <a:srgbClr val="000000"/>
               </a:solidFill>
@@ -5518,7 +5511,7 @@
         <p:spPr>
           <a:xfrm>
             <a:off x="3721320" y="8197200"/>
-            <a:ext cx="2813400" cy="516240"/>
+            <a:ext cx="2813040" cy="516240"/>
           </a:xfrm>
           <a:prstGeom prst="rect">
             <a:avLst/>
@@ -5557,7 +5550,7 @@
               </a:rPr>
               <a:t>{signaturer}</a:t>
             </a:r>
-            <a:endParaRPr b="0" lang="en-US" sz="2800" spc="-1" strike="noStrike">
+            <a:endParaRPr b="0" lang="en-IN" sz="2800" spc="-1" strike="noStrike">
               <a:solidFill>
                 <a:srgbClr val="000000"/>
               </a:solidFill>
@@ -5575,7 +5568,7 @@
         <p:spPr>
           <a:xfrm flipH="1">
             <a:off x="3720960" y="8684280"/>
-            <a:ext cx="2814840" cy="720"/>
+            <a:ext cx="2815200" cy="1080"/>
           </a:xfrm>
           <a:prstGeom prst="straightConnector1">
             <a:avLst/>
@@ -5597,7 +5590,7 @@
         <p:spPr>
           <a:xfrm>
             <a:off x="886320" y="5655600"/>
-            <a:ext cx="6495840" cy="699480"/>
+            <a:ext cx="6495480" cy="699480"/>
           </a:xfrm>
           <a:prstGeom prst="rect">
             <a:avLst/>
@@ -5656,7 +5649,7 @@
               </a:rPr>
               <a:t> Commanding Officer, Australian Special Operations Taskforce, hereby promote</a:t>
             </a:r>
-            <a:endParaRPr b="0" lang="en-US" sz="2000" spc="-1" strike="noStrike">
+            <a:endParaRPr b="0" lang="en-IN" sz="2000" spc="-1" strike="noStrike">
               <a:solidFill>
                 <a:srgbClr val="000000"/>
               </a:solidFill>
@@ -5674,7 +5667,7 @@
         <p:spPr>
           <a:xfrm>
             <a:off x="817920" y="6433920"/>
-            <a:ext cx="6496200" cy="577080"/>
+            <a:ext cx="6495840" cy="577080"/>
           </a:xfrm>
           <a:prstGeom prst="rect">
             <a:avLst/>
@@ -5713,7 +5706,7 @@
               </a:rPr>
               <a:t>{name}</a:t>
             </a:r>
-            <a:endParaRPr b="0" lang="en-US" sz="3200" spc="-1" strike="noStrike">
+            <a:endParaRPr b="0" lang="en-IN" sz="3200" spc="-1" strike="noStrike">
               <a:solidFill>
                 <a:srgbClr val="000000"/>
               </a:solidFill>
@@ -5731,7 +5724,7 @@
         <p:spPr>
           <a:xfrm>
             <a:off x="873720" y="7107120"/>
-            <a:ext cx="6495840" cy="394560"/>
+            <a:ext cx="6495480" cy="394560"/>
           </a:xfrm>
           <a:prstGeom prst="rect">
             <a:avLst/>
@@ -5810,7 +5803,7 @@
               </a:rPr>
               <a:t> </a:t>
             </a:r>
-            <a:endParaRPr b="0" lang="en-US" sz="2000" spc="-1" strike="noStrike">
+            <a:endParaRPr b="0" lang="en-IN" sz="2000" spc="-1" strike="noStrike">
               <a:solidFill>
                 <a:srgbClr val="000000"/>
               </a:solidFill>
@@ -5828,7 +5821,7 @@
         <p:spPr>
           <a:xfrm>
             <a:off x="886320" y="4748400"/>
-            <a:ext cx="6507000" cy="699480"/>
+            <a:ext cx="6506640" cy="699480"/>
           </a:xfrm>
           <a:prstGeom prst="rect">
             <a:avLst/>
@@ -5877,7 +5870,7 @@
               </a:rPr>
               <a:t>has completed all necessary trainings and been deemed suitable in all areas required for promotion.</a:t>
             </a:r>
-            <a:endParaRPr b="0" lang="en-US" sz="2000" spc="-1" strike="noStrike">
+            <a:endParaRPr b="0" lang="en-IN" sz="2000" spc="-1" strike="noStrike">
               <a:solidFill>
                 <a:srgbClr val="000000"/>
               </a:solidFill>
@@ -5899,7 +5892,7 @@
         <p:spPr>
           <a:xfrm>
             <a:off x="3056760" y="1412280"/>
-            <a:ext cx="2018160" cy="1624680"/>
+            <a:ext cx="2017800" cy="1624320"/>
           </a:xfrm>
           <a:prstGeom prst="rect">
             <a:avLst/>
@@ -5951,8 +5944,8 @@
         </p:blipFill>
         <p:spPr>
           <a:xfrm rot="5400000">
-            <a:off x="-1120680" y="2058480"/>
-            <a:ext cx="10512360" cy="7117920"/>
+            <a:off x="-1119960" y="2058480"/>
+            <a:ext cx="10512000" cy="7117560"/>
           </a:xfrm>
           <a:prstGeom prst="rect">
             <a:avLst/>
@@ -5975,7 +5968,7 @@
         <p:spPr>
           <a:xfrm>
             <a:off x="714240" y="723960"/>
-            <a:ext cx="6703200" cy="9800640"/>
+            <a:ext cx="6702840" cy="9800280"/>
           </a:xfrm>
           <a:prstGeom prst="rect">
             <a:avLst/>
@@ -5998,8 +5991,8 @@
         </p:blipFill>
         <p:spPr>
           <a:xfrm rot="5400000">
-            <a:off x="-1508760" y="1477080"/>
-            <a:ext cx="11299680" cy="8279640"/>
+            <a:off x="-1508040" y="1476720"/>
+            <a:ext cx="11299320" cy="8279280"/>
           </a:xfrm>
           <a:prstGeom prst="rect">
             <a:avLst/>
@@ -6022,7 +6015,7 @@
         <p:spPr>
           <a:xfrm>
             <a:off x="1814040" y="8340840"/>
-            <a:ext cx="1443600" cy="1259640"/>
+            <a:ext cx="1443240" cy="1259280"/>
           </a:xfrm>
           <a:prstGeom prst="rect">
             <a:avLst/>
@@ -6041,7 +6034,7 @@
         <p:spPr>
           <a:xfrm>
             <a:off x="704160" y="3409560"/>
-            <a:ext cx="6723360" cy="759960"/>
+            <a:ext cx="6723000" cy="759960"/>
           </a:xfrm>
           <a:prstGeom prst="rect">
             <a:avLst/>
@@ -6080,7 +6073,7 @@
               </a:rPr>
               <a:t>Certificate Of Promotion</a:t>
             </a:r>
-            <a:endParaRPr b="0" lang="en-US" sz="4400" spc="-1" strike="noStrike">
+            <a:endParaRPr b="0" lang="en-IN" sz="4400" spc="-1" strike="noStrike">
               <a:solidFill>
                 <a:srgbClr val="000000"/>
               </a:solidFill>
@@ -6098,7 +6091,7 @@
         <p:spPr>
           <a:xfrm>
             <a:off x="1454400" y="4110120"/>
-            <a:ext cx="5371200" cy="638280"/>
+            <a:ext cx="5370840" cy="638280"/>
           </a:xfrm>
           <a:prstGeom prst="rect">
             <a:avLst/>
@@ -6137,7 +6130,7 @@
               </a:rPr>
               <a:t>{signaturer}</a:t>
             </a:r>
-            <a:endParaRPr b="0" lang="en-US" sz="3600" spc="-1" strike="noStrike">
+            <a:endParaRPr b="0" lang="en-IN" sz="3600" spc="-1" strike="noStrike">
               <a:solidFill>
                 <a:srgbClr val="000000"/>
               </a:solidFill>
@@ -6155,7 +6148,7 @@
         <p:spPr>
           <a:xfrm>
             <a:off x="2985840" y="8685000"/>
-            <a:ext cx="4282920" cy="591840"/>
+            <a:ext cx="4282560" cy="591840"/>
           </a:xfrm>
           <a:prstGeom prst="rect">
             <a:avLst/>
@@ -6190,6 +6183,7 @@
                   <a:srgbClr val="000000"/>
                 </a:solidFill>
                 <a:latin typeface="Times New Roman"/>
+                <a:ea typeface="DejaVu Sans"/>
               </a:rPr>
               <a:t>{signaturer}</a:t>
             </a:r>
@@ -6219,7 +6213,7 @@
               </a:rPr>
               <a:t>Australian Special Operations Taskforce HQ</a:t>
             </a:r>
-            <a:endParaRPr b="0" lang="en-US" sz="1100" spc="-1" strike="noStrike">
+            <a:endParaRPr b="0" lang="en-IN" sz="1100" spc="-1" strike="noStrike">
               <a:solidFill>
                 <a:srgbClr val="000000"/>
               </a:solidFill>
@@ -6237,7 +6231,7 @@
         <p:spPr>
           <a:xfrm>
             <a:off x="3721320" y="8197200"/>
-            <a:ext cx="2813400" cy="516240"/>
+            <a:ext cx="2813040" cy="516240"/>
           </a:xfrm>
           <a:prstGeom prst="rect">
             <a:avLst/>
@@ -6276,7 +6270,7 @@
               </a:rPr>
               <a:t>{signaturer}</a:t>
             </a:r>
-            <a:endParaRPr b="0" lang="en-US" sz="2800" spc="-1" strike="noStrike">
+            <a:endParaRPr b="0" lang="en-IN" sz="2800" spc="-1" strike="noStrike">
               <a:solidFill>
                 <a:srgbClr val="000000"/>
               </a:solidFill>
@@ -6294,7 +6288,7 @@
         <p:spPr>
           <a:xfrm flipH="1">
             <a:off x="3720960" y="8684280"/>
-            <a:ext cx="2814840" cy="720"/>
+            <a:ext cx="2815200" cy="1080"/>
           </a:xfrm>
           <a:prstGeom prst="straightConnector1">
             <a:avLst/>
@@ -6316,7 +6310,7 @@
         <p:spPr>
           <a:xfrm>
             <a:off x="886320" y="5655600"/>
-            <a:ext cx="6495840" cy="699480"/>
+            <a:ext cx="6495480" cy="699480"/>
           </a:xfrm>
           <a:prstGeom prst="rect">
             <a:avLst/>
@@ -6375,7 +6369,7 @@
               </a:rPr>
               <a:t> Commanding Officer, Australian Special Operations Taskforce, hereby promote</a:t>
             </a:r>
-            <a:endParaRPr b="0" lang="en-US" sz="2000" spc="-1" strike="noStrike">
+            <a:endParaRPr b="0" lang="en-IN" sz="2000" spc="-1" strike="noStrike">
               <a:solidFill>
                 <a:srgbClr val="000000"/>
               </a:solidFill>
@@ -6393,7 +6387,7 @@
         <p:spPr>
           <a:xfrm>
             <a:off x="817920" y="6433920"/>
-            <a:ext cx="6496200" cy="577080"/>
+            <a:ext cx="6495840" cy="577080"/>
           </a:xfrm>
           <a:prstGeom prst="rect">
             <a:avLst/>
@@ -6432,7 +6426,7 @@
               </a:rPr>
               <a:t>{name}</a:t>
             </a:r>
-            <a:endParaRPr b="0" lang="en-US" sz="3200" spc="-1" strike="noStrike">
+            <a:endParaRPr b="0" lang="en-IN" sz="3200" spc="-1" strike="noStrike">
               <a:solidFill>
                 <a:srgbClr val="000000"/>
               </a:solidFill>
@@ -6450,7 +6444,7 @@
         <p:spPr>
           <a:xfrm>
             <a:off x="873720" y="7107120"/>
-            <a:ext cx="6495840" cy="699480"/>
+            <a:ext cx="6495480" cy="699480"/>
           </a:xfrm>
           <a:prstGeom prst="rect">
             <a:avLst/>
@@ -6522,7 +6516,7 @@
               </a:rPr>
               <a:t>{date}.</a:t>
             </a:r>
-            <a:endParaRPr b="0" lang="en-US" sz="2000" spc="-1" strike="noStrike">
+            <a:endParaRPr b="0" lang="en-IN" sz="2000" spc="-1" strike="noStrike">
               <a:solidFill>
                 <a:srgbClr val="000000"/>
               </a:solidFill>
@@ -6540,7 +6534,7 @@
         <p:spPr>
           <a:xfrm>
             <a:off x="897480" y="4820400"/>
-            <a:ext cx="6495840" cy="699480"/>
+            <a:ext cx="6495480" cy="699480"/>
           </a:xfrm>
           <a:prstGeom prst="rect">
             <a:avLst/>
@@ -6602,7 +6596,7 @@
               </a:rPr>
               <a:t>been deemed suitable in all areas required for promotion.</a:t>
             </a:r>
-            <a:endParaRPr b="0" lang="en-US" sz="2000" spc="-1" strike="noStrike">
+            <a:endParaRPr b="0" lang="en-IN" sz="2000" spc="-1" strike="noStrike">
               <a:solidFill>
                 <a:srgbClr val="000000"/>
               </a:solidFill>
@@ -6624,7 +6618,7 @@
         <p:spPr>
           <a:xfrm>
             <a:off x="3088440" y="1587600"/>
-            <a:ext cx="1954800" cy="1243800"/>
+            <a:ext cx="1954440" cy="1243440"/>
           </a:xfrm>
           <a:prstGeom prst="rect">
             <a:avLst/>
@@ -6676,8 +6670,8 @@
         </p:blipFill>
         <p:spPr>
           <a:xfrm rot="5400000">
-            <a:off x="-1120680" y="2058480"/>
-            <a:ext cx="10512360" cy="7117920"/>
+            <a:off x="-1119960" y="2058480"/>
+            <a:ext cx="10512000" cy="7117560"/>
           </a:xfrm>
           <a:prstGeom prst="rect">
             <a:avLst/>
@@ -6700,7 +6694,7 @@
         <p:spPr>
           <a:xfrm>
             <a:off x="714240" y="723960"/>
-            <a:ext cx="6703200" cy="9800640"/>
+            <a:ext cx="6702840" cy="9800280"/>
           </a:xfrm>
           <a:prstGeom prst="rect">
             <a:avLst/>
@@ -6723,8 +6717,8 @@
         </p:blipFill>
         <p:spPr>
           <a:xfrm rot="5400000">
-            <a:off x="-1508760" y="1477080"/>
-            <a:ext cx="11299680" cy="8279640"/>
+            <a:off x="-1508040" y="1476720"/>
+            <a:ext cx="11299320" cy="8279280"/>
           </a:xfrm>
           <a:prstGeom prst="rect">
             <a:avLst/>
@@ -6747,7 +6741,7 @@
         <p:spPr>
           <a:xfrm>
             <a:off x="1814040" y="8340840"/>
-            <a:ext cx="1443600" cy="1259640"/>
+            <a:ext cx="1443240" cy="1259280"/>
           </a:xfrm>
           <a:prstGeom prst="rect">
             <a:avLst/>
@@ -6766,7 +6760,7 @@
         <p:spPr>
           <a:xfrm>
             <a:off x="704160" y="3409560"/>
-            <a:ext cx="6723360" cy="759960"/>
+            <a:ext cx="6723000" cy="759960"/>
           </a:xfrm>
           <a:prstGeom prst="rect">
             <a:avLst/>
@@ -6805,7 +6799,7 @@
               </a:rPr>
               <a:t>Certificate Of Promotion</a:t>
             </a:r>
-            <a:endParaRPr b="0" lang="en-US" sz="4400" spc="-1" strike="noStrike">
+            <a:endParaRPr b="0" lang="en-IN" sz="4400" spc="-1" strike="noStrike">
               <a:solidFill>
                 <a:srgbClr val="000000"/>
               </a:solidFill>
@@ -6823,7 +6817,7 @@
         <p:spPr>
           <a:xfrm>
             <a:off x="1454400" y="4110120"/>
-            <a:ext cx="5371200" cy="638280"/>
+            <a:ext cx="5370840" cy="638280"/>
           </a:xfrm>
           <a:prstGeom prst="rect">
             <a:avLst/>
@@ -6862,7 +6856,7 @@
               </a:rPr>
               <a:t>{name}</a:t>
             </a:r>
-            <a:endParaRPr b="0" lang="en-US" sz="3600" spc="-1" strike="noStrike">
+            <a:endParaRPr b="0" lang="en-IN" sz="3600" spc="-1" strike="noStrike">
               <a:solidFill>
                 <a:srgbClr val="000000"/>
               </a:solidFill>
@@ -6880,7 +6874,7 @@
         <p:spPr>
           <a:xfrm>
             <a:off x="2985840" y="8685000"/>
-            <a:ext cx="4282920" cy="591840"/>
+            <a:ext cx="4282560" cy="591840"/>
           </a:xfrm>
           <a:prstGeom prst="rect">
             <a:avLst/>
@@ -6915,6 +6909,7 @@
                   <a:srgbClr val="000000"/>
                 </a:solidFill>
                 <a:latin typeface="Times New Roman"/>
+                <a:ea typeface="DejaVu Sans"/>
               </a:rPr>
               <a:t>{signaturer}</a:t>
             </a:r>
@@ -6944,7 +6939,7 @@
               </a:rPr>
               <a:t>Australian Special Operations Taskforce HQ</a:t>
             </a:r>
-            <a:endParaRPr b="0" lang="en-US" sz="1100" spc="-1" strike="noStrike">
+            <a:endParaRPr b="0" lang="en-IN" sz="1100" spc="-1" strike="noStrike">
               <a:solidFill>
                 <a:srgbClr val="000000"/>
               </a:solidFill>
@@ -6962,7 +6957,7 @@
         <p:spPr>
           <a:xfrm>
             <a:off x="3721320" y="8197200"/>
-            <a:ext cx="2813400" cy="516240"/>
+            <a:ext cx="2813040" cy="516240"/>
           </a:xfrm>
           <a:prstGeom prst="rect">
             <a:avLst/>
@@ -7001,7 +6996,7 @@
               </a:rPr>
               <a:t>{signaturer}</a:t>
             </a:r>
-            <a:endParaRPr b="0" lang="en-US" sz="2800" spc="-1" strike="noStrike">
+            <a:endParaRPr b="0" lang="en-IN" sz="2800" spc="-1" strike="noStrike">
               <a:solidFill>
                 <a:srgbClr val="000000"/>
               </a:solidFill>
@@ -7019,7 +7014,7 @@
         <p:spPr>
           <a:xfrm flipH="1">
             <a:off x="3720960" y="8684280"/>
-            <a:ext cx="2814840" cy="720"/>
+            <a:ext cx="2815200" cy="1080"/>
           </a:xfrm>
           <a:prstGeom prst="straightConnector1">
             <a:avLst/>
@@ -7041,7 +7036,7 @@
         <p:spPr>
           <a:xfrm>
             <a:off x="886320" y="5655600"/>
-            <a:ext cx="6495840" cy="699480"/>
+            <a:ext cx="6495480" cy="699480"/>
           </a:xfrm>
           <a:prstGeom prst="rect">
             <a:avLst/>
@@ -7100,7 +7095,7 @@
               </a:rPr>
               <a:t> Commanding Officer, Australian Special Operations Taskforce, hereby promote</a:t>
             </a:r>
-            <a:endParaRPr b="0" lang="en-US" sz="2000" spc="-1" strike="noStrike">
+            <a:endParaRPr b="0" lang="en-IN" sz="2000" spc="-1" strike="noStrike">
               <a:solidFill>
                 <a:srgbClr val="000000"/>
               </a:solidFill>
@@ -7118,7 +7113,7 @@
         <p:spPr>
           <a:xfrm>
             <a:off x="817920" y="6433920"/>
-            <a:ext cx="6496200" cy="1064520"/>
+            <a:ext cx="6495840" cy="1064520"/>
           </a:xfrm>
           <a:prstGeom prst="rect">
             <a:avLst/>
@@ -7160,7 +7155,7 @@
             <a:br>
               <a:rPr sz="3200"/>
             </a:br>
-            <a:endParaRPr b="0" lang="en-US" sz="3200" spc="-1" strike="noStrike">
+            <a:endParaRPr b="0" lang="en-IN" sz="3200" spc="-1" strike="noStrike">
               <a:solidFill>
                 <a:srgbClr val="000000"/>
               </a:solidFill>
@@ -7178,7 +7173,7 @@
         <p:spPr>
           <a:xfrm>
             <a:off x="873720" y="7107120"/>
-            <a:ext cx="6495840" cy="699480"/>
+            <a:ext cx="6495480" cy="699480"/>
           </a:xfrm>
           <a:prstGeom prst="rect">
             <a:avLst/>
@@ -7250,7 +7245,7 @@
               </a:rPr>
               <a:t>{date}.</a:t>
             </a:r>
-            <a:endParaRPr b="0" lang="en-US" sz="2000" spc="-1" strike="noStrike">
+            <a:endParaRPr b="0" lang="en-IN" sz="2000" spc="-1" strike="noStrike">
               <a:solidFill>
                 <a:srgbClr val="000000"/>
               </a:solidFill>
@@ -7268,7 +7263,7 @@
         <p:spPr>
           <a:xfrm>
             <a:off x="897480" y="4820400"/>
-            <a:ext cx="6495840" cy="699480"/>
+            <a:ext cx="6495480" cy="699480"/>
           </a:xfrm>
           <a:prstGeom prst="rect">
             <a:avLst/>
@@ -7327,7 +7322,7 @@
               </a:rPr>
               <a:t>has completed all necessary trainings and been deemed suitable in all areas required for promotion.</a:t>
             </a:r>
-            <a:endParaRPr b="0" lang="en-US" sz="2000" spc="-1" strike="noStrike">
+            <a:endParaRPr b="0" lang="en-IN" sz="2000" spc="-1" strike="noStrike">
               <a:solidFill>
                 <a:srgbClr val="000000"/>
               </a:solidFill>
@@ -7349,7 +7344,7 @@
         <p:spPr>
           <a:xfrm>
             <a:off x="2922480" y="1458360"/>
-            <a:ext cx="2286720" cy="1603800"/>
+            <a:ext cx="2286360" cy="1603440"/>
           </a:xfrm>
           <a:prstGeom prst="rect">
             <a:avLst/>
@@ -7401,8 +7396,8 @@
         </p:blipFill>
         <p:spPr>
           <a:xfrm rot="5400000">
-            <a:off x="-1120680" y="2058480"/>
-            <a:ext cx="10512360" cy="7117920"/>
+            <a:off x="-1119960" y="2058480"/>
+            <a:ext cx="10512000" cy="7117560"/>
           </a:xfrm>
           <a:prstGeom prst="rect">
             <a:avLst/>
@@ -7425,7 +7420,7 @@
         <p:spPr>
           <a:xfrm>
             <a:off x="714240" y="723960"/>
-            <a:ext cx="6703200" cy="9800640"/>
+            <a:ext cx="6702840" cy="9800280"/>
           </a:xfrm>
           <a:prstGeom prst="rect">
             <a:avLst/>
@@ -7448,8 +7443,8 @@
         </p:blipFill>
         <p:spPr>
           <a:xfrm rot="5400000">
-            <a:off x="-1508760" y="1477080"/>
-            <a:ext cx="11299680" cy="8279640"/>
+            <a:off x="-1508040" y="1476720"/>
+            <a:ext cx="11299320" cy="8279280"/>
           </a:xfrm>
           <a:prstGeom prst="rect">
             <a:avLst/>
@@ -7472,7 +7467,7 @@
         <p:spPr>
           <a:xfrm>
             <a:off x="1814040" y="8340840"/>
-            <a:ext cx="1443600" cy="1259640"/>
+            <a:ext cx="1443240" cy="1259280"/>
           </a:xfrm>
           <a:prstGeom prst="rect">
             <a:avLst/>
@@ -7491,7 +7486,7 @@
         <p:spPr>
           <a:xfrm>
             <a:off x="704160" y="3409560"/>
-            <a:ext cx="6723360" cy="759960"/>
+            <a:ext cx="6723000" cy="759960"/>
           </a:xfrm>
           <a:prstGeom prst="rect">
             <a:avLst/>
@@ -7530,7 +7525,7 @@
               </a:rPr>
               <a:t>Certificate Of Enlistment</a:t>
             </a:r>
-            <a:endParaRPr b="0" lang="en-US" sz="4400" spc="-1" strike="noStrike">
+            <a:endParaRPr b="0" lang="en-IN" sz="4400" spc="-1" strike="noStrike">
               <a:solidFill>
                 <a:srgbClr val="000000"/>
               </a:solidFill>
@@ -7548,7 +7543,7 @@
         <p:spPr>
           <a:xfrm>
             <a:off x="1454400" y="4110120"/>
-            <a:ext cx="5371200" cy="638280"/>
+            <a:ext cx="5370840" cy="638280"/>
           </a:xfrm>
           <a:prstGeom prst="rect">
             <a:avLst/>
@@ -7587,7 +7582,7 @@
               </a:rPr>
               <a:t>{name}</a:t>
             </a:r>
-            <a:endParaRPr b="0" lang="en-US" sz="3600" spc="-1" strike="noStrike">
+            <a:endParaRPr b="0" lang="en-IN" sz="3600" spc="-1" strike="noStrike">
               <a:solidFill>
                 <a:srgbClr val="000000"/>
               </a:solidFill>
@@ -7605,7 +7600,7 @@
         <p:spPr>
           <a:xfrm>
             <a:off x="2985840" y="8685000"/>
-            <a:ext cx="4282920" cy="591840"/>
+            <a:ext cx="4282560" cy="591840"/>
           </a:xfrm>
           <a:prstGeom prst="rect">
             <a:avLst/>
@@ -7640,6 +7635,7 @@
                   <a:srgbClr val="000000"/>
                 </a:solidFill>
                 <a:latin typeface="Times New Roman"/>
+                <a:ea typeface="DejaVu Sans"/>
               </a:rPr>
               <a:t>{signaturer}</a:t>
             </a:r>
@@ -7669,7 +7665,7 @@
               </a:rPr>
               <a:t>Australian Special Operations Taskforce HQ</a:t>
             </a:r>
-            <a:endParaRPr b="0" lang="en-US" sz="1100" spc="-1" strike="noStrike">
+            <a:endParaRPr b="0" lang="en-IN" sz="1100" spc="-1" strike="noStrike">
               <a:solidFill>
                 <a:srgbClr val="000000"/>
               </a:solidFill>
@@ -7687,7 +7683,7 @@
         <p:spPr>
           <a:xfrm>
             <a:off x="3721320" y="8197200"/>
-            <a:ext cx="2813400" cy="516240"/>
+            <a:ext cx="2813040" cy="516240"/>
           </a:xfrm>
           <a:prstGeom prst="rect">
             <a:avLst/>
@@ -7726,7 +7722,7 @@
               </a:rPr>
               <a:t>{signaturer}</a:t>
             </a:r>
-            <a:endParaRPr b="0" lang="en-US" sz="2800" spc="-1" strike="noStrike">
+            <a:endParaRPr b="0" lang="en-IN" sz="2800" spc="-1" strike="noStrike">
               <a:solidFill>
                 <a:srgbClr val="000000"/>
               </a:solidFill>
@@ -7744,7 +7740,7 @@
         <p:spPr>
           <a:xfrm flipH="1">
             <a:off x="3720960" y="8684280"/>
-            <a:ext cx="2814840" cy="720"/>
+            <a:ext cx="2815200" cy="1080"/>
           </a:xfrm>
           <a:prstGeom prst="straightConnector1">
             <a:avLst/>
@@ -7766,7 +7762,7 @@
         <p:spPr>
           <a:xfrm>
             <a:off x="886320" y="5803560"/>
-            <a:ext cx="6495840" cy="699480"/>
+            <a:ext cx="6495480" cy="699480"/>
           </a:xfrm>
           <a:prstGeom prst="rect">
             <a:avLst/>
@@ -7825,7 +7821,7 @@
               </a:rPr>
               <a:t> Commanding Officer, Australian Special Operations Taskforce, hereby grant</a:t>
             </a:r>
-            <a:endParaRPr b="0" lang="en-US" sz="2000" spc="-1" strike="noStrike">
+            <a:endParaRPr b="0" lang="en-IN" sz="2000" spc="-1" strike="noStrike">
               <a:solidFill>
                 <a:srgbClr val="000000"/>
               </a:solidFill>
@@ -7843,7 +7839,7 @@
         <p:spPr>
           <a:xfrm>
             <a:off x="817920" y="6433920"/>
-            <a:ext cx="6496200" cy="577080"/>
+            <a:ext cx="6495840" cy="577080"/>
           </a:xfrm>
           <a:prstGeom prst="rect">
             <a:avLst/>
@@ -7882,7 +7878,7 @@
               </a:rPr>
               <a:t>{name}</a:t>
             </a:r>
-            <a:endParaRPr b="0" lang="en-US" sz="3200" spc="-1" strike="noStrike">
+            <a:endParaRPr b="0" lang="en-IN" sz="3200" spc="-1" strike="noStrike">
               <a:solidFill>
                 <a:srgbClr val="000000"/>
               </a:solidFill>
@@ -7900,7 +7896,7 @@
         <p:spPr>
           <a:xfrm>
             <a:off x="873720" y="7107120"/>
-            <a:ext cx="6495840" cy="394560"/>
+            <a:ext cx="6495480" cy="394560"/>
           </a:xfrm>
           <a:prstGeom prst="rect">
             <a:avLst/>
@@ -7939,7 +7935,7 @@
               </a:rPr>
               <a:t>entry to the unit with effect {date}.</a:t>
             </a:r>
-            <a:endParaRPr b="0" lang="en-US" sz="2000" spc="-1" strike="noStrike">
+            <a:endParaRPr b="0" lang="en-IN" sz="2000" spc="-1" strike="noStrike">
               <a:solidFill>
                 <a:srgbClr val="000000"/>
               </a:solidFill>
@@ -7957,7 +7953,7 @@
         <p:spPr>
           <a:xfrm>
             <a:off x="862200" y="4820400"/>
-            <a:ext cx="6495840" cy="1004400"/>
+            <a:ext cx="6495480" cy="1004400"/>
           </a:xfrm>
           <a:prstGeom prst="rect">
             <a:avLst/>
@@ -7987,6 +7983,16 @@
               </a:tabLst>
             </a:pPr>
             <a:r>
+              <a:rPr b="0" i="1" lang="en-AU" sz="2000" spc="-1" strike="noStrike">
+                <a:solidFill>
+                  <a:schemeClr val="dk1"/>
+                </a:solidFill>
+                <a:latin typeface="Times New Roman"/>
+                <a:ea typeface="Times New Roman"/>
+              </a:rPr>
+              <a:t>{name}</a:t>
+            </a:r>
+            <a:r>
               <a:rPr b="0" lang="en-AU" sz="2000" spc="-1" strike="noStrike">
                 <a:solidFill>
                   <a:schemeClr val="dk1"/>
@@ -7994,19 +8000,9 @@
                 <a:latin typeface="Times New Roman"/>
                 <a:ea typeface="Times New Roman"/>
               </a:rPr>
-              <a:t>{name} </a:t>
-            </a:r>
-            <a:r>
-              <a:rPr b="0" lang="en-AU" sz="2000" spc="-1" strike="noStrike">
-                <a:solidFill>
-                  <a:schemeClr val="dk1"/>
-                </a:solidFill>
-                <a:latin typeface="Times New Roman"/>
-                <a:ea typeface="Times New Roman"/>
-              </a:rPr>
-              <a:t>has shown the traits, attitude and eagerness that is required for joining the unit and has been deemed suitable in all areas required for enlistment</a:t>
-            </a:r>
-            <a:endParaRPr b="0" lang="en-US" sz="2000" spc="-1" strike="noStrike">
+              <a:t> has shown the traits, attitude and eagerness that is required for joining the unit and has been deemed suitable in all areas required for enlistment</a:t>
+            </a:r>
+            <a:endParaRPr b="0" lang="en-IN" sz="2000" spc="-1" strike="noStrike">
               <a:solidFill>
                 <a:srgbClr val="000000"/>
               </a:solidFill>
@@ -8028,7 +8024,7 @@
         <p:spPr>
           <a:xfrm>
             <a:off x="2922480" y="1458360"/>
-            <a:ext cx="2286720" cy="1603800"/>
+            <a:ext cx="2286360" cy="1603440"/>
           </a:xfrm>
           <a:prstGeom prst="rect">
             <a:avLst/>
@@ -8080,8 +8076,8 @@
         </p:blipFill>
         <p:spPr>
           <a:xfrm rot="5400000">
-            <a:off x="-1120680" y="2058480"/>
-            <a:ext cx="10512360" cy="7117920"/>
+            <a:off x="-1119960" y="2058480"/>
+            <a:ext cx="10512000" cy="7117560"/>
           </a:xfrm>
           <a:prstGeom prst="rect">
             <a:avLst/>
@@ -8104,7 +8100,7 @@
         <p:spPr>
           <a:xfrm>
             <a:off x="714240" y="723960"/>
-            <a:ext cx="6703200" cy="9800640"/>
+            <a:ext cx="6702840" cy="9800280"/>
           </a:xfrm>
           <a:prstGeom prst="rect">
             <a:avLst/>
@@ -8127,8 +8123,8 @@
         </p:blipFill>
         <p:spPr>
           <a:xfrm rot="5400000">
-            <a:off x="-1508760" y="1477080"/>
-            <a:ext cx="11299680" cy="8279640"/>
+            <a:off x="-1508040" y="1476720"/>
+            <a:ext cx="11299320" cy="8279280"/>
           </a:xfrm>
           <a:prstGeom prst="rect">
             <a:avLst/>
@@ -8151,7 +8147,7 @@
         <p:spPr>
           <a:xfrm>
             <a:off x="1814040" y="8340840"/>
-            <a:ext cx="1443600" cy="1259640"/>
+            <a:ext cx="1443240" cy="1259280"/>
           </a:xfrm>
           <a:prstGeom prst="rect">
             <a:avLst/>
@@ -8170,7 +8166,7 @@
         <p:spPr>
           <a:xfrm>
             <a:off x="704160" y="3409560"/>
-            <a:ext cx="6723360" cy="759960"/>
+            <a:ext cx="6723000" cy="759960"/>
           </a:xfrm>
           <a:prstGeom prst="rect">
             <a:avLst/>
@@ -8209,7 +8205,7 @@
               </a:rPr>
               <a:t>Certificate Of Promotion</a:t>
             </a:r>
-            <a:endParaRPr b="0" lang="en-US" sz="4400" spc="-1" strike="noStrike">
+            <a:endParaRPr b="0" lang="en-IN" sz="4400" spc="-1" strike="noStrike">
               <a:solidFill>
                 <a:srgbClr val="000000"/>
               </a:solidFill>
@@ -8227,7 +8223,7 @@
         <p:spPr>
           <a:xfrm>
             <a:off x="1454400" y="4110120"/>
-            <a:ext cx="5370840" cy="638280"/>
+            <a:ext cx="5370480" cy="638280"/>
           </a:xfrm>
           <a:prstGeom prst="rect">
             <a:avLst/>
@@ -8266,7 +8262,7 @@
               </a:rPr>
               <a:t>{name}</a:t>
             </a:r>
-            <a:endParaRPr b="0" lang="en-US" sz="3600" spc="-1" strike="noStrike">
+            <a:endParaRPr b="0" lang="en-IN" sz="3600" spc="-1" strike="noStrike">
               <a:solidFill>
                 <a:srgbClr val="000000"/>
               </a:solidFill>
@@ -8284,7 +8280,7 @@
         <p:spPr>
           <a:xfrm>
             <a:off x="2985840" y="8685000"/>
-            <a:ext cx="4282920" cy="591840"/>
+            <a:ext cx="4282560" cy="591840"/>
           </a:xfrm>
           <a:prstGeom prst="rect">
             <a:avLst/>
@@ -8349,7 +8345,7 @@
               </a:rPr>
               <a:t>Australian Special Operations Taskforce HQ</a:t>
             </a:r>
-            <a:endParaRPr b="0" lang="en-US" sz="1100" spc="-1" strike="noStrike">
+            <a:endParaRPr b="0" lang="en-IN" sz="1100" spc="-1" strike="noStrike">
               <a:solidFill>
                 <a:srgbClr val="000000"/>
               </a:solidFill>
@@ -8367,7 +8363,7 @@
         <p:spPr>
           <a:xfrm>
             <a:off x="3721320" y="8197200"/>
-            <a:ext cx="2813400" cy="516240"/>
+            <a:ext cx="2813040" cy="516240"/>
           </a:xfrm>
           <a:prstGeom prst="rect">
             <a:avLst/>
@@ -8406,7 +8402,7 @@
               </a:rPr>
               <a:t>{signaturer}</a:t>
             </a:r>
-            <a:endParaRPr b="0" lang="en-US" sz="2800" spc="-1" strike="noStrike">
+            <a:endParaRPr b="0" lang="en-IN" sz="2800" spc="-1" strike="noStrike">
               <a:solidFill>
                 <a:srgbClr val="000000"/>
               </a:solidFill>
@@ -8424,7 +8420,7 @@
         <p:spPr>
           <a:xfrm flipH="1">
             <a:off x="3720960" y="8684280"/>
-            <a:ext cx="2814840" cy="720"/>
+            <a:ext cx="2815200" cy="1080"/>
           </a:xfrm>
           <a:prstGeom prst="straightConnector1">
             <a:avLst/>
@@ -8446,7 +8442,7 @@
         <p:spPr>
           <a:xfrm>
             <a:off x="886320" y="5655600"/>
-            <a:ext cx="6495840" cy="699480"/>
+            <a:ext cx="6495480" cy="699480"/>
           </a:xfrm>
           <a:prstGeom prst="rect">
             <a:avLst/>
@@ -8505,7 +8501,7 @@
               </a:rPr>
               <a:t> Commanding Officer, Australian Special Operations Taskforce, hereby promote</a:t>
             </a:r>
-            <a:endParaRPr b="0" lang="en-US" sz="2000" spc="-1" strike="noStrike">
+            <a:endParaRPr b="0" lang="en-IN" sz="2000" spc="-1" strike="noStrike">
               <a:solidFill>
                 <a:srgbClr val="000000"/>
               </a:solidFill>
@@ -8527,7 +8523,7 @@
         <p:spPr>
           <a:xfrm>
             <a:off x="3761640" y="1681920"/>
-            <a:ext cx="745560" cy="768600"/>
+            <a:ext cx="745200" cy="768240"/>
           </a:xfrm>
           <a:prstGeom prst="rect">
             <a:avLst/>
@@ -8546,7 +8542,7 @@
         <p:spPr>
           <a:xfrm>
             <a:off x="817920" y="6433920"/>
-            <a:ext cx="6495840" cy="577080"/>
+            <a:ext cx="6495480" cy="577080"/>
           </a:xfrm>
           <a:prstGeom prst="rect">
             <a:avLst/>
@@ -8585,7 +8581,7 @@
               </a:rPr>
               <a:t>{name}</a:t>
             </a:r>
-            <a:endParaRPr b="0" lang="en-US" sz="3200" spc="-1" strike="noStrike">
+            <a:endParaRPr b="0" lang="en-IN" sz="3200" spc="-1" strike="noStrike">
               <a:solidFill>
                 <a:srgbClr val="000000"/>
               </a:solidFill>
@@ -8603,7 +8599,7 @@
         <p:spPr>
           <a:xfrm>
             <a:off x="873720" y="7107120"/>
-            <a:ext cx="6495840" cy="394560"/>
+            <a:ext cx="6495480" cy="394560"/>
           </a:xfrm>
           <a:prstGeom prst="rect">
             <a:avLst/>
@@ -8662,7 +8658,7 @@
               </a:rPr>
               <a:t>with effect {date}</a:t>
             </a:r>
-            <a:endParaRPr b="0" lang="en-US" sz="2000" spc="-1" strike="noStrike">
+            <a:endParaRPr b="0" lang="en-IN" sz="2000" spc="-1" strike="noStrike">
               <a:solidFill>
                 <a:srgbClr val="000000"/>
               </a:solidFill>
@@ -8680,7 +8676,7 @@
         <p:spPr>
           <a:xfrm>
             <a:off x="897480" y="4820400"/>
-            <a:ext cx="6495840" cy="699480"/>
+            <a:ext cx="6495480" cy="699480"/>
           </a:xfrm>
           <a:prstGeom prst="rect">
             <a:avLst/>
@@ -8742,7 +8738,7 @@
               </a:rPr>
               <a:t>been deemed suitable in all areas required for promotion.</a:t>
             </a:r>
-            <a:endParaRPr b="0" lang="en-US" sz="2000" spc="-1" strike="noStrike">
+            <a:endParaRPr b="0" lang="en-IN" sz="2000" spc="-1" strike="noStrike">
               <a:solidFill>
                 <a:srgbClr val="000000"/>
               </a:solidFill>
@@ -8764,7 +8760,7 @@
         <p:spPr>
           <a:xfrm>
             <a:off x="3870720" y="2755800"/>
-            <a:ext cx="527760" cy="550080"/>
+            <a:ext cx="527400" cy="549720"/>
           </a:xfrm>
           <a:prstGeom prst="rect">
             <a:avLst/>
@@ -8816,8 +8812,8 @@
         </p:blipFill>
         <p:spPr>
           <a:xfrm rot="5400000">
-            <a:off x="-1120680" y="2058480"/>
-            <a:ext cx="10512360" cy="7117920"/>
+            <a:off x="-1119960" y="2058480"/>
+            <a:ext cx="10512000" cy="7117560"/>
           </a:xfrm>
           <a:prstGeom prst="rect">
             <a:avLst/>
@@ -8840,7 +8836,7 @@
         <p:spPr>
           <a:xfrm>
             <a:off x="714240" y="723960"/>
-            <a:ext cx="6703200" cy="9800640"/>
+            <a:ext cx="6702840" cy="9800280"/>
           </a:xfrm>
           <a:prstGeom prst="rect">
             <a:avLst/>
@@ -8863,8 +8859,8 @@
         </p:blipFill>
         <p:spPr>
           <a:xfrm rot="5400000">
-            <a:off x="-1508760" y="1477080"/>
-            <a:ext cx="11299680" cy="8279640"/>
+            <a:off x="-1508040" y="1476720"/>
+            <a:ext cx="11299320" cy="8279280"/>
           </a:xfrm>
           <a:prstGeom prst="rect">
             <a:avLst/>
@@ -8887,7 +8883,7 @@
         <p:spPr>
           <a:xfrm>
             <a:off x="1814040" y="8340840"/>
-            <a:ext cx="1443600" cy="1259640"/>
+            <a:ext cx="1443240" cy="1259280"/>
           </a:xfrm>
           <a:prstGeom prst="rect">
             <a:avLst/>
@@ -8906,7 +8902,7 @@
         <p:spPr>
           <a:xfrm>
             <a:off x="704160" y="3409560"/>
-            <a:ext cx="6723360" cy="759960"/>
+            <a:ext cx="6723000" cy="759960"/>
           </a:xfrm>
           <a:prstGeom prst="rect">
             <a:avLst/>
@@ -8945,7 +8941,7 @@
               </a:rPr>
               <a:t>Certificate Of Promotion</a:t>
             </a:r>
-            <a:endParaRPr b="0" lang="en-US" sz="4400" spc="-1" strike="noStrike">
+            <a:endParaRPr b="0" lang="en-IN" sz="4400" spc="-1" strike="noStrike">
               <a:solidFill>
                 <a:srgbClr val="000000"/>
               </a:solidFill>
@@ -8963,7 +8959,7 @@
         <p:spPr>
           <a:xfrm>
             <a:off x="1454400" y="4110120"/>
-            <a:ext cx="5370840" cy="638280"/>
+            <a:ext cx="5370480" cy="638280"/>
           </a:xfrm>
           <a:prstGeom prst="rect">
             <a:avLst/>
@@ -9002,7 +8998,7 @@
               </a:rPr>
               <a:t>{name}</a:t>
             </a:r>
-            <a:endParaRPr b="0" lang="en-US" sz="3600" spc="-1" strike="noStrike">
+            <a:endParaRPr b="0" lang="en-IN" sz="3600" spc="-1" strike="noStrike">
               <a:solidFill>
                 <a:srgbClr val="000000"/>
               </a:solidFill>
@@ -9020,7 +9016,7 @@
         <p:spPr>
           <a:xfrm>
             <a:off x="2985840" y="8685000"/>
-            <a:ext cx="4282920" cy="591840"/>
+            <a:ext cx="4282560" cy="591840"/>
           </a:xfrm>
           <a:prstGeom prst="rect">
             <a:avLst/>
@@ -9085,7 +9081,7 @@
               </a:rPr>
               <a:t>Australian Special Operations Taskforce HQ</a:t>
             </a:r>
-            <a:endParaRPr b="0" lang="en-US" sz="1100" spc="-1" strike="noStrike">
+            <a:endParaRPr b="0" lang="en-IN" sz="1100" spc="-1" strike="noStrike">
               <a:solidFill>
                 <a:srgbClr val="000000"/>
               </a:solidFill>
@@ -9103,7 +9099,7 @@
         <p:spPr>
           <a:xfrm>
             <a:off x="3721320" y="8197200"/>
-            <a:ext cx="2813400" cy="516240"/>
+            <a:ext cx="2813040" cy="516240"/>
           </a:xfrm>
           <a:prstGeom prst="rect">
             <a:avLst/>
@@ -9142,7 +9138,7 @@
               </a:rPr>
               <a:t>{signaturer}</a:t>
             </a:r>
-            <a:endParaRPr b="0" lang="en-US" sz="2800" spc="-1" strike="noStrike">
+            <a:endParaRPr b="0" lang="en-IN" sz="2800" spc="-1" strike="noStrike">
               <a:solidFill>
                 <a:srgbClr val="000000"/>
               </a:solidFill>
@@ -9160,7 +9156,7 @@
         <p:spPr>
           <a:xfrm flipH="1">
             <a:off x="3720960" y="8684280"/>
-            <a:ext cx="2814840" cy="720"/>
+            <a:ext cx="2815200" cy="1080"/>
           </a:xfrm>
           <a:prstGeom prst="straightConnector1">
             <a:avLst/>
@@ -9182,7 +9178,7 @@
         <p:spPr>
           <a:xfrm>
             <a:off x="886320" y="5655600"/>
-            <a:ext cx="6495840" cy="699480"/>
+            <a:ext cx="6495480" cy="699480"/>
           </a:xfrm>
           <a:prstGeom prst="rect">
             <a:avLst/>
@@ -9241,7 +9237,7 @@
               </a:rPr>
               <a:t> Commanding Officer, Australian Special Operations Taskforce, hereby promote</a:t>
             </a:r>
-            <a:endParaRPr b="0" lang="en-US" sz="2000" spc="-1" strike="noStrike">
+            <a:endParaRPr b="0" lang="en-IN" sz="2000" spc="-1" strike="noStrike">
               <a:solidFill>
                 <a:srgbClr val="000000"/>
               </a:solidFill>
@@ -9263,7 +9259,7 @@
         <p:spPr>
           <a:xfrm>
             <a:off x="3344760" y="1419840"/>
-            <a:ext cx="1590120" cy="1639800"/>
+            <a:ext cx="1589760" cy="1639440"/>
           </a:xfrm>
           <a:prstGeom prst="rect">
             <a:avLst/>
@@ -9282,7 +9278,7 @@
         <p:spPr>
           <a:xfrm>
             <a:off x="817920" y="6433920"/>
-            <a:ext cx="6495840" cy="577080"/>
+            <a:ext cx="6495480" cy="577080"/>
           </a:xfrm>
           <a:prstGeom prst="rect">
             <a:avLst/>
@@ -9321,7 +9317,7 @@
               </a:rPr>
               <a:t>{name}</a:t>
             </a:r>
-            <a:endParaRPr b="0" lang="en-US" sz="3200" spc="-1" strike="noStrike">
+            <a:endParaRPr b="0" lang="en-IN" sz="3200" spc="-1" strike="noStrike">
               <a:solidFill>
                 <a:srgbClr val="000000"/>
               </a:solidFill>
@@ -9339,7 +9335,7 @@
         <p:spPr>
           <a:xfrm>
             <a:off x="873720" y="7107120"/>
-            <a:ext cx="6495840" cy="394560"/>
+            <a:ext cx="6495480" cy="394560"/>
           </a:xfrm>
           <a:prstGeom prst="rect">
             <a:avLst/>
@@ -9398,7 +9394,7 @@
               </a:rPr>
               <a:t>with effect {date}.</a:t>
             </a:r>
-            <a:endParaRPr b="0" lang="en-US" sz="2000" spc="-1" strike="noStrike">
+            <a:endParaRPr b="0" lang="en-IN" sz="2000" spc="-1" strike="noStrike">
               <a:solidFill>
                 <a:srgbClr val="000000"/>
               </a:solidFill>
@@ -9416,7 +9412,7 @@
         <p:spPr>
           <a:xfrm>
             <a:off x="897480" y="4820400"/>
-            <a:ext cx="6495840" cy="699480"/>
+            <a:ext cx="6495480" cy="699480"/>
           </a:xfrm>
           <a:prstGeom prst="rect">
             <a:avLst/>
@@ -9446,6 +9442,16 @@
               </a:tabLst>
             </a:pPr>
             <a:r>
+              <a:rPr b="0" i="1" lang="en-AU" sz="2000" spc="-1" strike="noStrike">
+                <a:solidFill>
+                  <a:srgbClr val="000000"/>
+                </a:solidFill>
+                <a:latin typeface="Times New Roman"/>
+                <a:ea typeface="Times New Roman"/>
+              </a:rPr>
+              <a:t>{name</a:t>
+            </a:r>
+            <a:r>
               <a:rPr b="0" lang="en-AU" sz="2000" spc="-1" strike="noStrike">
                 <a:solidFill>
                   <a:srgbClr val="000000"/>
@@ -9453,7 +9459,7 @@
                 <a:latin typeface="Times New Roman"/>
                 <a:ea typeface="Times New Roman"/>
               </a:rPr>
-              <a:t>{name} has completed all necessary trainings and </a:t>
+              <a:t>} has completed all necessary trainings and </a:t>
             </a:r>
             <a:br>
               <a:rPr sz="2000"/>
@@ -9468,7 +9474,7 @@
               </a:rPr>
               <a:t>been deemed suitable in all areas required for promotion.</a:t>
             </a:r>
-            <a:endParaRPr b="0" lang="en-US" sz="2000" spc="-1" strike="noStrike">
+            <a:endParaRPr b="0" lang="en-IN" sz="2000" spc="-1" strike="noStrike">
               <a:solidFill>
                 <a:srgbClr val="000000"/>
               </a:solidFill>
@@ -9519,8 +9525,8 @@
         </p:blipFill>
         <p:spPr>
           <a:xfrm rot="5400000">
-            <a:off x="-1010520" y="2058480"/>
-            <a:ext cx="10512360" cy="7117920"/>
+            <a:off x="-1009800" y="2058480"/>
+            <a:ext cx="10512000" cy="7117560"/>
           </a:xfrm>
           <a:prstGeom prst="rect">
             <a:avLst/>
@@ -9543,7 +9549,7 @@
         <p:spPr>
           <a:xfrm>
             <a:off x="714240" y="723960"/>
-            <a:ext cx="6703200" cy="9800640"/>
+            <a:ext cx="6702840" cy="9800280"/>
           </a:xfrm>
           <a:prstGeom prst="rect">
             <a:avLst/>
@@ -9566,8 +9572,8 @@
         </p:blipFill>
         <p:spPr>
           <a:xfrm rot="5400000">
-            <a:off x="-1508760" y="1477080"/>
-            <a:ext cx="11299680" cy="8279640"/>
+            <a:off x="-1508040" y="1476720"/>
+            <a:ext cx="11299320" cy="8279280"/>
           </a:xfrm>
           <a:prstGeom prst="rect">
             <a:avLst/>
@@ -9590,7 +9596,7 @@
         <p:spPr>
           <a:xfrm>
             <a:off x="1814040" y="8340840"/>
-            <a:ext cx="1443600" cy="1259640"/>
+            <a:ext cx="1443240" cy="1259280"/>
           </a:xfrm>
           <a:prstGeom prst="rect">
             <a:avLst/>
@@ -9609,7 +9615,7 @@
         <p:spPr>
           <a:xfrm>
             <a:off x="704160" y="3409560"/>
-            <a:ext cx="6723360" cy="759960"/>
+            <a:ext cx="6723000" cy="759960"/>
           </a:xfrm>
           <a:prstGeom prst="rect">
             <a:avLst/>
@@ -9648,7 +9654,7 @@
               </a:rPr>
               <a:t>Certificate Of Promotion</a:t>
             </a:r>
-            <a:endParaRPr b="0" lang="en-US" sz="4400" spc="-1" strike="noStrike">
+            <a:endParaRPr b="0" lang="en-IN" sz="4400" spc="-1" strike="noStrike">
               <a:solidFill>
                 <a:srgbClr val="000000"/>
               </a:solidFill>
@@ -9666,7 +9672,7 @@
         <p:spPr>
           <a:xfrm>
             <a:off x="1454400" y="4110120"/>
-            <a:ext cx="5370840" cy="638280"/>
+            <a:ext cx="5370480" cy="638280"/>
           </a:xfrm>
           <a:prstGeom prst="rect">
             <a:avLst/>
@@ -9705,7 +9711,7 @@
               </a:rPr>
               <a:t>{name}</a:t>
             </a:r>
-            <a:endParaRPr b="0" lang="en-US" sz="3600" spc="-1" strike="noStrike">
+            <a:endParaRPr b="0" lang="en-IN" sz="3600" spc="-1" strike="noStrike">
               <a:solidFill>
                 <a:srgbClr val="000000"/>
               </a:solidFill>
@@ -9723,7 +9729,7 @@
         <p:spPr>
           <a:xfrm>
             <a:off x="2985840" y="8685000"/>
-            <a:ext cx="4282920" cy="591840"/>
+            <a:ext cx="4282560" cy="591840"/>
           </a:xfrm>
           <a:prstGeom prst="rect">
             <a:avLst/>
@@ -9788,7 +9794,7 @@
               </a:rPr>
               <a:t>Australian Special Operations Taskforce HQ</a:t>
             </a:r>
-            <a:endParaRPr b="0" lang="en-US" sz="1100" spc="-1" strike="noStrike">
+            <a:endParaRPr b="0" lang="en-IN" sz="1100" spc="-1" strike="noStrike">
               <a:solidFill>
                 <a:srgbClr val="000000"/>
               </a:solidFill>
@@ -9806,7 +9812,7 @@
         <p:spPr>
           <a:xfrm>
             <a:off x="3721320" y="8197200"/>
-            <a:ext cx="2813400" cy="516240"/>
+            <a:ext cx="2813040" cy="516240"/>
           </a:xfrm>
           <a:prstGeom prst="rect">
             <a:avLst/>
@@ -9845,7 +9851,7 @@
               </a:rPr>
               <a:t>{signaturer}</a:t>
             </a:r>
-            <a:endParaRPr b="0" lang="en-US" sz="2800" spc="-1" strike="noStrike">
+            <a:endParaRPr b="0" lang="en-IN" sz="2800" spc="-1" strike="noStrike">
               <a:solidFill>
                 <a:srgbClr val="000000"/>
               </a:solidFill>
@@ -9863,7 +9869,7 @@
         <p:spPr>
           <a:xfrm flipH="1">
             <a:off x="3720960" y="8684280"/>
-            <a:ext cx="2814840" cy="720"/>
+            <a:ext cx="2815200" cy="1080"/>
           </a:xfrm>
           <a:prstGeom prst="straightConnector1">
             <a:avLst/>
@@ -9885,7 +9891,7 @@
         <p:spPr>
           <a:xfrm>
             <a:off x="886320" y="5655600"/>
-            <a:ext cx="6495840" cy="699480"/>
+            <a:ext cx="6495480" cy="699480"/>
           </a:xfrm>
           <a:prstGeom prst="rect">
             <a:avLst/>
@@ -9944,7 +9950,7 @@
               </a:rPr>
               <a:t> Commanding Officer, Australian Special Operations Taskforce, hereby promote</a:t>
             </a:r>
-            <a:endParaRPr b="0" lang="en-US" sz="2000" spc="-1" strike="noStrike">
+            <a:endParaRPr b="0" lang="en-IN" sz="2000" spc="-1" strike="noStrike">
               <a:solidFill>
                 <a:srgbClr val="000000"/>
               </a:solidFill>
@@ -9962,7 +9968,7 @@
         <p:spPr>
           <a:xfrm>
             <a:off x="817920" y="6433920"/>
-            <a:ext cx="6495840" cy="577080"/>
+            <a:ext cx="6495480" cy="577080"/>
           </a:xfrm>
           <a:prstGeom prst="rect">
             <a:avLst/>
@@ -10001,7 +10007,7 @@
               </a:rPr>
               <a:t>{name}</a:t>
             </a:r>
-            <a:endParaRPr b="0" lang="en-US" sz="3200" spc="-1" strike="noStrike">
+            <a:endParaRPr b="0" lang="en-IN" sz="3200" spc="-1" strike="noStrike">
               <a:solidFill>
                 <a:srgbClr val="000000"/>
               </a:solidFill>
@@ -10019,7 +10025,7 @@
         <p:spPr>
           <a:xfrm>
             <a:off x="873720" y="7107120"/>
-            <a:ext cx="6495840" cy="394560"/>
+            <a:ext cx="6495480" cy="394560"/>
           </a:xfrm>
           <a:prstGeom prst="rect">
             <a:avLst/>
@@ -10078,7 +10084,7 @@
               </a:rPr>
               <a:t>with effect {date}.</a:t>
             </a:r>
-            <a:endParaRPr b="0" lang="en-US" sz="2000" spc="-1" strike="noStrike">
+            <a:endParaRPr b="0" lang="en-IN" sz="2000" spc="-1" strike="noStrike">
               <a:solidFill>
                 <a:srgbClr val="000000"/>
               </a:solidFill>
@@ -10096,7 +10102,7 @@
         <p:spPr>
           <a:xfrm>
             <a:off x="897480" y="4820400"/>
-            <a:ext cx="6495840" cy="699480"/>
+            <a:ext cx="6495480" cy="699480"/>
           </a:xfrm>
           <a:prstGeom prst="rect">
             <a:avLst/>
@@ -10158,7 +10164,7 @@
               </a:rPr>
               <a:t>been deemed suitable in all areas required for promotion.</a:t>
             </a:r>
-            <a:endParaRPr b="0" lang="en-US" sz="2000" spc="-1" strike="noStrike">
+            <a:endParaRPr b="0" lang="en-IN" sz="2000" spc="-1" strike="noStrike">
               <a:solidFill>
                 <a:srgbClr val="000000"/>
               </a:solidFill>
@@ -10180,7 +10186,7 @@
         <p:spPr>
           <a:xfrm>
             <a:off x="3810240" y="1378440"/>
-            <a:ext cx="527760" cy="550080"/>
+            <a:ext cx="527400" cy="549720"/>
           </a:xfrm>
           <a:prstGeom prst="rect">
             <a:avLst/>
@@ -10203,7 +10209,7 @@
         <p:spPr>
           <a:xfrm>
             <a:off x="3810240" y="1942560"/>
-            <a:ext cx="527760" cy="550080"/>
+            <a:ext cx="527400" cy="549720"/>
           </a:xfrm>
           <a:prstGeom prst="rect">
             <a:avLst/>
@@ -10226,7 +10232,7 @@
         <p:spPr>
           <a:xfrm>
             <a:off x="3810240" y="2506680"/>
-            <a:ext cx="527760" cy="550080"/>
+            <a:ext cx="527400" cy="549720"/>
           </a:xfrm>
           <a:prstGeom prst="rect">
             <a:avLst/>
@@ -10278,8 +10284,8 @@
         </p:blipFill>
         <p:spPr>
           <a:xfrm rot="5400000">
-            <a:off x="-1120680" y="2058480"/>
-            <a:ext cx="10512360" cy="7117920"/>
+            <a:off x="-1119960" y="2058480"/>
+            <a:ext cx="10512000" cy="7117560"/>
           </a:xfrm>
           <a:prstGeom prst="rect">
             <a:avLst/>
@@ -10302,7 +10308,7 @@
         <p:spPr>
           <a:xfrm>
             <a:off x="714240" y="723960"/>
-            <a:ext cx="6703200" cy="9800640"/>
+            <a:ext cx="6702840" cy="9800280"/>
           </a:xfrm>
           <a:prstGeom prst="rect">
             <a:avLst/>
@@ -10325,8 +10331,8 @@
         </p:blipFill>
         <p:spPr>
           <a:xfrm rot="5400000">
-            <a:off x="-1508760" y="1477080"/>
-            <a:ext cx="11299680" cy="8279640"/>
+            <a:off x="-1508040" y="1476720"/>
+            <a:ext cx="11299320" cy="8279280"/>
           </a:xfrm>
           <a:prstGeom prst="rect">
             <a:avLst/>
@@ -10349,7 +10355,7 @@
         <p:spPr>
           <a:xfrm>
             <a:off x="1814040" y="8340840"/>
-            <a:ext cx="1443600" cy="1259640"/>
+            <a:ext cx="1443240" cy="1259280"/>
           </a:xfrm>
           <a:prstGeom prst="rect">
             <a:avLst/>
@@ -10368,7 +10374,7 @@
         <p:spPr>
           <a:xfrm>
             <a:off x="704160" y="3409560"/>
-            <a:ext cx="6723360" cy="759960"/>
+            <a:ext cx="6723000" cy="759960"/>
           </a:xfrm>
           <a:prstGeom prst="rect">
             <a:avLst/>
@@ -10407,7 +10413,7 @@
               </a:rPr>
               <a:t>Certificate Of Promotion</a:t>
             </a:r>
-            <a:endParaRPr b="0" lang="en-US" sz="4400" spc="-1" strike="noStrike">
+            <a:endParaRPr b="0" lang="en-IN" sz="4400" spc="-1" strike="noStrike">
               <a:solidFill>
                 <a:srgbClr val="000000"/>
               </a:solidFill>
@@ -10425,7 +10431,7 @@
         <p:spPr>
           <a:xfrm>
             <a:off x="1454400" y="4110120"/>
-            <a:ext cx="5370840" cy="638280"/>
+            <a:ext cx="5370480" cy="638280"/>
           </a:xfrm>
           <a:prstGeom prst="rect">
             <a:avLst/>
@@ -10464,7 +10470,7 @@
               </a:rPr>
               <a:t>{name}</a:t>
             </a:r>
-            <a:endParaRPr b="0" lang="en-US" sz="3600" spc="-1" strike="noStrike">
+            <a:endParaRPr b="0" lang="en-IN" sz="3600" spc="-1" strike="noStrike">
               <a:solidFill>
                 <a:srgbClr val="000000"/>
               </a:solidFill>
@@ -10482,7 +10488,7 @@
         <p:spPr>
           <a:xfrm>
             <a:off x="2985840" y="8685000"/>
-            <a:ext cx="4282920" cy="591840"/>
+            <a:ext cx="4282560" cy="591840"/>
           </a:xfrm>
           <a:prstGeom prst="rect">
             <a:avLst/>
@@ -10517,6 +10523,7 @@
                   <a:srgbClr val="000000"/>
                 </a:solidFill>
                 <a:latin typeface="Arial"/>
+                <a:ea typeface="DejaVu Sans"/>
               </a:rPr>
               <a:t>{signaturer}</a:t>
             </a:r>
@@ -10546,7 +10553,7 @@
               </a:rPr>
               <a:t>Australian Special Operations Taskforce HQ</a:t>
             </a:r>
-            <a:endParaRPr b="0" lang="en-US" sz="1100" spc="-1" strike="noStrike">
+            <a:endParaRPr b="0" lang="en-IN" sz="1100" spc="-1" strike="noStrike">
               <a:solidFill>
                 <a:srgbClr val="000000"/>
               </a:solidFill>
@@ -10564,7 +10571,7 @@
         <p:spPr>
           <a:xfrm>
             <a:off x="3721320" y="8197200"/>
-            <a:ext cx="2813400" cy="516240"/>
+            <a:ext cx="2813040" cy="516240"/>
           </a:xfrm>
           <a:prstGeom prst="rect">
             <a:avLst/>
@@ -10603,7 +10610,7 @@
               </a:rPr>
               <a:t>{signaturer}</a:t>
             </a:r>
-            <a:endParaRPr b="0" lang="en-US" sz="2800" spc="-1" strike="noStrike">
+            <a:endParaRPr b="0" lang="en-IN" sz="2800" spc="-1" strike="noStrike">
               <a:solidFill>
                 <a:srgbClr val="000000"/>
               </a:solidFill>
@@ -10621,7 +10628,7 @@
         <p:spPr>
           <a:xfrm flipH="1">
             <a:off x="3720960" y="8684280"/>
-            <a:ext cx="2814840" cy="720"/>
+            <a:ext cx="2815200" cy="1080"/>
           </a:xfrm>
           <a:prstGeom prst="straightConnector1">
             <a:avLst/>
@@ -10643,7 +10650,7 @@
         <p:spPr>
           <a:xfrm>
             <a:off x="886320" y="5655600"/>
-            <a:ext cx="6495840" cy="699480"/>
+            <a:ext cx="6495480" cy="699480"/>
           </a:xfrm>
           <a:prstGeom prst="rect">
             <a:avLst/>
@@ -10702,7 +10709,7 @@
               </a:rPr>
               <a:t> Commanding Officer, Australian Special Operations Taskforce, hereby promote</a:t>
             </a:r>
-            <a:endParaRPr b="0" lang="en-US" sz="2000" spc="-1" strike="noStrike">
+            <a:endParaRPr b="0" lang="en-IN" sz="2000" spc="-1" strike="noStrike">
               <a:solidFill>
                 <a:srgbClr val="000000"/>
               </a:solidFill>
@@ -10720,7 +10727,7 @@
         <p:spPr>
           <a:xfrm>
             <a:off x="817920" y="6433920"/>
-            <a:ext cx="6495840" cy="577080"/>
+            <a:ext cx="6495480" cy="577080"/>
           </a:xfrm>
           <a:prstGeom prst="rect">
             <a:avLst/>
@@ -10759,7 +10766,7 @@
               </a:rPr>
               <a:t>{name}</a:t>
             </a:r>
-            <a:endParaRPr b="0" lang="en-US" sz="3200" spc="-1" strike="noStrike">
+            <a:endParaRPr b="0" lang="en-IN" sz="3200" spc="-1" strike="noStrike">
               <a:solidFill>
                 <a:srgbClr val="000000"/>
               </a:solidFill>
@@ -10777,7 +10784,7 @@
         <p:spPr>
           <a:xfrm>
             <a:off x="873720" y="7107120"/>
-            <a:ext cx="6495840" cy="394560"/>
+            <a:ext cx="6495480" cy="394560"/>
           </a:xfrm>
           <a:prstGeom prst="rect">
             <a:avLst/>
@@ -10846,7 +10853,7 @@
               </a:rPr>
               <a:t>{date}</a:t>
             </a:r>
-            <a:endParaRPr b="0" lang="en-US" sz="2000" spc="-1" strike="noStrike">
+            <a:endParaRPr b="0" lang="en-IN" sz="2000" spc="-1" strike="noStrike">
               <a:solidFill>
                 <a:srgbClr val="000000"/>
               </a:solidFill>
@@ -10864,7 +10871,7 @@
         <p:spPr>
           <a:xfrm>
             <a:off x="897480" y="4820400"/>
-            <a:ext cx="6495840" cy="699480"/>
+            <a:ext cx="6495480" cy="699480"/>
           </a:xfrm>
           <a:prstGeom prst="rect">
             <a:avLst/>
@@ -10894,6 +10901,16 @@
               </a:tabLst>
             </a:pPr>
             <a:r>
+              <a:rPr b="0" i="1" lang="en-AU" sz="2000" spc="-1" strike="noStrike">
+                <a:solidFill>
+                  <a:srgbClr val="000000"/>
+                </a:solidFill>
+                <a:latin typeface="Times New Roman"/>
+                <a:ea typeface="Times New Roman"/>
+              </a:rPr>
+              <a:t>{name}</a:t>
+            </a:r>
+            <a:r>
               <a:rPr b="0" lang="en-AU" sz="2000" spc="-1" strike="noStrike">
                 <a:solidFill>
                   <a:srgbClr val="000000"/>
@@ -10901,17 +10918,7 @@
                 <a:latin typeface="Times New Roman"/>
                 <a:ea typeface="Times New Roman"/>
               </a:rPr>
-              <a:t>{name} </a:t>
-            </a:r>
-            <a:r>
-              <a:rPr b="0" lang="en-AU" sz="2000" spc="-1" strike="noStrike">
-                <a:solidFill>
-                  <a:srgbClr val="000000"/>
-                </a:solidFill>
-                <a:latin typeface="Times New Roman"/>
-                <a:ea typeface="Times New Roman"/>
-              </a:rPr>
-              <a:t>has completed all necessary trainings and </a:t>
+              <a:t> has completed all necessary trainings and </a:t>
             </a:r>
             <a:br>
               <a:rPr sz="2000"/>
@@ -10926,7 +10933,7 @@
               </a:rPr>
               <a:t>been deemed suitable in all areas required for promotion.</a:t>
             </a:r>
-            <a:endParaRPr b="0" lang="en-US" sz="2000" spc="-1" strike="noStrike">
+            <a:endParaRPr b="0" lang="en-IN" sz="2000" spc="-1" strike="noStrike">
               <a:solidFill>
                 <a:srgbClr val="000000"/>
               </a:solidFill>
@@ -10948,7 +10955,7 @@
         <p:spPr>
           <a:xfrm>
             <a:off x="3633480" y="2408400"/>
-            <a:ext cx="865080" cy="901440"/>
+            <a:ext cx="864720" cy="901080"/>
           </a:xfrm>
           <a:prstGeom prst="rect">
             <a:avLst/>
@@ -10971,7 +10978,7 @@
         <p:spPr>
           <a:xfrm>
             <a:off x="3633480" y="1383840"/>
-            <a:ext cx="865080" cy="901440"/>
+            <a:ext cx="864720" cy="901080"/>
           </a:xfrm>
           <a:prstGeom prst="rect">
             <a:avLst/>
@@ -11023,8 +11030,8 @@
         </p:blipFill>
         <p:spPr>
           <a:xfrm rot="5400000">
-            <a:off x="-1120680" y="2058480"/>
-            <a:ext cx="10512360" cy="7117920"/>
+            <a:off x="-1119960" y="2058480"/>
+            <a:ext cx="10512000" cy="7117560"/>
           </a:xfrm>
           <a:prstGeom prst="rect">
             <a:avLst/>
@@ -11047,7 +11054,7 @@
         <p:spPr>
           <a:xfrm>
             <a:off x="714240" y="723960"/>
-            <a:ext cx="6703200" cy="9800640"/>
+            <a:ext cx="6702840" cy="9800280"/>
           </a:xfrm>
           <a:prstGeom prst="rect">
             <a:avLst/>
@@ -11070,8 +11077,8 @@
         </p:blipFill>
         <p:spPr>
           <a:xfrm rot="5400000">
-            <a:off x="-1508760" y="1477080"/>
-            <a:ext cx="11299680" cy="8279640"/>
+            <a:off x="-1508040" y="1476720"/>
+            <a:ext cx="11299320" cy="8279280"/>
           </a:xfrm>
           <a:prstGeom prst="rect">
             <a:avLst/>
@@ -11094,7 +11101,7 @@
         <p:spPr>
           <a:xfrm>
             <a:off x="1814040" y="8340840"/>
-            <a:ext cx="1443600" cy="1259640"/>
+            <a:ext cx="1443240" cy="1259280"/>
           </a:xfrm>
           <a:prstGeom prst="rect">
             <a:avLst/>
@@ -11113,7 +11120,7 @@
         <p:spPr>
           <a:xfrm>
             <a:off x="704160" y="3409560"/>
-            <a:ext cx="6723360" cy="759960"/>
+            <a:ext cx="6723000" cy="759960"/>
           </a:xfrm>
           <a:prstGeom prst="rect">
             <a:avLst/>
@@ -11152,7 +11159,7 @@
               </a:rPr>
               <a:t>Certificate Of Promotion</a:t>
             </a:r>
-            <a:endParaRPr b="0" lang="en-US" sz="4400" spc="-1" strike="noStrike">
+            <a:endParaRPr b="0" lang="en-IN" sz="4400" spc="-1" strike="noStrike">
               <a:solidFill>
                 <a:srgbClr val="000000"/>
               </a:solidFill>
@@ -11170,7 +11177,7 @@
         <p:spPr>
           <a:xfrm>
             <a:off x="1454400" y="4110120"/>
-            <a:ext cx="5370840" cy="638280"/>
+            <a:ext cx="5370480" cy="638280"/>
           </a:xfrm>
           <a:prstGeom prst="rect">
             <a:avLst/>
@@ -11209,7 +11216,7 @@
               </a:rPr>
               <a:t>{name}</a:t>
             </a:r>
-            <a:endParaRPr b="0" lang="en-US" sz="3600" spc="-1" strike="noStrike">
+            <a:endParaRPr b="0" lang="en-IN" sz="3600" spc="-1" strike="noStrike">
               <a:solidFill>
                 <a:srgbClr val="000000"/>
               </a:solidFill>
@@ -11227,7 +11234,7 @@
         <p:spPr>
           <a:xfrm>
             <a:off x="2985840" y="8685000"/>
-            <a:ext cx="4282920" cy="591840"/>
+            <a:ext cx="4282560" cy="591840"/>
           </a:xfrm>
           <a:prstGeom prst="rect">
             <a:avLst/>
@@ -11262,6 +11269,7 @@
                   <a:srgbClr val="000000"/>
                 </a:solidFill>
                 <a:latin typeface="Times New Roman"/>
+                <a:ea typeface="DejaVu Sans"/>
               </a:rPr>
               <a:t>{signaturer}</a:t>
             </a:r>
@@ -11291,7 +11299,7 @@
               </a:rPr>
               <a:t>Australian Special Operations Taskforce HQ</a:t>
             </a:r>
-            <a:endParaRPr b="0" lang="en-US" sz="1100" spc="-1" strike="noStrike">
+            <a:endParaRPr b="0" lang="en-IN" sz="1100" spc="-1" strike="noStrike">
               <a:solidFill>
                 <a:srgbClr val="000000"/>
               </a:solidFill>
@@ -11309,7 +11317,7 @@
         <p:spPr>
           <a:xfrm>
             <a:off x="3721320" y="8197200"/>
-            <a:ext cx="2813400" cy="516240"/>
+            <a:ext cx="2813040" cy="516240"/>
           </a:xfrm>
           <a:prstGeom prst="rect">
             <a:avLst/>
@@ -11348,7 +11356,7 @@
               </a:rPr>
               <a:t>{signaturer}</a:t>
             </a:r>
-            <a:endParaRPr b="0" lang="en-US" sz="2800" spc="-1" strike="noStrike">
+            <a:endParaRPr b="0" lang="en-IN" sz="2800" spc="-1" strike="noStrike">
               <a:solidFill>
                 <a:srgbClr val="000000"/>
               </a:solidFill>
@@ -11366,7 +11374,7 @@
         <p:spPr>
           <a:xfrm flipH="1">
             <a:off x="3720960" y="8684280"/>
-            <a:ext cx="2814840" cy="720"/>
+            <a:ext cx="2815200" cy="1080"/>
           </a:xfrm>
           <a:prstGeom prst="straightConnector1">
             <a:avLst/>
@@ -11388,7 +11396,7 @@
         <p:spPr>
           <a:xfrm>
             <a:off x="886320" y="5655600"/>
-            <a:ext cx="6495840" cy="699480"/>
+            <a:ext cx="6495480" cy="699480"/>
           </a:xfrm>
           <a:prstGeom prst="rect">
             <a:avLst/>
@@ -11447,7 +11455,7 @@
               </a:rPr>
               <a:t> Commanding Officer, Australian Special Operations Taskforce, hereby promote</a:t>
             </a:r>
-            <a:endParaRPr b="0" lang="en-US" sz="2000" spc="-1" strike="noStrike">
+            <a:endParaRPr b="0" lang="en-IN" sz="2000" spc="-1" strike="noStrike">
               <a:solidFill>
                 <a:srgbClr val="000000"/>
               </a:solidFill>
@@ -11465,7 +11473,7 @@
         <p:spPr>
           <a:xfrm>
             <a:off x="817920" y="6433920"/>
-            <a:ext cx="6495840" cy="577080"/>
+            <a:ext cx="6495480" cy="577080"/>
           </a:xfrm>
           <a:prstGeom prst="rect">
             <a:avLst/>
@@ -11504,7 +11512,7 @@
               </a:rPr>
               <a:t>{name}</a:t>
             </a:r>
-            <a:endParaRPr b="0" lang="en-US" sz="3200" spc="-1" strike="noStrike">
+            <a:endParaRPr b="0" lang="en-IN" sz="3200" spc="-1" strike="noStrike">
               <a:solidFill>
                 <a:srgbClr val="000000"/>
               </a:solidFill>
@@ -11522,7 +11530,7 @@
         <p:spPr>
           <a:xfrm>
             <a:off x="873720" y="7107120"/>
-            <a:ext cx="6495840" cy="699480"/>
+            <a:ext cx="6495480" cy="699480"/>
           </a:xfrm>
           <a:prstGeom prst="rect">
             <a:avLst/>
@@ -11594,7 +11602,7 @@
               </a:rPr>
               <a:t>{date}.</a:t>
             </a:r>
-            <a:endParaRPr b="0" lang="en-US" sz="2000" spc="-1" strike="noStrike">
+            <a:endParaRPr b="0" lang="en-IN" sz="2000" spc="-1" strike="noStrike">
               <a:solidFill>
                 <a:srgbClr val="000000"/>
               </a:solidFill>
@@ -11612,7 +11620,7 @@
         <p:spPr>
           <a:xfrm>
             <a:off x="897480" y="4820400"/>
-            <a:ext cx="6495840" cy="699480"/>
+            <a:ext cx="6495480" cy="699480"/>
           </a:xfrm>
           <a:prstGeom prst="rect">
             <a:avLst/>
@@ -11674,7 +11682,7 @@
               </a:rPr>
               <a:t>been deemed suitable in all areas required for promotion.</a:t>
             </a:r>
-            <a:endParaRPr b="0" lang="en-US" sz="2000" spc="-1" strike="noStrike">
+            <a:endParaRPr b="0" lang="en-IN" sz="2000" spc="-1" strike="noStrike">
               <a:solidFill>
                 <a:srgbClr val="000000"/>
               </a:solidFill>
@@ -11696,7 +11704,7 @@
         <p:spPr>
           <a:xfrm>
             <a:off x="3434400" y="1394280"/>
-            <a:ext cx="1262880" cy="2014560"/>
+            <a:ext cx="1262520" cy="2014200"/>
           </a:xfrm>
           <a:prstGeom prst="rect">
             <a:avLst/>
@@ -11748,8 +11756,8 @@
         </p:blipFill>
         <p:spPr>
           <a:xfrm rot="5400000">
-            <a:off x="-1120680" y="2058480"/>
-            <a:ext cx="10512360" cy="7117920"/>
+            <a:off x="-1119960" y="2058480"/>
+            <a:ext cx="10512000" cy="7117560"/>
           </a:xfrm>
           <a:prstGeom prst="rect">
             <a:avLst/>
@@ -11772,7 +11780,7 @@
         <p:spPr>
           <a:xfrm>
             <a:off x="714240" y="723960"/>
-            <a:ext cx="6703200" cy="9800640"/>
+            <a:ext cx="6702840" cy="9800280"/>
           </a:xfrm>
           <a:prstGeom prst="rect">
             <a:avLst/>
@@ -11795,8 +11803,8 @@
         </p:blipFill>
         <p:spPr>
           <a:xfrm rot="5400000">
-            <a:off x="-1508760" y="1477080"/>
-            <a:ext cx="11299680" cy="8279640"/>
+            <a:off x="-1508040" y="1476720"/>
+            <a:ext cx="11299320" cy="8279280"/>
           </a:xfrm>
           <a:prstGeom prst="rect">
             <a:avLst/>
@@ -11819,7 +11827,7 @@
         <p:spPr>
           <a:xfrm>
             <a:off x="1814040" y="8340840"/>
-            <a:ext cx="1443600" cy="1259640"/>
+            <a:ext cx="1443240" cy="1259280"/>
           </a:xfrm>
           <a:prstGeom prst="rect">
             <a:avLst/>
@@ -11838,7 +11846,7 @@
         <p:spPr>
           <a:xfrm>
             <a:off x="704160" y="3409560"/>
-            <a:ext cx="6723360" cy="759960"/>
+            <a:ext cx="6723000" cy="759960"/>
           </a:xfrm>
           <a:prstGeom prst="rect">
             <a:avLst/>
@@ -11877,7 +11885,7 @@
               </a:rPr>
               <a:t>Certificate Of Promotion</a:t>
             </a:r>
-            <a:endParaRPr b="0" lang="en-US" sz="4400" spc="-1" strike="noStrike">
+            <a:endParaRPr b="0" lang="en-IN" sz="4400" spc="-1" strike="noStrike">
               <a:solidFill>
                 <a:srgbClr val="000000"/>
               </a:solidFill>
@@ -11895,7 +11903,7 @@
         <p:spPr>
           <a:xfrm>
             <a:off x="1454400" y="4110120"/>
-            <a:ext cx="5370840" cy="638280"/>
+            <a:ext cx="5370480" cy="638280"/>
           </a:xfrm>
           <a:prstGeom prst="rect">
             <a:avLst/>
@@ -11934,7 +11942,7 @@
               </a:rPr>
               <a:t>{name}</a:t>
             </a:r>
-            <a:endParaRPr b="0" lang="en-US" sz="3600" spc="-1" strike="noStrike">
+            <a:endParaRPr b="0" lang="en-IN" sz="3600" spc="-1" strike="noStrike">
               <a:solidFill>
                 <a:srgbClr val="000000"/>
               </a:solidFill>
@@ -11952,7 +11960,7 @@
         <p:spPr>
           <a:xfrm>
             <a:off x="2985840" y="8685000"/>
-            <a:ext cx="4282920" cy="591840"/>
+            <a:ext cx="4282560" cy="591840"/>
           </a:xfrm>
           <a:prstGeom prst="rect">
             <a:avLst/>
@@ -11987,6 +11995,7 @@
                   <a:srgbClr val="000000"/>
                 </a:solidFill>
                 <a:latin typeface="Times New Roman"/>
+                <a:ea typeface="DejaVu Sans"/>
               </a:rPr>
               <a:t>{signaturer}</a:t>
             </a:r>
@@ -12016,7 +12025,7 @@
               </a:rPr>
               <a:t>Australian Special Operations Taskforce HQ</a:t>
             </a:r>
-            <a:endParaRPr b="0" lang="en-US" sz="1100" spc="-1" strike="noStrike">
+            <a:endParaRPr b="0" lang="en-IN" sz="1100" spc="-1" strike="noStrike">
               <a:solidFill>
                 <a:srgbClr val="000000"/>
               </a:solidFill>
@@ -12034,7 +12043,7 @@
         <p:spPr>
           <a:xfrm>
             <a:off x="3721320" y="8197200"/>
-            <a:ext cx="2813400" cy="516240"/>
+            <a:ext cx="2813040" cy="516240"/>
           </a:xfrm>
           <a:prstGeom prst="rect">
             <a:avLst/>
@@ -12073,7 +12082,7 @@
               </a:rPr>
               <a:t>{signaturer}</a:t>
             </a:r>
-            <a:endParaRPr b="0" lang="en-US" sz="2800" spc="-1" strike="noStrike">
+            <a:endParaRPr b="0" lang="en-IN" sz="2800" spc="-1" strike="noStrike">
               <a:solidFill>
                 <a:srgbClr val="000000"/>
               </a:solidFill>
@@ -12091,7 +12100,7 @@
         <p:spPr>
           <a:xfrm flipH="1">
             <a:off x="3720960" y="8684280"/>
-            <a:ext cx="2814840" cy="720"/>
+            <a:ext cx="2815200" cy="1080"/>
           </a:xfrm>
           <a:prstGeom prst="straightConnector1">
             <a:avLst/>
@@ -12113,7 +12122,7 @@
         <p:spPr>
           <a:xfrm>
             <a:off x="886320" y="5655600"/>
-            <a:ext cx="6495840" cy="699480"/>
+            <a:ext cx="6495480" cy="699480"/>
           </a:xfrm>
           <a:prstGeom prst="rect">
             <a:avLst/>
@@ -12172,7 +12181,7 @@
               </a:rPr>
               <a:t> Commanding Officer, Australian Special Operations Taskforce, hereby promote</a:t>
             </a:r>
-            <a:endParaRPr b="0" lang="en-US" sz="2000" spc="-1" strike="noStrike">
+            <a:endParaRPr b="0" lang="en-IN" sz="2000" spc="-1" strike="noStrike">
               <a:solidFill>
                 <a:srgbClr val="000000"/>
               </a:solidFill>
@@ -12190,7 +12199,7 @@
         <p:spPr>
           <a:xfrm>
             <a:off x="817920" y="6433920"/>
-            <a:ext cx="6495840" cy="577080"/>
+            <a:ext cx="6495480" cy="577080"/>
           </a:xfrm>
           <a:prstGeom prst="rect">
             <a:avLst/>
@@ -12229,7 +12238,7 @@
               </a:rPr>
               <a:t>{name}</a:t>
             </a:r>
-            <a:endParaRPr b="0" lang="en-US" sz="3200" spc="-1" strike="noStrike">
+            <a:endParaRPr b="0" lang="en-IN" sz="3200" spc="-1" strike="noStrike">
               <a:solidFill>
                 <a:srgbClr val="000000"/>
               </a:solidFill>
@@ -12247,7 +12256,7 @@
         <p:spPr>
           <a:xfrm>
             <a:off x="873720" y="7107120"/>
-            <a:ext cx="6495840" cy="699480"/>
+            <a:ext cx="6495480" cy="699480"/>
           </a:xfrm>
           <a:prstGeom prst="rect">
             <a:avLst/>
@@ -12319,7 +12328,7 @@
               </a:rPr>
               <a:t>{date}.</a:t>
             </a:r>
-            <a:endParaRPr b="0" lang="en-US" sz="2000" spc="-1" strike="noStrike">
+            <a:endParaRPr b="0" lang="en-IN" sz="2000" spc="-1" strike="noStrike">
               <a:solidFill>
                 <a:srgbClr val="000000"/>
               </a:solidFill>
@@ -12337,7 +12346,7 @@
         <p:spPr>
           <a:xfrm>
             <a:off x="897480" y="4820400"/>
-            <a:ext cx="6495840" cy="699480"/>
+            <a:ext cx="6495480" cy="699480"/>
           </a:xfrm>
           <a:prstGeom prst="rect">
             <a:avLst/>
@@ -12399,7 +12408,7 @@
               </a:rPr>
               <a:t>been deemed suitable in all areas required for promotion.</a:t>
             </a:r>
-            <a:endParaRPr b="0" lang="en-US" sz="2000" spc="-1" strike="noStrike">
+            <a:endParaRPr b="0" lang="en-IN" sz="2000" spc="-1" strike="noStrike">
               <a:solidFill>
                 <a:srgbClr val="000000"/>
               </a:solidFill>
@@ -12421,7 +12430,7 @@
         <p:spPr>
           <a:xfrm>
             <a:off x="3432240" y="1385280"/>
-            <a:ext cx="1267200" cy="2021040"/>
+            <a:ext cx="1266840" cy="2020680"/>
           </a:xfrm>
           <a:prstGeom prst="rect">
             <a:avLst/>
@@ -12473,8 +12482,8 @@
         </p:blipFill>
         <p:spPr>
           <a:xfrm rot="5400000">
-            <a:off x="-1120680" y="2058480"/>
-            <a:ext cx="10512360" cy="7117920"/>
+            <a:off x="-1119960" y="2058480"/>
+            <a:ext cx="10512000" cy="7117560"/>
           </a:xfrm>
           <a:prstGeom prst="rect">
             <a:avLst/>
@@ -12497,7 +12506,7 @@
         <p:spPr>
           <a:xfrm>
             <a:off x="714240" y="723960"/>
-            <a:ext cx="6703200" cy="9800640"/>
+            <a:ext cx="6702840" cy="9800280"/>
           </a:xfrm>
           <a:prstGeom prst="rect">
             <a:avLst/>
@@ -12520,8 +12529,8 @@
         </p:blipFill>
         <p:spPr>
           <a:xfrm rot="5400000">
-            <a:off x="-1508760" y="1477080"/>
-            <a:ext cx="11299680" cy="8279640"/>
+            <a:off x="-1508040" y="1476720"/>
+            <a:ext cx="11299320" cy="8279280"/>
           </a:xfrm>
           <a:prstGeom prst="rect">
             <a:avLst/>
@@ -12544,7 +12553,7 @@
         <p:spPr>
           <a:xfrm>
             <a:off x="1814040" y="8340840"/>
-            <a:ext cx="1443600" cy="1259640"/>
+            <a:ext cx="1443240" cy="1259280"/>
           </a:xfrm>
           <a:prstGeom prst="rect">
             <a:avLst/>
@@ -12563,7 +12572,7 @@
         <p:spPr>
           <a:xfrm>
             <a:off x="704160" y="3409560"/>
-            <a:ext cx="6723360" cy="759960"/>
+            <a:ext cx="6723000" cy="759960"/>
           </a:xfrm>
           <a:prstGeom prst="rect">
             <a:avLst/>
@@ -12602,7 +12611,7 @@
               </a:rPr>
               <a:t>Certificate Of Promotion</a:t>
             </a:r>
-            <a:endParaRPr b="0" lang="en-US" sz="4400" spc="-1" strike="noStrike">
+            <a:endParaRPr b="0" lang="en-IN" sz="4400" spc="-1" strike="noStrike">
               <a:solidFill>
                 <a:srgbClr val="000000"/>
               </a:solidFill>
@@ -12620,7 +12629,7 @@
         <p:spPr>
           <a:xfrm>
             <a:off x="1454400" y="4110120"/>
-            <a:ext cx="5370840" cy="638280"/>
+            <a:ext cx="5370480" cy="638280"/>
           </a:xfrm>
           <a:prstGeom prst="rect">
             <a:avLst/>
@@ -12659,7 +12668,7 @@
               </a:rPr>
               <a:t>{name}</a:t>
             </a:r>
-            <a:endParaRPr b="0" lang="en-US" sz="3600" spc="-1" strike="noStrike">
+            <a:endParaRPr b="0" lang="en-IN" sz="3600" spc="-1" strike="noStrike">
               <a:solidFill>
                 <a:srgbClr val="000000"/>
               </a:solidFill>
@@ -12677,7 +12686,7 @@
         <p:spPr>
           <a:xfrm>
             <a:off x="2985840" y="8685000"/>
-            <a:ext cx="4282920" cy="591840"/>
+            <a:ext cx="4282560" cy="591840"/>
           </a:xfrm>
           <a:prstGeom prst="rect">
             <a:avLst/>
@@ -12712,6 +12721,7 @@
                   <a:srgbClr val="000000"/>
                 </a:solidFill>
                 <a:latin typeface="Times New Roman"/>
+                <a:ea typeface="DejaVu Sans"/>
               </a:rPr>
               <a:t>{signaturer}</a:t>
             </a:r>
@@ -12741,7 +12751,7 @@
               </a:rPr>
               <a:t>Australian Special Operations Taskforce HQ</a:t>
             </a:r>
-            <a:endParaRPr b="0" lang="en-US" sz="1100" spc="-1" strike="noStrike">
+            <a:endParaRPr b="0" lang="en-IN" sz="1100" spc="-1" strike="noStrike">
               <a:solidFill>
                 <a:srgbClr val="000000"/>
               </a:solidFill>
@@ -12759,7 +12769,7 @@
         <p:spPr>
           <a:xfrm>
             <a:off x="3721320" y="8197200"/>
-            <a:ext cx="2813400" cy="516240"/>
+            <a:ext cx="2813040" cy="516240"/>
           </a:xfrm>
           <a:prstGeom prst="rect">
             <a:avLst/>
@@ -12798,7 +12808,7 @@
               </a:rPr>
               <a:t>{signaturer}</a:t>
             </a:r>
-            <a:endParaRPr b="0" lang="en-US" sz="2800" spc="-1" strike="noStrike">
+            <a:endParaRPr b="0" lang="en-IN" sz="2800" spc="-1" strike="noStrike">
               <a:solidFill>
                 <a:srgbClr val="000000"/>
               </a:solidFill>
@@ -12816,7 +12826,7 @@
         <p:spPr>
           <a:xfrm flipH="1">
             <a:off x="3720960" y="8684280"/>
-            <a:ext cx="2814840" cy="720"/>
+            <a:ext cx="2815200" cy="1080"/>
           </a:xfrm>
           <a:prstGeom prst="straightConnector1">
             <a:avLst/>
@@ -12838,7 +12848,7 @@
         <p:spPr>
           <a:xfrm>
             <a:off x="886320" y="5655600"/>
-            <a:ext cx="6495840" cy="699480"/>
+            <a:ext cx="6495480" cy="699480"/>
           </a:xfrm>
           <a:prstGeom prst="rect">
             <a:avLst/>
@@ -12897,7 +12907,7 @@
               </a:rPr>
               <a:t> Commanding Officer, Australian Special Operations Taskforce, hereby promote</a:t>
             </a:r>
-            <a:endParaRPr b="0" lang="en-US" sz="2000" spc="-1" strike="noStrike">
+            <a:endParaRPr b="0" lang="en-IN" sz="2000" spc="-1" strike="noStrike">
               <a:solidFill>
                 <a:srgbClr val="000000"/>
               </a:solidFill>
@@ -12915,7 +12925,7 @@
         <p:spPr>
           <a:xfrm>
             <a:off x="817920" y="6433920"/>
-            <a:ext cx="6495840" cy="577080"/>
+            <a:ext cx="6495480" cy="577080"/>
           </a:xfrm>
           <a:prstGeom prst="rect">
             <a:avLst/>
@@ -12954,7 +12964,7 @@
               </a:rPr>
               <a:t>{name}</a:t>
             </a:r>
-            <a:endParaRPr b="0" lang="en-US" sz="3200" spc="-1" strike="noStrike">
+            <a:endParaRPr b="0" lang="en-IN" sz="3200" spc="-1" strike="noStrike">
               <a:solidFill>
                 <a:srgbClr val="000000"/>
               </a:solidFill>
@@ -12972,7 +12982,7 @@
         <p:spPr>
           <a:xfrm>
             <a:off x="873720" y="7107120"/>
-            <a:ext cx="6495840" cy="699480"/>
+            <a:ext cx="6495480" cy="699480"/>
           </a:xfrm>
           <a:prstGeom prst="rect">
             <a:avLst/>
@@ -13044,7 +13054,7 @@
               </a:rPr>
               <a:t>{date}.</a:t>
             </a:r>
-            <a:endParaRPr b="0" lang="en-US" sz="2000" spc="-1" strike="noStrike">
+            <a:endParaRPr b="0" lang="en-IN" sz="2000" spc="-1" strike="noStrike">
               <a:solidFill>
                 <a:srgbClr val="000000"/>
               </a:solidFill>
@@ -13062,7 +13072,7 @@
         <p:spPr>
           <a:xfrm>
             <a:off x="897480" y="4820400"/>
-            <a:ext cx="6495840" cy="699480"/>
+            <a:ext cx="6495480" cy="699480"/>
           </a:xfrm>
           <a:prstGeom prst="rect">
             <a:avLst/>
@@ -13124,7 +13134,7 @@
               </a:rPr>
               <a:t>been deemed suitable in all areas required for promotion.</a:t>
             </a:r>
-            <a:endParaRPr b="0" lang="en-US" sz="2000" spc="-1" strike="noStrike">
+            <a:endParaRPr b="0" lang="en-IN" sz="2000" spc="-1" strike="noStrike">
               <a:solidFill>
                 <a:srgbClr val="000000"/>
               </a:solidFill>
@@ -13146,7 +13156,7 @@
         <p:spPr>
           <a:xfrm>
             <a:off x="3432240" y="1317240"/>
-            <a:ext cx="1267200" cy="2021040"/>
+            <a:ext cx="1266840" cy="2020680"/>
           </a:xfrm>
           <a:prstGeom prst="rect">
             <a:avLst/>
@@ -13198,8 +13208,8 @@
         </p:blipFill>
         <p:spPr>
           <a:xfrm rot="5400000">
-            <a:off x="-1120680" y="2058480"/>
-            <a:ext cx="10512360" cy="7117920"/>
+            <a:off x="-1119960" y="2058480"/>
+            <a:ext cx="10512000" cy="7117560"/>
           </a:xfrm>
           <a:prstGeom prst="rect">
             <a:avLst/>
@@ -13222,7 +13232,7 @@
         <p:spPr>
           <a:xfrm>
             <a:off x="714240" y="723960"/>
-            <a:ext cx="6703200" cy="9800640"/>
+            <a:ext cx="6702840" cy="9800280"/>
           </a:xfrm>
           <a:prstGeom prst="rect">
             <a:avLst/>
@@ -13245,8 +13255,8 @@
         </p:blipFill>
         <p:spPr>
           <a:xfrm rot="5400000">
-            <a:off x="-1508760" y="1477080"/>
-            <a:ext cx="11299680" cy="8279640"/>
+            <a:off x="-1508040" y="1476720"/>
+            <a:ext cx="11299320" cy="8279280"/>
           </a:xfrm>
           <a:prstGeom prst="rect">
             <a:avLst/>
@@ -13269,7 +13279,7 @@
         <p:spPr>
           <a:xfrm>
             <a:off x="1814040" y="8340840"/>
-            <a:ext cx="1443600" cy="1259640"/>
+            <a:ext cx="1443240" cy="1259280"/>
           </a:xfrm>
           <a:prstGeom prst="rect">
             <a:avLst/>
@@ -13288,7 +13298,7 @@
         <p:spPr>
           <a:xfrm>
             <a:off x="704160" y="3409560"/>
-            <a:ext cx="6723360" cy="759960"/>
+            <a:ext cx="6723000" cy="759960"/>
           </a:xfrm>
           <a:prstGeom prst="rect">
             <a:avLst/>
@@ -13327,7 +13337,7 @@
               </a:rPr>
               <a:t>Certificate Of Promotion</a:t>
             </a:r>
-            <a:endParaRPr b="0" lang="en-US" sz="4400" spc="-1" strike="noStrike">
+            <a:endParaRPr b="0" lang="en-IN" sz="4400" spc="-1" strike="noStrike">
               <a:solidFill>
                 <a:srgbClr val="000000"/>
               </a:solidFill>
@@ -13345,7 +13355,7 @@
         <p:spPr>
           <a:xfrm>
             <a:off x="1454400" y="4110120"/>
-            <a:ext cx="5370840" cy="638280"/>
+            <a:ext cx="5370480" cy="638280"/>
           </a:xfrm>
           <a:prstGeom prst="rect">
             <a:avLst/>
@@ -13384,7 +13394,7 @@
               </a:rPr>
               <a:t>{name}</a:t>
             </a:r>
-            <a:endParaRPr b="0" lang="en-US" sz="3600" spc="-1" strike="noStrike">
+            <a:endParaRPr b="0" lang="en-IN" sz="3600" spc="-1" strike="noStrike">
               <a:solidFill>
                 <a:srgbClr val="000000"/>
               </a:solidFill>
@@ -13402,7 +13412,7 @@
         <p:spPr>
           <a:xfrm>
             <a:off x="2985840" y="8685000"/>
-            <a:ext cx="4282920" cy="591840"/>
+            <a:ext cx="4282560" cy="591840"/>
           </a:xfrm>
           <a:prstGeom prst="rect">
             <a:avLst/>
@@ -13437,6 +13447,7 @@
                   <a:srgbClr val="000000"/>
                 </a:solidFill>
                 <a:latin typeface="Arial"/>
+                <a:ea typeface="DejaVu Sans"/>
               </a:rPr>
               <a:t>{signaturer}</a:t>
             </a:r>
@@ -13466,7 +13477,7 @@
               </a:rPr>
               <a:t>Australian Special Operations Taskforce HQ</a:t>
             </a:r>
-            <a:endParaRPr b="0" lang="en-US" sz="1100" spc="-1" strike="noStrike">
+            <a:endParaRPr b="0" lang="en-IN" sz="1100" spc="-1" strike="noStrike">
               <a:solidFill>
                 <a:srgbClr val="000000"/>
               </a:solidFill>
@@ -13484,7 +13495,7 @@
         <p:spPr>
           <a:xfrm>
             <a:off x="3721320" y="8197200"/>
-            <a:ext cx="2813400" cy="516240"/>
+            <a:ext cx="2813040" cy="516240"/>
           </a:xfrm>
           <a:prstGeom prst="rect">
             <a:avLst/>
@@ -13523,7 +13534,7 @@
               </a:rPr>
               <a:t>{signaturer}</a:t>
             </a:r>
-            <a:endParaRPr b="0" lang="en-US" sz="2800" spc="-1" strike="noStrike">
+            <a:endParaRPr b="0" lang="en-IN" sz="2800" spc="-1" strike="noStrike">
               <a:solidFill>
                 <a:srgbClr val="000000"/>
               </a:solidFill>
@@ -13541,7 +13552,7 @@
         <p:spPr>
           <a:xfrm flipH="1">
             <a:off x="3720960" y="8684280"/>
-            <a:ext cx="2814840" cy="720"/>
+            <a:ext cx="2815200" cy="1080"/>
           </a:xfrm>
           <a:prstGeom prst="straightConnector1">
             <a:avLst/>
@@ -13563,7 +13574,7 @@
         <p:spPr>
           <a:xfrm>
             <a:off x="886320" y="5655600"/>
-            <a:ext cx="6495840" cy="699480"/>
+            <a:ext cx="6495480" cy="699480"/>
           </a:xfrm>
           <a:prstGeom prst="rect">
             <a:avLst/>
@@ -13622,7 +13633,7 @@
               </a:rPr>
               <a:t> Commanding Officer, Australian Special Operations Taskforce, hereby promote</a:t>
             </a:r>
-            <a:endParaRPr b="0" lang="en-US" sz="2000" spc="-1" strike="noStrike">
+            <a:endParaRPr b="0" lang="en-IN" sz="2000" spc="-1" strike="noStrike">
               <a:solidFill>
                 <a:srgbClr val="000000"/>
               </a:solidFill>
@@ -13640,7 +13651,7 @@
         <p:spPr>
           <a:xfrm>
             <a:off x="817920" y="6433920"/>
-            <a:ext cx="6495840" cy="577080"/>
+            <a:ext cx="6495480" cy="577080"/>
           </a:xfrm>
           <a:prstGeom prst="rect">
             <a:avLst/>
@@ -13679,7 +13690,7 @@
               </a:rPr>
               <a:t>{name}</a:t>
             </a:r>
-            <a:endParaRPr b="0" lang="en-US" sz="3200" spc="-1" strike="noStrike">
+            <a:endParaRPr b="0" lang="en-IN" sz="3200" spc="-1" strike="noStrike">
               <a:solidFill>
                 <a:srgbClr val="000000"/>
               </a:solidFill>
@@ -13697,7 +13708,7 @@
         <p:spPr>
           <a:xfrm>
             <a:off x="873720" y="7107120"/>
-            <a:ext cx="6495840" cy="699480"/>
+            <a:ext cx="6495480" cy="699480"/>
           </a:xfrm>
           <a:prstGeom prst="rect">
             <a:avLst/>
@@ -13769,7 +13780,7 @@
               </a:rPr>
               <a:t>{date}.</a:t>
             </a:r>
-            <a:endParaRPr b="0" lang="en-US" sz="2000" spc="-1" strike="noStrike">
+            <a:endParaRPr b="0" lang="en-IN" sz="2000" spc="-1" strike="noStrike">
               <a:solidFill>
                 <a:srgbClr val="000000"/>
               </a:solidFill>
@@ -13787,7 +13798,7 @@
         <p:spPr>
           <a:xfrm>
             <a:off x="931680" y="4937040"/>
-            <a:ext cx="6495840" cy="699480"/>
+            <a:ext cx="6495480" cy="699480"/>
           </a:xfrm>
           <a:prstGeom prst="rect">
             <a:avLst/>
@@ -13846,7 +13857,7 @@
               </a:rPr>
               <a:t>has completed all necessary trainings and been deemed suitable in all areas required for promotion.</a:t>
             </a:r>
-            <a:endParaRPr b="0" lang="en-US" sz="2000" spc="-1" strike="noStrike">
+            <a:endParaRPr b="0" lang="en-IN" sz="2000" spc="-1" strike="noStrike">
               <a:solidFill>
                 <a:srgbClr val="000000"/>
               </a:solidFill>
@@ -13868,7 +13879,7 @@
         <p:spPr>
           <a:xfrm>
             <a:off x="3081600" y="1530000"/>
-            <a:ext cx="1958760" cy="1514520"/>
+            <a:ext cx="1958400" cy="1514160"/>
           </a:xfrm>
           <a:prstGeom prst="rect">
             <a:avLst/>
@@ -14037,17 +14048,6 @@
               </a:srgbClr>
             </a:outerShdw>
           </a:effectLst>
-          <a:scene3d>
-            <a:camera prst="orthographicFront">
-              <a:rot lat="0" lon="0" rev="0"/>
-            </a:camera>
-            <a:lightRig rig="threePt" dir="t">
-              <a:rot lat="0" lon="0" rev="1200000"/>
-            </a:lightRig>
-          </a:scene3d>
-          <a:sp3d>
-            <a:bevelT w="63500" h="25400"/>
-          </a:sp3d>
         </a:effectStyle>
       </a:effectStyleLst>
       <a:bgFillStyleLst>

--- a/templates/Bulk Template.pptx
+++ b/templates/Bulk Template.pptx
@@ -77,7 +77,7 @@
         <p:txBody>
           <a:bodyPr/>
           <a:p>
-            <a:fld id="{F5E13921-29AF-451E-BB71-D4D561BD036E}" type="slidenum">
+            <a:fld id="{15320D66-1868-40BE-AD5F-4636993E1914}" type="slidenum">
               <a:t>&lt;#&gt;</a:t>
             </a:fld>
           </a:p>
@@ -98,7 +98,7 @@
           <a:bodyPr/>
           <a:p>
             <a:r>
-              <a:rPr lang="en-IN"/>
+              <a:rPr lang="en-US"/>
               <a:t/>
             </a:r>
           </a:p>
@@ -138,8 +138,8 @@
         </p:nvSpPr>
         <p:spPr>
           <a:xfrm>
-            <a:off x="621000" y="1844280"/>
-            <a:ext cx="7037280" cy="3921840"/>
+            <a:off x="414000" y="449280"/>
+            <a:ext cx="7451640" cy="1881360"/>
           </a:xfrm>
           <a:prstGeom prst="rect">
             <a:avLst/>
@@ -157,7 +157,7 @@
             <a:pPr indent="0" algn="ctr">
               <a:buNone/>
             </a:pPr>
-            <a:endParaRPr b="0" lang="en-IN" sz="4400" spc="-1" strike="noStrike">
+            <a:endParaRPr b="0" lang="en-US" sz="4400" spc="-1" strike="noStrike">
               <a:solidFill>
                 <a:srgbClr val="000000"/>
               </a:solidFill>
@@ -179,7 +179,7 @@
         <p:spPr>
           <a:xfrm>
             <a:off x="414000" y="2636640"/>
-            <a:ext cx="7451280" cy="3116880"/>
+            <a:ext cx="7451640" cy="3116880"/>
           </a:xfrm>
           <a:prstGeom prst="rect">
             <a:avLst/>
@@ -200,7 +200,7 @@
               </a:spcBef>
               <a:buNone/>
             </a:pPr>
-            <a:endParaRPr b="0" lang="en-IN" sz="3200" spc="-1" strike="noStrike">
+            <a:endParaRPr b="0" lang="en-US" sz="3200" spc="-1" strike="noStrike">
               <a:solidFill>
                 <a:srgbClr val="000000"/>
               </a:solidFill>
@@ -222,7 +222,7 @@
         <p:spPr>
           <a:xfrm>
             <a:off x="414000" y="6050160"/>
-            <a:ext cx="7451280" cy="3116880"/>
+            <a:ext cx="7451640" cy="3116880"/>
           </a:xfrm>
           <a:prstGeom prst="rect">
             <a:avLst/>
@@ -243,7 +243,7 @@
               </a:spcBef>
               <a:buNone/>
             </a:pPr>
-            <a:endParaRPr b="0" lang="en-IN" sz="3200" spc="-1" strike="noStrike">
+            <a:endParaRPr b="0" lang="en-US" sz="3200" spc="-1" strike="noStrike">
               <a:solidFill>
                 <a:srgbClr val="000000"/>
               </a:solidFill>
@@ -286,7 +286,7 @@
         <p:txBody>
           <a:bodyPr/>
           <a:p>
-            <a:fld id="{97F7B317-F81B-4128-9854-94F40CF75CBB}" type="slidenum">
+            <a:fld id="{DAAF03DB-CCBC-442C-83B4-E2A243CA0CB0}" type="slidenum">
               <a:t>&lt;#&gt;</a:t>
             </a:fld>
           </a:p>
@@ -307,7 +307,7 @@
           <a:bodyPr/>
           <a:p>
             <a:r>
-              <a:rPr lang="en-IN"/>
+              <a:rPr lang="en-US"/>
               <a:t/>
             </a:r>
           </a:p>
@@ -347,8 +347,8 @@
         </p:nvSpPr>
         <p:spPr>
           <a:xfrm>
-            <a:off x="621000" y="1844280"/>
-            <a:ext cx="7037280" cy="3921840"/>
+            <a:off x="414000" y="449280"/>
+            <a:ext cx="7451640" cy="1881360"/>
           </a:xfrm>
           <a:prstGeom prst="rect">
             <a:avLst/>
@@ -366,7 +366,7 @@
             <a:pPr indent="0" algn="ctr">
               <a:buNone/>
             </a:pPr>
-            <a:endParaRPr b="0" lang="en-IN" sz="4400" spc="-1" strike="noStrike">
+            <a:endParaRPr b="0" lang="en-US" sz="4400" spc="-1" strike="noStrike">
               <a:solidFill>
                 <a:srgbClr val="000000"/>
               </a:solidFill>
@@ -388,7 +388,7 @@
         <p:spPr>
           <a:xfrm>
             <a:off x="414000" y="2636640"/>
-            <a:ext cx="3636000" cy="3116880"/>
+            <a:ext cx="3636360" cy="3116880"/>
           </a:xfrm>
           <a:prstGeom prst="rect">
             <a:avLst/>
@@ -409,7 +409,7 @@
               </a:spcBef>
               <a:buNone/>
             </a:pPr>
-            <a:endParaRPr b="0" lang="en-IN" sz="3200" spc="-1" strike="noStrike">
+            <a:endParaRPr b="0" lang="en-US" sz="3200" spc="-1" strike="noStrike">
               <a:solidFill>
                 <a:srgbClr val="000000"/>
               </a:solidFill>
@@ -430,8 +430,8 @@
         </p:nvSpPr>
         <p:spPr>
           <a:xfrm>
-            <a:off x="4232160" y="2636640"/>
-            <a:ext cx="3636000" cy="3116880"/>
+            <a:off x="4232520" y="2636640"/>
+            <a:ext cx="3636360" cy="3116880"/>
           </a:xfrm>
           <a:prstGeom prst="rect">
             <a:avLst/>
@@ -452,7 +452,7 @@
               </a:spcBef>
               <a:buNone/>
             </a:pPr>
-            <a:endParaRPr b="0" lang="en-IN" sz="3200" spc="-1" strike="noStrike">
+            <a:endParaRPr b="0" lang="en-US" sz="3200" spc="-1" strike="noStrike">
               <a:solidFill>
                 <a:srgbClr val="000000"/>
               </a:solidFill>
@@ -474,7 +474,7 @@
         <p:spPr>
           <a:xfrm>
             <a:off x="414000" y="6050160"/>
-            <a:ext cx="3636000" cy="3116880"/>
+            <a:ext cx="3636360" cy="3116880"/>
           </a:xfrm>
           <a:prstGeom prst="rect">
             <a:avLst/>
@@ -495,7 +495,7 @@
               </a:spcBef>
               <a:buNone/>
             </a:pPr>
-            <a:endParaRPr b="0" lang="en-IN" sz="3200" spc="-1" strike="noStrike">
+            <a:endParaRPr b="0" lang="en-US" sz="3200" spc="-1" strike="noStrike">
               <a:solidFill>
                 <a:srgbClr val="000000"/>
               </a:solidFill>
@@ -516,8 +516,8 @@
         </p:nvSpPr>
         <p:spPr>
           <a:xfrm>
-            <a:off x="4232160" y="6050160"/>
-            <a:ext cx="3636000" cy="3116880"/>
+            <a:off x="4232520" y="6050160"/>
+            <a:ext cx="3636360" cy="3116880"/>
           </a:xfrm>
           <a:prstGeom prst="rect">
             <a:avLst/>
@@ -538,7 +538,7 @@
               </a:spcBef>
               <a:buNone/>
             </a:pPr>
-            <a:endParaRPr b="0" lang="en-IN" sz="3200" spc="-1" strike="noStrike">
+            <a:endParaRPr b="0" lang="en-US" sz="3200" spc="-1" strike="noStrike">
               <a:solidFill>
                 <a:srgbClr val="000000"/>
               </a:solidFill>
@@ -581,7 +581,7 @@
         <p:txBody>
           <a:bodyPr/>
           <a:p>
-            <a:fld id="{976A85B1-9986-42A3-BD8E-58342FF964E4}" type="slidenum">
+            <a:fld id="{0B5BC386-37BB-4083-AD8F-064FD7F1B36F}" type="slidenum">
               <a:t>&lt;#&gt;</a:t>
             </a:fld>
           </a:p>
@@ -602,7 +602,7 @@
           <a:bodyPr/>
           <a:p>
             <a:r>
-              <a:rPr lang="en-IN"/>
+              <a:rPr lang="en-US"/>
               <a:t/>
             </a:r>
           </a:p>
@@ -642,8 +642,8 @@
         </p:nvSpPr>
         <p:spPr>
           <a:xfrm>
-            <a:off x="621000" y="1844280"/>
-            <a:ext cx="7037280" cy="3921840"/>
+            <a:off x="414000" y="449280"/>
+            <a:ext cx="7451640" cy="1881360"/>
           </a:xfrm>
           <a:prstGeom prst="rect">
             <a:avLst/>
@@ -661,7 +661,7 @@
             <a:pPr indent="0" algn="ctr">
               <a:buNone/>
             </a:pPr>
-            <a:endParaRPr b="0" lang="en-IN" sz="4400" spc="-1" strike="noStrike">
+            <a:endParaRPr b="0" lang="en-US" sz="4400" spc="-1" strike="noStrike">
               <a:solidFill>
                 <a:srgbClr val="000000"/>
               </a:solidFill>
@@ -704,7 +704,7 @@
               </a:spcBef>
               <a:buNone/>
             </a:pPr>
-            <a:endParaRPr b="0" lang="en-IN" sz="3200" spc="-1" strike="noStrike">
+            <a:endParaRPr b="0" lang="en-US" sz="3200" spc="-1" strike="noStrike">
               <a:solidFill>
                 <a:srgbClr val="000000"/>
               </a:solidFill>
@@ -747,7 +747,7 @@
               </a:spcBef>
               <a:buNone/>
             </a:pPr>
-            <a:endParaRPr b="0" lang="en-IN" sz="3200" spc="-1" strike="noStrike">
+            <a:endParaRPr b="0" lang="en-US" sz="3200" spc="-1" strike="noStrike">
               <a:solidFill>
                 <a:srgbClr val="000000"/>
               </a:solidFill>
@@ -790,7 +790,7 @@
               </a:spcBef>
               <a:buNone/>
             </a:pPr>
-            <a:endParaRPr b="0" lang="en-IN" sz="3200" spc="-1" strike="noStrike">
+            <a:endParaRPr b="0" lang="en-US" sz="3200" spc="-1" strike="noStrike">
               <a:solidFill>
                 <a:srgbClr val="000000"/>
               </a:solidFill>
@@ -833,7 +833,7 @@
               </a:spcBef>
               <a:buNone/>
             </a:pPr>
-            <a:endParaRPr b="0" lang="en-IN" sz="3200" spc="-1" strike="noStrike">
+            <a:endParaRPr b="0" lang="en-US" sz="3200" spc="-1" strike="noStrike">
               <a:solidFill>
                 <a:srgbClr val="000000"/>
               </a:solidFill>
@@ -876,7 +876,7 @@
               </a:spcBef>
               <a:buNone/>
             </a:pPr>
-            <a:endParaRPr b="0" lang="en-IN" sz="3200" spc="-1" strike="noStrike">
+            <a:endParaRPr b="0" lang="en-US" sz="3200" spc="-1" strike="noStrike">
               <a:solidFill>
                 <a:srgbClr val="000000"/>
               </a:solidFill>
@@ -919,7 +919,7 @@
               </a:spcBef>
               <a:buNone/>
             </a:pPr>
-            <a:endParaRPr b="0" lang="en-IN" sz="3200" spc="-1" strike="noStrike">
+            <a:endParaRPr b="0" lang="en-US" sz="3200" spc="-1" strike="noStrike">
               <a:solidFill>
                 <a:srgbClr val="000000"/>
               </a:solidFill>
@@ -962,7 +962,7 @@
         <p:txBody>
           <a:bodyPr/>
           <a:p>
-            <a:fld id="{6C367958-8D87-44DD-A2E0-6E5C8183C819}" type="slidenum">
+            <a:fld id="{2D8DE78A-A040-4D38-8EBC-5620D1E20E2E}" type="slidenum">
               <a:t>&lt;#&gt;</a:t>
             </a:fld>
           </a:p>
@@ -983,7 +983,7 @@
           <a:bodyPr/>
           <a:p>
             <a:r>
-              <a:rPr lang="en-IN"/>
+              <a:rPr lang="en-US"/>
               <a:t/>
             </a:r>
           </a:p>
@@ -1023,8 +1023,8 @@
         </p:nvSpPr>
         <p:spPr>
           <a:xfrm>
-            <a:off x="621000" y="1844280"/>
-            <a:ext cx="7037280" cy="3921840"/>
+            <a:off x="414000" y="449280"/>
+            <a:ext cx="7451640" cy="1881360"/>
           </a:xfrm>
           <a:prstGeom prst="rect">
             <a:avLst/>
@@ -1042,7 +1042,7 @@
             <a:pPr indent="0" algn="ctr">
               <a:buNone/>
             </a:pPr>
-            <a:endParaRPr b="0" lang="en-IN" sz="4400" spc="-1" strike="noStrike">
+            <a:endParaRPr b="0" lang="en-US" sz="4400" spc="-1" strike="noStrike">
               <a:solidFill>
                 <a:srgbClr val="000000"/>
               </a:solidFill>
@@ -1064,7 +1064,7 @@
         <p:spPr>
           <a:xfrm>
             <a:off x="414000" y="2636640"/>
-            <a:ext cx="7451280" cy="6534720"/>
+            <a:ext cx="7451640" cy="6535080"/>
           </a:xfrm>
           <a:prstGeom prst="rect">
             <a:avLst/>
@@ -1082,7 +1082,7 @@
             <a:pPr indent="0" algn="ctr">
               <a:buNone/>
             </a:pPr>
-            <a:endParaRPr b="0" lang="en-IN" sz="3200" spc="-1" strike="noStrike">
+            <a:endParaRPr b="0" lang="en-US" sz="3200" spc="-1" strike="noStrike">
               <a:solidFill>
                 <a:srgbClr val="000000"/>
               </a:solidFill>
@@ -1125,7 +1125,7 @@
         <p:txBody>
           <a:bodyPr/>
           <a:p>
-            <a:fld id="{B6E2A69E-8500-4D91-804C-C1C08694E9D1}" type="slidenum">
+            <a:fld id="{5C6F3535-9246-429B-9240-B596BF22351F}" type="slidenum">
               <a:t>&lt;#&gt;</a:t>
             </a:fld>
           </a:p>
@@ -1146,7 +1146,7 @@
           <a:bodyPr/>
           <a:p>
             <a:r>
-              <a:rPr lang="en-IN"/>
+              <a:rPr lang="en-US"/>
               <a:t/>
             </a:r>
           </a:p>
@@ -1186,8 +1186,8 @@
         </p:nvSpPr>
         <p:spPr>
           <a:xfrm>
-            <a:off x="621000" y="1844280"/>
-            <a:ext cx="7037280" cy="3921840"/>
+            <a:off x="414000" y="449280"/>
+            <a:ext cx="7451640" cy="1881360"/>
           </a:xfrm>
           <a:prstGeom prst="rect">
             <a:avLst/>
@@ -1205,7 +1205,7 @@
             <a:pPr indent="0" algn="ctr">
               <a:buNone/>
             </a:pPr>
-            <a:endParaRPr b="0" lang="en-IN" sz="4400" spc="-1" strike="noStrike">
+            <a:endParaRPr b="0" lang="en-US" sz="4400" spc="-1" strike="noStrike">
               <a:solidFill>
                 <a:srgbClr val="000000"/>
               </a:solidFill>
@@ -1227,7 +1227,7 @@
         <p:spPr>
           <a:xfrm>
             <a:off x="414000" y="2636640"/>
-            <a:ext cx="7451280" cy="6534720"/>
+            <a:ext cx="7451640" cy="6535080"/>
           </a:xfrm>
           <a:prstGeom prst="rect">
             <a:avLst/>
@@ -1248,7 +1248,7 @@
               </a:spcBef>
               <a:buNone/>
             </a:pPr>
-            <a:endParaRPr b="0" lang="en-IN" sz="3200" spc="-1" strike="noStrike">
+            <a:endParaRPr b="0" lang="en-US" sz="3200" spc="-1" strike="noStrike">
               <a:solidFill>
                 <a:srgbClr val="000000"/>
               </a:solidFill>
@@ -1291,7 +1291,7 @@
         <p:txBody>
           <a:bodyPr/>
           <a:p>
-            <a:fld id="{0C68BB6F-7D56-4B95-A1BF-C3E06917AE93}" type="slidenum">
+            <a:fld id="{22EFE5A3-548E-4103-8985-F4A279204D3C}" type="slidenum">
               <a:t>&lt;#&gt;</a:t>
             </a:fld>
           </a:p>
@@ -1312,7 +1312,7 @@
           <a:bodyPr/>
           <a:p>
             <a:r>
-              <a:rPr lang="en-IN"/>
+              <a:rPr lang="en-US"/>
               <a:t/>
             </a:r>
           </a:p>
@@ -1352,8 +1352,8 @@
         </p:nvSpPr>
         <p:spPr>
           <a:xfrm>
-            <a:off x="621000" y="1844280"/>
-            <a:ext cx="7037280" cy="3921840"/>
+            <a:off x="414000" y="449280"/>
+            <a:ext cx="7451640" cy="1881360"/>
           </a:xfrm>
           <a:prstGeom prst="rect">
             <a:avLst/>
@@ -1371,7 +1371,7 @@
             <a:pPr indent="0" algn="ctr">
               <a:buNone/>
             </a:pPr>
-            <a:endParaRPr b="0" lang="en-IN" sz="4400" spc="-1" strike="noStrike">
+            <a:endParaRPr b="0" lang="en-US" sz="4400" spc="-1" strike="noStrike">
               <a:solidFill>
                 <a:srgbClr val="000000"/>
               </a:solidFill>
@@ -1393,7 +1393,7 @@
         <p:spPr>
           <a:xfrm>
             <a:off x="414000" y="2636640"/>
-            <a:ext cx="3636000" cy="6534720"/>
+            <a:ext cx="3636360" cy="6535080"/>
           </a:xfrm>
           <a:prstGeom prst="rect">
             <a:avLst/>
@@ -1414,7 +1414,7 @@
               </a:spcBef>
               <a:buNone/>
             </a:pPr>
-            <a:endParaRPr b="0" lang="en-IN" sz="3200" spc="-1" strike="noStrike">
+            <a:endParaRPr b="0" lang="en-US" sz="3200" spc="-1" strike="noStrike">
               <a:solidFill>
                 <a:srgbClr val="000000"/>
               </a:solidFill>
@@ -1435,8 +1435,8 @@
         </p:nvSpPr>
         <p:spPr>
           <a:xfrm>
-            <a:off x="4232160" y="2636640"/>
-            <a:ext cx="3636000" cy="6534720"/>
+            <a:off x="4232520" y="2636640"/>
+            <a:ext cx="3636360" cy="6535080"/>
           </a:xfrm>
           <a:prstGeom prst="rect">
             <a:avLst/>
@@ -1457,7 +1457,7 @@
               </a:spcBef>
               <a:buNone/>
             </a:pPr>
-            <a:endParaRPr b="0" lang="en-IN" sz="3200" spc="-1" strike="noStrike">
+            <a:endParaRPr b="0" lang="en-US" sz="3200" spc="-1" strike="noStrike">
               <a:solidFill>
                 <a:srgbClr val="000000"/>
               </a:solidFill>
@@ -1500,7 +1500,7 @@
         <p:txBody>
           <a:bodyPr/>
           <a:p>
-            <a:fld id="{B6C06255-F392-4551-91A1-1D3B9E24C247}" type="slidenum">
+            <a:fld id="{EB0267E3-8C84-4D3D-BA0A-0D7F79DDB4F7}" type="slidenum">
               <a:t>&lt;#&gt;</a:t>
             </a:fld>
           </a:p>
@@ -1521,7 +1521,7 @@
           <a:bodyPr/>
           <a:p>
             <a:r>
-              <a:rPr lang="en-IN"/>
+              <a:rPr lang="en-US"/>
               <a:t/>
             </a:r>
           </a:p>
@@ -1561,8 +1561,8 @@
         </p:nvSpPr>
         <p:spPr>
           <a:xfrm>
-            <a:off x="621000" y="1844280"/>
-            <a:ext cx="7037280" cy="3921840"/>
+            <a:off x="414000" y="449280"/>
+            <a:ext cx="7451640" cy="1881360"/>
           </a:xfrm>
           <a:prstGeom prst="rect">
             <a:avLst/>
@@ -1580,7 +1580,7 @@
             <a:pPr indent="0" algn="ctr">
               <a:buNone/>
             </a:pPr>
-            <a:endParaRPr b="0" lang="en-IN" sz="4400" spc="-1" strike="noStrike">
+            <a:endParaRPr b="0" lang="en-US" sz="4400" spc="-1" strike="noStrike">
               <a:solidFill>
                 <a:srgbClr val="000000"/>
               </a:solidFill>
@@ -1623,7 +1623,7 @@
         <p:txBody>
           <a:bodyPr/>
           <a:p>
-            <a:fld id="{3764D33B-337B-4EFD-937E-BC4AF73F4A90}" type="slidenum">
+            <a:fld id="{9814BAFD-6DA9-4CBF-9F3C-953860634639}" type="slidenum">
               <a:t>&lt;#&gt;</a:t>
             </a:fld>
           </a:p>
@@ -1644,7 +1644,7 @@
           <a:bodyPr/>
           <a:p>
             <a:r>
-              <a:rPr lang="en-IN"/>
+              <a:rPr lang="en-US"/>
               <a:t/>
             </a:r>
           </a:p>
@@ -1684,8 +1684,8 @@
         </p:nvSpPr>
         <p:spPr>
           <a:xfrm>
-            <a:off x="621000" y="1844280"/>
-            <a:ext cx="7037280" cy="18180720"/>
+            <a:off x="414000" y="449280"/>
+            <a:ext cx="7451640" cy="8722080"/>
           </a:xfrm>
           <a:prstGeom prst="rect">
             <a:avLst/>
@@ -1701,7 +1701,7 @@
           </a:bodyPr>
           <a:p>
             <a:pPr algn="ctr"/>
-            <a:endParaRPr b="0" lang="en-IN" sz="3200" spc="-1" strike="noStrike">
+            <a:endParaRPr b="0" lang="en-US" sz="3200" spc="-1" strike="noStrike">
               <a:solidFill>
                 <a:srgbClr val="000000"/>
               </a:solidFill>
@@ -1744,7 +1744,7 @@
         <p:txBody>
           <a:bodyPr/>
           <a:p>
-            <a:fld id="{E4477C87-82A7-45A0-8776-E5813598F4C0}" type="slidenum">
+            <a:fld id="{149B7E10-8DC6-42B6-814A-26EA823C89B8}" type="slidenum">
               <a:t>&lt;#&gt;</a:t>
             </a:fld>
           </a:p>
@@ -1765,7 +1765,7 @@
           <a:bodyPr/>
           <a:p>
             <a:r>
-              <a:rPr lang="en-IN"/>
+              <a:rPr lang="en-US"/>
               <a:t/>
             </a:r>
           </a:p>
@@ -1805,8 +1805,8 @@
         </p:nvSpPr>
         <p:spPr>
           <a:xfrm>
-            <a:off x="621000" y="1844280"/>
-            <a:ext cx="7037280" cy="3921840"/>
+            <a:off x="414000" y="449280"/>
+            <a:ext cx="7451640" cy="1881360"/>
           </a:xfrm>
           <a:prstGeom prst="rect">
             <a:avLst/>
@@ -1824,7 +1824,7 @@
             <a:pPr indent="0" algn="ctr">
               <a:buNone/>
             </a:pPr>
-            <a:endParaRPr b="0" lang="en-IN" sz="4400" spc="-1" strike="noStrike">
+            <a:endParaRPr b="0" lang="en-US" sz="4400" spc="-1" strike="noStrike">
               <a:solidFill>
                 <a:srgbClr val="000000"/>
               </a:solidFill>
@@ -1846,7 +1846,7 @@
         <p:spPr>
           <a:xfrm>
             <a:off x="414000" y="2636640"/>
-            <a:ext cx="3636000" cy="3116880"/>
+            <a:ext cx="3636360" cy="3116880"/>
           </a:xfrm>
           <a:prstGeom prst="rect">
             <a:avLst/>
@@ -1867,7 +1867,7 @@
               </a:spcBef>
               <a:buNone/>
             </a:pPr>
-            <a:endParaRPr b="0" lang="en-IN" sz="3200" spc="-1" strike="noStrike">
+            <a:endParaRPr b="0" lang="en-US" sz="3200" spc="-1" strike="noStrike">
               <a:solidFill>
                 <a:srgbClr val="000000"/>
               </a:solidFill>
@@ -1888,8 +1888,8 @@
         </p:nvSpPr>
         <p:spPr>
           <a:xfrm>
-            <a:off x="4232160" y="2636640"/>
-            <a:ext cx="3636000" cy="6534720"/>
+            <a:off x="4232520" y="2636640"/>
+            <a:ext cx="3636360" cy="6535080"/>
           </a:xfrm>
           <a:prstGeom prst="rect">
             <a:avLst/>
@@ -1910,7 +1910,7 @@
               </a:spcBef>
               <a:buNone/>
             </a:pPr>
-            <a:endParaRPr b="0" lang="en-IN" sz="3200" spc="-1" strike="noStrike">
+            <a:endParaRPr b="0" lang="en-US" sz="3200" spc="-1" strike="noStrike">
               <a:solidFill>
                 <a:srgbClr val="000000"/>
               </a:solidFill>
@@ -1932,7 +1932,7 @@
         <p:spPr>
           <a:xfrm>
             <a:off x="414000" y="6050160"/>
-            <a:ext cx="3636000" cy="3116880"/>
+            <a:ext cx="3636360" cy="3116880"/>
           </a:xfrm>
           <a:prstGeom prst="rect">
             <a:avLst/>
@@ -1953,7 +1953,7 @@
               </a:spcBef>
               <a:buNone/>
             </a:pPr>
-            <a:endParaRPr b="0" lang="en-IN" sz="3200" spc="-1" strike="noStrike">
+            <a:endParaRPr b="0" lang="en-US" sz="3200" spc="-1" strike="noStrike">
               <a:solidFill>
                 <a:srgbClr val="000000"/>
               </a:solidFill>
@@ -1996,7 +1996,7 @@
         <p:txBody>
           <a:bodyPr/>
           <a:p>
-            <a:fld id="{8327BC13-F751-4A46-B399-1DEBAA2439FF}" type="slidenum">
+            <a:fld id="{35D39531-000B-4CF3-B995-1BC91EA83D0E}" type="slidenum">
               <a:t>&lt;#&gt;</a:t>
             </a:fld>
           </a:p>
@@ -2017,7 +2017,7 @@
           <a:bodyPr/>
           <a:p>
             <a:r>
-              <a:rPr lang="en-IN"/>
+              <a:rPr lang="en-US"/>
               <a:t/>
             </a:r>
           </a:p>
@@ -2057,8 +2057,8 @@
         </p:nvSpPr>
         <p:spPr>
           <a:xfrm>
-            <a:off x="621000" y="1844280"/>
-            <a:ext cx="7037280" cy="3921840"/>
+            <a:off x="414000" y="449280"/>
+            <a:ext cx="7451640" cy="1881360"/>
           </a:xfrm>
           <a:prstGeom prst="rect">
             <a:avLst/>
@@ -2076,7 +2076,7 @@
             <a:pPr indent="0" algn="ctr">
               <a:buNone/>
             </a:pPr>
-            <a:endParaRPr b="0" lang="en-IN" sz="4400" spc="-1" strike="noStrike">
+            <a:endParaRPr b="0" lang="en-US" sz="4400" spc="-1" strike="noStrike">
               <a:solidFill>
                 <a:srgbClr val="000000"/>
               </a:solidFill>
@@ -2098,7 +2098,7 @@
         <p:spPr>
           <a:xfrm>
             <a:off x="414000" y="2636640"/>
-            <a:ext cx="3636000" cy="6534720"/>
+            <a:ext cx="3636360" cy="6535080"/>
           </a:xfrm>
           <a:prstGeom prst="rect">
             <a:avLst/>
@@ -2119,7 +2119,7 @@
               </a:spcBef>
               <a:buNone/>
             </a:pPr>
-            <a:endParaRPr b="0" lang="en-IN" sz="3200" spc="-1" strike="noStrike">
+            <a:endParaRPr b="0" lang="en-US" sz="3200" spc="-1" strike="noStrike">
               <a:solidFill>
                 <a:srgbClr val="000000"/>
               </a:solidFill>
@@ -2140,8 +2140,8 @@
         </p:nvSpPr>
         <p:spPr>
           <a:xfrm>
-            <a:off x="4232160" y="2636640"/>
-            <a:ext cx="3636000" cy="3116880"/>
+            <a:off x="4232520" y="2636640"/>
+            <a:ext cx="3636360" cy="3116880"/>
           </a:xfrm>
           <a:prstGeom prst="rect">
             <a:avLst/>
@@ -2162,7 +2162,7 @@
               </a:spcBef>
               <a:buNone/>
             </a:pPr>
-            <a:endParaRPr b="0" lang="en-IN" sz="3200" spc="-1" strike="noStrike">
+            <a:endParaRPr b="0" lang="en-US" sz="3200" spc="-1" strike="noStrike">
               <a:solidFill>
                 <a:srgbClr val="000000"/>
               </a:solidFill>
@@ -2183,8 +2183,8 @@
         </p:nvSpPr>
         <p:spPr>
           <a:xfrm>
-            <a:off x="4232160" y="6050160"/>
-            <a:ext cx="3636000" cy="3116880"/>
+            <a:off x="4232520" y="6050160"/>
+            <a:ext cx="3636360" cy="3116880"/>
           </a:xfrm>
           <a:prstGeom prst="rect">
             <a:avLst/>
@@ -2205,7 +2205,7 @@
               </a:spcBef>
               <a:buNone/>
             </a:pPr>
-            <a:endParaRPr b="0" lang="en-IN" sz="3200" spc="-1" strike="noStrike">
+            <a:endParaRPr b="0" lang="en-US" sz="3200" spc="-1" strike="noStrike">
               <a:solidFill>
                 <a:srgbClr val="000000"/>
               </a:solidFill>
@@ -2248,7 +2248,7 @@
         <p:txBody>
           <a:bodyPr/>
           <a:p>
-            <a:fld id="{1D3B2848-7156-4F7F-AA3E-30822CB5A52A}" type="slidenum">
+            <a:fld id="{9E1D9149-887A-45AC-A718-78C170E19140}" type="slidenum">
               <a:t>&lt;#&gt;</a:t>
             </a:fld>
           </a:p>
@@ -2269,7 +2269,7 @@
           <a:bodyPr/>
           <a:p>
             <a:r>
-              <a:rPr lang="en-IN"/>
+              <a:rPr lang="en-US"/>
               <a:t/>
             </a:r>
           </a:p>
@@ -2309,8 +2309,8 @@
         </p:nvSpPr>
         <p:spPr>
           <a:xfrm>
-            <a:off x="621000" y="1844280"/>
-            <a:ext cx="7037280" cy="3921840"/>
+            <a:off x="414000" y="449280"/>
+            <a:ext cx="7451640" cy="1881360"/>
           </a:xfrm>
           <a:prstGeom prst="rect">
             <a:avLst/>
@@ -2328,7 +2328,7 @@
             <a:pPr indent="0" algn="ctr">
               <a:buNone/>
             </a:pPr>
-            <a:endParaRPr b="0" lang="en-IN" sz="4400" spc="-1" strike="noStrike">
+            <a:endParaRPr b="0" lang="en-US" sz="4400" spc="-1" strike="noStrike">
               <a:solidFill>
                 <a:srgbClr val="000000"/>
               </a:solidFill>
@@ -2350,7 +2350,7 @@
         <p:spPr>
           <a:xfrm>
             <a:off x="414000" y="2636640"/>
-            <a:ext cx="3636000" cy="3116880"/>
+            <a:ext cx="3636360" cy="3116880"/>
           </a:xfrm>
           <a:prstGeom prst="rect">
             <a:avLst/>
@@ -2371,7 +2371,7 @@
               </a:spcBef>
               <a:buNone/>
             </a:pPr>
-            <a:endParaRPr b="0" lang="en-IN" sz="3200" spc="-1" strike="noStrike">
+            <a:endParaRPr b="0" lang="en-US" sz="3200" spc="-1" strike="noStrike">
               <a:solidFill>
                 <a:srgbClr val="000000"/>
               </a:solidFill>
@@ -2392,8 +2392,8 @@
         </p:nvSpPr>
         <p:spPr>
           <a:xfrm>
-            <a:off x="4232160" y="2636640"/>
-            <a:ext cx="3636000" cy="3116880"/>
+            <a:off x="4232520" y="2636640"/>
+            <a:ext cx="3636360" cy="3116880"/>
           </a:xfrm>
           <a:prstGeom prst="rect">
             <a:avLst/>
@@ -2414,7 +2414,7 @@
               </a:spcBef>
               <a:buNone/>
             </a:pPr>
-            <a:endParaRPr b="0" lang="en-IN" sz="3200" spc="-1" strike="noStrike">
+            <a:endParaRPr b="0" lang="en-US" sz="3200" spc="-1" strike="noStrike">
               <a:solidFill>
                 <a:srgbClr val="000000"/>
               </a:solidFill>
@@ -2436,7 +2436,7 @@
         <p:spPr>
           <a:xfrm>
             <a:off x="414000" y="6050160"/>
-            <a:ext cx="7451280" cy="3116880"/>
+            <a:ext cx="7451640" cy="3116880"/>
           </a:xfrm>
           <a:prstGeom prst="rect">
             <a:avLst/>
@@ -2457,7 +2457,7 @@
               </a:spcBef>
               <a:buNone/>
             </a:pPr>
-            <a:endParaRPr b="0" lang="en-IN" sz="3200" spc="-1" strike="noStrike">
+            <a:endParaRPr b="0" lang="en-US" sz="3200" spc="-1" strike="noStrike">
               <a:solidFill>
                 <a:srgbClr val="000000"/>
               </a:solidFill>
@@ -2500,7 +2500,7 @@
         <p:txBody>
           <a:bodyPr/>
           <a:p>
-            <a:fld id="{44717E18-58D8-4E03-8EE2-7CCFC010AFB1}" type="slidenum">
+            <a:fld id="{91FB0798-3CD5-4753-96CF-316BF7E607EE}" type="slidenum">
               <a:t>&lt;#&gt;</a:t>
             </a:fld>
           </a:p>
@@ -2521,7 +2521,7 @@
           <a:bodyPr/>
           <a:p>
             <a:r>
-              <a:rPr lang="en-IN"/>
+              <a:rPr lang="en-US"/>
               <a:t/>
             </a:r>
           </a:p>
@@ -2563,287 +2563,13 @@
             <a:spLocks noGrp="1"/>
           </p:cNvSpPr>
           <p:nvPr>
-            <p:ph type="title"/>
-          </p:nvPr>
-        </p:nvSpPr>
-        <p:spPr>
-          <a:xfrm>
-            <a:off x="621000" y="1844280"/>
-            <a:ext cx="7037280" cy="3921840"/>
-          </a:xfrm>
-          <a:prstGeom prst="rect">
-            <a:avLst/>
-          </a:prstGeom>
-          <a:noFill/>
-          <a:ln w="0">
-            <a:noFill/>
-          </a:ln>
-        </p:spPr>
-        <p:txBody>
-          <a:bodyPr lIns="0" rIns="0" tIns="0" bIns="0" anchor="ctr">
-            <a:noAutofit/>
-          </a:bodyPr>
-          <a:p>
-            <a:pPr indent="0">
-              <a:buNone/>
-            </a:pPr>
-            <a:r>
-              <a:rPr b="0" lang="en-IN" sz="1800" spc="-1" strike="noStrike">
-                <a:solidFill>
-                  <a:srgbClr val="000000"/>
-                </a:solidFill>
-                <a:latin typeface="Arial"/>
-              </a:rPr>
-              <a:t>Click to edit the title text format</a:t>
-            </a:r>
-            <a:endParaRPr b="0" lang="en-IN" sz="1800" spc="-1" strike="noStrike">
-              <a:solidFill>
-                <a:srgbClr val="000000"/>
-              </a:solidFill>
-              <a:latin typeface="Arial"/>
-            </a:endParaRPr>
-          </a:p>
-        </p:txBody>
-      </p:sp>
-      <p:sp>
-        <p:nvSpPr>
-          <p:cNvPr id="1" name="PlaceHolder 2"/>
-          <p:cNvSpPr>
-            <a:spLocks noGrp="1"/>
-          </p:cNvSpPr>
-          <p:nvPr>
-            <p:ph type="body"/>
-          </p:nvPr>
-        </p:nvSpPr>
-        <p:spPr>
-          <a:xfrm>
-            <a:off x="414000" y="2636640"/>
-            <a:ext cx="7451280" cy="6534720"/>
-          </a:xfrm>
-          <a:prstGeom prst="rect">
-            <a:avLst/>
-          </a:prstGeom>
-          <a:noFill/>
-          <a:ln w="0">
-            <a:noFill/>
-          </a:ln>
-        </p:spPr>
-        <p:txBody>
-          <a:bodyPr lIns="0" rIns="0" tIns="0" bIns="0" anchor="t">
-            <a:normAutofit/>
-          </a:bodyPr>
-          <a:p>
-            <a:pPr marL="432000" indent="-324000">
-              <a:spcBef>
-                <a:spcPts val="1417"/>
-              </a:spcBef>
-              <a:buClr>
-                <a:srgbClr val="000000"/>
-              </a:buClr>
-              <a:buSzPct val="45000"/>
-              <a:buFont typeface="Wingdings" charset="2"/>
-              <a:buChar char=""/>
-            </a:pPr>
-            <a:r>
-              <a:rPr b="0" lang="en-IN" sz="1800" spc="-1" strike="noStrike">
-                <a:solidFill>
-                  <a:srgbClr val="000000"/>
-                </a:solidFill>
-                <a:latin typeface="Arial"/>
-              </a:rPr>
-              <a:t>Click to edit the outline text format</a:t>
-            </a:r>
-            <a:endParaRPr b="0" lang="en-IN" sz="1800" spc="-1" strike="noStrike">
-              <a:solidFill>
-                <a:srgbClr val="000000"/>
-              </a:solidFill>
-              <a:latin typeface="Arial"/>
-            </a:endParaRPr>
-          </a:p>
-          <a:p>
-            <a:pPr lvl="1" marL="864000" indent="-324000">
-              <a:spcBef>
-                <a:spcPts val="1134"/>
-              </a:spcBef>
-              <a:buClr>
-                <a:srgbClr val="000000"/>
-              </a:buClr>
-              <a:buSzPct val="75000"/>
-              <a:buFont typeface="Symbol" charset="2"/>
-              <a:buChar char=""/>
-            </a:pPr>
-            <a:r>
-              <a:rPr b="0" lang="en-IN" sz="1800" spc="-1" strike="noStrike">
-                <a:solidFill>
-                  <a:srgbClr val="000000"/>
-                </a:solidFill>
-                <a:latin typeface="Arial"/>
-              </a:rPr>
-              <a:t>Second Outline Level</a:t>
-            </a:r>
-            <a:endParaRPr b="0" lang="en-IN" sz="1800" spc="-1" strike="noStrike">
-              <a:solidFill>
-                <a:srgbClr val="000000"/>
-              </a:solidFill>
-              <a:latin typeface="Arial"/>
-            </a:endParaRPr>
-          </a:p>
-          <a:p>
-            <a:pPr lvl="2" marL="1296000" indent="-288000">
-              <a:spcBef>
-                <a:spcPts val="850"/>
-              </a:spcBef>
-              <a:buClr>
-                <a:srgbClr val="000000"/>
-              </a:buClr>
-              <a:buSzPct val="45000"/>
-              <a:buFont typeface="Wingdings" charset="2"/>
-              <a:buChar char=""/>
-            </a:pPr>
-            <a:r>
-              <a:rPr b="0" lang="en-IN" sz="1800" spc="-1" strike="noStrike">
-                <a:solidFill>
-                  <a:srgbClr val="000000"/>
-                </a:solidFill>
-                <a:latin typeface="Arial"/>
-              </a:rPr>
-              <a:t>Third Outline Level</a:t>
-            </a:r>
-            <a:endParaRPr b="0" lang="en-IN" sz="1800" spc="-1" strike="noStrike">
-              <a:solidFill>
-                <a:srgbClr val="000000"/>
-              </a:solidFill>
-              <a:latin typeface="Arial"/>
-            </a:endParaRPr>
-          </a:p>
-          <a:p>
-            <a:pPr lvl="3" marL="1728000" indent="-216000">
-              <a:spcBef>
-                <a:spcPts val="567"/>
-              </a:spcBef>
-              <a:buClr>
-                <a:srgbClr val="000000"/>
-              </a:buClr>
-              <a:buSzPct val="75000"/>
-              <a:buFont typeface="Symbol" charset="2"/>
-              <a:buChar char=""/>
-            </a:pPr>
-            <a:r>
-              <a:rPr b="0" lang="en-IN" sz="1800" spc="-1" strike="noStrike">
-                <a:solidFill>
-                  <a:srgbClr val="000000"/>
-                </a:solidFill>
-                <a:latin typeface="Arial"/>
-              </a:rPr>
-              <a:t>Fourth Outline Level</a:t>
-            </a:r>
-            <a:endParaRPr b="0" lang="en-IN" sz="1800" spc="-1" strike="noStrike">
-              <a:solidFill>
-                <a:srgbClr val="000000"/>
-              </a:solidFill>
-              <a:latin typeface="Arial"/>
-            </a:endParaRPr>
-          </a:p>
-          <a:p>
-            <a:pPr lvl="4" marL="2160000" indent="-216000">
-              <a:spcBef>
-                <a:spcPts val="283"/>
-              </a:spcBef>
-              <a:buClr>
-                <a:srgbClr val="000000"/>
-              </a:buClr>
-              <a:buSzPct val="45000"/>
-              <a:buFont typeface="Wingdings" charset="2"/>
-              <a:buChar char=""/>
-            </a:pPr>
-            <a:r>
-              <a:rPr b="0" lang="en-IN" sz="1800" spc="-1" strike="noStrike">
-                <a:solidFill>
-                  <a:srgbClr val="000000"/>
-                </a:solidFill>
-                <a:latin typeface="Arial"/>
-              </a:rPr>
-              <a:t>Fifth Outline Level</a:t>
-            </a:r>
-            <a:endParaRPr b="0" lang="en-IN" sz="1800" spc="-1" strike="noStrike">
-              <a:solidFill>
-                <a:srgbClr val="000000"/>
-              </a:solidFill>
-              <a:latin typeface="Arial"/>
-            </a:endParaRPr>
-          </a:p>
-          <a:p>
-            <a:pPr lvl="5" marL="2592000" indent="-216000">
-              <a:spcBef>
-                <a:spcPts val="283"/>
-              </a:spcBef>
-              <a:buClr>
-                <a:srgbClr val="000000"/>
-              </a:buClr>
-              <a:buSzPct val="45000"/>
-              <a:buFont typeface="Wingdings" charset="2"/>
-              <a:buChar char=""/>
-            </a:pPr>
-            <a:r>
-              <a:rPr b="0" lang="en-IN" sz="1800" spc="-1" strike="noStrike">
-                <a:solidFill>
-                  <a:srgbClr val="000000"/>
-                </a:solidFill>
-                <a:latin typeface="Arial"/>
-              </a:rPr>
-              <a:t>Sixth Outline Level</a:t>
-            </a:r>
-            <a:endParaRPr b="0" lang="en-IN" sz="1800" spc="-1" strike="noStrike">
-              <a:solidFill>
-                <a:srgbClr val="000000"/>
-              </a:solidFill>
-              <a:latin typeface="Arial"/>
-            </a:endParaRPr>
-          </a:p>
-          <a:p>
-            <a:pPr lvl="6" marL="3024000" indent="-216000">
-              <a:spcBef>
-                <a:spcPts val="283"/>
-              </a:spcBef>
-              <a:buClr>
-                <a:srgbClr val="000000"/>
-              </a:buClr>
-              <a:buSzPct val="45000"/>
-              <a:buFont typeface="Wingdings" charset="2"/>
-              <a:buChar char=""/>
-            </a:pPr>
-            <a:r>
-              <a:rPr b="0" lang="en-IN" sz="1800" spc="-1" strike="noStrike">
-                <a:solidFill>
-                  <a:srgbClr val="000000"/>
-                </a:solidFill>
-                <a:latin typeface="Arial"/>
-              </a:rPr>
-              <a:t>Seventh Outline Level</a:t>
-            </a:r>
-            <a:endParaRPr b="0" lang="en-IN" sz="1800" spc="-1" strike="noStrike">
-              <a:solidFill>
-                <a:srgbClr val="000000"/>
-              </a:solidFill>
-              <a:latin typeface="Arial"/>
-            </a:endParaRPr>
-          </a:p>
-        </p:txBody>
-      </p:sp>
-      <p:sp>
-        <p:nvSpPr>
-          <p:cNvPr id="2" name="PlaceHolder 3"/>
-          <p:cNvSpPr>
-            <a:spLocks noGrp="1"/>
-          </p:cNvSpPr>
-          <p:nvPr>
             <p:ph type="ftr" idx="1"/>
           </p:nvPr>
         </p:nvSpPr>
         <p:spPr>
           <a:xfrm>
             <a:off x="2742840" y="10443960"/>
-            <a:ext cx="2793600" cy="598680"/>
+            <a:ext cx="2793240" cy="598320"/>
           </a:xfrm>
           <a:prstGeom prst="rect">
             <a:avLst/>
@@ -2893,7 +2619,7 @@
               </a:rPr>
               <a:t>&lt;footer&gt;</a:t>
             </a:r>
-            <a:endParaRPr b="0" lang="en-IN" sz="1400" spc="-1" strike="noStrike">
+            <a:endParaRPr b="0" lang="en-US" sz="1400" spc="-1" strike="noStrike">
               <a:solidFill>
                 <a:srgbClr val="000000"/>
               </a:solidFill>
@@ -2904,7 +2630,7 @@
       </p:sp>
       <p:sp>
         <p:nvSpPr>
-          <p:cNvPr id="3" name="PlaceHolder 4"/>
+          <p:cNvPr id="1" name="PlaceHolder 2"/>
           <p:cNvSpPr>
             <a:spLocks noGrp="1"/>
           </p:cNvSpPr>
@@ -2915,7 +2641,7 @@
         <p:spPr>
           <a:xfrm>
             <a:off x="5848200" y="10443960"/>
-            <a:ext cx="1861920" cy="598680"/>
+            <a:ext cx="1861560" cy="598320"/>
           </a:xfrm>
           <a:prstGeom prst="rect">
             <a:avLst/>
@@ -2957,7 +2683,7 @@
                 <a:tab algn="l" pos="0"/>
               </a:tabLst>
             </a:pPr>
-            <a:fld id="{CD3484DD-7091-4771-8032-7B5743512448}" type="slidenum">
+            <a:fld id="{97FA34D2-C097-4753-A3D2-9727D08A615F}" type="slidenum">
               <a:rPr b="0" lang="en-AU" sz="1090" spc="-1" strike="noStrike">
                 <a:solidFill>
                   <a:srgbClr val="888888"/>
@@ -2967,7 +2693,7 @@
               </a:rPr>
               <a:t>&lt;number&gt;</a:t>
             </a:fld>
-            <a:endParaRPr b="0" lang="en-IN" sz="1090" spc="-1" strike="noStrike">
+            <a:endParaRPr b="0" lang="en-US" sz="1090" spc="-1" strike="noStrike">
               <a:solidFill>
                 <a:srgbClr val="000000"/>
               </a:solidFill>
@@ -2978,7 +2704,7 @@
       </p:sp>
       <p:sp>
         <p:nvSpPr>
-          <p:cNvPr id="4" name="PlaceHolder 5"/>
+          <p:cNvPr id="2" name="PlaceHolder 3"/>
           <p:cNvSpPr>
             <a:spLocks noGrp="1"/>
           </p:cNvSpPr>
@@ -2989,7 +2715,7 @@
         <p:spPr>
           <a:xfrm>
             <a:off x="569160" y="10443960"/>
-            <a:ext cx="1861920" cy="598680"/>
+            <a:ext cx="1861560" cy="598320"/>
           </a:xfrm>
           <a:prstGeom prst="rect">
             <a:avLst/>
@@ -3006,7 +2732,7 @@
           <a:lstStyle>
             <a:lvl1pPr indent="0">
               <a:buNone/>
-              <a:defRPr b="0" lang="en-IN" sz="1400" spc="-1" strike="noStrike">
+              <a:defRPr b="0" lang="en-US" sz="1400" spc="-1" strike="noStrike">
                 <a:solidFill>
                   <a:srgbClr val="000000"/>
                 </a:solidFill>
@@ -3019,7 +2745,7 @@
               <a:buNone/>
             </a:pPr>
             <a:r>
-              <a:rPr b="0" lang="en-IN" sz="1400" spc="-1" strike="noStrike">
+              <a:rPr b="0" lang="en-US" sz="1400" spc="-1" strike="noStrike">
                 <a:solidFill>
                   <a:srgbClr val="000000"/>
                 </a:solidFill>
@@ -3027,11 +2753,285 @@
               </a:rPr>
               <a:t>&lt;date/time&gt;</a:t>
             </a:r>
-            <a:endParaRPr b="0" lang="en-IN" sz="1400" spc="-1" strike="noStrike">
+            <a:endParaRPr b="0" lang="en-US" sz="1400" spc="-1" strike="noStrike">
               <a:solidFill>
                 <a:srgbClr val="000000"/>
               </a:solidFill>
               <a:latin typeface="Times New Roman"/>
+            </a:endParaRPr>
+          </a:p>
+        </p:txBody>
+      </p:sp>
+      <p:sp>
+        <p:nvSpPr>
+          <p:cNvPr id="3" name="PlaceHolder 4"/>
+          <p:cNvSpPr>
+            <a:spLocks noGrp="1"/>
+          </p:cNvSpPr>
+          <p:nvPr>
+            <p:ph type="title"/>
+          </p:nvPr>
+        </p:nvSpPr>
+        <p:spPr>
+          <a:xfrm>
+            <a:off x="414000" y="449280"/>
+            <a:ext cx="7451640" cy="1881360"/>
+          </a:xfrm>
+          <a:prstGeom prst="rect">
+            <a:avLst/>
+          </a:prstGeom>
+          <a:noFill/>
+          <a:ln w="0">
+            <a:noFill/>
+          </a:ln>
+        </p:spPr>
+        <p:txBody>
+          <a:bodyPr lIns="0" rIns="0" tIns="0" bIns="0" anchor="ctr">
+            <a:noAutofit/>
+          </a:bodyPr>
+          <a:p>
+            <a:pPr indent="0" algn="ctr">
+              <a:buNone/>
+            </a:pPr>
+            <a:r>
+              <a:rPr b="0" lang="en-US" sz="4400" spc="-1" strike="noStrike">
+                <a:solidFill>
+                  <a:srgbClr val="000000"/>
+                </a:solidFill>
+                <a:latin typeface="Arial"/>
+              </a:rPr>
+              <a:t>Click to edit the title text format</a:t>
+            </a:r>
+            <a:endParaRPr b="0" lang="en-US" sz="4400" spc="-1" strike="noStrike">
+              <a:solidFill>
+                <a:srgbClr val="000000"/>
+              </a:solidFill>
+              <a:latin typeface="Arial"/>
+            </a:endParaRPr>
+          </a:p>
+        </p:txBody>
+      </p:sp>
+      <p:sp>
+        <p:nvSpPr>
+          <p:cNvPr id="4" name="PlaceHolder 5"/>
+          <p:cNvSpPr>
+            <a:spLocks noGrp="1"/>
+          </p:cNvSpPr>
+          <p:nvPr>
+            <p:ph type="body"/>
+          </p:nvPr>
+        </p:nvSpPr>
+        <p:spPr>
+          <a:xfrm>
+            <a:off x="414000" y="2636640"/>
+            <a:ext cx="7451640" cy="6535080"/>
+          </a:xfrm>
+          <a:prstGeom prst="rect">
+            <a:avLst/>
+          </a:prstGeom>
+          <a:noFill/>
+          <a:ln w="0">
+            <a:noFill/>
+          </a:ln>
+        </p:spPr>
+        <p:txBody>
+          <a:bodyPr lIns="0" rIns="0" tIns="0" bIns="0" anchor="t">
+            <a:normAutofit/>
+          </a:bodyPr>
+          <a:p>
+            <a:pPr marL="432000" indent="-324000">
+              <a:spcBef>
+                <a:spcPts val="1417"/>
+              </a:spcBef>
+              <a:buClr>
+                <a:srgbClr val="000000"/>
+              </a:buClr>
+              <a:buSzPct val="45000"/>
+              <a:buFont typeface="Wingdings" charset="2"/>
+              <a:buChar char=""/>
+            </a:pPr>
+            <a:r>
+              <a:rPr b="0" lang="en-US" sz="3200" spc="-1" strike="noStrike">
+                <a:solidFill>
+                  <a:srgbClr val="000000"/>
+                </a:solidFill>
+                <a:latin typeface="Arial"/>
+              </a:rPr>
+              <a:t>Click to edit the outline text format</a:t>
+            </a:r>
+            <a:endParaRPr b="0" lang="en-US" sz="3200" spc="-1" strike="noStrike">
+              <a:solidFill>
+                <a:srgbClr val="000000"/>
+              </a:solidFill>
+              <a:latin typeface="Arial"/>
+            </a:endParaRPr>
+          </a:p>
+          <a:p>
+            <a:pPr lvl="1" marL="864000" indent="-324000">
+              <a:spcBef>
+                <a:spcPts val="1134"/>
+              </a:spcBef>
+              <a:buClr>
+                <a:srgbClr val="000000"/>
+              </a:buClr>
+              <a:buSzPct val="75000"/>
+              <a:buFont typeface="Symbol" charset="2"/>
+              <a:buChar char=""/>
+            </a:pPr>
+            <a:r>
+              <a:rPr b="0" lang="en-US" sz="2800" spc="-1" strike="noStrike">
+                <a:solidFill>
+                  <a:srgbClr val="000000"/>
+                </a:solidFill>
+                <a:latin typeface="Arial"/>
+              </a:rPr>
+              <a:t>Second Outline Level</a:t>
+            </a:r>
+            <a:endParaRPr b="0" lang="en-US" sz="2800" spc="-1" strike="noStrike">
+              <a:solidFill>
+                <a:srgbClr val="000000"/>
+              </a:solidFill>
+              <a:latin typeface="Arial"/>
+            </a:endParaRPr>
+          </a:p>
+          <a:p>
+            <a:pPr lvl="2" marL="1296000" indent="-288000">
+              <a:spcBef>
+                <a:spcPts val="850"/>
+              </a:spcBef>
+              <a:buClr>
+                <a:srgbClr val="000000"/>
+              </a:buClr>
+              <a:buSzPct val="45000"/>
+              <a:buFont typeface="Wingdings" charset="2"/>
+              <a:buChar char=""/>
+            </a:pPr>
+            <a:r>
+              <a:rPr b="0" lang="en-US" sz="2400" spc="-1" strike="noStrike">
+                <a:solidFill>
+                  <a:srgbClr val="000000"/>
+                </a:solidFill>
+                <a:latin typeface="Arial"/>
+              </a:rPr>
+              <a:t>Third Outline Level</a:t>
+            </a:r>
+            <a:endParaRPr b="0" lang="en-US" sz="2400" spc="-1" strike="noStrike">
+              <a:solidFill>
+                <a:srgbClr val="000000"/>
+              </a:solidFill>
+              <a:latin typeface="Arial"/>
+            </a:endParaRPr>
+          </a:p>
+          <a:p>
+            <a:pPr lvl="3" marL="1728000" indent="-216000">
+              <a:spcBef>
+                <a:spcPts val="567"/>
+              </a:spcBef>
+              <a:buClr>
+                <a:srgbClr val="000000"/>
+              </a:buClr>
+              <a:buSzPct val="75000"/>
+              <a:buFont typeface="Symbol" charset="2"/>
+              <a:buChar char=""/>
+            </a:pPr>
+            <a:r>
+              <a:rPr b="0" lang="en-US" sz="2000" spc="-1" strike="noStrike">
+                <a:solidFill>
+                  <a:srgbClr val="000000"/>
+                </a:solidFill>
+                <a:latin typeface="Arial"/>
+              </a:rPr>
+              <a:t>Fourth Outline Level</a:t>
+            </a:r>
+            <a:endParaRPr b="0" lang="en-US" sz="2000" spc="-1" strike="noStrike">
+              <a:solidFill>
+                <a:srgbClr val="000000"/>
+              </a:solidFill>
+              <a:latin typeface="Arial"/>
+            </a:endParaRPr>
+          </a:p>
+          <a:p>
+            <a:pPr lvl="4" marL="2160000" indent="-216000">
+              <a:spcBef>
+                <a:spcPts val="283"/>
+              </a:spcBef>
+              <a:buClr>
+                <a:srgbClr val="000000"/>
+              </a:buClr>
+              <a:buSzPct val="45000"/>
+              <a:buFont typeface="Wingdings" charset="2"/>
+              <a:buChar char=""/>
+            </a:pPr>
+            <a:r>
+              <a:rPr b="0" lang="en-US" sz="2000" spc="-1" strike="noStrike">
+                <a:solidFill>
+                  <a:srgbClr val="000000"/>
+                </a:solidFill>
+                <a:latin typeface="Arial"/>
+              </a:rPr>
+              <a:t>Fifth Outline Level</a:t>
+            </a:r>
+            <a:endParaRPr b="0" lang="en-US" sz="2000" spc="-1" strike="noStrike">
+              <a:solidFill>
+                <a:srgbClr val="000000"/>
+              </a:solidFill>
+              <a:latin typeface="Arial"/>
+            </a:endParaRPr>
+          </a:p>
+          <a:p>
+            <a:pPr lvl="5" marL="2592000" indent="-216000">
+              <a:spcBef>
+                <a:spcPts val="283"/>
+              </a:spcBef>
+              <a:buClr>
+                <a:srgbClr val="000000"/>
+              </a:buClr>
+              <a:buSzPct val="45000"/>
+              <a:buFont typeface="Wingdings" charset="2"/>
+              <a:buChar char=""/>
+            </a:pPr>
+            <a:r>
+              <a:rPr b="0" lang="en-US" sz="2000" spc="-1" strike="noStrike">
+                <a:solidFill>
+                  <a:srgbClr val="000000"/>
+                </a:solidFill>
+                <a:latin typeface="Arial"/>
+              </a:rPr>
+              <a:t>Sixth Outline Level</a:t>
+            </a:r>
+            <a:endParaRPr b="0" lang="en-US" sz="2000" spc="-1" strike="noStrike">
+              <a:solidFill>
+                <a:srgbClr val="000000"/>
+              </a:solidFill>
+              <a:latin typeface="Arial"/>
+            </a:endParaRPr>
+          </a:p>
+          <a:p>
+            <a:pPr lvl="6" marL="3024000" indent="-216000">
+              <a:spcBef>
+                <a:spcPts val="283"/>
+              </a:spcBef>
+              <a:buClr>
+                <a:srgbClr val="000000"/>
+              </a:buClr>
+              <a:buSzPct val="45000"/>
+              <a:buFont typeface="Wingdings" charset="2"/>
+              <a:buChar char=""/>
+            </a:pPr>
+            <a:r>
+              <a:rPr b="0" lang="en-US" sz="2000" spc="-1" strike="noStrike">
+                <a:solidFill>
+                  <a:srgbClr val="000000"/>
+                </a:solidFill>
+                <a:latin typeface="Arial"/>
+              </a:rPr>
+              <a:t>Seventh Outline Level</a:t>
+            </a:r>
+            <a:endParaRPr b="0" lang="en-US" sz="2000" spc="-1" strike="noStrike">
+              <a:solidFill>
+                <a:srgbClr val="000000"/>
+              </a:solidFill>
+              <a:latin typeface="Arial"/>
             </a:endParaRPr>
           </a:p>
         </p:txBody>
@@ -3085,8 +3085,8 @@
         </p:blipFill>
         <p:spPr>
           <a:xfrm rot="5400000">
-            <a:off x="-1041480" y="2157120"/>
-            <a:ext cx="10512000" cy="7117560"/>
+            <a:off x="-1040760" y="2157120"/>
+            <a:ext cx="10511640" cy="7117200"/>
           </a:xfrm>
           <a:prstGeom prst="rect">
             <a:avLst/>
@@ -3109,7 +3109,7 @@
         <p:spPr>
           <a:xfrm>
             <a:off x="714240" y="723960"/>
-            <a:ext cx="6702840" cy="9800280"/>
+            <a:ext cx="6702480" cy="9799920"/>
           </a:xfrm>
           <a:prstGeom prst="rect">
             <a:avLst/>
@@ -3132,8 +3132,8 @@
         </p:blipFill>
         <p:spPr>
           <a:xfrm rot="5400000">
-            <a:off x="-1508040" y="1476720"/>
-            <a:ext cx="11299320" cy="8279280"/>
+            <a:off x="-1507320" y="1476360"/>
+            <a:ext cx="11298960" cy="8278920"/>
           </a:xfrm>
           <a:prstGeom prst="rect">
             <a:avLst/>
@@ -3156,7 +3156,7 @@
         <p:spPr>
           <a:xfrm>
             <a:off x="1814040" y="8340840"/>
-            <a:ext cx="1443240" cy="1259280"/>
+            <a:ext cx="1442880" cy="1258920"/>
           </a:xfrm>
           <a:prstGeom prst="rect">
             <a:avLst/>
@@ -3175,7 +3175,7 @@
         <p:spPr>
           <a:xfrm>
             <a:off x="714240" y="2835720"/>
-            <a:ext cx="6723000" cy="1430280"/>
+            <a:ext cx="6722640" cy="1430280"/>
           </a:xfrm>
           <a:prstGeom prst="rect">
             <a:avLst/>
@@ -3214,7 +3214,7 @@
               </a:rPr>
               <a:t>Certificate Of Return To Service</a:t>
             </a:r>
-            <a:endParaRPr b="0" lang="en-IN" sz="4400" spc="-1" strike="noStrike">
+            <a:endParaRPr b="0" lang="en-US" sz="4400" spc="-1" strike="noStrike">
               <a:solidFill>
                 <a:srgbClr val="000000"/>
               </a:solidFill>
@@ -3232,7 +3232,7 @@
         <p:spPr>
           <a:xfrm>
             <a:off x="1390680" y="4144320"/>
-            <a:ext cx="5370480" cy="638280"/>
+            <a:ext cx="5370120" cy="638280"/>
           </a:xfrm>
           <a:prstGeom prst="rect">
             <a:avLst/>
@@ -3271,7 +3271,7 @@
               </a:rPr>
               <a:t>{name}</a:t>
             </a:r>
-            <a:endParaRPr b="0" lang="en-IN" sz="3600" spc="-1" strike="noStrike">
+            <a:endParaRPr b="0" lang="en-US" sz="3600" spc="-1" strike="noStrike">
               <a:solidFill>
                 <a:srgbClr val="000000"/>
               </a:solidFill>
@@ -3289,7 +3289,7 @@
         <p:spPr>
           <a:xfrm>
             <a:off x="2985840" y="8685000"/>
-            <a:ext cx="4282560" cy="591840"/>
+            <a:ext cx="4282200" cy="591840"/>
           </a:xfrm>
           <a:prstGeom prst="rect">
             <a:avLst/>
@@ -3354,7 +3354,7 @@
               </a:rPr>
               <a:t>Australian Special Operations Taskforce HQ</a:t>
             </a:r>
-            <a:endParaRPr b="0" lang="en-IN" sz="1100" spc="-1" strike="noStrike">
+            <a:endParaRPr b="0" lang="en-US" sz="1100" spc="-1" strike="noStrike">
               <a:solidFill>
                 <a:srgbClr val="000000"/>
               </a:solidFill>
@@ -3372,7 +3372,7 @@
         <p:spPr>
           <a:xfrm>
             <a:off x="3721320" y="8197200"/>
-            <a:ext cx="2813040" cy="516240"/>
+            <a:ext cx="2812680" cy="516240"/>
           </a:xfrm>
           <a:prstGeom prst="rect">
             <a:avLst/>
@@ -3411,7 +3411,7 @@
               </a:rPr>
               <a:t>{signaturer}</a:t>
             </a:r>
-            <a:endParaRPr b="0" lang="en-IN" sz="2800" spc="-1" strike="noStrike">
+            <a:endParaRPr b="0" lang="en-US" sz="2800" spc="-1" strike="noStrike">
               <a:solidFill>
                 <a:srgbClr val="000000"/>
               </a:solidFill>
@@ -3429,7 +3429,7 @@
         <p:spPr>
           <a:xfrm flipH="1">
             <a:off x="3720960" y="8684280"/>
-            <a:ext cx="2815200" cy="1080"/>
+            <a:ext cx="2815560" cy="1440"/>
           </a:xfrm>
           <a:prstGeom prst="straightConnector1">
             <a:avLst/>
@@ -3451,7 +3451,7 @@
         <p:spPr>
           <a:xfrm>
             <a:off x="889200" y="5752800"/>
-            <a:ext cx="6495480" cy="699480"/>
+            <a:ext cx="6495120" cy="699480"/>
           </a:xfrm>
           <a:prstGeom prst="rect">
             <a:avLst/>
@@ -3510,7 +3510,7 @@
               </a:rPr>
               <a:t> Commanding Officer, Australian Special Operations Taskforce, hereby grant</a:t>
             </a:r>
-            <a:endParaRPr b="0" lang="en-IN" sz="2000" spc="-1" strike="noStrike">
+            <a:endParaRPr b="0" lang="en-US" sz="2000" spc="-1" strike="noStrike">
               <a:solidFill>
                 <a:srgbClr val="000000"/>
               </a:solidFill>
@@ -3528,7 +3528,7 @@
         <p:spPr>
           <a:xfrm>
             <a:off x="817920" y="6433920"/>
-            <a:ext cx="6495480" cy="577080"/>
+            <a:ext cx="6495120" cy="577080"/>
           </a:xfrm>
           <a:prstGeom prst="rect">
             <a:avLst/>
@@ -3567,7 +3567,7 @@
               </a:rPr>
               <a:t>{name}</a:t>
             </a:r>
-            <a:endParaRPr b="0" lang="en-IN" sz="3200" spc="-1" strike="noStrike">
+            <a:endParaRPr b="0" lang="en-US" sz="3200" spc="-1" strike="noStrike">
               <a:solidFill>
                 <a:srgbClr val="000000"/>
               </a:solidFill>
@@ -3585,7 +3585,7 @@
         <p:spPr>
           <a:xfrm>
             <a:off x="886320" y="7030440"/>
-            <a:ext cx="6495480" cy="394560"/>
+            <a:ext cx="6495120" cy="394560"/>
           </a:xfrm>
           <a:prstGeom prst="rect">
             <a:avLst/>
@@ -3644,7 +3644,7 @@
               </a:rPr>
               <a:t>with effect {date}</a:t>
             </a:r>
-            <a:endParaRPr b="0" lang="en-IN" sz="2000" spc="-1" strike="noStrike">
+            <a:endParaRPr b="0" lang="en-US" sz="2000" spc="-1" strike="noStrike">
               <a:solidFill>
                 <a:srgbClr val="000000"/>
               </a:solidFill>
@@ -3662,7 +3662,7 @@
         <p:spPr>
           <a:xfrm>
             <a:off x="817920" y="4791600"/>
-            <a:ext cx="6495480" cy="1004400"/>
+            <a:ext cx="6495120" cy="1004400"/>
           </a:xfrm>
           <a:prstGeom prst="rect">
             <a:avLst/>
@@ -3711,7 +3711,7 @@
               </a:rPr>
               <a:t>has shown the desire, traits, attitude and eagerness that is required for the unit and has been deemed suitable in all areas required for reenlistment.</a:t>
             </a:r>
-            <a:endParaRPr b="0" lang="en-IN" sz="2000" spc="-1" strike="noStrike">
+            <a:endParaRPr b="0" lang="en-US" sz="2000" spc="-1" strike="noStrike">
               <a:solidFill>
                 <a:srgbClr val="000000"/>
               </a:solidFill>
@@ -3733,7 +3733,7 @@
         <p:spPr>
           <a:xfrm>
             <a:off x="2922480" y="1274040"/>
-            <a:ext cx="2286360" cy="1603440"/>
+            <a:ext cx="2286000" cy="1603080"/>
           </a:xfrm>
           <a:prstGeom prst="rect">
             <a:avLst/>
@@ -3785,8 +3785,8 @@
         </p:blipFill>
         <p:spPr>
           <a:xfrm rot="5400000">
-            <a:off x="-1119960" y="2058480"/>
-            <a:ext cx="10512000" cy="7117560"/>
+            <a:off x="-1119240" y="2058480"/>
+            <a:ext cx="10511640" cy="7117200"/>
           </a:xfrm>
           <a:prstGeom prst="rect">
             <a:avLst/>
@@ -3809,7 +3809,7 @@
         <p:spPr>
           <a:xfrm>
             <a:off x="714240" y="723960"/>
-            <a:ext cx="6702840" cy="9800280"/>
+            <a:ext cx="6702480" cy="9799920"/>
           </a:xfrm>
           <a:prstGeom prst="rect">
             <a:avLst/>
@@ -3832,8 +3832,8 @@
         </p:blipFill>
         <p:spPr>
           <a:xfrm rot="5400000">
-            <a:off x="-1508040" y="1476720"/>
-            <a:ext cx="11299320" cy="8279280"/>
+            <a:off x="-1507320" y="1476360"/>
+            <a:ext cx="11298960" cy="8278920"/>
           </a:xfrm>
           <a:prstGeom prst="rect">
             <a:avLst/>
@@ -3856,7 +3856,7 @@
         <p:spPr>
           <a:xfrm>
             <a:off x="1814040" y="8340840"/>
-            <a:ext cx="1443240" cy="1259280"/>
+            <a:ext cx="1442880" cy="1258920"/>
           </a:xfrm>
           <a:prstGeom prst="rect">
             <a:avLst/>
@@ -3875,7 +3875,7 @@
         <p:spPr>
           <a:xfrm>
             <a:off x="704160" y="3409560"/>
-            <a:ext cx="6723000" cy="759960"/>
+            <a:ext cx="6722640" cy="759960"/>
           </a:xfrm>
           <a:prstGeom prst="rect">
             <a:avLst/>
@@ -3914,7 +3914,7 @@
               </a:rPr>
               <a:t>Certificate Of Promotion</a:t>
             </a:r>
-            <a:endParaRPr b="0" lang="en-IN" sz="4400" spc="-1" strike="noStrike">
+            <a:endParaRPr b="0" lang="en-US" sz="4400" spc="-1" strike="noStrike">
               <a:solidFill>
                 <a:srgbClr val="000000"/>
               </a:solidFill>
@@ -3932,7 +3932,7 @@
         <p:spPr>
           <a:xfrm>
             <a:off x="1454400" y="4110120"/>
-            <a:ext cx="5370480" cy="638280"/>
+            <a:ext cx="5370120" cy="638280"/>
           </a:xfrm>
           <a:prstGeom prst="rect">
             <a:avLst/>
@@ -3971,7 +3971,7 @@
               </a:rPr>
               <a:t>{name}</a:t>
             </a:r>
-            <a:endParaRPr b="0" lang="en-IN" sz="3600" spc="-1" strike="noStrike">
+            <a:endParaRPr b="0" lang="en-US" sz="3600" spc="-1" strike="noStrike">
               <a:solidFill>
                 <a:srgbClr val="000000"/>
               </a:solidFill>
@@ -3989,7 +3989,7 @@
         <p:spPr>
           <a:xfrm>
             <a:off x="2985840" y="8685000"/>
-            <a:ext cx="4282560" cy="591840"/>
+            <a:ext cx="4282200" cy="591840"/>
           </a:xfrm>
           <a:prstGeom prst="rect">
             <a:avLst/>
@@ -4054,7 +4054,7 @@
               </a:rPr>
               <a:t>Australian Special Operations Taskforce HQ</a:t>
             </a:r>
-            <a:endParaRPr b="0" lang="en-IN" sz="1100" spc="-1" strike="noStrike">
+            <a:endParaRPr b="0" lang="en-US" sz="1100" spc="-1" strike="noStrike">
               <a:solidFill>
                 <a:srgbClr val="000000"/>
               </a:solidFill>
@@ -4072,7 +4072,7 @@
         <p:spPr>
           <a:xfrm>
             <a:off x="3721320" y="8197200"/>
-            <a:ext cx="2813040" cy="516240"/>
+            <a:ext cx="2812680" cy="516240"/>
           </a:xfrm>
           <a:prstGeom prst="rect">
             <a:avLst/>
@@ -4111,7 +4111,7 @@
               </a:rPr>
               <a:t>{signaturer}</a:t>
             </a:r>
-            <a:endParaRPr b="0" lang="en-IN" sz="2800" spc="-1" strike="noStrike">
+            <a:endParaRPr b="0" lang="en-US" sz="2800" spc="-1" strike="noStrike">
               <a:solidFill>
                 <a:srgbClr val="000000"/>
               </a:solidFill>
@@ -4129,7 +4129,7 @@
         <p:spPr>
           <a:xfrm flipH="1">
             <a:off x="3720960" y="8684280"/>
-            <a:ext cx="2815200" cy="1080"/>
+            <a:ext cx="2815560" cy="1440"/>
           </a:xfrm>
           <a:prstGeom prst="straightConnector1">
             <a:avLst/>
@@ -4151,7 +4151,7 @@
         <p:spPr>
           <a:xfrm>
             <a:off x="886320" y="5655600"/>
-            <a:ext cx="6495480" cy="699480"/>
+            <a:ext cx="6495120" cy="699480"/>
           </a:xfrm>
           <a:prstGeom prst="rect">
             <a:avLst/>
@@ -4210,7 +4210,7 @@
               </a:rPr>
               <a:t> Commanding Officer, Australian Special Operations Taskforce, hereby promote</a:t>
             </a:r>
-            <a:endParaRPr b="0" lang="en-IN" sz="2000" spc="-1" strike="noStrike">
+            <a:endParaRPr b="0" lang="en-US" sz="2000" spc="-1" strike="noStrike">
               <a:solidFill>
                 <a:srgbClr val="000000"/>
               </a:solidFill>
@@ -4228,7 +4228,7 @@
         <p:spPr>
           <a:xfrm>
             <a:off x="817920" y="6433920"/>
-            <a:ext cx="6495480" cy="577080"/>
+            <a:ext cx="6495120" cy="577080"/>
           </a:xfrm>
           <a:prstGeom prst="rect">
             <a:avLst/>
@@ -4267,7 +4267,7 @@
               </a:rPr>
               <a:t>{name}</a:t>
             </a:r>
-            <a:endParaRPr b="0" lang="en-IN" sz="3200" spc="-1" strike="noStrike">
+            <a:endParaRPr b="0" lang="en-US" sz="3200" spc="-1" strike="noStrike">
               <a:solidFill>
                 <a:srgbClr val="000000"/>
               </a:solidFill>
@@ -4285,7 +4285,7 @@
         <p:spPr>
           <a:xfrm>
             <a:off x="873720" y="7107120"/>
-            <a:ext cx="6495480" cy="699480"/>
+            <a:ext cx="6495120" cy="699480"/>
           </a:xfrm>
           <a:prstGeom prst="rect">
             <a:avLst/>
@@ -4357,7 +4357,7 @@
               </a:rPr>
               <a:t>{date}.</a:t>
             </a:r>
-            <a:endParaRPr b="0" lang="en-IN" sz="2000" spc="-1" strike="noStrike">
+            <a:endParaRPr b="0" lang="en-US" sz="2000" spc="-1" strike="noStrike">
               <a:solidFill>
                 <a:srgbClr val="000000"/>
               </a:solidFill>
@@ -4375,7 +4375,7 @@
         <p:spPr>
           <a:xfrm>
             <a:off x="897480" y="4820400"/>
-            <a:ext cx="6495480" cy="699480"/>
+            <a:ext cx="6495120" cy="699480"/>
           </a:xfrm>
           <a:prstGeom prst="rect">
             <a:avLst/>
@@ -4437,7 +4437,7 @@
               </a:rPr>
               <a:t>been deemed suitable in all areas required for promotion.</a:t>
             </a:r>
-            <a:endParaRPr b="0" lang="en-IN" sz="2000" spc="-1" strike="noStrike">
+            <a:endParaRPr b="0" lang="en-US" sz="2000" spc="-1" strike="noStrike">
               <a:solidFill>
                 <a:srgbClr val="000000"/>
               </a:solidFill>
@@ -4459,7 +4459,7 @@
         <p:spPr>
           <a:xfrm>
             <a:off x="3147480" y="1544760"/>
-            <a:ext cx="1826640" cy="1514160"/>
+            <a:ext cx="1826280" cy="1513800"/>
           </a:xfrm>
           <a:prstGeom prst="rect">
             <a:avLst/>
@@ -4511,8 +4511,8 @@
         </p:blipFill>
         <p:spPr>
           <a:xfrm rot="5400000">
-            <a:off x="-1119960" y="2058480"/>
-            <a:ext cx="10512000" cy="7117560"/>
+            <a:off x="-1119240" y="2058480"/>
+            <a:ext cx="10511640" cy="7117200"/>
           </a:xfrm>
           <a:prstGeom prst="rect">
             <a:avLst/>
@@ -4535,7 +4535,7 @@
         <p:spPr>
           <a:xfrm>
             <a:off x="714240" y="723960"/>
-            <a:ext cx="6702840" cy="9800280"/>
+            <a:ext cx="6702480" cy="9799920"/>
           </a:xfrm>
           <a:prstGeom prst="rect">
             <a:avLst/>
@@ -4558,8 +4558,8 @@
         </p:blipFill>
         <p:spPr>
           <a:xfrm rot="5400000">
-            <a:off x="-1508040" y="1476720"/>
-            <a:ext cx="11299320" cy="8279280"/>
+            <a:off x="-1507320" y="1476360"/>
+            <a:ext cx="11298960" cy="8278920"/>
           </a:xfrm>
           <a:prstGeom prst="rect">
             <a:avLst/>
@@ -4582,7 +4582,7 @@
         <p:spPr>
           <a:xfrm>
             <a:off x="1814040" y="8340840"/>
-            <a:ext cx="1443240" cy="1259280"/>
+            <a:ext cx="1442880" cy="1258920"/>
           </a:xfrm>
           <a:prstGeom prst="rect">
             <a:avLst/>
@@ -4601,7 +4601,7 @@
         <p:spPr>
           <a:xfrm>
             <a:off x="704160" y="3409560"/>
-            <a:ext cx="6723000" cy="759960"/>
+            <a:ext cx="6722640" cy="759960"/>
           </a:xfrm>
           <a:prstGeom prst="rect">
             <a:avLst/>
@@ -4640,7 +4640,7 @@
               </a:rPr>
               <a:t>Certificate Of Promotion</a:t>
             </a:r>
-            <a:endParaRPr b="0" lang="en-IN" sz="4400" spc="-1" strike="noStrike">
+            <a:endParaRPr b="0" lang="en-US" sz="4400" spc="-1" strike="noStrike">
               <a:solidFill>
                 <a:srgbClr val="000000"/>
               </a:solidFill>
@@ -4658,7 +4658,7 @@
         <p:spPr>
           <a:xfrm>
             <a:off x="1454400" y="4110120"/>
-            <a:ext cx="5370480" cy="638280"/>
+            <a:ext cx="5370120" cy="638280"/>
           </a:xfrm>
           <a:prstGeom prst="rect">
             <a:avLst/>
@@ -4697,7 +4697,7 @@
               </a:rPr>
               <a:t>{name}</a:t>
             </a:r>
-            <a:endParaRPr b="0" lang="en-IN" sz="3600" spc="-1" strike="noStrike">
+            <a:endParaRPr b="0" lang="en-US" sz="3600" spc="-1" strike="noStrike">
               <a:solidFill>
                 <a:srgbClr val="000000"/>
               </a:solidFill>
@@ -4715,7 +4715,7 @@
         <p:spPr>
           <a:xfrm>
             <a:off x="2985840" y="8685000"/>
-            <a:ext cx="4282560" cy="591840"/>
+            <a:ext cx="4282200" cy="591840"/>
           </a:xfrm>
           <a:prstGeom prst="rect">
             <a:avLst/>
@@ -4780,7 +4780,7 @@
               </a:rPr>
               <a:t>Australian Special Operations Taskforce HQ</a:t>
             </a:r>
-            <a:endParaRPr b="0" lang="en-IN" sz="1100" spc="-1" strike="noStrike">
+            <a:endParaRPr b="0" lang="en-US" sz="1100" spc="-1" strike="noStrike">
               <a:solidFill>
                 <a:srgbClr val="000000"/>
               </a:solidFill>
@@ -4798,7 +4798,7 @@
         <p:spPr>
           <a:xfrm>
             <a:off x="3721320" y="8197200"/>
-            <a:ext cx="2813040" cy="516240"/>
+            <a:ext cx="2812680" cy="516240"/>
           </a:xfrm>
           <a:prstGeom prst="rect">
             <a:avLst/>
@@ -4837,7 +4837,7 @@
               </a:rPr>
               <a:t>{signaturer}</a:t>
             </a:r>
-            <a:endParaRPr b="0" lang="en-IN" sz="2800" spc="-1" strike="noStrike">
+            <a:endParaRPr b="0" lang="en-US" sz="2800" spc="-1" strike="noStrike">
               <a:solidFill>
                 <a:srgbClr val="000000"/>
               </a:solidFill>
@@ -4855,7 +4855,7 @@
         <p:spPr>
           <a:xfrm flipH="1">
             <a:off x="3720960" y="8684280"/>
-            <a:ext cx="2815200" cy="1080"/>
+            <a:ext cx="2815560" cy="1440"/>
           </a:xfrm>
           <a:prstGeom prst="straightConnector1">
             <a:avLst/>
@@ -4877,7 +4877,7 @@
         <p:spPr>
           <a:xfrm>
             <a:off x="886320" y="5655600"/>
-            <a:ext cx="6495480" cy="699480"/>
+            <a:ext cx="6495120" cy="699480"/>
           </a:xfrm>
           <a:prstGeom prst="rect">
             <a:avLst/>
@@ -4936,7 +4936,7 @@
               </a:rPr>
               <a:t> Commanding Officer, Australian Special Operations Taskforce, hereby promote</a:t>
             </a:r>
-            <a:endParaRPr b="0" lang="en-IN" sz="2000" spc="-1" strike="noStrike">
+            <a:endParaRPr b="0" lang="en-US" sz="2000" spc="-1" strike="noStrike">
               <a:solidFill>
                 <a:srgbClr val="000000"/>
               </a:solidFill>
@@ -4954,7 +4954,7 @@
         <p:spPr>
           <a:xfrm>
             <a:off x="817920" y="6433920"/>
-            <a:ext cx="6495480" cy="577080"/>
+            <a:ext cx="6495120" cy="577080"/>
           </a:xfrm>
           <a:prstGeom prst="rect">
             <a:avLst/>
@@ -4993,7 +4993,7 @@
               </a:rPr>
               <a:t>{name} </a:t>
             </a:r>
-            <a:endParaRPr b="0" lang="en-IN" sz="3200" spc="-1" strike="noStrike">
+            <a:endParaRPr b="0" lang="en-US" sz="3200" spc="-1" strike="noStrike">
               <a:solidFill>
                 <a:srgbClr val="000000"/>
               </a:solidFill>
@@ -5011,7 +5011,7 @@
         <p:spPr>
           <a:xfrm>
             <a:off x="873720" y="7107120"/>
-            <a:ext cx="6495480" cy="394560"/>
+            <a:ext cx="6495120" cy="394560"/>
           </a:xfrm>
           <a:prstGeom prst="rect">
             <a:avLst/>
@@ -5070,7 +5070,7 @@
               </a:rPr>
               <a:t>with effect {date}.</a:t>
             </a:r>
-            <a:endParaRPr b="0" lang="en-IN" sz="2000" spc="-1" strike="noStrike">
+            <a:endParaRPr b="0" lang="en-US" sz="2000" spc="-1" strike="noStrike">
               <a:solidFill>
                 <a:srgbClr val="000000"/>
               </a:solidFill>
@@ -5088,7 +5088,7 @@
         <p:spPr>
           <a:xfrm>
             <a:off x="897480" y="4820400"/>
-            <a:ext cx="6495480" cy="700200"/>
+            <a:ext cx="6495120" cy="699480"/>
           </a:xfrm>
           <a:prstGeom prst="rect">
             <a:avLst/>
@@ -5150,7 +5150,7 @@
               </a:rPr>
               <a:t>been deemed suitable in all areas required for promotion.</a:t>
             </a:r>
-            <a:endParaRPr b="0" lang="en-IN" sz="2000" spc="-1" strike="noStrike">
+            <a:endParaRPr b="0" lang="en-US" sz="2000" spc="-1" strike="noStrike">
               <a:solidFill>
                 <a:srgbClr val="000000"/>
               </a:solidFill>
@@ -5172,7 +5172,7 @@
         <p:spPr>
           <a:xfrm>
             <a:off x="3101040" y="1388520"/>
-            <a:ext cx="1929240" cy="1929240"/>
+            <a:ext cx="1928880" cy="1928880"/>
           </a:xfrm>
           <a:prstGeom prst="rect">
             <a:avLst/>
@@ -5224,8 +5224,8 @@
         </p:blipFill>
         <p:spPr>
           <a:xfrm rot="5400000">
-            <a:off x="-1119960" y="2058480"/>
-            <a:ext cx="10512000" cy="7117560"/>
+            <a:off x="-1119240" y="2058480"/>
+            <a:ext cx="10511640" cy="7117200"/>
           </a:xfrm>
           <a:prstGeom prst="rect">
             <a:avLst/>
@@ -5248,7 +5248,7 @@
         <p:spPr>
           <a:xfrm>
             <a:off x="714240" y="723960"/>
-            <a:ext cx="6702840" cy="9800280"/>
+            <a:ext cx="6702480" cy="9799920"/>
           </a:xfrm>
           <a:prstGeom prst="rect">
             <a:avLst/>
@@ -5271,8 +5271,8 @@
         </p:blipFill>
         <p:spPr>
           <a:xfrm rot="5400000">
-            <a:off x="-1508040" y="1476720"/>
-            <a:ext cx="11299320" cy="8279280"/>
+            <a:off x="-1507320" y="1476360"/>
+            <a:ext cx="11298960" cy="8278920"/>
           </a:xfrm>
           <a:prstGeom prst="rect">
             <a:avLst/>
@@ -5295,7 +5295,7 @@
         <p:spPr>
           <a:xfrm>
             <a:off x="1814040" y="8340840"/>
-            <a:ext cx="1443240" cy="1259280"/>
+            <a:ext cx="1442880" cy="1258920"/>
           </a:xfrm>
           <a:prstGeom prst="rect">
             <a:avLst/>
@@ -5314,7 +5314,7 @@
         <p:spPr>
           <a:xfrm>
             <a:off x="704160" y="3409560"/>
-            <a:ext cx="6723000" cy="759960"/>
+            <a:ext cx="6722640" cy="759960"/>
           </a:xfrm>
           <a:prstGeom prst="rect">
             <a:avLst/>
@@ -5353,7 +5353,7 @@
               </a:rPr>
               <a:t>Certificate Of Promotion</a:t>
             </a:r>
-            <a:endParaRPr b="0" lang="en-IN" sz="4400" spc="-1" strike="noStrike">
+            <a:endParaRPr b="0" lang="en-US" sz="4400" spc="-1" strike="noStrike">
               <a:solidFill>
                 <a:srgbClr val="000000"/>
               </a:solidFill>
@@ -5371,7 +5371,7 @@
         <p:spPr>
           <a:xfrm>
             <a:off x="1454400" y="4110120"/>
-            <a:ext cx="5370840" cy="638280"/>
+            <a:ext cx="5370480" cy="638280"/>
           </a:xfrm>
           <a:prstGeom prst="rect">
             <a:avLst/>
@@ -5410,7 +5410,7 @@
               </a:rPr>
               <a:t>{name}</a:t>
             </a:r>
-            <a:endParaRPr b="0" lang="en-IN" sz="3600" spc="-1" strike="noStrike">
+            <a:endParaRPr b="0" lang="en-US" sz="3600" spc="-1" strike="noStrike">
               <a:solidFill>
                 <a:srgbClr val="000000"/>
               </a:solidFill>
@@ -5428,7 +5428,7 @@
         <p:spPr>
           <a:xfrm>
             <a:off x="2985840" y="8685000"/>
-            <a:ext cx="4282560" cy="591840"/>
+            <a:ext cx="4282200" cy="591840"/>
           </a:xfrm>
           <a:prstGeom prst="rect">
             <a:avLst/>
@@ -5493,7 +5493,7 @@
               </a:rPr>
               <a:t>Australian Special Operations Taskforce HQ</a:t>
             </a:r>
-            <a:endParaRPr b="0" lang="en-IN" sz="1100" spc="-1" strike="noStrike">
+            <a:endParaRPr b="0" lang="en-US" sz="1100" spc="-1" strike="noStrike">
               <a:solidFill>
                 <a:srgbClr val="000000"/>
               </a:solidFill>
@@ -5511,7 +5511,7 @@
         <p:spPr>
           <a:xfrm>
             <a:off x="3721320" y="8197200"/>
-            <a:ext cx="2813040" cy="516240"/>
+            <a:ext cx="2812680" cy="516240"/>
           </a:xfrm>
           <a:prstGeom prst="rect">
             <a:avLst/>
@@ -5550,7 +5550,7 @@
               </a:rPr>
               <a:t>{signaturer}</a:t>
             </a:r>
-            <a:endParaRPr b="0" lang="en-IN" sz="2800" spc="-1" strike="noStrike">
+            <a:endParaRPr b="0" lang="en-US" sz="2800" spc="-1" strike="noStrike">
               <a:solidFill>
                 <a:srgbClr val="000000"/>
               </a:solidFill>
@@ -5568,7 +5568,7 @@
         <p:spPr>
           <a:xfrm flipH="1">
             <a:off x="3720960" y="8684280"/>
-            <a:ext cx="2815200" cy="1080"/>
+            <a:ext cx="2815560" cy="1440"/>
           </a:xfrm>
           <a:prstGeom prst="straightConnector1">
             <a:avLst/>
@@ -5590,7 +5590,7 @@
         <p:spPr>
           <a:xfrm>
             <a:off x="886320" y="5655600"/>
-            <a:ext cx="6495480" cy="699480"/>
+            <a:ext cx="6495120" cy="699480"/>
           </a:xfrm>
           <a:prstGeom prst="rect">
             <a:avLst/>
@@ -5649,7 +5649,7 @@
               </a:rPr>
               <a:t> Commanding Officer, Australian Special Operations Taskforce, hereby promote</a:t>
             </a:r>
-            <a:endParaRPr b="0" lang="en-IN" sz="2000" spc="-1" strike="noStrike">
+            <a:endParaRPr b="0" lang="en-US" sz="2000" spc="-1" strike="noStrike">
               <a:solidFill>
                 <a:srgbClr val="000000"/>
               </a:solidFill>
@@ -5667,7 +5667,7 @@
         <p:spPr>
           <a:xfrm>
             <a:off x="817920" y="6433920"/>
-            <a:ext cx="6495840" cy="577080"/>
+            <a:ext cx="6495480" cy="577080"/>
           </a:xfrm>
           <a:prstGeom prst="rect">
             <a:avLst/>
@@ -5706,7 +5706,7 @@
               </a:rPr>
               <a:t>{name}</a:t>
             </a:r>
-            <a:endParaRPr b="0" lang="en-IN" sz="3200" spc="-1" strike="noStrike">
+            <a:endParaRPr b="0" lang="en-US" sz="3200" spc="-1" strike="noStrike">
               <a:solidFill>
                 <a:srgbClr val="000000"/>
               </a:solidFill>
@@ -5724,7 +5724,7 @@
         <p:spPr>
           <a:xfrm>
             <a:off x="873720" y="7107120"/>
-            <a:ext cx="6495480" cy="394560"/>
+            <a:ext cx="6495120" cy="394560"/>
           </a:xfrm>
           <a:prstGeom prst="rect">
             <a:avLst/>
@@ -5803,7 +5803,7 @@
               </a:rPr>
               <a:t> </a:t>
             </a:r>
-            <a:endParaRPr b="0" lang="en-IN" sz="2000" spc="-1" strike="noStrike">
+            <a:endParaRPr b="0" lang="en-US" sz="2000" spc="-1" strike="noStrike">
               <a:solidFill>
                 <a:srgbClr val="000000"/>
               </a:solidFill>
@@ -5821,7 +5821,7 @@
         <p:spPr>
           <a:xfrm>
             <a:off x="886320" y="4748400"/>
-            <a:ext cx="6506640" cy="699480"/>
+            <a:ext cx="6506280" cy="699480"/>
           </a:xfrm>
           <a:prstGeom prst="rect">
             <a:avLst/>
@@ -5870,7 +5870,7 @@
               </a:rPr>
               <a:t>has completed all necessary trainings and been deemed suitable in all areas required for promotion.</a:t>
             </a:r>
-            <a:endParaRPr b="0" lang="en-IN" sz="2000" spc="-1" strike="noStrike">
+            <a:endParaRPr b="0" lang="en-US" sz="2000" spc="-1" strike="noStrike">
               <a:solidFill>
                 <a:srgbClr val="000000"/>
               </a:solidFill>
@@ -5892,7 +5892,7 @@
         <p:spPr>
           <a:xfrm>
             <a:off x="3056760" y="1412280"/>
-            <a:ext cx="2017800" cy="1624320"/>
+            <a:ext cx="2017440" cy="1623960"/>
           </a:xfrm>
           <a:prstGeom prst="rect">
             <a:avLst/>
@@ -5944,8 +5944,8 @@
         </p:blipFill>
         <p:spPr>
           <a:xfrm rot="5400000">
-            <a:off x="-1119960" y="2058480"/>
-            <a:ext cx="10512000" cy="7117560"/>
+            <a:off x="-1119240" y="2058480"/>
+            <a:ext cx="10511640" cy="7117200"/>
           </a:xfrm>
           <a:prstGeom prst="rect">
             <a:avLst/>
@@ -5968,7 +5968,7 @@
         <p:spPr>
           <a:xfrm>
             <a:off x="714240" y="723960"/>
-            <a:ext cx="6702840" cy="9800280"/>
+            <a:ext cx="6702480" cy="9799920"/>
           </a:xfrm>
           <a:prstGeom prst="rect">
             <a:avLst/>
@@ -5991,8 +5991,8 @@
         </p:blipFill>
         <p:spPr>
           <a:xfrm rot="5400000">
-            <a:off x="-1508040" y="1476720"/>
-            <a:ext cx="11299320" cy="8279280"/>
+            <a:off x="-1507320" y="1476360"/>
+            <a:ext cx="11298960" cy="8278920"/>
           </a:xfrm>
           <a:prstGeom prst="rect">
             <a:avLst/>
@@ -6015,7 +6015,7 @@
         <p:spPr>
           <a:xfrm>
             <a:off x="1814040" y="8340840"/>
-            <a:ext cx="1443240" cy="1259280"/>
+            <a:ext cx="1442880" cy="1258920"/>
           </a:xfrm>
           <a:prstGeom prst="rect">
             <a:avLst/>
@@ -6034,7 +6034,7 @@
         <p:spPr>
           <a:xfrm>
             <a:off x="704160" y="3409560"/>
-            <a:ext cx="6723000" cy="759960"/>
+            <a:ext cx="6722640" cy="759960"/>
           </a:xfrm>
           <a:prstGeom prst="rect">
             <a:avLst/>
@@ -6073,7 +6073,7 @@
               </a:rPr>
               <a:t>Certificate Of Promotion</a:t>
             </a:r>
-            <a:endParaRPr b="0" lang="en-IN" sz="4400" spc="-1" strike="noStrike">
+            <a:endParaRPr b="0" lang="en-US" sz="4400" spc="-1" strike="noStrike">
               <a:solidFill>
                 <a:srgbClr val="000000"/>
               </a:solidFill>
@@ -6091,7 +6091,7 @@
         <p:spPr>
           <a:xfrm>
             <a:off x="1454400" y="4110120"/>
-            <a:ext cx="5370840" cy="638280"/>
+            <a:ext cx="5370480" cy="638280"/>
           </a:xfrm>
           <a:prstGeom prst="rect">
             <a:avLst/>
@@ -6128,9 +6128,9 @@
                 <a:latin typeface="Times New Roman"/>
                 <a:ea typeface="Times New Roman"/>
               </a:rPr>
-              <a:t>{signaturer}</a:t>
-            </a:r>
-            <a:endParaRPr b="0" lang="en-IN" sz="3600" spc="-1" strike="noStrike">
+              <a:t>{name}</a:t>
+            </a:r>
+            <a:endParaRPr b="0" lang="en-US" sz="3600" spc="-1" strike="noStrike">
               <a:solidFill>
                 <a:srgbClr val="000000"/>
               </a:solidFill>
@@ -6148,7 +6148,7 @@
         <p:spPr>
           <a:xfrm>
             <a:off x="2985840" y="8685000"/>
-            <a:ext cx="4282560" cy="591840"/>
+            <a:ext cx="4282200" cy="591840"/>
           </a:xfrm>
           <a:prstGeom prst="rect">
             <a:avLst/>
@@ -6213,7 +6213,7 @@
               </a:rPr>
               <a:t>Australian Special Operations Taskforce HQ</a:t>
             </a:r>
-            <a:endParaRPr b="0" lang="en-IN" sz="1100" spc="-1" strike="noStrike">
+            <a:endParaRPr b="0" lang="en-US" sz="1100" spc="-1" strike="noStrike">
               <a:solidFill>
                 <a:srgbClr val="000000"/>
               </a:solidFill>
@@ -6231,7 +6231,7 @@
         <p:spPr>
           <a:xfrm>
             <a:off x="3721320" y="8197200"/>
-            <a:ext cx="2813040" cy="516240"/>
+            <a:ext cx="2812680" cy="516240"/>
           </a:xfrm>
           <a:prstGeom prst="rect">
             <a:avLst/>
@@ -6270,7 +6270,7 @@
               </a:rPr>
               <a:t>{signaturer}</a:t>
             </a:r>
-            <a:endParaRPr b="0" lang="en-IN" sz="2800" spc="-1" strike="noStrike">
+            <a:endParaRPr b="0" lang="en-US" sz="2800" spc="-1" strike="noStrike">
               <a:solidFill>
                 <a:srgbClr val="000000"/>
               </a:solidFill>
@@ -6288,7 +6288,7 @@
         <p:spPr>
           <a:xfrm flipH="1">
             <a:off x="3720960" y="8684280"/>
-            <a:ext cx="2815200" cy="1080"/>
+            <a:ext cx="2815560" cy="1440"/>
           </a:xfrm>
           <a:prstGeom prst="straightConnector1">
             <a:avLst/>
@@ -6310,7 +6310,7 @@
         <p:spPr>
           <a:xfrm>
             <a:off x="886320" y="5655600"/>
-            <a:ext cx="6495480" cy="699480"/>
+            <a:ext cx="6495120" cy="699480"/>
           </a:xfrm>
           <a:prstGeom prst="rect">
             <a:avLst/>
@@ -6369,7 +6369,7 @@
               </a:rPr>
               <a:t> Commanding Officer, Australian Special Operations Taskforce, hereby promote</a:t>
             </a:r>
-            <a:endParaRPr b="0" lang="en-IN" sz="2000" spc="-1" strike="noStrike">
+            <a:endParaRPr b="0" lang="en-US" sz="2000" spc="-1" strike="noStrike">
               <a:solidFill>
                 <a:srgbClr val="000000"/>
               </a:solidFill>
@@ -6387,7 +6387,7 @@
         <p:spPr>
           <a:xfrm>
             <a:off x="817920" y="6433920"/>
-            <a:ext cx="6495840" cy="577080"/>
+            <a:ext cx="6495480" cy="577080"/>
           </a:xfrm>
           <a:prstGeom prst="rect">
             <a:avLst/>
@@ -6426,7 +6426,7 @@
               </a:rPr>
               <a:t>{name}</a:t>
             </a:r>
-            <a:endParaRPr b="0" lang="en-IN" sz="3200" spc="-1" strike="noStrike">
+            <a:endParaRPr b="0" lang="en-US" sz="3200" spc="-1" strike="noStrike">
               <a:solidFill>
                 <a:srgbClr val="000000"/>
               </a:solidFill>
@@ -6444,7 +6444,7 @@
         <p:spPr>
           <a:xfrm>
             <a:off x="873720" y="7107120"/>
-            <a:ext cx="6495480" cy="699480"/>
+            <a:ext cx="6495120" cy="699480"/>
           </a:xfrm>
           <a:prstGeom prst="rect">
             <a:avLst/>
@@ -6516,7 +6516,7 @@
               </a:rPr>
               <a:t>{date}.</a:t>
             </a:r>
-            <a:endParaRPr b="0" lang="en-IN" sz="2000" spc="-1" strike="noStrike">
+            <a:endParaRPr b="0" lang="en-US" sz="2000" spc="-1" strike="noStrike">
               <a:solidFill>
                 <a:srgbClr val="000000"/>
               </a:solidFill>
@@ -6534,7 +6534,7 @@
         <p:spPr>
           <a:xfrm>
             <a:off x="897480" y="4820400"/>
-            <a:ext cx="6495480" cy="699480"/>
+            <a:ext cx="6495120" cy="699480"/>
           </a:xfrm>
           <a:prstGeom prst="rect">
             <a:avLst/>
@@ -6596,7 +6596,7 @@
               </a:rPr>
               <a:t>been deemed suitable in all areas required for promotion.</a:t>
             </a:r>
-            <a:endParaRPr b="0" lang="en-IN" sz="2000" spc="-1" strike="noStrike">
+            <a:endParaRPr b="0" lang="en-US" sz="2000" spc="-1" strike="noStrike">
               <a:solidFill>
                 <a:srgbClr val="000000"/>
               </a:solidFill>
@@ -6618,7 +6618,7 @@
         <p:spPr>
           <a:xfrm>
             <a:off x="3088440" y="1587600"/>
-            <a:ext cx="1954440" cy="1243440"/>
+            <a:ext cx="1954080" cy="1243080"/>
           </a:xfrm>
           <a:prstGeom prst="rect">
             <a:avLst/>
@@ -6670,8 +6670,8 @@
         </p:blipFill>
         <p:spPr>
           <a:xfrm rot="5400000">
-            <a:off x="-1119960" y="2058480"/>
-            <a:ext cx="10512000" cy="7117560"/>
+            <a:off x="-1119240" y="2058480"/>
+            <a:ext cx="10511640" cy="7117200"/>
           </a:xfrm>
           <a:prstGeom prst="rect">
             <a:avLst/>
@@ -6694,7 +6694,7 @@
         <p:spPr>
           <a:xfrm>
             <a:off x="714240" y="723960"/>
-            <a:ext cx="6702840" cy="9800280"/>
+            <a:ext cx="6702480" cy="9799920"/>
           </a:xfrm>
           <a:prstGeom prst="rect">
             <a:avLst/>
@@ -6717,8 +6717,8 @@
         </p:blipFill>
         <p:spPr>
           <a:xfrm rot="5400000">
-            <a:off x="-1508040" y="1476720"/>
-            <a:ext cx="11299320" cy="8279280"/>
+            <a:off x="-1507320" y="1476360"/>
+            <a:ext cx="11298960" cy="8278920"/>
           </a:xfrm>
           <a:prstGeom prst="rect">
             <a:avLst/>
@@ -6741,7 +6741,7 @@
         <p:spPr>
           <a:xfrm>
             <a:off x="1814040" y="8340840"/>
-            <a:ext cx="1443240" cy="1259280"/>
+            <a:ext cx="1442880" cy="1258920"/>
           </a:xfrm>
           <a:prstGeom prst="rect">
             <a:avLst/>
@@ -6760,7 +6760,7 @@
         <p:spPr>
           <a:xfrm>
             <a:off x="704160" y="3409560"/>
-            <a:ext cx="6723000" cy="759960"/>
+            <a:ext cx="6722640" cy="759960"/>
           </a:xfrm>
           <a:prstGeom prst="rect">
             <a:avLst/>
@@ -6799,7 +6799,7 @@
               </a:rPr>
               <a:t>Certificate Of Promotion</a:t>
             </a:r>
-            <a:endParaRPr b="0" lang="en-IN" sz="4400" spc="-1" strike="noStrike">
+            <a:endParaRPr b="0" lang="en-US" sz="4400" spc="-1" strike="noStrike">
               <a:solidFill>
                 <a:srgbClr val="000000"/>
               </a:solidFill>
@@ -6817,7 +6817,7 @@
         <p:spPr>
           <a:xfrm>
             <a:off x="1454400" y="4110120"/>
-            <a:ext cx="5370840" cy="638280"/>
+            <a:ext cx="5370480" cy="638280"/>
           </a:xfrm>
           <a:prstGeom prst="rect">
             <a:avLst/>
@@ -6856,7 +6856,7 @@
               </a:rPr>
               <a:t>{name}</a:t>
             </a:r>
-            <a:endParaRPr b="0" lang="en-IN" sz="3600" spc="-1" strike="noStrike">
+            <a:endParaRPr b="0" lang="en-US" sz="3600" spc="-1" strike="noStrike">
               <a:solidFill>
                 <a:srgbClr val="000000"/>
               </a:solidFill>
@@ -6874,7 +6874,7 @@
         <p:spPr>
           <a:xfrm>
             <a:off x="2985840" y="8685000"/>
-            <a:ext cx="4282560" cy="591840"/>
+            <a:ext cx="4282200" cy="591840"/>
           </a:xfrm>
           <a:prstGeom prst="rect">
             <a:avLst/>
@@ -6939,7 +6939,7 @@
               </a:rPr>
               <a:t>Australian Special Operations Taskforce HQ</a:t>
             </a:r>
-            <a:endParaRPr b="0" lang="en-IN" sz="1100" spc="-1" strike="noStrike">
+            <a:endParaRPr b="0" lang="en-US" sz="1100" spc="-1" strike="noStrike">
               <a:solidFill>
                 <a:srgbClr val="000000"/>
               </a:solidFill>
@@ -6957,7 +6957,7 @@
         <p:spPr>
           <a:xfrm>
             <a:off x="3721320" y="8197200"/>
-            <a:ext cx="2813040" cy="516240"/>
+            <a:ext cx="2812680" cy="516240"/>
           </a:xfrm>
           <a:prstGeom prst="rect">
             <a:avLst/>
@@ -6996,7 +6996,7 @@
               </a:rPr>
               <a:t>{signaturer}</a:t>
             </a:r>
-            <a:endParaRPr b="0" lang="en-IN" sz="2800" spc="-1" strike="noStrike">
+            <a:endParaRPr b="0" lang="en-US" sz="2800" spc="-1" strike="noStrike">
               <a:solidFill>
                 <a:srgbClr val="000000"/>
               </a:solidFill>
@@ -7014,7 +7014,7 @@
         <p:spPr>
           <a:xfrm flipH="1">
             <a:off x="3720960" y="8684280"/>
-            <a:ext cx="2815200" cy="1080"/>
+            <a:ext cx="2815560" cy="1440"/>
           </a:xfrm>
           <a:prstGeom prst="straightConnector1">
             <a:avLst/>
@@ -7036,7 +7036,7 @@
         <p:spPr>
           <a:xfrm>
             <a:off x="886320" y="5655600"/>
-            <a:ext cx="6495480" cy="699480"/>
+            <a:ext cx="6495120" cy="699480"/>
           </a:xfrm>
           <a:prstGeom prst="rect">
             <a:avLst/>
@@ -7095,7 +7095,7 @@
               </a:rPr>
               <a:t> Commanding Officer, Australian Special Operations Taskforce, hereby promote</a:t>
             </a:r>
-            <a:endParaRPr b="0" lang="en-IN" sz="2000" spc="-1" strike="noStrike">
+            <a:endParaRPr b="0" lang="en-US" sz="2000" spc="-1" strike="noStrike">
               <a:solidFill>
                 <a:srgbClr val="000000"/>
               </a:solidFill>
@@ -7113,7 +7113,7 @@
         <p:spPr>
           <a:xfrm>
             <a:off x="817920" y="6433920"/>
-            <a:ext cx="6495840" cy="1064520"/>
+            <a:ext cx="6495480" cy="1064520"/>
           </a:xfrm>
           <a:prstGeom prst="rect">
             <a:avLst/>
@@ -7155,7 +7155,7 @@
             <a:br>
               <a:rPr sz="3200"/>
             </a:br>
-            <a:endParaRPr b="0" lang="en-IN" sz="3200" spc="-1" strike="noStrike">
+            <a:endParaRPr b="0" lang="en-US" sz="3200" spc="-1" strike="noStrike">
               <a:solidFill>
                 <a:srgbClr val="000000"/>
               </a:solidFill>
@@ -7173,7 +7173,7 @@
         <p:spPr>
           <a:xfrm>
             <a:off x="873720" y="7107120"/>
-            <a:ext cx="6495480" cy="699480"/>
+            <a:ext cx="6495120" cy="699480"/>
           </a:xfrm>
           <a:prstGeom prst="rect">
             <a:avLst/>
@@ -7245,7 +7245,7 @@
               </a:rPr>
               <a:t>{date}.</a:t>
             </a:r>
-            <a:endParaRPr b="0" lang="en-IN" sz="2000" spc="-1" strike="noStrike">
+            <a:endParaRPr b="0" lang="en-US" sz="2000" spc="-1" strike="noStrike">
               <a:solidFill>
                 <a:srgbClr val="000000"/>
               </a:solidFill>
@@ -7263,7 +7263,7 @@
         <p:spPr>
           <a:xfrm>
             <a:off x="897480" y="4820400"/>
-            <a:ext cx="6495480" cy="699480"/>
+            <a:ext cx="6495120" cy="699480"/>
           </a:xfrm>
           <a:prstGeom prst="rect">
             <a:avLst/>
@@ -7322,7 +7322,7 @@
               </a:rPr>
               <a:t>has completed all necessary trainings and been deemed suitable in all areas required for promotion.</a:t>
             </a:r>
-            <a:endParaRPr b="0" lang="en-IN" sz="2000" spc="-1" strike="noStrike">
+            <a:endParaRPr b="0" lang="en-US" sz="2000" spc="-1" strike="noStrike">
               <a:solidFill>
                 <a:srgbClr val="000000"/>
               </a:solidFill>
@@ -7344,7 +7344,7 @@
         <p:spPr>
           <a:xfrm>
             <a:off x="2922480" y="1458360"/>
-            <a:ext cx="2286360" cy="1603440"/>
+            <a:ext cx="2286000" cy="1603080"/>
           </a:xfrm>
           <a:prstGeom prst="rect">
             <a:avLst/>
@@ -7396,8 +7396,8 @@
         </p:blipFill>
         <p:spPr>
           <a:xfrm rot="5400000">
-            <a:off x="-1119960" y="2058480"/>
-            <a:ext cx="10512000" cy="7117560"/>
+            <a:off x="-1119240" y="2058480"/>
+            <a:ext cx="10511640" cy="7117200"/>
           </a:xfrm>
           <a:prstGeom prst="rect">
             <a:avLst/>
@@ -7420,7 +7420,7 @@
         <p:spPr>
           <a:xfrm>
             <a:off x="714240" y="723960"/>
-            <a:ext cx="6702840" cy="9800280"/>
+            <a:ext cx="6702480" cy="9799920"/>
           </a:xfrm>
           <a:prstGeom prst="rect">
             <a:avLst/>
@@ -7443,8 +7443,8 @@
         </p:blipFill>
         <p:spPr>
           <a:xfrm rot="5400000">
-            <a:off x="-1508040" y="1476720"/>
-            <a:ext cx="11299320" cy="8279280"/>
+            <a:off x="-1507320" y="1476360"/>
+            <a:ext cx="11298960" cy="8278920"/>
           </a:xfrm>
           <a:prstGeom prst="rect">
             <a:avLst/>
@@ -7467,7 +7467,7 @@
         <p:spPr>
           <a:xfrm>
             <a:off x="1814040" y="8340840"/>
-            <a:ext cx="1443240" cy="1259280"/>
+            <a:ext cx="1442880" cy="1258920"/>
           </a:xfrm>
           <a:prstGeom prst="rect">
             <a:avLst/>
@@ -7486,7 +7486,7 @@
         <p:spPr>
           <a:xfrm>
             <a:off x="704160" y="3409560"/>
-            <a:ext cx="6723000" cy="759960"/>
+            <a:ext cx="6722640" cy="759960"/>
           </a:xfrm>
           <a:prstGeom prst="rect">
             <a:avLst/>
@@ -7525,7 +7525,7 @@
               </a:rPr>
               <a:t>Certificate Of Enlistment</a:t>
             </a:r>
-            <a:endParaRPr b="0" lang="en-IN" sz="4400" spc="-1" strike="noStrike">
+            <a:endParaRPr b="0" lang="en-US" sz="4400" spc="-1" strike="noStrike">
               <a:solidFill>
                 <a:srgbClr val="000000"/>
               </a:solidFill>
@@ -7543,7 +7543,7 @@
         <p:spPr>
           <a:xfrm>
             <a:off x="1454400" y="4110120"/>
-            <a:ext cx="5370840" cy="638280"/>
+            <a:ext cx="5370480" cy="638280"/>
           </a:xfrm>
           <a:prstGeom prst="rect">
             <a:avLst/>
@@ -7582,7 +7582,7 @@
               </a:rPr>
               <a:t>{name}</a:t>
             </a:r>
-            <a:endParaRPr b="0" lang="en-IN" sz="3600" spc="-1" strike="noStrike">
+            <a:endParaRPr b="0" lang="en-US" sz="3600" spc="-1" strike="noStrike">
               <a:solidFill>
                 <a:srgbClr val="000000"/>
               </a:solidFill>
@@ -7600,7 +7600,7 @@
         <p:spPr>
           <a:xfrm>
             <a:off x="2985840" y="8685000"/>
-            <a:ext cx="4282560" cy="591840"/>
+            <a:ext cx="4282200" cy="591840"/>
           </a:xfrm>
           <a:prstGeom prst="rect">
             <a:avLst/>
@@ -7665,7 +7665,7 @@
               </a:rPr>
               <a:t>Australian Special Operations Taskforce HQ</a:t>
             </a:r>
-            <a:endParaRPr b="0" lang="en-IN" sz="1100" spc="-1" strike="noStrike">
+            <a:endParaRPr b="0" lang="en-US" sz="1100" spc="-1" strike="noStrike">
               <a:solidFill>
                 <a:srgbClr val="000000"/>
               </a:solidFill>
@@ -7683,7 +7683,7 @@
         <p:spPr>
           <a:xfrm>
             <a:off x="3721320" y="8197200"/>
-            <a:ext cx="2813040" cy="516240"/>
+            <a:ext cx="2812680" cy="516240"/>
           </a:xfrm>
           <a:prstGeom prst="rect">
             <a:avLst/>
@@ -7722,7 +7722,7 @@
               </a:rPr>
               <a:t>{signaturer}</a:t>
             </a:r>
-            <a:endParaRPr b="0" lang="en-IN" sz="2800" spc="-1" strike="noStrike">
+            <a:endParaRPr b="0" lang="en-US" sz="2800" spc="-1" strike="noStrike">
               <a:solidFill>
                 <a:srgbClr val="000000"/>
               </a:solidFill>
@@ -7740,7 +7740,7 @@
         <p:spPr>
           <a:xfrm flipH="1">
             <a:off x="3720960" y="8684280"/>
-            <a:ext cx="2815200" cy="1080"/>
+            <a:ext cx="2815560" cy="1440"/>
           </a:xfrm>
           <a:prstGeom prst="straightConnector1">
             <a:avLst/>
@@ -7762,7 +7762,7 @@
         <p:spPr>
           <a:xfrm>
             <a:off x="886320" y="5803560"/>
-            <a:ext cx="6495480" cy="699480"/>
+            <a:ext cx="6495120" cy="699480"/>
           </a:xfrm>
           <a:prstGeom prst="rect">
             <a:avLst/>
@@ -7821,7 +7821,7 @@
               </a:rPr>
               <a:t> Commanding Officer, Australian Special Operations Taskforce, hereby grant</a:t>
             </a:r>
-            <a:endParaRPr b="0" lang="en-IN" sz="2000" spc="-1" strike="noStrike">
+            <a:endParaRPr b="0" lang="en-US" sz="2000" spc="-1" strike="noStrike">
               <a:solidFill>
                 <a:srgbClr val="000000"/>
               </a:solidFill>
@@ -7839,7 +7839,7 @@
         <p:spPr>
           <a:xfrm>
             <a:off x="817920" y="6433920"/>
-            <a:ext cx="6495840" cy="577080"/>
+            <a:ext cx="6495480" cy="577080"/>
           </a:xfrm>
           <a:prstGeom prst="rect">
             <a:avLst/>
@@ -7878,7 +7878,7 @@
               </a:rPr>
               <a:t>{name}</a:t>
             </a:r>
-            <a:endParaRPr b="0" lang="en-IN" sz="3200" spc="-1" strike="noStrike">
+            <a:endParaRPr b="0" lang="en-US" sz="3200" spc="-1" strike="noStrike">
               <a:solidFill>
                 <a:srgbClr val="000000"/>
               </a:solidFill>
@@ -7896,7 +7896,7 @@
         <p:spPr>
           <a:xfrm>
             <a:off x="873720" y="7107120"/>
-            <a:ext cx="6495480" cy="394560"/>
+            <a:ext cx="6495120" cy="394560"/>
           </a:xfrm>
           <a:prstGeom prst="rect">
             <a:avLst/>
@@ -7935,7 +7935,7 @@
               </a:rPr>
               <a:t>entry to the unit with effect {date}.</a:t>
             </a:r>
-            <a:endParaRPr b="0" lang="en-IN" sz="2000" spc="-1" strike="noStrike">
+            <a:endParaRPr b="0" lang="en-US" sz="2000" spc="-1" strike="noStrike">
               <a:solidFill>
                 <a:srgbClr val="000000"/>
               </a:solidFill>
@@ -7953,7 +7953,7 @@
         <p:spPr>
           <a:xfrm>
             <a:off x="862200" y="4820400"/>
-            <a:ext cx="6495480" cy="1004400"/>
+            <a:ext cx="6495120" cy="1004400"/>
           </a:xfrm>
           <a:prstGeom prst="rect">
             <a:avLst/>
@@ -8002,7 +8002,7 @@
               </a:rPr>
               <a:t> has shown the traits, attitude and eagerness that is required for joining the unit and has been deemed suitable in all areas required for enlistment</a:t>
             </a:r>
-            <a:endParaRPr b="0" lang="en-IN" sz="2000" spc="-1" strike="noStrike">
+            <a:endParaRPr b="0" lang="en-US" sz="2000" spc="-1" strike="noStrike">
               <a:solidFill>
                 <a:srgbClr val="000000"/>
               </a:solidFill>
@@ -8024,7 +8024,7 @@
         <p:spPr>
           <a:xfrm>
             <a:off x="2922480" y="1458360"/>
-            <a:ext cx="2286360" cy="1603440"/>
+            <a:ext cx="2286000" cy="1603080"/>
           </a:xfrm>
           <a:prstGeom prst="rect">
             <a:avLst/>
@@ -8076,8 +8076,8 @@
         </p:blipFill>
         <p:spPr>
           <a:xfrm rot="5400000">
-            <a:off x="-1119960" y="2058480"/>
-            <a:ext cx="10512000" cy="7117560"/>
+            <a:off x="-1119240" y="2058480"/>
+            <a:ext cx="10511640" cy="7117200"/>
           </a:xfrm>
           <a:prstGeom prst="rect">
             <a:avLst/>
@@ -8100,7 +8100,7 @@
         <p:spPr>
           <a:xfrm>
             <a:off x="714240" y="723960"/>
-            <a:ext cx="6702840" cy="9800280"/>
+            <a:ext cx="6702480" cy="9799920"/>
           </a:xfrm>
           <a:prstGeom prst="rect">
             <a:avLst/>
@@ -8123,8 +8123,8 @@
         </p:blipFill>
         <p:spPr>
           <a:xfrm rot="5400000">
-            <a:off x="-1508040" y="1476720"/>
-            <a:ext cx="11299320" cy="8279280"/>
+            <a:off x="-1507320" y="1476360"/>
+            <a:ext cx="11298960" cy="8278920"/>
           </a:xfrm>
           <a:prstGeom prst="rect">
             <a:avLst/>
@@ -8147,7 +8147,7 @@
         <p:spPr>
           <a:xfrm>
             <a:off x="1814040" y="8340840"/>
-            <a:ext cx="1443240" cy="1259280"/>
+            <a:ext cx="1442880" cy="1258920"/>
           </a:xfrm>
           <a:prstGeom prst="rect">
             <a:avLst/>
@@ -8166,7 +8166,7 @@
         <p:spPr>
           <a:xfrm>
             <a:off x="704160" y="3409560"/>
-            <a:ext cx="6723000" cy="759960"/>
+            <a:ext cx="6722640" cy="759960"/>
           </a:xfrm>
           <a:prstGeom prst="rect">
             <a:avLst/>
@@ -8205,7 +8205,7 @@
               </a:rPr>
               <a:t>Certificate Of Promotion</a:t>
             </a:r>
-            <a:endParaRPr b="0" lang="en-IN" sz="4400" spc="-1" strike="noStrike">
+            <a:endParaRPr b="0" lang="en-US" sz="4400" spc="-1" strike="noStrike">
               <a:solidFill>
                 <a:srgbClr val="000000"/>
               </a:solidFill>
@@ -8223,7 +8223,7 @@
         <p:spPr>
           <a:xfrm>
             <a:off x="1454400" y="4110120"/>
-            <a:ext cx="5370480" cy="638280"/>
+            <a:ext cx="5370120" cy="638280"/>
           </a:xfrm>
           <a:prstGeom prst="rect">
             <a:avLst/>
@@ -8262,7 +8262,7 @@
               </a:rPr>
               <a:t>{name}</a:t>
             </a:r>
-            <a:endParaRPr b="0" lang="en-IN" sz="3600" spc="-1" strike="noStrike">
+            <a:endParaRPr b="0" lang="en-US" sz="3600" spc="-1" strike="noStrike">
               <a:solidFill>
                 <a:srgbClr val="000000"/>
               </a:solidFill>
@@ -8280,7 +8280,7 @@
         <p:spPr>
           <a:xfrm>
             <a:off x="2985840" y="8685000"/>
-            <a:ext cx="4282560" cy="591840"/>
+            <a:ext cx="4282200" cy="591840"/>
           </a:xfrm>
           <a:prstGeom prst="rect">
             <a:avLst/>
@@ -8345,7 +8345,7 @@
               </a:rPr>
               <a:t>Australian Special Operations Taskforce HQ</a:t>
             </a:r>
-            <a:endParaRPr b="0" lang="en-IN" sz="1100" spc="-1" strike="noStrike">
+            <a:endParaRPr b="0" lang="en-US" sz="1100" spc="-1" strike="noStrike">
               <a:solidFill>
                 <a:srgbClr val="000000"/>
               </a:solidFill>
@@ -8363,7 +8363,7 @@
         <p:spPr>
           <a:xfrm>
             <a:off x="3721320" y="8197200"/>
-            <a:ext cx="2813040" cy="516240"/>
+            <a:ext cx="2812680" cy="516240"/>
           </a:xfrm>
           <a:prstGeom prst="rect">
             <a:avLst/>
@@ -8402,7 +8402,7 @@
               </a:rPr>
               <a:t>{signaturer}</a:t>
             </a:r>
-            <a:endParaRPr b="0" lang="en-IN" sz="2800" spc="-1" strike="noStrike">
+            <a:endParaRPr b="0" lang="en-US" sz="2800" spc="-1" strike="noStrike">
               <a:solidFill>
                 <a:srgbClr val="000000"/>
               </a:solidFill>
@@ -8420,7 +8420,7 @@
         <p:spPr>
           <a:xfrm flipH="1">
             <a:off x="3720960" y="8684280"/>
-            <a:ext cx="2815200" cy="1080"/>
+            <a:ext cx="2815560" cy="1440"/>
           </a:xfrm>
           <a:prstGeom prst="straightConnector1">
             <a:avLst/>
@@ -8442,7 +8442,7 @@
         <p:spPr>
           <a:xfrm>
             <a:off x="886320" y="5655600"/>
-            <a:ext cx="6495480" cy="699480"/>
+            <a:ext cx="6495120" cy="699480"/>
           </a:xfrm>
           <a:prstGeom prst="rect">
             <a:avLst/>
@@ -8501,7 +8501,7 @@
               </a:rPr>
               <a:t> Commanding Officer, Australian Special Operations Taskforce, hereby promote</a:t>
             </a:r>
-            <a:endParaRPr b="0" lang="en-IN" sz="2000" spc="-1" strike="noStrike">
+            <a:endParaRPr b="0" lang="en-US" sz="2000" spc="-1" strike="noStrike">
               <a:solidFill>
                 <a:srgbClr val="000000"/>
               </a:solidFill>
@@ -8523,7 +8523,7 @@
         <p:spPr>
           <a:xfrm>
             <a:off x="3761640" y="1681920"/>
-            <a:ext cx="745200" cy="768240"/>
+            <a:ext cx="744840" cy="767880"/>
           </a:xfrm>
           <a:prstGeom prst="rect">
             <a:avLst/>
@@ -8542,7 +8542,7 @@
         <p:spPr>
           <a:xfrm>
             <a:off x="817920" y="6433920"/>
-            <a:ext cx="6495480" cy="577080"/>
+            <a:ext cx="6495120" cy="577080"/>
           </a:xfrm>
           <a:prstGeom prst="rect">
             <a:avLst/>
@@ -8581,7 +8581,7 @@
               </a:rPr>
               <a:t>{name}</a:t>
             </a:r>
-            <a:endParaRPr b="0" lang="en-IN" sz="3200" spc="-1" strike="noStrike">
+            <a:endParaRPr b="0" lang="en-US" sz="3200" spc="-1" strike="noStrike">
               <a:solidFill>
                 <a:srgbClr val="000000"/>
               </a:solidFill>
@@ -8599,7 +8599,7 @@
         <p:spPr>
           <a:xfrm>
             <a:off x="873720" y="7107120"/>
-            <a:ext cx="6495480" cy="394560"/>
+            <a:ext cx="6495120" cy="394560"/>
           </a:xfrm>
           <a:prstGeom prst="rect">
             <a:avLst/>
@@ -8658,7 +8658,7 @@
               </a:rPr>
               <a:t>with effect {date}</a:t>
             </a:r>
-            <a:endParaRPr b="0" lang="en-IN" sz="2000" spc="-1" strike="noStrike">
+            <a:endParaRPr b="0" lang="en-US" sz="2000" spc="-1" strike="noStrike">
               <a:solidFill>
                 <a:srgbClr val="000000"/>
               </a:solidFill>
@@ -8676,7 +8676,7 @@
         <p:spPr>
           <a:xfrm>
             <a:off x="897480" y="4820400"/>
-            <a:ext cx="6495480" cy="699480"/>
+            <a:ext cx="6495120" cy="699480"/>
           </a:xfrm>
           <a:prstGeom prst="rect">
             <a:avLst/>
@@ -8738,7 +8738,7 @@
               </a:rPr>
               <a:t>been deemed suitable in all areas required for promotion.</a:t>
             </a:r>
-            <a:endParaRPr b="0" lang="en-IN" sz="2000" spc="-1" strike="noStrike">
+            <a:endParaRPr b="0" lang="en-US" sz="2000" spc="-1" strike="noStrike">
               <a:solidFill>
                 <a:srgbClr val="000000"/>
               </a:solidFill>
@@ -8760,7 +8760,7 @@
         <p:spPr>
           <a:xfrm>
             <a:off x="3870720" y="2755800"/>
-            <a:ext cx="527400" cy="549720"/>
+            <a:ext cx="527040" cy="549360"/>
           </a:xfrm>
           <a:prstGeom prst="rect">
             <a:avLst/>
@@ -8812,8 +8812,8 @@
         </p:blipFill>
         <p:spPr>
           <a:xfrm rot="5400000">
-            <a:off x="-1119960" y="2058480"/>
-            <a:ext cx="10512000" cy="7117560"/>
+            <a:off x="-1119240" y="2058480"/>
+            <a:ext cx="10511640" cy="7117200"/>
           </a:xfrm>
           <a:prstGeom prst="rect">
             <a:avLst/>
@@ -8836,7 +8836,7 @@
         <p:spPr>
           <a:xfrm>
             <a:off x="714240" y="723960"/>
-            <a:ext cx="6702840" cy="9800280"/>
+            <a:ext cx="6702480" cy="9799920"/>
           </a:xfrm>
           <a:prstGeom prst="rect">
             <a:avLst/>
@@ -8859,8 +8859,8 @@
         </p:blipFill>
         <p:spPr>
           <a:xfrm rot="5400000">
-            <a:off x="-1508040" y="1476720"/>
-            <a:ext cx="11299320" cy="8279280"/>
+            <a:off x="-1507320" y="1476360"/>
+            <a:ext cx="11298960" cy="8278920"/>
           </a:xfrm>
           <a:prstGeom prst="rect">
             <a:avLst/>
@@ -8883,7 +8883,7 @@
         <p:spPr>
           <a:xfrm>
             <a:off x="1814040" y="8340840"/>
-            <a:ext cx="1443240" cy="1259280"/>
+            <a:ext cx="1442880" cy="1258920"/>
           </a:xfrm>
           <a:prstGeom prst="rect">
             <a:avLst/>
@@ -8902,7 +8902,7 @@
         <p:spPr>
           <a:xfrm>
             <a:off x="704160" y="3409560"/>
-            <a:ext cx="6723000" cy="759960"/>
+            <a:ext cx="6722640" cy="759960"/>
           </a:xfrm>
           <a:prstGeom prst="rect">
             <a:avLst/>
@@ -8941,7 +8941,7 @@
               </a:rPr>
               <a:t>Certificate Of Promotion</a:t>
             </a:r>
-            <a:endParaRPr b="0" lang="en-IN" sz="4400" spc="-1" strike="noStrike">
+            <a:endParaRPr b="0" lang="en-US" sz="4400" spc="-1" strike="noStrike">
               <a:solidFill>
                 <a:srgbClr val="000000"/>
               </a:solidFill>
@@ -8959,7 +8959,7 @@
         <p:spPr>
           <a:xfrm>
             <a:off x="1454400" y="4110120"/>
-            <a:ext cx="5370480" cy="638280"/>
+            <a:ext cx="5370120" cy="638280"/>
           </a:xfrm>
           <a:prstGeom prst="rect">
             <a:avLst/>
@@ -8998,7 +8998,7 @@
               </a:rPr>
               <a:t>{name}</a:t>
             </a:r>
-            <a:endParaRPr b="0" lang="en-IN" sz="3600" spc="-1" strike="noStrike">
+            <a:endParaRPr b="0" lang="en-US" sz="3600" spc="-1" strike="noStrike">
               <a:solidFill>
                 <a:srgbClr val="000000"/>
               </a:solidFill>
@@ -9016,7 +9016,7 @@
         <p:spPr>
           <a:xfrm>
             <a:off x="2985840" y="8685000"/>
-            <a:ext cx="4282560" cy="591840"/>
+            <a:ext cx="4282200" cy="591840"/>
           </a:xfrm>
           <a:prstGeom prst="rect">
             <a:avLst/>
@@ -9081,7 +9081,7 @@
               </a:rPr>
               <a:t>Australian Special Operations Taskforce HQ</a:t>
             </a:r>
-            <a:endParaRPr b="0" lang="en-IN" sz="1100" spc="-1" strike="noStrike">
+            <a:endParaRPr b="0" lang="en-US" sz="1100" spc="-1" strike="noStrike">
               <a:solidFill>
                 <a:srgbClr val="000000"/>
               </a:solidFill>
@@ -9099,7 +9099,7 @@
         <p:spPr>
           <a:xfrm>
             <a:off x="3721320" y="8197200"/>
-            <a:ext cx="2813040" cy="516240"/>
+            <a:ext cx="2812680" cy="516240"/>
           </a:xfrm>
           <a:prstGeom prst="rect">
             <a:avLst/>
@@ -9138,7 +9138,7 @@
               </a:rPr>
               <a:t>{signaturer}</a:t>
             </a:r>
-            <a:endParaRPr b="0" lang="en-IN" sz="2800" spc="-1" strike="noStrike">
+            <a:endParaRPr b="0" lang="en-US" sz="2800" spc="-1" strike="noStrike">
               <a:solidFill>
                 <a:srgbClr val="000000"/>
               </a:solidFill>
@@ -9156,7 +9156,7 @@
         <p:spPr>
           <a:xfrm flipH="1">
             <a:off x="3720960" y="8684280"/>
-            <a:ext cx="2815200" cy="1080"/>
+            <a:ext cx="2815560" cy="1440"/>
           </a:xfrm>
           <a:prstGeom prst="straightConnector1">
             <a:avLst/>
@@ -9178,7 +9178,7 @@
         <p:spPr>
           <a:xfrm>
             <a:off x="886320" y="5655600"/>
-            <a:ext cx="6495480" cy="699480"/>
+            <a:ext cx="6495120" cy="699480"/>
           </a:xfrm>
           <a:prstGeom prst="rect">
             <a:avLst/>
@@ -9237,7 +9237,7 @@
               </a:rPr>
               <a:t> Commanding Officer, Australian Special Operations Taskforce, hereby promote</a:t>
             </a:r>
-            <a:endParaRPr b="0" lang="en-IN" sz="2000" spc="-1" strike="noStrike">
+            <a:endParaRPr b="0" lang="en-US" sz="2000" spc="-1" strike="noStrike">
               <a:solidFill>
                 <a:srgbClr val="000000"/>
               </a:solidFill>
@@ -9259,7 +9259,7 @@
         <p:spPr>
           <a:xfrm>
             <a:off x="3344760" y="1419840"/>
-            <a:ext cx="1589760" cy="1639440"/>
+            <a:ext cx="1589400" cy="1639080"/>
           </a:xfrm>
           <a:prstGeom prst="rect">
             <a:avLst/>
@@ -9278,7 +9278,7 @@
         <p:spPr>
           <a:xfrm>
             <a:off x="817920" y="6433920"/>
-            <a:ext cx="6495480" cy="577080"/>
+            <a:ext cx="6495120" cy="577080"/>
           </a:xfrm>
           <a:prstGeom prst="rect">
             <a:avLst/>
@@ -9317,7 +9317,7 @@
               </a:rPr>
               <a:t>{name}</a:t>
             </a:r>
-            <a:endParaRPr b="0" lang="en-IN" sz="3200" spc="-1" strike="noStrike">
+            <a:endParaRPr b="0" lang="en-US" sz="3200" spc="-1" strike="noStrike">
               <a:solidFill>
                 <a:srgbClr val="000000"/>
               </a:solidFill>
@@ -9335,7 +9335,7 @@
         <p:spPr>
           <a:xfrm>
             <a:off x="873720" y="7107120"/>
-            <a:ext cx="6495480" cy="394560"/>
+            <a:ext cx="6495120" cy="394560"/>
           </a:xfrm>
           <a:prstGeom prst="rect">
             <a:avLst/>
@@ -9394,7 +9394,7 @@
               </a:rPr>
               <a:t>with effect {date}.</a:t>
             </a:r>
-            <a:endParaRPr b="0" lang="en-IN" sz="2000" spc="-1" strike="noStrike">
+            <a:endParaRPr b="0" lang="en-US" sz="2000" spc="-1" strike="noStrike">
               <a:solidFill>
                 <a:srgbClr val="000000"/>
               </a:solidFill>
@@ -9412,7 +9412,7 @@
         <p:spPr>
           <a:xfrm>
             <a:off x="897480" y="4820400"/>
-            <a:ext cx="6495480" cy="699480"/>
+            <a:ext cx="6495120" cy="699480"/>
           </a:xfrm>
           <a:prstGeom prst="rect">
             <a:avLst/>
@@ -9474,7 +9474,7 @@
               </a:rPr>
               <a:t>been deemed suitable in all areas required for promotion.</a:t>
             </a:r>
-            <a:endParaRPr b="0" lang="en-IN" sz="2000" spc="-1" strike="noStrike">
+            <a:endParaRPr b="0" lang="en-US" sz="2000" spc="-1" strike="noStrike">
               <a:solidFill>
                 <a:srgbClr val="000000"/>
               </a:solidFill>
@@ -9525,8 +9525,8 @@
         </p:blipFill>
         <p:spPr>
           <a:xfrm rot="5400000">
-            <a:off x="-1009800" y="2058480"/>
-            <a:ext cx="10512000" cy="7117560"/>
+            <a:off x="-1009080" y="2058480"/>
+            <a:ext cx="10511640" cy="7117200"/>
           </a:xfrm>
           <a:prstGeom prst="rect">
             <a:avLst/>
@@ -9549,7 +9549,7 @@
         <p:spPr>
           <a:xfrm>
             <a:off x="714240" y="723960"/>
-            <a:ext cx="6702840" cy="9800280"/>
+            <a:ext cx="6702480" cy="9799920"/>
           </a:xfrm>
           <a:prstGeom prst="rect">
             <a:avLst/>
@@ -9572,8 +9572,8 @@
         </p:blipFill>
         <p:spPr>
           <a:xfrm rot="5400000">
-            <a:off x="-1508040" y="1476720"/>
-            <a:ext cx="11299320" cy="8279280"/>
+            <a:off x="-1507320" y="1476360"/>
+            <a:ext cx="11298960" cy="8278920"/>
           </a:xfrm>
           <a:prstGeom prst="rect">
             <a:avLst/>
@@ -9596,7 +9596,7 @@
         <p:spPr>
           <a:xfrm>
             <a:off x="1814040" y="8340840"/>
-            <a:ext cx="1443240" cy="1259280"/>
+            <a:ext cx="1442880" cy="1258920"/>
           </a:xfrm>
           <a:prstGeom prst="rect">
             <a:avLst/>
@@ -9615,7 +9615,7 @@
         <p:spPr>
           <a:xfrm>
             <a:off x="704160" y="3409560"/>
-            <a:ext cx="6723000" cy="759960"/>
+            <a:ext cx="6722640" cy="759960"/>
           </a:xfrm>
           <a:prstGeom prst="rect">
             <a:avLst/>
@@ -9654,7 +9654,7 @@
               </a:rPr>
               <a:t>Certificate Of Promotion</a:t>
             </a:r>
-            <a:endParaRPr b="0" lang="en-IN" sz="4400" spc="-1" strike="noStrike">
+            <a:endParaRPr b="0" lang="en-US" sz="4400" spc="-1" strike="noStrike">
               <a:solidFill>
                 <a:srgbClr val="000000"/>
               </a:solidFill>
@@ -9672,7 +9672,7 @@
         <p:spPr>
           <a:xfrm>
             <a:off x="1454400" y="4110120"/>
-            <a:ext cx="5370480" cy="638280"/>
+            <a:ext cx="5370120" cy="638280"/>
           </a:xfrm>
           <a:prstGeom prst="rect">
             <a:avLst/>
@@ -9711,7 +9711,7 @@
               </a:rPr>
               <a:t>{name}</a:t>
             </a:r>
-            <a:endParaRPr b="0" lang="en-IN" sz="3600" spc="-1" strike="noStrike">
+            <a:endParaRPr b="0" lang="en-US" sz="3600" spc="-1" strike="noStrike">
               <a:solidFill>
                 <a:srgbClr val="000000"/>
               </a:solidFill>
@@ -9729,7 +9729,7 @@
         <p:spPr>
           <a:xfrm>
             <a:off x="2985840" y="8685000"/>
-            <a:ext cx="4282560" cy="591840"/>
+            <a:ext cx="4282200" cy="591840"/>
           </a:xfrm>
           <a:prstGeom prst="rect">
             <a:avLst/>
@@ -9794,7 +9794,7 @@
               </a:rPr>
               <a:t>Australian Special Operations Taskforce HQ</a:t>
             </a:r>
-            <a:endParaRPr b="0" lang="en-IN" sz="1100" spc="-1" strike="noStrike">
+            <a:endParaRPr b="0" lang="en-US" sz="1100" spc="-1" strike="noStrike">
               <a:solidFill>
                 <a:srgbClr val="000000"/>
               </a:solidFill>
@@ -9812,7 +9812,7 @@
         <p:spPr>
           <a:xfrm>
             <a:off x="3721320" y="8197200"/>
-            <a:ext cx="2813040" cy="516240"/>
+            <a:ext cx="2812680" cy="516240"/>
           </a:xfrm>
           <a:prstGeom prst="rect">
             <a:avLst/>
@@ -9851,7 +9851,7 @@
               </a:rPr>
               <a:t>{signaturer}</a:t>
             </a:r>
-            <a:endParaRPr b="0" lang="en-IN" sz="2800" spc="-1" strike="noStrike">
+            <a:endParaRPr b="0" lang="en-US" sz="2800" spc="-1" strike="noStrike">
               <a:solidFill>
                 <a:srgbClr val="000000"/>
               </a:solidFill>
@@ -9869,7 +9869,7 @@
         <p:spPr>
           <a:xfrm flipH="1">
             <a:off x="3720960" y="8684280"/>
-            <a:ext cx="2815200" cy="1080"/>
+            <a:ext cx="2815560" cy="1440"/>
           </a:xfrm>
           <a:prstGeom prst="straightConnector1">
             <a:avLst/>
@@ -9891,7 +9891,7 @@
         <p:spPr>
           <a:xfrm>
             <a:off x="886320" y="5655600"/>
-            <a:ext cx="6495480" cy="699480"/>
+            <a:ext cx="6495120" cy="699480"/>
           </a:xfrm>
           <a:prstGeom prst="rect">
             <a:avLst/>
@@ -9950,7 +9950,7 @@
               </a:rPr>
               <a:t> Commanding Officer, Australian Special Operations Taskforce, hereby promote</a:t>
             </a:r>
-            <a:endParaRPr b="0" lang="en-IN" sz="2000" spc="-1" strike="noStrike">
+            <a:endParaRPr b="0" lang="en-US" sz="2000" spc="-1" strike="noStrike">
               <a:solidFill>
                 <a:srgbClr val="000000"/>
               </a:solidFill>
@@ -9968,7 +9968,7 @@
         <p:spPr>
           <a:xfrm>
             <a:off x="817920" y="6433920"/>
-            <a:ext cx="6495480" cy="577080"/>
+            <a:ext cx="6495120" cy="577080"/>
           </a:xfrm>
           <a:prstGeom prst="rect">
             <a:avLst/>
@@ -10007,7 +10007,7 @@
               </a:rPr>
               <a:t>{name}</a:t>
             </a:r>
-            <a:endParaRPr b="0" lang="en-IN" sz="3200" spc="-1" strike="noStrike">
+            <a:endParaRPr b="0" lang="en-US" sz="3200" spc="-1" strike="noStrike">
               <a:solidFill>
                 <a:srgbClr val="000000"/>
               </a:solidFill>
@@ -10025,7 +10025,7 @@
         <p:spPr>
           <a:xfrm>
             <a:off x="873720" y="7107120"/>
-            <a:ext cx="6495480" cy="394560"/>
+            <a:ext cx="6495120" cy="394560"/>
           </a:xfrm>
           <a:prstGeom prst="rect">
             <a:avLst/>
@@ -10084,7 +10084,7 @@
               </a:rPr>
               <a:t>with effect {date}.</a:t>
             </a:r>
-            <a:endParaRPr b="0" lang="en-IN" sz="2000" spc="-1" strike="noStrike">
+            <a:endParaRPr b="0" lang="en-US" sz="2000" spc="-1" strike="noStrike">
               <a:solidFill>
                 <a:srgbClr val="000000"/>
               </a:solidFill>
@@ -10102,7 +10102,7 @@
         <p:spPr>
           <a:xfrm>
             <a:off x="897480" y="4820400"/>
-            <a:ext cx="6495480" cy="699480"/>
+            <a:ext cx="6495120" cy="699480"/>
           </a:xfrm>
           <a:prstGeom prst="rect">
             <a:avLst/>
@@ -10164,7 +10164,7 @@
               </a:rPr>
               <a:t>been deemed suitable in all areas required for promotion.</a:t>
             </a:r>
-            <a:endParaRPr b="0" lang="en-IN" sz="2000" spc="-1" strike="noStrike">
+            <a:endParaRPr b="0" lang="en-US" sz="2000" spc="-1" strike="noStrike">
               <a:solidFill>
                 <a:srgbClr val="000000"/>
               </a:solidFill>
@@ -10186,7 +10186,7 @@
         <p:spPr>
           <a:xfrm>
             <a:off x="3810240" y="1378440"/>
-            <a:ext cx="527400" cy="549720"/>
+            <a:ext cx="527040" cy="549360"/>
           </a:xfrm>
           <a:prstGeom prst="rect">
             <a:avLst/>
@@ -10209,7 +10209,7 @@
         <p:spPr>
           <a:xfrm>
             <a:off x="3810240" y="1942560"/>
-            <a:ext cx="527400" cy="549720"/>
+            <a:ext cx="527040" cy="549360"/>
           </a:xfrm>
           <a:prstGeom prst="rect">
             <a:avLst/>
@@ -10232,7 +10232,7 @@
         <p:spPr>
           <a:xfrm>
             <a:off x="3810240" y="2506680"/>
-            <a:ext cx="527400" cy="549720"/>
+            <a:ext cx="527040" cy="549360"/>
           </a:xfrm>
           <a:prstGeom prst="rect">
             <a:avLst/>
@@ -10284,8 +10284,8 @@
         </p:blipFill>
         <p:spPr>
           <a:xfrm rot="5400000">
-            <a:off x="-1119960" y="2058480"/>
-            <a:ext cx="10512000" cy="7117560"/>
+            <a:off x="-1119240" y="2058480"/>
+            <a:ext cx="10511640" cy="7117200"/>
           </a:xfrm>
           <a:prstGeom prst="rect">
             <a:avLst/>
@@ -10308,7 +10308,7 @@
         <p:spPr>
           <a:xfrm>
             <a:off x="714240" y="723960"/>
-            <a:ext cx="6702840" cy="9800280"/>
+            <a:ext cx="6702480" cy="9799920"/>
           </a:xfrm>
           <a:prstGeom prst="rect">
             <a:avLst/>
@@ -10331,8 +10331,8 @@
         </p:blipFill>
         <p:spPr>
           <a:xfrm rot="5400000">
-            <a:off x="-1508040" y="1476720"/>
-            <a:ext cx="11299320" cy="8279280"/>
+            <a:off x="-1507320" y="1476360"/>
+            <a:ext cx="11298960" cy="8278920"/>
           </a:xfrm>
           <a:prstGeom prst="rect">
             <a:avLst/>
@@ -10355,7 +10355,7 @@
         <p:spPr>
           <a:xfrm>
             <a:off x="1814040" y="8340840"/>
-            <a:ext cx="1443240" cy="1259280"/>
+            <a:ext cx="1442880" cy="1258920"/>
           </a:xfrm>
           <a:prstGeom prst="rect">
             <a:avLst/>
@@ -10374,7 +10374,7 @@
         <p:spPr>
           <a:xfrm>
             <a:off x="704160" y="3409560"/>
-            <a:ext cx="6723000" cy="759960"/>
+            <a:ext cx="6722640" cy="759960"/>
           </a:xfrm>
           <a:prstGeom prst="rect">
             <a:avLst/>
@@ -10413,7 +10413,7 @@
               </a:rPr>
               <a:t>Certificate Of Promotion</a:t>
             </a:r>
-            <a:endParaRPr b="0" lang="en-IN" sz="4400" spc="-1" strike="noStrike">
+            <a:endParaRPr b="0" lang="en-US" sz="4400" spc="-1" strike="noStrike">
               <a:solidFill>
                 <a:srgbClr val="000000"/>
               </a:solidFill>
@@ -10431,7 +10431,7 @@
         <p:spPr>
           <a:xfrm>
             <a:off x="1454400" y="4110120"/>
-            <a:ext cx="5370480" cy="638280"/>
+            <a:ext cx="5370120" cy="638280"/>
           </a:xfrm>
           <a:prstGeom prst="rect">
             <a:avLst/>
@@ -10470,7 +10470,7 @@
               </a:rPr>
               <a:t>{name}</a:t>
             </a:r>
-            <a:endParaRPr b="0" lang="en-IN" sz="3600" spc="-1" strike="noStrike">
+            <a:endParaRPr b="0" lang="en-US" sz="3600" spc="-1" strike="noStrike">
               <a:solidFill>
                 <a:srgbClr val="000000"/>
               </a:solidFill>
@@ -10488,7 +10488,7 @@
         <p:spPr>
           <a:xfrm>
             <a:off x="2985840" y="8685000"/>
-            <a:ext cx="4282560" cy="591840"/>
+            <a:ext cx="4282200" cy="591840"/>
           </a:xfrm>
           <a:prstGeom prst="rect">
             <a:avLst/>
@@ -10553,7 +10553,7 @@
               </a:rPr>
               <a:t>Australian Special Operations Taskforce HQ</a:t>
             </a:r>
-            <a:endParaRPr b="0" lang="en-IN" sz="1100" spc="-1" strike="noStrike">
+            <a:endParaRPr b="0" lang="en-US" sz="1100" spc="-1" strike="noStrike">
               <a:solidFill>
                 <a:srgbClr val="000000"/>
               </a:solidFill>
@@ -10571,7 +10571,7 @@
         <p:spPr>
           <a:xfrm>
             <a:off x="3721320" y="8197200"/>
-            <a:ext cx="2813040" cy="516240"/>
+            <a:ext cx="2812680" cy="516240"/>
           </a:xfrm>
           <a:prstGeom prst="rect">
             <a:avLst/>
@@ -10610,7 +10610,7 @@
               </a:rPr>
               <a:t>{signaturer}</a:t>
             </a:r>
-            <a:endParaRPr b="0" lang="en-IN" sz="2800" spc="-1" strike="noStrike">
+            <a:endParaRPr b="0" lang="en-US" sz="2800" spc="-1" strike="noStrike">
               <a:solidFill>
                 <a:srgbClr val="000000"/>
               </a:solidFill>
@@ -10628,7 +10628,7 @@
         <p:spPr>
           <a:xfrm flipH="1">
             <a:off x="3720960" y="8684280"/>
-            <a:ext cx="2815200" cy="1080"/>
+            <a:ext cx="2815560" cy="1440"/>
           </a:xfrm>
           <a:prstGeom prst="straightConnector1">
             <a:avLst/>
@@ -10650,7 +10650,7 @@
         <p:spPr>
           <a:xfrm>
             <a:off x="886320" y="5655600"/>
-            <a:ext cx="6495480" cy="699480"/>
+            <a:ext cx="6495120" cy="699480"/>
           </a:xfrm>
           <a:prstGeom prst="rect">
             <a:avLst/>
@@ -10709,7 +10709,7 @@
               </a:rPr>
               <a:t> Commanding Officer, Australian Special Operations Taskforce, hereby promote</a:t>
             </a:r>
-            <a:endParaRPr b="0" lang="en-IN" sz="2000" spc="-1" strike="noStrike">
+            <a:endParaRPr b="0" lang="en-US" sz="2000" spc="-1" strike="noStrike">
               <a:solidFill>
                 <a:srgbClr val="000000"/>
               </a:solidFill>
@@ -10727,7 +10727,7 @@
         <p:spPr>
           <a:xfrm>
             <a:off x="817920" y="6433920"/>
-            <a:ext cx="6495480" cy="577080"/>
+            <a:ext cx="6495120" cy="577080"/>
           </a:xfrm>
           <a:prstGeom prst="rect">
             <a:avLst/>
@@ -10766,7 +10766,7 @@
               </a:rPr>
               <a:t>{name}</a:t>
             </a:r>
-            <a:endParaRPr b="0" lang="en-IN" sz="3200" spc="-1" strike="noStrike">
+            <a:endParaRPr b="0" lang="en-US" sz="3200" spc="-1" strike="noStrike">
               <a:solidFill>
                 <a:srgbClr val="000000"/>
               </a:solidFill>
@@ -10784,7 +10784,7 @@
         <p:spPr>
           <a:xfrm>
             <a:off x="873720" y="7107120"/>
-            <a:ext cx="6495480" cy="394560"/>
+            <a:ext cx="6495120" cy="394560"/>
           </a:xfrm>
           <a:prstGeom prst="rect">
             <a:avLst/>
@@ -10853,7 +10853,7 @@
               </a:rPr>
               <a:t>{date}</a:t>
             </a:r>
-            <a:endParaRPr b="0" lang="en-IN" sz="2000" spc="-1" strike="noStrike">
+            <a:endParaRPr b="0" lang="en-US" sz="2000" spc="-1" strike="noStrike">
               <a:solidFill>
                 <a:srgbClr val="000000"/>
               </a:solidFill>
@@ -10871,7 +10871,7 @@
         <p:spPr>
           <a:xfrm>
             <a:off x="897480" y="4820400"/>
-            <a:ext cx="6495480" cy="699480"/>
+            <a:ext cx="6495120" cy="699480"/>
           </a:xfrm>
           <a:prstGeom prst="rect">
             <a:avLst/>
@@ -10933,7 +10933,7 @@
               </a:rPr>
               <a:t>been deemed suitable in all areas required for promotion.</a:t>
             </a:r>
-            <a:endParaRPr b="0" lang="en-IN" sz="2000" spc="-1" strike="noStrike">
+            <a:endParaRPr b="0" lang="en-US" sz="2000" spc="-1" strike="noStrike">
               <a:solidFill>
                 <a:srgbClr val="000000"/>
               </a:solidFill>
@@ -10955,7 +10955,7 @@
         <p:spPr>
           <a:xfrm>
             <a:off x="3633480" y="2408400"/>
-            <a:ext cx="864720" cy="901080"/>
+            <a:ext cx="864360" cy="900720"/>
           </a:xfrm>
           <a:prstGeom prst="rect">
             <a:avLst/>
@@ -10978,7 +10978,7 @@
         <p:spPr>
           <a:xfrm>
             <a:off x="3633480" y="1383840"/>
-            <a:ext cx="864720" cy="901080"/>
+            <a:ext cx="864360" cy="900720"/>
           </a:xfrm>
           <a:prstGeom prst="rect">
             <a:avLst/>
@@ -11030,8 +11030,8 @@
         </p:blipFill>
         <p:spPr>
           <a:xfrm rot="5400000">
-            <a:off x="-1119960" y="2058480"/>
-            <a:ext cx="10512000" cy="7117560"/>
+            <a:off x="-1119240" y="2058480"/>
+            <a:ext cx="10511640" cy="7117200"/>
           </a:xfrm>
           <a:prstGeom prst="rect">
             <a:avLst/>
@@ -11054,7 +11054,7 @@
         <p:spPr>
           <a:xfrm>
             <a:off x="714240" y="723960"/>
-            <a:ext cx="6702840" cy="9800280"/>
+            <a:ext cx="6702480" cy="9799920"/>
           </a:xfrm>
           <a:prstGeom prst="rect">
             <a:avLst/>
@@ -11077,8 +11077,8 @@
         </p:blipFill>
         <p:spPr>
           <a:xfrm rot="5400000">
-            <a:off x="-1508040" y="1476720"/>
-            <a:ext cx="11299320" cy="8279280"/>
+            <a:off x="-1507320" y="1476360"/>
+            <a:ext cx="11298960" cy="8278920"/>
           </a:xfrm>
           <a:prstGeom prst="rect">
             <a:avLst/>
@@ -11101,7 +11101,7 @@
         <p:spPr>
           <a:xfrm>
             <a:off x="1814040" y="8340840"/>
-            <a:ext cx="1443240" cy="1259280"/>
+            <a:ext cx="1442880" cy="1258920"/>
           </a:xfrm>
           <a:prstGeom prst="rect">
             <a:avLst/>
@@ -11120,7 +11120,7 @@
         <p:spPr>
           <a:xfrm>
             <a:off x="704160" y="3409560"/>
-            <a:ext cx="6723000" cy="759960"/>
+            <a:ext cx="6722640" cy="759960"/>
           </a:xfrm>
           <a:prstGeom prst="rect">
             <a:avLst/>
@@ -11159,7 +11159,7 @@
               </a:rPr>
               <a:t>Certificate Of Promotion</a:t>
             </a:r>
-            <a:endParaRPr b="0" lang="en-IN" sz="4400" spc="-1" strike="noStrike">
+            <a:endParaRPr b="0" lang="en-US" sz="4400" spc="-1" strike="noStrike">
               <a:solidFill>
                 <a:srgbClr val="000000"/>
               </a:solidFill>
@@ -11177,7 +11177,7 @@
         <p:spPr>
           <a:xfrm>
             <a:off x="1454400" y="4110120"/>
-            <a:ext cx="5370480" cy="638280"/>
+            <a:ext cx="5370120" cy="638280"/>
           </a:xfrm>
           <a:prstGeom prst="rect">
             <a:avLst/>
@@ -11216,7 +11216,7 @@
               </a:rPr>
               <a:t>{name}</a:t>
             </a:r>
-            <a:endParaRPr b="0" lang="en-IN" sz="3600" spc="-1" strike="noStrike">
+            <a:endParaRPr b="0" lang="en-US" sz="3600" spc="-1" strike="noStrike">
               <a:solidFill>
                 <a:srgbClr val="000000"/>
               </a:solidFill>
@@ -11234,7 +11234,7 @@
         <p:spPr>
           <a:xfrm>
             <a:off x="2985840" y="8685000"/>
-            <a:ext cx="4282560" cy="591840"/>
+            <a:ext cx="4282200" cy="591840"/>
           </a:xfrm>
           <a:prstGeom prst="rect">
             <a:avLst/>
@@ -11299,7 +11299,7 @@
               </a:rPr>
               <a:t>Australian Special Operations Taskforce HQ</a:t>
             </a:r>
-            <a:endParaRPr b="0" lang="en-IN" sz="1100" spc="-1" strike="noStrike">
+            <a:endParaRPr b="0" lang="en-US" sz="1100" spc="-1" strike="noStrike">
               <a:solidFill>
                 <a:srgbClr val="000000"/>
               </a:solidFill>
@@ -11317,7 +11317,7 @@
         <p:spPr>
           <a:xfrm>
             <a:off x="3721320" y="8197200"/>
-            <a:ext cx="2813040" cy="516240"/>
+            <a:ext cx="2812680" cy="516240"/>
           </a:xfrm>
           <a:prstGeom prst="rect">
             <a:avLst/>
@@ -11356,7 +11356,7 @@
               </a:rPr>
               <a:t>{signaturer}</a:t>
             </a:r>
-            <a:endParaRPr b="0" lang="en-IN" sz="2800" spc="-1" strike="noStrike">
+            <a:endParaRPr b="0" lang="en-US" sz="2800" spc="-1" strike="noStrike">
               <a:solidFill>
                 <a:srgbClr val="000000"/>
               </a:solidFill>
@@ -11374,7 +11374,7 @@
         <p:spPr>
           <a:xfrm flipH="1">
             <a:off x="3720960" y="8684280"/>
-            <a:ext cx="2815200" cy="1080"/>
+            <a:ext cx="2815560" cy="1440"/>
           </a:xfrm>
           <a:prstGeom prst="straightConnector1">
             <a:avLst/>
@@ -11396,7 +11396,7 @@
         <p:spPr>
           <a:xfrm>
             <a:off x="886320" y="5655600"/>
-            <a:ext cx="6495480" cy="699480"/>
+            <a:ext cx="6495120" cy="699480"/>
           </a:xfrm>
           <a:prstGeom prst="rect">
             <a:avLst/>
@@ -11455,7 +11455,7 @@
               </a:rPr>
               <a:t> Commanding Officer, Australian Special Operations Taskforce, hereby promote</a:t>
             </a:r>
-            <a:endParaRPr b="0" lang="en-IN" sz="2000" spc="-1" strike="noStrike">
+            <a:endParaRPr b="0" lang="en-US" sz="2000" spc="-1" strike="noStrike">
               <a:solidFill>
                 <a:srgbClr val="000000"/>
               </a:solidFill>
@@ -11473,7 +11473,7 @@
         <p:spPr>
           <a:xfrm>
             <a:off x="817920" y="6433920"/>
-            <a:ext cx="6495480" cy="577080"/>
+            <a:ext cx="6495120" cy="577080"/>
           </a:xfrm>
           <a:prstGeom prst="rect">
             <a:avLst/>
@@ -11512,7 +11512,7 @@
               </a:rPr>
               <a:t>{name}</a:t>
             </a:r>
-            <a:endParaRPr b="0" lang="en-IN" sz="3200" spc="-1" strike="noStrike">
+            <a:endParaRPr b="0" lang="en-US" sz="3200" spc="-1" strike="noStrike">
               <a:solidFill>
                 <a:srgbClr val="000000"/>
               </a:solidFill>
@@ -11530,7 +11530,7 @@
         <p:spPr>
           <a:xfrm>
             <a:off x="873720" y="7107120"/>
-            <a:ext cx="6495480" cy="699480"/>
+            <a:ext cx="6495120" cy="699480"/>
           </a:xfrm>
           <a:prstGeom prst="rect">
             <a:avLst/>
@@ -11602,7 +11602,7 @@
               </a:rPr>
               <a:t>{date}.</a:t>
             </a:r>
-            <a:endParaRPr b="0" lang="en-IN" sz="2000" spc="-1" strike="noStrike">
+            <a:endParaRPr b="0" lang="en-US" sz="2000" spc="-1" strike="noStrike">
               <a:solidFill>
                 <a:srgbClr val="000000"/>
               </a:solidFill>
@@ -11620,7 +11620,7 @@
         <p:spPr>
           <a:xfrm>
             <a:off x="897480" y="4820400"/>
-            <a:ext cx="6495480" cy="699480"/>
+            <a:ext cx="6495120" cy="699480"/>
           </a:xfrm>
           <a:prstGeom prst="rect">
             <a:avLst/>
@@ -11682,7 +11682,7 @@
               </a:rPr>
               <a:t>been deemed suitable in all areas required for promotion.</a:t>
             </a:r>
-            <a:endParaRPr b="0" lang="en-IN" sz="2000" spc="-1" strike="noStrike">
+            <a:endParaRPr b="0" lang="en-US" sz="2000" spc="-1" strike="noStrike">
               <a:solidFill>
                 <a:srgbClr val="000000"/>
               </a:solidFill>
@@ -11704,7 +11704,7 @@
         <p:spPr>
           <a:xfrm>
             <a:off x="3434400" y="1394280"/>
-            <a:ext cx="1262520" cy="2014200"/>
+            <a:ext cx="1262160" cy="2013840"/>
           </a:xfrm>
           <a:prstGeom prst="rect">
             <a:avLst/>
@@ -11756,8 +11756,8 @@
         </p:blipFill>
         <p:spPr>
           <a:xfrm rot="5400000">
-            <a:off x="-1119960" y="2058480"/>
-            <a:ext cx="10512000" cy="7117560"/>
+            <a:off x="-1119240" y="2058480"/>
+            <a:ext cx="10511640" cy="7117200"/>
           </a:xfrm>
           <a:prstGeom prst="rect">
             <a:avLst/>
@@ -11780,7 +11780,7 @@
         <p:spPr>
           <a:xfrm>
             <a:off x="714240" y="723960"/>
-            <a:ext cx="6702840" cy="9800280"/>
+            <a:ext cx="6702480" cy="9799920"/>
           </a:xfrm>
           <a:prstGeom prst="rect">
             <a:avLst/>
@@ -11803,8 +11803,8 @@
         </p:blipFill>
         <p:spPr>
           <a:xfrm rot="5400000">
-            <a:off x="-1508040" y="1476720"/>
-            <a:ext cx="11299320" cy="8279280"/>
+            <a:off x="-1507320" y="1476360"/>
+            <a:ext cx="11298960" cy="8278920"/>
           </a:xfrm>
           <a:prstGeom prst="rect">
             <a:avLst/>
@@ -11827,7 +11827,7 @@
         <p:spPr>
           <a:xfrm>
             <a:off x="1814040" y="8340840"/>
-            <a:ext cx="1443240" cy="1259280"/>
+            <a:ext cx="1442880" cy="1258920"/>
           </a:xfrm>
           <a:prstGeom prst="rect">
             <a:avLst/>
@@ -11846,7 +11846,7 @@
         <p:spPr>
           <a:xfrm>
             <a:off x="704160" y="3409560"/>
-            <a:ext cx="6723000" cy="759960"/>
+            <a:ext cx="6722640" cy="759960"/>
           </a:xfrm>
           <a:prstGeom prst="rect">
             <a:avLst/>
@@ -11885,7 +11885,7 @@
               </a:rPr>
               <a:t>Certificate Of Promotion</a:t>
             </a:r>
-            <a:endParaRPr b="0" lang="en-IN" sz="4400" spc="-1" strike="noStrike">
+            <a:endParaRPr b="0" lang="en-US" sz="4400" spc="-1" strike="noStrike">
               <a:solidFill>
                 <a:srgbClr val="000000"/>
               </a:solidFill>
@@ -11903,7 +11903,7 @@
         <p:spPr>
           <a:xfrm>
             <a:off x="1454400" y="4110120"/>
-            <a:ext cx="5370480" cy="638280"/>
+            <a:ext cx="5370120" cy="638280"/>
           </a:xfrm>
           <a:prstGeom prst="rect">
             <a:avLst/>
@@ -11942,7 +11942,7 @@
               </a:rPr>
               <a:t>{name}</a:t>
             </a:r>
-            <a:endParaRPr b="0" lang="en-IN" sz="3600" spc="-1" strike="noStrike">
+            <a:endParaRPr b="0" lang="en-US" sz="3600" spc="-1" strike="noStrike">
               <a:solidFill>
                 <a:srgbClr val="000000"/>
               </a:solidFill>
@@ -11960,7 +11960,7 @@
         <p:spPr>
           <a:xfrm>
             <a:off x="2985840" y="8685000"/>
-            <a:ext cx="4282560" cy="591840"/>
+            <a:ext cx="4282200" cy="591840"/>
           </a:xfrm>
           <a:prstGeom prst="rect">
             <a:avLst/>
@@ -12025,7 +12025,7 @@
               </a:rPr>
               <a:t>Australian Special Operations Taskforce HQ</a:t>
             </a:r>
-            <a:endParaRPr b="0" lang="en-IN" sz="1100" spc="-1" strike="noStrike">
+            <a:endParaRPr b="0" lang="en-US" sz="1100" spc="-1" strike="noStrike">
               <a:solidFill>
                 <a:srgbClr val="000000"/>
               </a:solidFill>
@@ -12043,7 +12043,7 @@
         <p:spPr>
           <a:xfrm>
             <a:off x="3721320" y="8197200"/>
-            <a:ext cx="2813040" cy="516240"/>
+            <a:ext cx="2812680" cy="516240"/>
           </a:xfrm>
           <a:prstGeom prst="rect">
             <a:avLst/>
@@ -12082,7 +12082,7 @@
               </a:rPr>
               <a:t>{signaturer}</a:t>
             </a:r>
-            <a:endParaRPr b="0" lang="en-IN" sz="2800" spc="-1" strike="noStrike">
+            <a:endParaRPr b="0" lang="en-US" sz="2800" spc="-1" strike="noStrike">
               <a:solidFill>
                 <a:srgbClr val="000000"/>
               </a:solidFill>
@@ -12100,7 +12100,7 @@
         <p:spPr>
           <a:xfrm flipH="1">
             <a:off x="3720960" y="8684280"/>
-            <a:ext cx="2815200" cy="1080"/>
+            <a:ext cx="2815560" cy="1440"/>
           </a:xfrm>
           <a:prstGeom prst="straightConnector1">
             <a:avLst/>
@@ -12122,7 +12122,7 @@
         <p:spPr>
           <a:xfrm>
             <a:off x="886320" y="5655600"/>
-            <a:ext cx="6495480" cy="699480"/>
+            <a:ext cx="6495120" cy="699480"/>
           </a:xfrm>
           <a:prstGeom prst="rect">
             <a:avLst/>
@@ -12181,7 +12181,7 @@
               </a:rPr>
               <a:t> Commanding Officer, Australian Special Operations Taskforce, hereby promote</a:t>
             </a:r>
-            <a:endParaRPr b="0" lang="en-IN" sz="2000" spc="-1" strike="noStrike">
+            <a:endParaRPr b="0" lang="en-US" sz="2000" spc="-1" strike="noStrike">
               <a:solidFill>
                 <a:srgbClr val="000000"/>
               </a:solidFill>
@@ -12199,7 +12199,7 @@
         <p:spPr>
           <a:xfrm>
             <a:off x="817920" y="6433920"/>
-            <a:ext cx="6495480" cy="577080"/>
+            <a:ext cx="6495120" cy="577080"/>
           </a:xfrm>
           <a:prstGeom prst="rect">
             <a:avLst/>
@@ -12238,7 +12238,7 @@
               </a:rPr>
               <a:t>{name}</a:t>
             </a:r>
-            <a:endParaRPr b="0" lang="en-IN" sz="3200" spc="-1" strike="noStrike">
+            <a:endParaRPr b="0" lang="en-US" sz="3200" spc="-1" strike="noStrike">
               <a:solidFill>
                 <a:srgbClr val="000000"/>
               </a:solidFill>
@@ -12256,7 +12256,7 @@
         <p:spPr>
           <a:xfrm>
             <a:off x="873720" y="7107120"/>
-            <a:ext cx="6495480" cy="699480"/>
+            <a:ext cx="6495120" cy="699480"/>
           </a:xfrm>
           <a:prstGeom prst="rect">
             <a:avLst/>
@@ -12328,7 +12328,7 @@
               </a:rPr>
               <a:t>{date}.</a:t>
             </a:r>
-            <a:endParaRPr b="0" lang="en-IN" sz="2000" spc="-1" strike="noStrike">
+            <a:endParaRPr b="0" lang="en-US" sz="2000" spc="-1" strike="noStrike">
               <a:solidFill>
                 <a:srgbClr val="000000"/>
               </a:solidFill>
@@ -12346,7 +12346,7 @@
         <p:spPr>
           <a:xfrm>
             <a:off x="897480" y="4820400"/>
-            <a:ext cx="6495480" cy="699480"/>
+            <a:ext cx="6495120" cy="699480"/>
           </a:xfrm>
           <a:prstGeom prst="rect">
             <a:avLst/>
@@ -12408,7 +12408,7 @@
               </a:rPr>
               <a:t>been deemed suitable in all areas required for promotion.</a:t>
             </a:r>
-            <a:endParaRPr b="0" lang="en-IN" sz="2000" spc="-1" strike="noStrike">
+            <a:endParaRPr b="0" lang="en-US" sz="2000" spc="-1" strike="noStrike">
               <a:solidFill>
                 <a:srgbClr val="000000"/>
               </a:solidFill>
@@ -12430,7 +12430,7 @@
         <p:spPr>
           <a:xfrm>
             <a:off x="3432240" y="1385280"/>
-            <a:ext cx="1266840" cy="2020680"/>
+            <a:ext cx="1266480" cy="2020320"/>
           </a:xfrm>
           <a:prstGeom prst="rect">
             <a:avLst/>
@@ -12482,8 +12482,8 @@
         </p:blipFill>
         <p:spPr>
           <a:xfrm rot="5400000">
-            <a:off x="-1119960" y="2058480"/>
-            <a:ext cx="10512000" cy="7117560"/>
+            <a:off x="-1119240" y="2058480"/>
+            <a:ext cx="10511640" cy="7117200"/>
           </a:xfrm>
           <a:prstGeom prst="rect">
             <a:avLst/>
@@ -12506,7 +12506,7 @@
         <p:spPr>
           <a:xfrm>
             <a:off x="714240" y="723960"/>
-            <a:ext cx="6702840" cy="9800280"/>
+            <a:ext cx="6702480" cy="9799920"/>
           </a:xfrm>
           <a:prstGeom prst="rect">
             <a:avLst/>
@@ -12529,8 +12529,8 @@
         </p:blipFill>
         <p:spPr>
           <a:xfrm rot="5400000">
-            <a:off x="-1508040" y="1476720"/>
-            <a:ext cx="11299320" cy="8279280"/>
+            <a:off x="-1507320" y="1476360"/>
+            <a:ext cx="11298960" cy="8278920"/>
           </a:xfrm>
           <a:prstGeom prst="rect">
             <a:avLst/>
@@ -12553,7 +12553,7 @@
         <p:spPr>
           <a:xfrm>
             <a:off x="1814040" y="8340840"/>
-            <a:ext cx="1443240" cy="1259280"/>
+            <a:ext cx="1442880" cy="1258920"/>
           </a:xfrm>
           <a:prstGeom prst="rect">
             <a:avLst/>
@@ -12572,7 +12572,7 @@
         <p:spPr>
           <a:xfrm>
             <a:off x="704160" y="3409560"/>
-            <a:ext cx="6723000" cy="759960"/>
+            <a:ext cx="6722640" cy="759960"/>
           </a:xfrm>
           <a:prstGeom prst="rect">
             <a:avLst/>
@@ -12611,7 +12611,7 @@
               </a:rPr>
               <a:t>Certificate Of Promotion</a:t>
             </a:r>
-            <a:endParaRPr b="0" lang="en-IN" sz="4400" spc="-1" strike="noStrike">
+            <a:endParaRPr b="0" lang="en-US" sz="4400" spc="-1" strike="noStrike">
               <a:solidFill>
                 <a:srgbClr val="000000"/>
               </a:solidFill>
@@ -12629,7 +12629,7 @@
         <p:spPr>
           <a:xfrm>
             <a:off x="1454400" y="4110120"/>
-            <a:ext cx="5370480" cy="638280"/>
+            <a:ext cx="5370120" cy="638280"/>
           </a:xfrm>
           <a:prstGeom prst="rect">
             <a:avLst/>
@@ -12668,7 +12668,7 @@
               </a:rPr>
               <a:t>{name}</a:t>
             </a:r>
-            <a:endParaRPr b="0" lang="en-IN" sz="3600" spc="-1" strike="noStrike">
+            <a:endParaRPr b="0" lang="en-US" sz="3600" spc="-1" strike="noStrike">
               <a:solidFill>
                 <a:srgbClr val="000000"/>
               </a:solidFill>
@@ -12686,7 +12686,7 @@
         <p:spPr>
           <a:xfrm>
             <a:off x="2985840" y="8685000"/>
-            <a:ext cx="4282560" cy="591840"/>
+            <a:ext cx="4282200" cy="591840"/>
           </a:xfrm>
           <a:prstGeom prst="rect">
             <a:avLst/>
@@ -12751,7 +12751,7 @@
               </a:rPr>
               <a:t>Australian Special Operations Taskforce HQ</a:t>
             </a:r>
-            <a:endParaRPr b="0" lang="en-IN" sz="1100" spc="-1" strike="noStrike">
+            <a:endParaRPr b="0" lang="en-US" sz="1100" spc="-1" strike="noStrike">
               <a:solidFill>
                 <a:srgbClr val="000000"/>
               </a:solidFill>
@@ -12769,7 +12769,7 @@
         <p:spPr>
           <a:xfrm>
             <a:off x="3721320" y="8197200"/>
-            <a:ext cx="2813040" cy="516240"/>
+            <a:ext cx="2812680" cy="516240"/>
           </a:xfrm>
           <a:prstGeom prst="rect">
             <a:avLst/>
@@ -12808,7 +12808,7 @@
               </a:rPr>
               <a:t>{signaturer}</a:t>
             </a:r>
-            <a:endParaRPr b="0" lang="en-IN" sz="2800" spc="-1" strike="noStrike">
+            <a:endParaRPr b="0" lang="en-US" sz="2800" spc="-1" strike="noStrike">
               <a:solidFill>
                 <a:srgbClr val="000000"/>
               </a:solidFill>
@@ -12826,7 +12826,7 @@
         <p:spPr>
           <a:xfrm flipH="1">
             <a:off x="3720960" y="8684280"/>
-            <a:ext cx="2815200" cy="1080"/>
+            <a:ext cx="2815560" cy="1440"/>
           </a:xfrm>
           <a:prstGeom prst="straightConnector1">
             <a:avLst/>
@@ -12848,7 +12848,7 @@
         <p:spPr>
           <a:xfrm>
             <a:off x="886320" y="5655600"/>
-            <a:ext cx="6495480" cy="699480"/>
+            <a:ext cx="6495120" cy="699480"/>
           </a:xfrm>
           <a:prstGeom prst="rect">
             <a:avLst/>
@@ -12907,7 +12907,7 @@
               </a:rPr>
               <a:t> Commanding Officer, Australian Special Operations Taskforce, hereby promote</a:t>
             </a:r>
-            <a:endParaRPr b="0" lang="en-IN" sz="2000" spc="-1" strike="noStrike">
+            <a:endParaRPr b="0" lang="en-US" sz="2000" spc="-1" strike="noStrike">
               <a:solidFill>
                 <a:srgbClr val="000000"/>
               </a:solidFill>
@@ -12925,7 +12925,7 @@
         <p:spPr>
           <a:xfrm>
             <a:off x="817920" y="6433920"/>
-            <a:ext cx="6495480" cy="577080"/>
+            <a:ext cx="6495120" cy="577080"/>
           </a:xfrm>
           <a:prstGeom prst="rect">
             <a:avLst/>
@@ -12964,7 +12964,7 @@
               </a:rPr>
               <a:t>{name}</a:t>
             </a:r>
-            <a:endParaRPr b="0" lang="en-IN" sz="3200" spc="-1" strike="noStrike">
+            <a:endParaRPr b="0" lang="en-US" sz="3200" spc="-1" strike="noStrike">
               <a:solidFill>
                 <a:srgbClr val="000000"/>
               </a:solidFill>
@@ -12982,7 +12982,7 @@
         <p:spPr>
           <a:xfrm>
             <a:off x="873720" y="7107120"/>
-            <a:ext cx="6495480" cy="699480"/>
+            <a:ext cx="6495120" cy="699480"/>
           </a:xfrm>
           <a:prstGeom prst="rect">
             <a:avLst/>
@@ -13054,7 +13054,7 @@
               </a:rPr>
               <a:t>{date}.</a:t>
             </a:r>
-            <a:endParaRPr b="0" lang="en-IN" sz="2000" spc="-1" strike="noStrike">
+            <a:endParaRPr b="0" lang="en-US" sz="2000" spc="-1" strike="noStrike">
               <a:solidFill>
                 <a:srgbClr val="000000"/>
               </a:solidFill>
@@ -13072,7 +13072,7 @@
         <p:spPr>
           <a:xfrm>
             <a:off x="897480" y="4820400"/>
-            <a:ext cx="6495480" cy="699480"/>
+            <a:ext cx="6495120" cy="699480"/>
           </a:xfrm>
           <a:prstGeom prst="rect">
             <a:avLst/>
@@ -13134,7 +13134,7 @@
               </a:rPr>
               <a:t>been deemed suitable in all areas required for promotion.</a:t>
             </a:r>
-            <a:endParaRPr b="0" lang="en-IN" sz="2000" spc="-1" strike="noStrike">
+            <a:endParaRPr b="0" lang="en-US" sz="2000" spc="-1" strike="noStrike">
               <a:solidFill>
                 <a:srgbClr val="000000"/>
               </a:solidFill>
@@ -13156,7 +13156,7 @@
         <p:spPr>
           <a:xfrm>
             <a:off x="3432240" y="1317240"/>
-            <a:ext cx="1266840" cy="2020680"/>
+            <a:ext cx="1266480" cy="2020320"/>
           </a:xfrm>
           <a:prstGeom prst="rect">
             <a:avLst/>
@@ -13208,8 +13208,8 @@
         </p:blipFill>
         <p:spPr>
           <a:xfrm rot="5400000">
-            <a:off x="-1119960" y="2058480"/>
-            <a:ext cx="10512000" cy="7117560"/>
+            <a:off x="-1119240" y="2058480"/>
+            <a:ext cx="10511640" cy="7117200"/>
           </a:xfrm>
           <a:prstGeom prst="rect">
             <a:avLst/>
@@ -13232,7 +13232,7 @@
         <p:spPr>
           <a:xfrm>
             <a:off x="714240" y="723960"/>
-            <a:ext cx="6702840" cy="9800280"/>
+            <a:ext cx="6702480" cy="9799920"/>
           </a:xfrm>
           <a:prstGeom prst="rect">
             <a:avLst/>
@@ -13255,8 +13255,8 @@
         </p:blipFill>
         <p:spPr>
           <a:xfrm rot="5400000">
-            <a:off x="-1508040" y="1476720"/>
-            <a:ext cx="11299320" cy="8279280"/>
+            <a:off x="-1507320" y="1476360"/>
+            <a:ext cx="11298960" cy="8278920"/>
           </a:xfrm>
           <a:prstGeom prst="rect">
             <a:avLst/>
@@ -13279,7 +13279,7 @@
         <p:spPr>
           <a:xfrm>
             <a:off x="1814040" y="8340840"/>
-            <a:ext cx="1443240" cy="1259280"/>
+            <a:ext cx="1442880" cy="1258920"/>
           </a:xfrm>
           <a:prstGeom prst="rect">
             <a:avLst/>
@@ -13298,7 +13298,7 @@
         <p:spPr>
           <a:xfrm>
             <a:off x="704160" y="3409560"/>
-            <a:ext cx="6723000" cy="759960"/>
+            <a:ext cx="6722640" cy="759960"/>
           </a:xfrm>
           <a:prstGeom prst="rect">
             <a:avLst/>
@@ -13337,7 +13337,7 @@
               </a:rPr>
               <a:t>Certificate Of Promotion</a:t>
             </a:r>
-            <a:endParaRPr b="0" lang="en-IN" sz="4400" spc="-1" strike="noStrike">
+            <a:endParaRPr b="0" lang="en-US" sz="4400" spc="-1" strike="noStrike">
               <a:solidFill>
                 <a:srgbClr val="000000"/>
               </a:solidFill>
@@ -13355,7 +13355,7 @@
         <p:spPr>
           <a:xfrm>
             <a:off x="1454400" y="4110120"/>
-            <a:ext cx="5370480" cy="638280"/>
+            <a:ext cx="5370120" cy="638280"/>
           </a:xfrm>
           <a:prstGeom prst="rect">
             <a:avLst/>
@@ -13394,7 +13394,7 @@
               </a:rPr>
               <a:t>{name}</a:t>
             </a:r>
-            <a:endParaRPr b="0" lang="en-IN" sz="3600" spc="-1" strike="noStrike">
+            <a:endParaRPr b="0" lang="en-US" sz="3600" spc="-1" strike="noStrike">
               <a:solidFill>
                 <a:srgbClr val="000000"/>
               </a:solidFill>
@@ -13412,7 +13412,7 @@
         <p:spPr>
           <a:xfrm>
             <a:off x="2985840" y="8685000"/>
-            <a:ext cx="4282560" cy="591840"/>
+            <a:ext cx="4282200" cy="591840"/>
           </a:xfrm>
           <a:prstGeom prst="rect">
             <a:avLst/>
@@ -13477,7 +13477,7 @@
               </a:rPr>
               <a:t>Australian Special Operations Taskforce HQ</a:t>
             </a:r>
-            <a:endParaRPr b="0" lang="en-IN" sz="1100" spc="-1" strike="noStrike">
+            <a:endParaRPr b="0" lang="en-US" sz="1100" spc="-1" strike="noStrike">
               <a:solidFill>
                 <a:srgbClr val="000000"/>
               </a:solidFill>
@@ -13495,7 +13495,7 @@
         <p:spPr>
           <a:xfrm>
             <a:off x="3721320" y="8197200"/>
-            <a:ext cx="2813040" cy="516240"/>
+            <a:ext cx="2812680" cy="516240"/>
           </a:xfrm>
           <a:prstGeom prst="rect">
             <a:avLst/>
@@ -13534,7 +13534,7 @@
               </a:rPr>
               <a:t>{signaturer}</a:t>
             </a:r>
-            <a:endParaRPr b="0" lang="en-IN" sz="2800" spc="-1" strike="noStrike">
+            <a:endParaRPr b="0" lang="en-US" sz="2800" spc="-1" strike="noStrike">
               <a:solidFill>
                 <a:srgbClr val="000000"/>
               </a:solidFill>
@@ -13552,7 +13552,7 @@
         <p:spPr>
           <a:xfrm flipH="1">
             <a:off x="3720960" y="8684280"/>
-            <a:ext cx="2815200" cy="1080"/>
+            <a:ext cx="2815560" cy="1440"/>
           </a:xfrm>
           <a:prstGeom prst="straightConnector1">
             <a:avLst/>
@@ -13574,7 +13574,7 @@
         <p:spPr>
           <a:xfrm>
             <a:off x="886320" y="5655600"/>
-            <a:ext cx="6495480" cy="699480"/>
+            <a:ext cx="6495120" cy="699480"/>
           </a:xfrm>
           <a:prstGeom prst="rect">
             <a:avLst/>
@@ -13633,7 +13633,7 @@
               </a:rPr>
               <a:t> Commanding Officer, Australian Special Operations Taskforce, hereby promote</a:t>
             </a:r>
-            <a:endParaRPr b="0" lang="en-IN" sz="2000" spc="-1" strike="noStrike">
+            <a:endParaRPr b="0" lang="en-US" sz="2000" spc="-1" strike="noStrike">
               <a:solidFill>
                 <a:srgbClr val="000000"/>
               </a:solidFill>
@@ -13651,7 +13651,7 @@
         <p:spPr>
           <a:xfrm>
             <a:off x="817920" y="6433920"/>
-            <a:ext cx="6495480" cy="577080"/>
+            <a:ext cx="6495120" cy="577080"/>
           </a:xfrm>
           <a:prstGeom prst="rect">
             <a:avLst/>
@@ -13690,7 +13690,7 @@
               </a:rPr>
               <a:t>{name}</a:t>
             </a:r>
-            <a:endParaRPr b="0" lang="en-IN" sz="3200" spc="-1" strike="noStrike">
+            <a:endParaRPr b="0" lang="en-US" sz="3200" spc="-1" strike="noStrike">
               <a:solidFill>
                 <a:srgbClr val="000000"/>
               </a:solidFill>
@@ -13708,7 +13708,7 @@
         <p:spPr>
           <a:xfrm>
             <a:off x="873720" y="7107120"/>
-            <a:ext cx="6495480" cy="699480"/>
+            <a:ext cx="6495120" cy="699480"/>
           </a:xfrm>
           <a:prstGeom prst="rect">
             <a:avLst/>
@@ -13780,7 +13780,7 @@
               </a:rPr>
               <a:t>{date}.</a:t>
             </a:r>
-            <a:endParaRPr b="0" lang="en-IN" sz="2000" spc="-1" strike="noStrike">
+            <a:endParaRPr b="0" lang="en-US" sz="2000" spc="-1" strike="noStrike">
               <a:solidFill>
                 <a:srgbClr val="000000"/>
               </a:solidFill>
@@ -13798,7 +13798,7 @@
         <p:spPr>
           <a:xfrm>
             <a:off x="931680" y="4937040"/>
-            <a:ext cx="6495480" cy="699480"/>
+            <a:ext cx="6495120" cy="699480"/>
           </a:xfrm>
           <a:prstGeom prst="rect">
             <a:avLst/>
@@ -13857,7 +13857,7 @@
               </a:rPr>
               <a:t>has completed all necessary trainings and been deemed suitable in all areas required for promotion.</a:t>
             </a:r>
-            <a:endParaRPr b="0" lang="en-IN" sz="2000" spc="-1" strike="noStrike">
+            <a:endParaRPr b="0" lang="en-US" sz="2000" spc="-1" strike="noStrike">
               <a:solidFill>
                 <a:srgbClr val="000000"/>
               </a:solidFill>
@@ -13879,7 +13879,7 @@
         <p:spPr>
           <a:xfrm>
             <a:off x="3081600" y="1530000"/>
-            <a:ext cx="1958400" cy="1514160"/>
+            <a:ext cx="1958040" cy="1513800"/>
           </a:xfrm>
           <a:prstGeom prst="rect">
             <a:avLst/>
@@ -14048,6 +14048,17 @@
               </a:srgbClr>
             </a:outerShdw>
           </a:effectLst>
+          <a:scene3d>
+            <a:camera prst="orthographicFront">
+              <a:rot lat="0" lon="0" rev="0"/>
+            </a:camera>
+            <a:lightRig rig="threePt" dir="t">
+              <a:rot lat="0" lon="0" rev="1200000"/>
+            </a:lightRig>
+          </a:scene3d>
+          <a:sp3d>
+            <a:bevelT w="63500" h="25400"/>
+          </a:sp3d>
         </a:effectStyle>
       </a:effectStyleLst>
       <a:bgFillStyleLst>
